--- a/project/Project.pptx
+++ b/project/Project.pptx
@@ -3176,7 +3176,31 @@
             </a:pPr>
             <a:r>
               <a:rPr lang="en-US" dirty="0"/>
-              <a:t>Mask the entities in sentences and </a:t>
+              <a:t>Mask the </a:t>
+            </a:r>
+            <a:r>
+              <a:rPr lang="en-US" dirty="0">
+                <a:highlight>
+                  <a:srgbClr val="FFFF00"/>
+                </a:highlight>
+              </a:rPr>
+              <a:t>entities</a:t>
+            </a:r>
+            <a:r>
+              <a:rPr lang="en-US" dirty="0"/>
+              <a:t> in those </a:t>
+            </a:r>
+            <a:r>
+              <a:rPr lang="en-US" dirty="0">
+                <a:highlight>
+                  <a:srgbClr val="00FFFF"/>
+                </a:highlight>
+              </a:rPr>
+              <a:t>sentences</a:t>
+            </a:r>
+            <a:r>
+              <a:rPr lang="en-US" dirty="0"/>
+              <a:t> and </a:t>
             </a:r>
             <a:r>
               <a:rPr lang="en-US" b="1" dirty="0"/>

--- a/project/Project.pptx
+++ b/project/Project.pptx
@@ -6,6 +6,10 @@
   </p:sldMasterIdLst>
   <p:sldIdLst>
     <p:sldId id="258" r:id="rId2"/>
+    <p:sldId id="261" r:id="rId3"/>
+    <p:sldId id="262" r:id="rId4"/>
+    <p:sldId id="260" r:id="rId5"/>
+    <p:sldId id="259" r:id="rId6"/>
   </p:sldIdLst>
   <p:sldSz cx="9906000" cy="6858000" type="A4"/>
   <p:notesSz cx="6858000" cy="9144000"/>
@@ -2985,7 +2989,7 @@
         </p:nvSpPr>
         <p:spPr>
           <a:xfrm>
-            <a:off x="185760" y="225249"/>
+            <a:off x="190156" y="88968"/>
             <a:ext cx="9352657" cy="523220"/>
           </a:xfrm>
           <a:prstGeom prst="rect">
@@ -3033,8 +3037,8 @@
         </p:nvSpPr>
         <p:spPr>
           <a:xfrm>
-            <a:off x="769327" y="1292468"/>
-            <a:ext cx="8721969" cy="5218236"/>
+            <a:off x="417635" y="819882"/>
+            <a:ext cx="9315451" cy="5682030"/>
           </a:xfrm>
           <a:prstGeom prst="rect">
             <a:avLst/>
@@ -3282,8 +3286,75 @@
             </a:r>
             <a:r>
               <a:rPr lang="en-US" dirty="0"/>
-              <a:t>from the sentences in each cluster</a:t>
-            </a:r>
+              <a:t>from the sentences </a:t>
+            </a:r>
+            <a:r>
+              <a:rPr lang="en-US" b="1" dirty="0"/>
+              <a:t>in each cluster</a:t>
+            </a:r>
+          </a:p>
+          <a:p>
+            <a:pPr marL="800100" lvl="1" indent="-342900">
+              <a:buFont typeface="+mj-lt"/>
+              <a:buAutoNum type="alphaLcPeriod"/>
+            </a:pPr>
+            <a:r>
+              <a:rPr lang="en-US" dirty="0"/>
+              <a:t>Attach </a:t>
+            </a:r>
+            <a:r>
+              <a:rPr lang="en-US" dirty="0" err="1">
+                <a:highlight>
+                  <a:srgbClr val="00FFFF"/>
+                </a:highlight>
+              </a:rPr>
+              <a:t>sentence_vector</a:t>
+            </a:r>
+            <a:r>
+              <a:rPr lang="en-US" dirty="0">
+                <a:highlight>
+                  <a:srgbClr val="00FFFF"/>
+                </a:highlight>
+              </a:rPr>
+              <a:t> </a:t>
+            </a:r>
+            <a:r>
+              <a:rPr lang="en-US" dirty="0"/>
+              <a:t>to Relationship: i.e. </a:t>
+            </a:r>
+            <a:r>
+              <a:rPr lang="en-US" b="1" dirty="0"/>
+              <a:t>“ </a:t>
+            </a:r>
+            <a:r>
+              <a:rPr lang="en-US" b="1" dirty="0">
+                <a:highlight>
+                  <a:srgbClr val="00FFFF"/>
+                </a:highlight>
+              </a:rPr>
+              <a:t>-[:EMITTED {vector: </a:t>
+            </a:r>
+            <a:r>
+              <a:rPr lang="en-US" b="1" dirty="0" err="1">
+                <a:highlight>
+                  <a:srgbClr val="00FFFF"/>
+                </a:highlight>
+              </a:rPr>
+              <a:t>sent_vector</a:t>
+            </a:r>
+            <a:r>
+              <a:rPr lang="en-US" b="1" dirty="0">
+                <a:highlight>
+                  <a:srgbClr val="00FFFF"/>
+                </a:highlight>
+              </a:rPr>
+              <a:t>}]-&gt; </a:t>
+            </a:r>
+            <a:r>
+              <a:rPr lang="en-US" b="1" dirty="0"/>
+              <a:t>” </a:t>
+            </a:r>
+            <a:endParaRPr lang="en-US" dirty="0"/>
           </a:p>
           <a:p>
             <a:pPr marL="800100" lvl="1" indent="-342900">
@@ -3302,16 +3373,17 @@
               <a:t>Feed </a:t>
             </a:r>
             <a:r>
-              <a:rPr lang="en-US" dirty="0" err="1"/>
+              <a:rPr lang="en-US" b="1" dirty="0" err="1"/>
               <a:t>neo4j</a:t>
             </a:r>
             <a:r>
+              <a:rPr lang="en-US" b="1" dirty="0"/>
+              <a:t> database </a:t>
+            </a:r>
+            <a:r>
               <a:rPr lang="en-US" dirty="0"/>
-              <a:t> database with:</a:t>
-            </a:r>
-          </a:p>
-          <a:p>
-            <a:pPr lvl="1"/>
+              <a:t>with: </a:t>
+            </a:r>
             <a:r>
               <a:rPr lang="en-US" dirty="0">
                 <a:highlight>
@@ -3330,7 +3402,23 @@
                   <a:srgbClr val="00FFFF"/>
                 </a:highlight>
               </a:rPr>
-              <a:t>-[:RELATION TAG] -&gt;</a:t>
+              <a:t>-[:RELATION TAG {vector: </a:t>
+            </a:r>
+            <a:r>
+              <a:rPr lang="en-US" dirty="0" err="1">
+                <a:highlight>
+                  <a:srgbClr val="00FFFF"/>
+                </a:highlight>
+              </a:rPr>
+              <a:t>sent_vector</a:t>
+            </a:r>
+            <a:r>
+              <a:rPr lang="en-US" dirty="0">
+                <a:highlight>
+                  <a:srgbClr val="00FFFF"/>
+                </a:highlight>
+              </a:rPr>
+              <a:t>}] -&gt;</a:t>
             </a:r>
             <a:r>
               <a:rPr lang="en-US" dirty="0"/>
@@ -3346,6 +3434,82 @@
             </a:r>
           </a:p>
           <a:p>
+            <a:endParaRPr lang="en-US" dirty="0">
+              <a:highlight>
+                <a:srgbClr val="FFFF00"/>
+              </a:highlight>
+            </a:endParaRPr>
+          </a:p>
+          <a:p>
+            <a:pPr marL="342900" indent="-342900">
+              <a:buFont typeface="+mj-lt"/>
+              <a:buAutoNum type="arabicPeriod" startAt="5"/>
+            </a:pPr>
+            <a:r>
+              <a:rPr lang="en-US" dirty="0"/>
+              <a:t>Query: Find </a:t>
+            </a:r>
+            <a:r>
+              <a:rPr lang="en-US" dirty="0">
+                <a:highlight>
+                  <a:srgbClr val="00FFFF"/>
+                </a:highlight>
+              </a:rPr>
+              <a:t>-[:RELATION TAG {vector: </a:t>
+            </a:r>
+            <a:r>
+              <a:rPr lang="en-US" dirty="0" err="1">
+                <a:highlight>
+                  <a:srgbClr val="00FFFF"/>
+                </a:highlight>
+              </a:rPr>
+              <a:t>sent_vector</a:t>
+            </a:r>
+            <a:r>
+              <a:rPr lang="en-US" dirty="0">
+                <a:highlight>
+                  <a:srgbClr val="00FFFF"/>
+                </a:highlight>
+              </a:rPr>
+              <a:t>}] -&gt;</a:t>
+            </a:r>
+            <a:r>
+              <a:rPr lang="en-US" dirty="0"/>
+              <a:t>   </a:t>
+            </a:r>
+            <a:r>
+              <a:rPr lang="en-US" b="1" u="sng" dirty="0">
+                <a:solidFill>
+                  <a:srgbClr val="13DD13"/>
+                </a:solidFill>
+              </a:rPr>
+              <a:t>similar to</a:t>
+            </a:r>
+            <a:r>
+              <a:rPr lang="en-US" dirty="0"/>
+              <a:t>  </a:t>
+            </a:r>
+            <a:r>
+              <a:rPr lang="en-US" dirty="0">
+                <a:highlight>
+                  <a:srgbClr val="FF00FF"/>
+                </a:highlight>
+              </a:rPr>
+              <a:t>Question sentence vector </a:t>
+            </a:r>
+          </a:p>
+          <a:p>
+            <a:pPr lvl="1"/>
+            <a:r>
+              <a:rPr lang="en-US" dirty="0">
+                <a:highlight>
+                  <a:srgbClr val="FFFF00"/>
+                </a:highlight>
+              </a:rPr>
+              <a:t>		</a:t>
+            </a:r>
+          </a:p>
+          <a:p>
             <a:pPr marL="800100" lvl="1" indent="-342900">
               <a:buFont typeface="+mj-lt"/>
               <a:buAutoNum type="alphaLcPeriod"/>
@@ -3371,6 +3535,1050 @@
     <p:extLst>
       <p:ext uri="{BB962C8B-B14F-4D97-AF65-F5344CB8AC3E}">
         <p14:creationId xmlns:p14="http://schemas.microsoft.com/office/powerpoint/2010/main" val="18948563"/>
+      </p:ext>
+    </p:extLst>
+  </p:cSld>
+  <p:clrMapOvr>
+    <a:masterClrMapping/>
+  </p:clrMapOvr>
+</p:sld>
+</file>
+
+<file path=ppt/slides/slide2.xml><?xml version="1.0" encoding="utf-8"?>
+<p:sld xmlns:a="http://schemas.openxmlformats.org/drawingml/2006/main" xmlns:r="http://schemas.openxmlformats.org/officeDocument/2006/relationships" xmlns:p="http://schemas.openxmlformats.org/presentationml/2006/main" show="0">
+  <p:cSld>
+    <p:spTree>
+      <p:nvGrpSpPr>
+        <p:cNvPr id="1" name=""/>
+        <p:cNvGrpSpPr/>
+        <p:nvPr/>
+      </p:nvGrpSpPr>
+      <p:grpSpPr>
+        <a:xfrm>
+          <a:off x="0" y="0"/>
+          <a:ext cx="0" cy="0"/>
+          <a:chOff x="0" y="0"/>
+          <a:chExt cx="0" cy="0"/>
+        </a:xfrm>
+      </p:grpSpPr>
+      <p:sp>
+        <p:nvSpPr>
+          <p:cNvPr id="26" name="Textfeld 25">
+            <a:extLst>
+              <a:ext uri="{FF2B5EF4-FFF2-40B4-BE49-F238E27FC236}">
+                <a16:creationId xmlns:a16="http://schemas.microsoft.com/office/drawing/2014/main" id="{E5229098-1146-2BBD-D75D-639ED2A05A0D}"/>
+              </a:ext>
+            </a:extLst>
+          </p:cNvPr>
+          <p:cNvSpPr txBox="1"/>
+          <p:nvPr/>
+        </p:nvSpPr>
+        <p:spPr>
+          <a:xfrm>
+            <a:off x="190156" y="88968"/>
+            <a:ext cx="9352657" cy="523220"/>
+          </a:xfrm>
+          <a:prstGeom prst="rect">
+            <a:avLst/>
+          </a:prstGeom>
+          <a:noFill/>
+        </p:spPr>
+        <p:txBody>
+          <a:bodyPr wrap="square" rtlCol="0">
+            <a:spAutoFit/>
+          </a:bodyPr>
+          <a:lstStyle/>
+          <a:p>
+            <a:pPr algn="ctr"/>
+            <a:r>
+              <a:rPr lang="en-US" sz="2800" b="1" dirty="0" err="1"/>
+              <a:t>UASFRA</a:t>
+            </a:r>
+            <a:r>
+              <a:rPr lang="en-US" sz="2800" b="1" dirty="0"/>
+              <a:t>-MS-</a:t>
+            </a:r>
+            <a:r>
+              <a:rPr lang="en-US" sz="2800" b="1" dirty="0" err="1"/>
+              <a:t>PROJDIGI</a:t>
+            </a:r>
+            <a:r>
+              <a:rPr lang="en-US" sz="2800" b="1" dirty="0"/>
+              <a:t>: Group 4: The plan ahead</a:t>
+            </a:r>
+          </a:p>
+        </p:txBody>
+      </p:sp>
+      <p:pic>
+        <p:nvPicPr>
+          <p:cNvPr id="3074" name="Picture 2">
+            <a:extLst>
+              <a:ext uri="{FF2B5EF4-FFF2-40B4-BE49-F238E27FC236}">
+                <a16:creationId xmlns:a16="http://schemas.microsoft.com/office/drawing/2014/main" id="{5450B4E5-1CE4-3BD6-A20E-FE76AF0FC57E}"/>
+              </a:ext>
+            </a:extLst>
+          </p:cNvPr>
+          <p:cNvPicPr>
+            <a:picLocks noChangeAspect="1" noChangeArrowheads="1"/>
+          </p:cNvPicPr>
+          <p:nvPr/>
+        </p:nvPicPr>
+        <p:blipFill>
+          <a:blip r:embed="rId2">
+            <a:extLst>
+              <a:ext uri="{28A0092B-C50C-407E-A947-70E740481C1C}">
+                <a14:useLocalDpi xmlns:a14="http://schemas.microsoft.com/office/drawing/2010/main" val="0"/>
+              </a:ext>
+            </a:extLst>
+          </a:blip>
+          <a:srcRect/>
+          <a:stretch>
+            <a:fillRect/>
+          </a:stretch>
+        </p:blipFill>
+        <p:spPr bwMode="auto">
+          <a:xfrm>
+            <a:off x="2313476" y="1508248"/>
+            <a:ext cx="5191125" cy="2619375"/>
+          </a:xfrm>
+          <a:prstGeom prst="rect">
+            <a:avLst/>
+          </a:prstGeom>
+          <a:noFill/>
+          <a:extLst>
+            <a:ext uri="{909E8E84-426E-40DD-AFC4-6F175D3DCCD1}">
+              <a14:hiddenFill xmlns:a14="http://schemas.microsoft.com/office/drawing/2010/main">
+                <a:solidFill>
+                  <a:srgbClr val="FFFFFF"/>
+                </a:solidFill>
+              </a14:hiddenFill>
+            </a:ext>
+          </a:extLst>
+        </p:spPr>
+      </p:pic>
+    </p:spTree>
+    <p:extLst>
+      <p:ext uri="{BB962C8B-B14F-4D97-AF65-F5344CB8AC3E}">
+        <p14:creationId xmlns:p14="http://schemas.microsoft.com/office/powerpoint/2010/main" val="2012503455"/>
+      </p:ext>
+    </p:extLst>
+  </p:cSld>
+  <p:clrMapOvr>
+    <a:masterClrMapping/>
+  </p:clrMapOvr>
+</p:sld>
+</file>
+
+<file path=ppt/slides/slide3.xml><?xml version="1.0" encoding="utf-8"?>
+<p:sld xmlns:a="http://schemas.openxmlformats.org/drawingml/2006/main" xmlns:r="http://schemas.openxmlformats.org/officeDocument/2006/relationships" xmlns:p="http://schemas.openxmlformats.org/presentationml/2006/main" show="0">
+  <p:cSld>
+    <p:spTree>
+      <p:nvGrpSpPr>
+        <p:cNvPr id="1" name=""/>
+        <p:cNvGrpSpPr/>
+        <p:nvPr/>
+      </p:nvGrpSpPr>
+      <p:grpSpPr>
+        <a:xfrm>
+          <a:off x="0" y="0"/>
+          <a:ext cx="0" cy="0"/>
+          <a:chOff x="0" y="0"/>
+          <a:chExt cx="0" cy="0"/>
+        </a:xfrm>
+      </p:grpSpPr>
+      <p:sp>
+        <p:nvSpPr>
+          <p:cNvPr id="26" name="Textfeld 25">
+            <a:extLst>
+              <a:ext uri="{FF2B5EF4-FFF2-40B4-BE49-F238E27FC236}">
+                <a16:creationId xmlns:a16="http://schemas.microsoft.com/office/drawing/2014/main" id="{E5229098-1146-2BBD-D75D-639ED2A05A0D}"/>
+              </a:ext>
+            </a:extLst>
+          </p:cNvPr>
+          <p:cNvSpPr txBox="1"/>
+          <p:nvPr/>
+        </p:nvSpPr>
+        <p:spPr>
+          <a:xfrm>
+            <a:off x="190156" y="88968"/>
+            <a:ext cx="9352657" cy="523220"/>
+          </a:xfrm>
+          <a:prstGeom prst="rect">
+            <a:avLst/>
+          </a:prstGeom>
+          <a:noFill/>
+        </p:spPr>
+        <p:txBody>
+          <a:bodyPr wrap="square" rtlCol="0">
+            <a:spAutoFit/>
+          </a:bodyPr>
+          <a:lstStyle/>
+          <a:p>
+            <a:pPr algn="ctr"/>
+            <a:r>
+              <a:rPr lang="en-US" sz="2800" b="1" dirty="0" err="1"/>
+              <a:t>spaCy</a:t>
+            </a:r>
+            <a:endParaRPr lang="en-US" sz="2800" b="1" dirty="0"/>
+          </a:p>
+        </p:txBody>
+      </p:sp>
+      <p:pic>
+        <p:nvPicPr>
+          <p:cNvPr id="2" name="Grafik 1">
+            <a:extLst>
+              <a:ext uri="{FF2B5EF4-FFF2-40B4-BE49-F238E27FC236}">
+                <a16:creationId xmlns:a16="http://schemas.microsoft.com/office/drawing/2014/main" id="{874ADAFB-B18D-3ED4-390C-3B56C1AD65B3}"/>
+              </a:ext>
+            </a:extLst>
+          </p:cNvPr>
+          <p:cNvPicPr>
+            <a:picLocks noChangeAspect="1"/>
+          </p:cNvPicPr>
+          <p:nvPr/>
+        </p:nvPicPr>
+        <p:blipFill>
+          <a:blip r:embed="rId2"/>
+          <a:stretch>
+            <a:fillRect/>
+          </a:stretch>
+        </p:blipFill>
+        <p:spPr>
+          <a:xfrm>
+            <a:off x="1219200" y="1180733"/>
+            <a:ext cx="7124700" cy="1533525"/>
+          </a:xfrm>
+          <a:prstGeom prst="rect">
+            <a:avLst/>
+          </a:prstGeom>
+        </p:spPr>
+      </p:pic>
+      <p:pic>
+        <p:nvPicPr>
+          <p:cNvPr id="6" name="Grafik 5" descr="Fragezeichen mit einfarbiger Füllung">
+            <a:extLst>
+              <a:ext uri="{FF2B5EF4-FFF2-40B4-BE49-F238E27FC236}">
+                <a16:creationId xmlns:a16="http://schemas.microsoft.com/office/drawing/2014/main" id="{B3EFCB69-1065-3546-F96C-DF5A9A953D83}"/>
+              </a:ext>
+            </a:extLst>
+          </p:cNvPr>
+          <p:cNvPicPr>
+            <a:picLocks noChangeAspect="1"/>
+          </p:cNvPicPr>
+          <p:nvPr/>
+        </p:nvPicPr>
+        <p:blipFill>
+          <a:blip r:embed="rId3">
+            <a:extLst>
+              <a:ext uri="{28A0092B-C50C-407E-A947-70E740481C1C}">
+                <a14:useLocalDpi xmlns:a14="http://schemas.microsoft.com/office/drawing/2010/main" val="0"/>
+              </a:ext>
+              <a:ext uri="{96DAC541-7B7A-43D3-8B79-37D633B846F1}">
+                <asvg:svgBlip xmlns:asvg="http://schemas.microsoft.com/office/drawing/2016/SVG/main" r:embed="rId4"/>
+              </a:ext>
+            </a:extLst>
+          </a:blip>
+          <a:stretch>
+            <a:fillRect/>
+          </a:stretch>
+        </p:blipFill>
+        <p:spPr>
+          <a:xfrm>
+            <a:off x="3994638" y="2368403"/>
+            <a:ext cx="914400" cy="914400"/>
+          </a:xfrm>
+          <a:prstGeom prst="rect">
+            <a:avLst/>
+          </a:prstGeom>
+        </p:spPr>
+      </p:pic>
+      <p:sp>
+        <p:nvSpPr>
+          <p:cNvPr id="7" name="Multiplikationszeichen 6">
+            <a:extLst>
+              <a:ext uri="{FF2B5EF4-FFF2-40B4-BE49-F238E27FC236}">
+                <a16:creationId xmlns:a16="http://schemas.microsoft.com/office/drawing/2014/main" id="{16F0A049-77D0-33F6-B3A5-9A345008BF1B}"/>
+              </a:ext>
+            </a:extLst>
+          </p:cNvPr>
+          <p:cNvSpPr/>
+          <p:nvPr/>
+        </p:nvSpPr>
+        <p:spPr>
+          <a:xfrm>
+            <a:off x="7200900" y="1414493"/>
+            <a:ext cx="1208943" cy="1411110"/>
+          </a:xfrm>
+          <a:prstGeom prst="mathMultiply">
+            <a:avLst/>
+          </a:prstGeom>
+          <a:solidFill>
+            <a:srgbClr val="FF0000"/>
+          </a:solidFill>
+        </p:spPr>
+        <p:style>
+          <a:lnRef idx="2">
+            <a:schemeClr val="accent1">
+              <a:shade val="15000"/>
+            </a:schemeClr>
+          </a:lnRef>
+          <a:fillRef idx="1">
+            <a:schemeClr val="accent1"/>
+          </a:fillRef>
+          <a:effectRef idx="0">
+            <a:schemeClr val="accent1"/>
+          </a:effectRef>
+          <a:fontRef idx="minor">
+            <a:schemeClr val="lt1"/>
+          </a:fontRef>
+        </p:style>
+        <p:txBody>
+          <a:bodyPr rtlCol="0" anchor="ctr"/>
+          <a:lstStyle/>
+          <a:p>
+            <a:pPr algn="ctr"/>
+            <a:endParaRPr lang="en-US"/>
+          </a:p>
+        </p:txBody>
+      </p:sp>
+    </p:spTree>
+    <p:extLst>
+      <p:ext uri="{BB962C8B-B14F-4D97-AF65-F5344CB8AC3E}">
+        <p14:creationId xmlns:p14="http://schemas.microsoft.com/office/powerpoint/2010/main" val="783836180"/>
+      </p:ext>
+    </p:extLst>
+  </p:cSld>
+  <p:clrMapOvr>
+    <a:masterClrMapping/>
+  </p:clrMapOvr>
+</p:sld>
+</file>
+
+<file path=ppt/slides/slide4.xml><?xml version="1.0" encoding="utf-8"?>
+<p:sld xmlns:a="http://schemas.openxmlformats.org/drawingml/2006/main" xmlns:r="http://schemas.openxmlformats.org/officeDocument/2006/relationships" xmlns:p="http://schemas.openxmlformats.org/presentationml/2006/main" show="0">
+  <p:cSld>
+    <p:spTree>
+      <p:nvGrpSpPr>
+        <p:cNvPr id="1" name=""/>
+        <p:cNvGrpSpPr/>
+        <p:nvPr/>
+      </p:nvGrpSpPr>
+      <p:grpSpPr>
+        <a:xfrm>
+          <a:off x="0" y="0"/>
+          <a:ext cx="0" cy="0"/>
+          <a:chOff x="0" y="0"/>
+          <a:chExt cx="0" cy="0"/>
+        </a:xfrm>
+      </p:grpSpPr>
+      <p:sp>
+        <p:nvSpPr>
+          <p:cNvPr id="26" name="Textfeld 25">
+            <a:extLst>
+              <a:ext uri="{FF2B5EF4-FFF2-40B4-BE49-F238E27FC236}">
+                <a16:creationId xmlns:a16="http://schemas.microsoft.com/office/drawing/2014/main" id="{E5229098-1146-2BBD-D75D-639ED2A05A0D}"/>
+              </a:ext>
+            </a:extLst>
+          </p:cNvPr>
+          <p:cNvSpPr txBox="1"/>
+          <p:nvPr/>
+        </p:nvSpPr>
+        <p:spPr>
+          <a:xfrm>
+            <a:off x="190156" y="88968"/>
+            <a:ext cx="9352657" cy="523220"/>
+          </a:xfrm>
+          <a:prstGeom prst="rect">
+            <a:avLst/>
+          </a:prstGeom>
+          <a:noFill/>
+        </p:spPr>
+        <p:txBody>
+          <a:bodyPr wrap="square" rtlCol="0">
+            <a:spAutoFit/>
+          </a:bodyPr>
+          <a:lstStyle/>
+          <a:p>
+            <a:pPr algn="ctr"/>
+            <a:r>
+              <a:rPr lang="en-US" sz="2800" b="1" dirty="0" err="1"/>
+              <a:t>UASFRA</a:t>
+            </a:r>
+            <a:r>
+              <a:rPr lang="en-US" sz="2800" b="1" dirty="0"/>
+              <a:t>-MS-</a:t>
+            </a:r>
+            <a:r>
+              <a:rPr lang="en-US" sz="2800" b="1" dirty="0" err="1"/>
+              <a:t>PROJDIGI</a:t>
+            </a:r>
+            <a:r>
+              <a:rPr lang="en-US" sz="2800" b="1" dirty="0"/>
+              <a:t>: Group 4: The plan ahead</a:t>
+            </a:r>
+          </a:p>
+        </p:txBody>
+      </p:sp>
+      <p:pic>
+        <p:nvPicPr>
+          <p:cNvPr id="2052" name="Picture 4">
+            <a:extLst>
+              <a:ext uri="{FF2B5EF4-FFF2-40B4-BE49-F238E27FC236}">
+                <a16:creationId xmlns:a16="http://schemas.microsoft.com/office/drawing/2014/main" id="{2ACE155D-2DDE-B917-7A2F-C0EE29B2328D}"/>
+              </a:ext>
+            </a:extLst>
+          </p:cNvPr>
+          <p:cNvPicPr>
+            <a:picLocks noChangeAspect="1" noChangeArrowheads="1"/>
+          </p:cNvPicPr>
+          <p:nvPr/>
+        </p:nvPicPr>
+        <p:blipFill>
+          <a:blip r:embed="rId2">
+            <a:extLst>
+              <a:ext uri="{28A0092B-C50C-407E-A947-70E740481C1C}">
+                <a14:useLocalDpi xmlns:a14="http://schemas.microsoft.com/office/drawing/2010/main" val="0"/>
+              </a:ext>
+            </a:extLst>
+          </a:blip>
+          <a:srcRect/>
+          <a:stretch>
+            <a:fillRect/>
+          </a:stretch>
+        </p:blipFill>
+        <p:spPr bwMode="auto">
+          <a:xfrm>
+            <a:off x="644499" y="1576062"/>
+            <a:ext cx="8617001" cy="4301596"/>
+          </a:xfrm>
+          <a:prstGeom prst="rect">
+            <a:avLst/>
+          </a:prstGeom>
+          <a:noFill/>
+          <a:ln>
+            <a:solidFill>
+              <a:schemeClr val="accent1"/>
+            </a:solidFill>
+          </a:ln>
+          <a:extLst>
+            <a:ext uri="{909E8E84-426E-40DD-AFC4-6F175D3DCCD1}">
+              <a14:hiddenFill xmlns:a14="http://schemas.microsoft.com/office/drawing/2010/main">
+                <a:solidFill>
+                  <a:srgbClr val="FFFFFF"/>
+                </a:solidFill>
+              </a14:hiddenFill>
+            </a:ext>
+          </a:extLst>
+        </p:spPr>
+      </p:pic>
+      <p:sp>
+        <p:nvSpPr>
+          <p:cNvPr id="3" name="Textfeld 2">
+            <a:extLst>
+              <a:ext uri="{FF2B5EF4-FFF2-40B4-BE49-F238E27FC236}">
+                <a16:creationId xmlns:a16="http://schemas.microsoft.com/office/drawing/2014/main" id="{5802FE33-C0F4-176F-D49C-BB740DF8ED0E}"/>
+              </a:ext>
+            </a:extLst>
+          </p:cNvPr>
+          <p:cNvSpPr txBox="1"/>
+          <p:nvPr/>
+        </p:nvSpPr>
+        <p:spPr>
+          <a:xfrm>
+            <a:off x="1665350" y="1004792"/>
+            <a:ext cx="6669757" cy="369332"/>
+          </a:xfrm>
+          <a:prstGeom prst="rect">
+            <a:avLst/>
+          </a:prstGeom>
+          <a:noFill/>
+        </p:spPr>
+        <p:txBody>
+          <a:bodyPr wrap="square" rtlCol="0">
+            <a:spAutoFit/>
+          </a:bodyPr>
+          <a:lstStyle/>
+          <a:p>
+            <a:r>
+              <a:rPr lang="de-DE" b="1" i="0" dirty="0">
+                <a:solidFill>
+                  <a:srgbClr val="242424"/>
+                </a:solidFill>
+                <a:effectLst/>
+                <a:latin typeface="sohne"/>
+              </a:rPr>
+              <a:t>Query </a:t>
+            </a:r>
+            <a:r>
+              <a:rPr lang="de-DE" b="1" i="0" dirty="0" err="1">
+                <a:solidFill>
+                  <a:srgbClr val="242424"/>
+                </a:solidFill>
+                <a:effectLst/>
+                <a:latin typeface="sohne"/>
+              </a:rPr>
+              <a:t>similar</a:t>
+            </a:r>
+            <a:r>
+              <a:rPr lang="de-DE" b="1" i="0" dirty="0">
+                <a:solidFill>
+                  <a:srgbClr val="242424"/>
+                </a:solidFill>
+                <a:effectLst/>
+                <a:latin typeface="sohne"/>
+              </a:rPr>
+              <a:t> </a:t>
+            </a:r>
+            <a:r>
+              <a:rPr lang="de-DE" b="1" i="0" dirty="0" err="1">
+                <a:solidFill>
+                  <a:srgbClr val="242424"/>
+                </a:solidFill>
+                <a:effectLst/>
+                <a:latin typeface="sohne"/>
+              </a:rPr>
+              <a:t>to</a:t>
+            </a:r>
+            <a:r>
+              <a:rPr lang="de-DE" b="1" dirty="0">
+                <a:solidFill>
+                  <a:srgbClr val="242424"/>
+                </a:solidFill>
+                <a:latin typeface="sohne"/>
+              </a:rPr>
+              <a:t>:</a:t>
+            </a:r>
+            <a:r>
+              <a:rPr lang="de-DE" b="1" i="0" dirty="0">
+                <a:solidFill>
+                  <a:srgbClr val="242424"/>
+                </a:solidFill>
+                <a:effectLst/>
+                <a:latin typeface="sohne"/>
+              </a:rPr>
+              <a:t> Retrieval-</a:t>
+            </a:r>
+            <a:r>
+              <a:rPr lang="de-DE" b="1" i="0" dirty="0" err="1">
+                <a:solidFill>
+                  <a:srgbClr val="242424"/>
+                </a:solidFill>
+                <a:effectLst/>
+                <a:latin typeface="sohne"/>
+              </a:rPr>
+              <a:t>Augmented</a:t>
+            </a:r>
+            <a:r>
+              <a:rPr lang="de-DE" b="1" i="0" dirty="0">
+                <a:solidFill>
+                  <a:srgbClr val="242424"/>
+                </a:solidFill>
+                <a:effectLst/>
+                <a:latin typeface="sohne"/>
+              </a:rPr>
+              <a:t> Question-</a:t>
+            </a:r>
+            <a:r>
+              <a:rPr lang="de-DE" b="1" i="0" dirty="0" err="1">
+                <a:solidFill>
+                  <a:srgbClr val="242424"/>
+                </a:solidFill>
+                <a:effectLst/>
+                <a:latin typeface="sohne"/>
+              </a:rPr>
+              <a:t>Answering</a:t>
+            </a:r>
+            <a:r>
+              <a:rPr lang="de-DE" b="1" i="0" dirty="0">
+                <a:solidFill>
+                  <a:srgbClr val="242424"/>
+                </a:solidFill>
+                <a:effectLst/>
+                <a:latin typeface="sohne"/>
+              </a:rPr>
+              <a:t> </a:t>
+            </a:r>
+            <a:r>
+              <a:rPr lang="de-DE" b="1" i="0" dirty="0" err="1">
+                <a:solidFill>
+                  <a:srgbClr val="242424"/>
+                </a:solidFill>
+                <a:effectLst/>
+                <a:latin typeface="sohne"/>
+              </a:rPr>
+              <a:t>LLMs</a:t>
+            </a:r>
+            <a:r>
+              <a:rPr lang="de-DE" b="1" i="0" dirty="0">
+                <a:solidFill>
+                  <a:srgbClr val="242424"/>
+                </a:solidFill>
+                <a:effectLst/>
+                <a:latin typeface="sohne"/>
+              </a:rPr>
+              <a:t>:</a:t>
+            </a:r>
+          </a:p>
+        </p:txBody>
+      </p:sp>
+      <p:sp>
+        <p:nvSpPr>
+          <p:cNvPr id="4" name="Multiplikationszeichen 3">
+            <a:extLst>
+              <a:ext uri="{FF2B5EF4-FFF2-40B4-BE49-F238E27FC236}">
+                <a16:creationId xmlns:a16="http://schemas.microsoft.com/office/drawing/2014/main" id="{DD8DF273-C792-1015-D1DE-20A5DE6748DD}"/>
+              </a:ext>
+            </a:extLst>
+          </p:cNvPr>
+          <p:cNvSpPr/>
+          <p:nvPr/>
+        </p:nvSpPr>
+        <p:spPr>
+          <a:xfrm>
+            <a:off x="4580793" y="1393636"/>
+            <a:ext cx="1806819" cy="1850781"/>
+          </a:xfrm>
+          <a:prstGeom prst="mathMultiply">
+            <a:avLst/>
+          </a:prstGeom>
+          <a:solidFill>
+            <a:srgbClr val="FF0000"/>
+          </a:solidFill>
+        </p:spPr>
+        <p:style>
+          <a:lnRef idx="2">
+            <a:schemeClr val="accent1">
+              <a:shade val="15000"/>
+            </a:schemeClr>
+          </a:lnRef>
+          <a:fillRef idx="1">
+            <a:schemeClr val="accent1"/>
+          </a:fillRef>
+          <a:effectRef idx="0">
+            <a:schemeClr val="accent1"/>
+          </a:effectRef>
+          <a:fontRef idx="minor">
+            <a:schemeClr val="lt1"/>
+          </a:fontRef>
+        </p:style>
+        <p:txBody>
+          <a:bodyPr rtlCol="0" anchor="ctr"/>
+          <a:lstStyle/>
+          <a:p>
+            <a:pPr algn="ctr"/>
+            <a:endParaRPr lang="en-US"/>
+          </a:p>
+        </p:txBody>
+      </p:sp>
+      <p:sp>
+        <p:nvSpPr>
+          <p:cNvPr id="5" name="Multiplikationszeichen 4">
+            <a:extLst>
+              <a:ext uri="{FF2B5EF4-FFF2-40B4-BE49-F238E27FC236}">
+                <a16:creationId xmlns:a16="http://schemas.microsoft.com/office/drawing/2014/main" id="{AABB67CD-79EC-0A26-3568-2D7B0086D642}"/>
+              </a:ext>
+            </a:extLst>
+          </p:cNvPr>
+          <p:cNvSpPr/>
+          <p:nvPr/>
+        </p:nvSpPr>
+        <p:spPr>
+          <a:xfrm>
+            <a:off x="6843347" y="1357001"/>
+            <a:ext cx="1806819" cy="1850781"/>
+          </a:xfrm>
+          <a:prstGeom prst="mathMultiply">
+            <a:avLst/>
+          </a:prstGeom>
+          <a:solidFill>
+            <a:srgbClr val="FF0000"/>
+          </a:solidFill>
+        </p:spPr>
+        <p:style>
+          <a:lnRef idx="2">
+            <a:schemeClr val="accent1">
+              <a:shade val="15000"/>
+            </a:schemeClr>
+          </a:lnRef>
+          <a:fillRef idx="1">
+            <a:schemeClr val="accent1"/>
+          </a:fillRef>
+          <a:effectRef idx="0">
+            <a:schemeClr val="accent1"/>
+          </a:effectRef>
+          <a:fontRef idx="minor">
+            <a:schemeClr val="lt1"/>
+          </a:fontRef>
+        </p:style>
+        <p:txBody>
+          <a:bodyPr rtlCol="0" anchor="ctr"/>
+          <a:lstStyle/>
+          <a:p>
+            <a:pPr algn="ctr"/>
+            <a:endParaRPr lang="en-US"/>
+          </a:p>
+        </p:txBody>
+      </p:sp>
+      <p:sp>
+        <p:nvSpPr>
+          <p:cNvPr id="8" name="Rechteck 7">
+            <a:extLst>
+              <a:ext uri="{FF2B5EF4-FFF2-40B4-BE49-F238E27FC236}">
+                <a16:creationId xmlns:a16="http://schemas.microsoft.com/office/drawing/2014/main" id="{09D1B4C3-87BE-79DB-CFF5-7AF54748A721}"/>
+              </a:ext>
+            </a:extLst>
+          </p:cNvPr>
+          <p:cNvSpPr/>
+          <p:nvPr/>
+        </p:nvSpPr>
+        <p:spPr>
+          <a:xfrm>
+            <a:off x="4079295" y="3552092"/>
+            <a:ext cx="730097" cy="518747"/>
+          </a:xfrm>
+          <a:prstGeom prst="rect">
+            <a:avLst/>
+          </a:prstGeom>
+          <a:solidFill>
+            <a:schemeClr val="bg1"/>
+          </a:solidFill>
+          <a:ln>
+            <a:noFill/>
+          </a:ln>
+        </p:spPr>
+        <p:style>
+          <a:lnRef idx="2">
+            <a:schemeClr val="accent1">
+              <a:shade val="15000"/>
+            </a:schemeClr>
+          </a:lnRef>
+          <a:fillRef idx="1">
+            <a:schemeClr val="accent1"/>
+          </a:fillRef>
+          <a:effectRef idx="0">
+            <a:schemeClr val="accent1"/>
+          </a:effectRef>
+          <a:fontRef idx="minor">
+            <a:schemeClr val="lt1"/>
+          </a:fontRef>
+        </p:style>
+        <p:txBody>
+          <a:bodyPr rtlCol="0" anchor="ctr"/>
+          <a:lstStyle/>
+          <a:p>
+            <a:pPr algn="ctr"/>
+            <a:endParaRPr lang="en-US"/>
+          </a:p>
+        </p:txBody>
+      </p:sp>
+      <p:pic>
+        <p:nvPicPr>
+          <p:cNvPr id="7" name="Grafik 6">
+            <a:extLst>
+              <a:ext uri="{FF2B5EF4-FFF2-40B4-BE49-F238E27FC236}">
+                <a16:creationId xmlns:a16="http://schemas.microsoft.com/office/drawing/2014/main" id="{B945CF0E-F9A8-83CA-59F2-04CD320208AD}"/>
+              </a:ext>
+            </a:extLst>
+          </p:cNvPr>
+          <p:cNvPicPr>
+            <a:picLocks noChangeAspect="1"/>
+          </p:cNvPicPr>
+          <p:nvPr/>
+        </p:nvPicPr>
+        <p:blipFill>
+          <a:blip r:embed="rId3"/>
+          <a:stretch>
+            <a:fillRect/>
+          </a:stretch>
+        </p:blipFill>
+        <p:spPr>
+          <a:xfrm rot="5400000">
+            <a:off x="2346000" y="3909228"/>
+            <a:ext cx="3906853" cy="468129"/>
+          </a:xfrm>
+          <a:prstGeom prst="rect">
+            <a:avLst/>
+          </a:prstGeom>
+        </p:spPr>
+      </p:pic>
+      <p:pic>
+        <p:nvPicPr>
+          <p:cNvPr id="10" name="Grafik 9">
+            <a:extLst>
+              <a:ext uri="{FF2B5EF4-FFF2-40B4-BE49-F238E27FC236}">
+                <a16:creationId xmlns:a16="http://schemas.microsoft.com/office/drawing/2014/main" id="{12D8C6C6-FCFC-65C8-AD0E-2C12EF5279EE}"/>
+              </a:ext>
+            </a:extLst>
+          </p:cNvPr>
+          <p:cNvPicPr>
+            <a:picLocks noChangeAspect="1"/>
+          </p:cNvPicPr>
+          <p:nvPr/>
+        </p:nvPicPr>
+        <p:blipFill>
+          <a:blip r:embed="rId4"/>
+          <a:stretch>
+            <a:fillRect/>
+          </a:stretch>
+        </p:blipFill>
+        <p:spPr>
+          <a:xfrm>
+            <a:off x="1454779" y="1596250"/>
+            <a:ext cx="2670279" cy="493819"/>
+          </a:xfrm>
+          <a:prstGeom prst="rect">
+            <a:avLst/>
+          </a:prstGeom>
+        </p:spPr>
+      </p:pic>
+      <p:sp>
+        <p:nvSpPr>
+          <p:cNvPr id="13" name="Rechteck 12">
+            <a:extLst>
+              <a:ext uri="{FF2B5EF4-FFF2-40B4-BE49-F238E27FC236}">
+                <a16:creationId xmlns:a16="http://schemas.microsoft.com/office/drawing/2014/main" id="{96A874B8-BFA4-6CF8-7705-9387D9CC95D5}"/>
+              </a:ext>
+            </a:extLst>
+          </p:cNvPr>
+          <p:cNvSpPr/>
+          <p:nvPr/>
+        </p:nvSpPr>
+        <p:spPr>
+          <a:xfrm>
+            <a:off x="2595873" y="3417661"/>
+            <a:ext cx="730097" cy="518747"/>
+          </a:xfrm>
+          <a:prstGeom prst="rect">
+            <a:avLst/>
+          </a:prstGeom>
+          <a:solidFill>
+            <a:schemeClr val="bg1"/>
+          </a:solidFill>
+          <a:ln>
+            <a:noFill/>
+          </a:ln>
+        </p:spPr>
+        <p:style>
+          <a:lnRef idx="2">
+            <a:schemeClr val="accent1">
+              <a:shade val="15000"/>
+            </a:schemeClr>
+          </a:lnRef>
+          <a:fillRef idx="1">
+            <a:schemeClr val="accent1"/>
+          </a:fillRef>
+          <a:effectRef idx="0">
+            <a:schemeClr val="accent1"/>
+          </a:effectRef>
+          <a:fontRef idx="minor">
+            <a:schemeClr val="lt1"/>
+          </a:fontRef>
+        </p:style>
+        <p:txBody>
+          <a:bodyPr rtlCol="0" anchor="ctr"/>
+          <a:lstStyle/>
+          <a:p>
+            <a:pPr algn="ctr"/>
+            <a:endParaRPr lang="en-US"/>
+          </a:p>
+        </p:txBody>
+      </p:sp>
+      <p:pic>
+        <p:nvPicPr>
+          <p:cNvPr id="12" name="Grafik 11">
+            <a:extLst>
+              <a:ext uri="{FF2B5EF4-FFF2-40B4-BE49-F238E27FC236}">
+                <a16:creationId xmlns:a16="http://schemas.microsoft.com/office/drawing/2014/main" id="{BF2FA10C-C09E-BCBA-F6EC-56C8DB8FF63B}"/>
+              </a:ext>
+            </a:extLst>
+          </p:cNvPr>
+          <p:cNvPicPr>
+            <a:picLocks noChangeAspect="1"/>
+          </p:cNvPicPr>
+          <p:nvPr/>
+        </p:nvPicPr>
+        <p:blipFill>
+          <a:blip r:embed="rId5"/>
+          <a:stretch>
+            <a:fillRect/>
+          </a:stretch>
+        </p:blipFill>
+        <p:spPr>
+          <a:xfrm rot="5400000">
+            <a:off x="1829876" y="3639120"/>
+            <a:ext cx="2377646" cy="493819"/>
+          </a:xfrm>
+          <a:prstGeom prst="rect">
+            <a:avLst/>
+          </a:prstGeom>
+        </p:spPr>
+      </p:pic>
+    </p:spTree>
+    <p:extLst>
+      <p:ext uri="{BB962C8B-B14F-4D97-AF65-F5344CB8AC3E}">
+        <p14:creationId xmlns:p14="http://schemas.microsoft.com/office/powerpoint/2010/main" val="3729833070"/>
+      </p:ext>
+    </p:extLst>
+  </p:cSld>
+  <p:clrMapOvr>
+    <a:masterClrMapping/>
+  </p:clrMapOvr>
+</p:sld>
+</file>
+
+<file path=ppt/slides/slide5.xml><?xml version="1.0" encoding="utf-8"?>
+<p:sld xmlns:a="http://schemas.openxmlformats.org/drawingml/2006/main" xmlns:r="http://schemas.openxmlformats.org/officeDocument/2006/relationships" xmlns:p="http://schemas.openxmlformats.org/presentationml/2006/main" show="0">
+  <p:cSld>
+    <p:spTree>
+      <p:nvGrpSpPr>
+        <p:cNvPr id="1" name=""/>
+        <p:cNvGrpSpPr/>
+        <p:nvPr/>
+      </p:nvGrpSpPr>
+      <p:grpSpPr>
+        <a:xfrm>
+          <a:off x="0" y="0"/>
+          <a:ext cx="0" cy="0"/>
+          <a:chOff x="0" y="0"/>
+          <a:chExt cx="0" cy="0"/>
+        </a:xfrm>
+      </p:grpSpPr>
+      <p:sp>
+        <p:nvSpPr>
+          <p:cNvPr id="26" name="Textfeld 25">
+            <a:extLst>
+              <a:ext uri="{FF2B5EF4-FFF2-40B4-BE49-F238E27FC236}">
+                <a16:creationId xmlns:a16="http://schemas.microsoft.com/office/drawing/2014/main" id="{E5229098-1146-2BBD-D75D-639ED2A05A0D}"/>
+              </a:ext>
+            </a:extLst>
+          </p:cNvPr>
+          <p:cNvSpPr txBox="1"/>
+          <p:nvPr/>
+        </p:nvSpPr>
+        <p:spPr>
+          <a:xfrm>
+            <a:off x="190156" y="88968"/>
+            <a:ext cx="9352657" cy="523220"/>
+          </a:xfrm>
+          <a:prstGeom prst="rect">
+            <a:avLst/>
+          </a:prstGeom>
+          <a:noFill/>
+        </p:spPr>
+        <p:txBody>
+          <a:bodyPr wrap="square" rtlCol="0">
+            <a:spAutoFit/>
+          </a:bodyPr>
+          <a:lstStyle/>
+          <a:p>
+            <a:pPr algn="ctr"/>
+            <a:r>
+              <a:rPr lang="en-US" sz="2800" b="1" dirty="0" err="1"/>
+              <a:t>UASFRA</a:t>
+            </a:r>
+            <a:r>
+              <a:rPr lang="en-US" sz="2800" b="1" dirty="0"/>
+              <a:t>-MS-</a:t>
+            </a:r>
+            <a:r>
+              <a:rPr lang="en-US" sz="2800" b="1" dirty="0" err="1"/>
+              <a:t>PROJDIGI</a:t>
+            </a:r>
+            <a:r>
+              <a:rPr lang="en-US" sz="2800" b="1" dirty="0"/>
+              <a:t>: Group 4: The plan ahead</a:t>
+            </a:r>
+          </a:p>
+        </p:txBody>
+      </p:sp>
+      <p:pic>
+        <p:nvPicPr>
+          <p:cNvPr id="1026" name="Picture 2" descr="Example sequence diagram of KG creation could look like">
+            <a:extLst>
+              <a:ext uri="{FF2B5EF4-FFF2-40B4-BE49-F238E27FC236}">
+                <a16:creationId xmlns:a16="http://schemas.microsoft.com/office/drawing/2014/main" id="{D4E0178C-1400-E4B5-BA5A-4C68D8F32924}"/>
+              </a:ext>
+            </a:extLst>
+          </p:cNvPr>
+          <p:cNvPicPr>
+            <a:picLocks noChangeAspect="1" noChangeArrowheads="1"/>
+          </p:cNvPicPr>
+          <p:nvPr/>
+        </p:nvPicPr>
+        <p:blipFill>
+          <a:blip r:embed="rId2">
+            <a:extLst>
+              <a:ext uri="{28A0092B-C50C-407E-A947-70E740481C1C}">
+                <a14:useLocalDpi xmlns:a14="http://schemas.microsoft.com/office/drawing/2010/main" val="0"/>
+              </a:ext>
+            </a:extLst>
+          </a:blip>
+          <a:srcRect/>
+          <a:stretch>
+            <a:fillRect/>
+          </a:stretch>
+        </p:blipFill>
+        <p:spPr bwMode="auto">
+          <a:xfrm>
+            <a:off x="646232" y="867932"/>
+            <a:ext cx="8827669" cy="5409776"/>
+          </a:xfrm>
+          <a:prstGeom prst="rect">
+            <a:avLst/>
+          </a:prstGeom>
+          <a:noFill/>
+          <a:extLst>
+            <a:ext uri="{909E8E84-426E-40DD-AFC4-6F175D3DCCD1}">
+              <a14:hiddenFill xmlns:a14="http://schemas.microsoft.com/office/drawing/2010/main">
+                <a:solidFill>
+                  <a:srgbClr val="FFFFFF"/>
+                </a:solidFill>
+              </a14:hiddenFill>
+            </a:ext>
+          </a:extLst>
+        </p:spPr>
+      </p:pic>
+      <p:pic>
+        <p:nvPicPr>
+          <p:cNvPr id="2" name="Grafik 1" descr="Ein Bild, das Text, Screenshot, Software, Schrift enthält.&#10;&#10;Automatisch generierte Beschreibung">
+            <a:extLst>
+              <a:ext uri="{FF2B5EF4-FFF2-40B4-BE49-F238E27FC236}">
+                <a16:creationId xmlns:a16="http://schemas.microsoft.com/office/drawing/2014/main" id="{B6AAF69F-9EF3-5CB7-83BC-D62A45F40C29}"/>
+              </a:ext>
+            </a:extLst>
+          </p:cNvPr>
+          <p:cNvPicPr>
+            <a:picLocks noChangeAspect="1"/>
+          </p:cNvPicPr>
+          <p:nvPr/>
+        </p:nvPicPr>
+        <p:blipFill rotWithShape="1">
+          <a:blip r:embed="rId3"/>
+          <a:srcRect l="786" t="10338" r="93157" b="85125"/>
+          <a:stretch/>
+        </p:blipFill>
+        <p:spPr bwMode="auto">
+          <a:xfrm>
+            <a:off x="5860073" y="1646242"/>
+            <a:ext cx="1323244" cy="531584"/>
+          </a:xfrm>
+          <a:prstGeom prst="rect">
+            <a:avLst/>
+          </a:prstGeom>
+          <a:ln>
+            <a:noFill/>
+          </a:ln>
+          <a:extLst>
+            <a:ext uri="{53640926-AAD7-44D8-BBD7-CCE9431645EC}">
+              <a14:shadowObscured xmlns:a14="http://schemas.microsoft.com/office/drawing/2010/main"/>
+            </a:ext>
+          </a:extLst>
+        </p:spPr>
+      </p:pic>
+    </p:spTree>
+    <p:extLst>
+      <p:ext uri="{BB962C8B-B14F-4D97-AF65-F5344CB8AC3E}">
+        <p14:creationId xmlns:p14="http://schemas.microsoft.com/office/powerpoint/2010/main" val="1359376255"/>
       </p:ext>
     </p:extLst>
   </p:cSld>

--- a/project/Project.pptx
+++ b/project/Project.pptx
@@ -6,10 +6,13 @@
   </p:sldMasterIdLst>
   <p:sldIdLst>
     <p:sldId id="258" r:id="rId2"/>
-    <p:sldId id="261" r:id="rId3"/>
-    <p:sldId id="262" r:id="rId4"/>
-    <p:sldId id="260" r:id="rId5"/>
-    <p:sldId id="259" r:id="rId6"/>
+    <p:sldId id="262" r:id="rId3"/>
+    <p:sldId id="260" r:id="rId4"/>
+    <p:sldId id="259" r:id="rId5"/>
+    <p:sldId id="264" r:id="rId6"/>
+    <p:sldId id="263" r:id="rId7"/>
+    <p:sldId id="265" r:id="rId8"/>
+    <p:sldId id="266" r:id="rId9"/>
   </p:sldIdLst>
   <p:sldSz cx="9906000" cy="6858000" type="A4"/>
   <p:notesSz cx="6858000" cy="9144000"/>
@@ -247,7 +250,7 @@
           <a:p>
             <a:fld id="{52A537BF-713E-42BE-86E0-AC44E816CB24}" type="datetimeFigureOut">
               <a:rPr lang="en-US" smtClean="0"/>
-              <a:t>10/27/2023</a:t>
+              <a:t>11/6/2023</a:t>
             </a:fld>
             <a:endParaRPr lang="en-US"/>
           </a:p>
@@ -417,7 +420,7 @@
           <a:p>
             <a:fld id="{52A537BF-713E-42BE-86E0-AC44E816CB24}" type="datetimeFigureOut">
               <a:rPr lang="en-US" smtClean="0"/>
-              <a:t>10/27/2023</a:t>
+              <a:t>11/6/2023</a:t>
             </a:fld>
             <a:endParaRPr lang="en-US"/>
           </a:p>
@@ -597,7 +600,7 @@
           <a:p>
             <a:fld id="{52A537BF-713E-42BE-86E0-AC44E816CB24}" type="datetimeFigureOut">
               <a:rPr lang="en-US" smtClean="0"/>
-              <a:t>10/27/2023</a:t>
+              <a:t>11/6/2023</a:t>
             </a:fld>
             <a:endParaRPr lang="en-US"/>
           </a:p>
@@ -767,7 +770,7 @@
           <a:p>
             <a:fld id="{52A537BF-713E-42BE-86E0-AC44E816CB24}" type="datetimeFigureOut">
               <a:rPr lang="en-US" smtClean="0"/>
-              <a:t>10/27/2023</a:t>
+              <a:t>11/6/2023</a:t>
             </a:fld>
             <a:endParaRPr lang="en-US"/>
           </a:p>
@@ -1011,7 +1014,7 @@
           <a:p>
             <a:fld id="{52A537BF-713E-42BE-86E0-AC44E816CB24}" type="datetimeFigureOut">
               <a:rPr lang="en-US" smtClean="0"/>
-              <a:t>10/27/2023</a:t>
+              <a:t>11/6/2023</a:t>
             </a:fld>
             <a:endParaRPr lang="en-US"/>
           </a:p>
@@ -1243,7 +1246,7 @@
           <a:p>
             <a:fld id="{52A537BF-713E-42BE-86E0-AC44E816CB24}" type="datetimeFigureOut">
               <a:rPr lang="en-US" smtClean="0"/>
-              <a:t>10/27/2023</a:t>
+              <a:t>11/6/2023</a:t>
             </a:fld>
             <a:endParaRPr lang="en-US"/>
           </a:p>
@@ -1610,7 +1613,7 @@
           <a:p>
             <a:fld id="{52A537BF-713E-42BE-86E0-AC44E816CB24}" type="datetimeFigureOut">
               <a:rPr lang="en-US" smtClean="0"/>
-              <a:t>10/27/2023</a:t>
+              <a:t>11/6/2023</a:t>
             </a:fld>
             <a:endParaRPr lang="en-US"/>
           </a:p>
@@ -1728,7 +1731,7 @@
           <a:p>
             <a:fld id="{52A537BF-713E-42BE-86E0-AC44E816CB24}" type="datetimeFigureOut">
               <a:rPr lang="en-US" smtClean="0"/>
-              <a:t>10/27/2023</a:t>
+              <a:t>11/6/2023</a:t>
             </a:fld>
             <a:endParaRPr lang="en-US"/>
           </a:p>
@@ -1823,7 +1826,7 @@
           <a:p>
             <a:fld id="{52A537BF-713E-42BE-86E0-AC44E816CB24}" type="datetimeFigureOut">
               <a:rPr lang="en-US" smtClean="0"/>
-              <a:t>10/27/2023</a:t>
+              <a:t>11/6/2023</a:t>
             </a:fld>
             <a:endParaRPr lang="en-US"/>
           </a:p>
@@ -2100,7 +2103,7 @@
           <a:p>
             <a:fld id="{52A537BF-713E-42BE-86E0-AC44E816CB24}" type="datetimeFigureOut">
               <a:rPr lang="en-US" smtClean="0"/>
-              <a:t>10/27/2023</a:t>
+              <a:t>11/6/2023</a:t>
             </a:fld>
             <a:endParaRPr lang="en-US"/>
           </a:p>
@@ -2357,7 +2360,7 @@
           <a:p>
             <a:fld id="{52A537BF-713E-42BE-86E0-AC44E816CB24}" type="datetimeFigureOut">
               <a:rPr lang="en-US" smtClean="0"/>
-              <a:t>10/27/2023</a:t>
+              <a:t>11/6/2023</a:t>
             </a:fld>
             <a:endParaRPr lang="en-US"/>
           </a:p>
@@ -2570,7 +2573,7 @@
           <a:p>
             <a:fld id="{52A537BF-713E-42BE-86E0-AC44E816CB24}" type="datetimeFigureOut">
               <a:rPr lang="en-US" smtClean="0"/>
-              <a:t>10/27/2023</a:t>
+              <a:t>11/6/2023</a:t>
             </a:fld>
             <a:endParaRPr lang="en-US"/>
           </a:p>
@@ -3592,131 +3595,6 @@
             <a:pPr algn="ctr"/>
             <a:r>
               <a:rPr lang="en-US" sz="2800" b="1" dirty="0" err="1"/>
-              <a:t>UASFRA</a:t>
-            </a:r>
-            <a:r>
-              <a:rPr lang="en-US" sz="2800" b="1" dirty="0"/>
-              <a:t>-MS-</a:t>
-            </a:r>
-            <a:r>
-              <a:rPr lang="en-US" sz="2800" b="1" dirty="0" err="1"/>
-              <a:t>PROJDIGI</a:t>
-            </a:r>
-            <a:r>
-              <a:rPr lang="en-US" sz="2800" b="1" dirty="0"/>
-              <a:t>: Group 4: The plan ahead</a:t>
-            </a:r>
-          </a:p>
-        </p:txBody>
-      </p:sp>
-      <p:pic>
-        <p:nvPicPr>
-          <p:cNvPr id="3074" name="Picture 2">
-            <a:extLst>
-              <a:ext uri="{FF2B5EF4-FFF2-40B4-BE49-F238E27FC236}">
-                <a16:creationId xmlns:a16="http://schemas.microsoft.com/office/drawing/2014/main" id="{5450B4E5-1CE4-3BD6-A20E-FE76AF0FC57E}"/>
-              </a:ext>
-            </a:extLst>
-          </p:cNvPr>
-          <p:cNvPicPr>
-            <a:picLocks noChangeAspect="1" noChangeArrowheads="1"/>
-          </p:cNvPicPr>
-          <p:nvPr/>
-        </p:nvPicPr>
-        <p:blipFill>
-          <a:blip r:embed="rId2">
-            <a:extLst>
-              <a:ext uri="{28A0092B-C50C-407E-A947-70E740481C1C}">
-                <a14:useLocalDpi xmlns:a14="http://schemas.microsoft.com/office/drawing/2010/main" val="0"/>
-              </a:ext>
-            </a:extLst>
-          </a:blip>
-          <a:srcRect/>
-          <a:stretch>
-            <a:fillRect/>
-          </a:stretch>
-        </p:blipFill>
-        <p:spPr bwMode="auto">
-          <a:xfrm>
-            <a:off x="2313476" y="1508248"/>
-            <a:ext cx="5191125" cy="2619375"/>
-          </a:xfrm>
-          <a:prstGeom prst="rect">
-            <a:avLst/>
-          </a:prstGeom>
-          <a:noFill/>
-          <a:extLst>
-            <a:ext uri="{909E8E84-426E-40DD-AFC4-6F175D3DCCD1}">
-              <a14:hiddenFill xmlns:a14="http://schemas.microsoft.com/office/drawing/2010/main">
-                <a:solidFill>
-                  <a:srgbClr val="FFFFFF"/>
-                </a:solidFill>
-              </a14:hiddenFill>
-            </a:ext>
-          </a:extLst>
-        </p:spPr>
-      </p:pic>
-    </p:spTree>
-    <p:extLst>
-      <p:ext uri="{BB962C8B-B14F-4D97-AF65-F5344CB8AC3E}">
-        <p14:creationId xmlns:p14="http://schemas.microsoft.com/office/powerpoint/2010/main" val="2012503455"/>
-      </p:ext>
-    </p:extLst>
-  </p:cSld>
-  <p:clrMapOvr>
-    <a:masterClrMapping/>
-  </p:clrMapOvr>
-</p:sld>
-</file>
-
-<file path=ppt/slides/slide3.xml><?xml version="1.0" encoding="utf-8"?>
-<p:sld xmlns:a="http://schemas.openxmlformats.org/drawingml/2006/main" xmlns:r="http://schemas.openxmlformats.org/officeDocument/2006/relationships" xmlns:p="http://schemas.openxmlformats.org/presentationml/2006/main" show="0">
-  <p:cSld>
-    <p:spTree>
-      <p:nvGrpSpPr>
-        <p:cNvPr id="1" name=""/>
-        <p:cNvGrpSpPr/>
-        <p:nvPr/>
-      </p:nvGrpSpPr>
-      <p:grpSpPr>
-        <a:xfrm>
-          <a:off x="0" y="0"/>
-          <a:ext cx="0" cy="0"/>
-          <a:chOff x="0" y="0"/>
-          <a:chExt cx="0" cy="0"/>
-        </a:xfrm>
-      </p:grpSpPr>
-      <p:sp>
-        <p:nvSpPr>
-          <p:cNvPr id="26" name="Textfeld 25">
-            <a:extLst>
-              <a:ext uri="{FF2B5EF4-FFF2-40B4-BE49-F238E27FC236}">
-                <a16:creationId xmlns:a16="http://schemas.microsoft.com/office/drawing/2014/main" id="{E5229098-1146-2BBD-D75D-639ED2A05A0D}"/>
-              </a:ext>
-            </a:extLst>
-          </p:cNvPr>
-          <p:cNvSpPr txBox="1"/>
-          <p:nvPr/>
-        </p:nvSpPr>
-        <p:spPr>
-          <a:xfrm>
-            <a:off x="190156" y="88968"/>
-            <a:ext cx="9352657" cy="523220"/>
-          </a:xfrm>
-          <a:prstGeom prst="rect">
-            <a:avLst/>
-          </a:prstGeom>
-          <a:noFill/>
-        </p:spPr>
-        <p:txBody>
-          <a:bodyPr wrap="square" rtlCol="0">
-            <a:spAutoFit/>
-          </a:bodyPr>
-          <a:lstStyle/>
-          <a:p>
-            <a:pPr algn="ctr"/>
-            <a:r>
-              <a:rPr lang="en-US" sz="2800" b="1" dirty="0" err="1"/>
               <a:t>spaCy</a:t>
             </a:r>
             <a:endParaRPr lang="en-US" sz="2800" b="1" dirty="0"/>
@@ -3806,7 +3684,7 @@
         </p:nvSpPr>
         <p:spPr>
           <a:xfrm>
-            <a:off x="7200900" y="1414493"/>
+            <a:off x="7214089" y="1414493"/>
             <a:ext cx="1208943" cy="1411110"/>
           </a:xfrm>
           <a:prstGeom prst="mathMultiply">
@@ -3854,7 +3732,7 @@
 </p:sld>
 </file>
 
-<file path=ppt/slides/slide4.xml><?xml version="1.0" encoding="utf-8"?>
+<file path=ppt/slides/slide3.xml><?xml version="1.0" encoding="utf-8"?>
 <p:sld xmlns:a="http://schemas.openxmlformats.org/drawingml/2006/main" xmlns:r="http://schemas.openxmlformats.org/officeDocument/2006/relationships" xmlns:p="http://schemas.openxmlformats.org/presentationml/2006/main" show="0">
   <p:cSld>
     <p:spTree>
@@ -4426,7 +4304,7 @@
 </p:sld>
 </file>
 
-<file path=ppt/slides/slide5.xml><?xml version="1.0" encoding="utf-8"?>
+<file path=ppt/slides/slide4.xml><?xml version="1.0" encoding="utf-8"?>
 <p:sld xmlns:a="http://schemas.openxmlformats.org/drawingml/2006/main" xmlns:r="http://schemas.openxmlformats.org/officeDocument/2006/relationships" xmlns:p="http://schemas.openxmlformats.org/presentationml/2006/main" show="0">
   <p:cSld>
     <p:spTree>
@@ -4579,6 +4457,2312 @@
     <p:extLst>
       <p:ext uri="{BB962C8B-B14F-4D97-AF65-F5344CB8AC3E}">
         <p14:creationId xmlns:p14="http://schemas.microsoft.com/office/powerpoint/2010/main" val="1359376255"/>
+      </p:ext>
+    </p:extLst>
+  </p:cSld>
+  <p:clrMapOvr>
+    <a:masterClrMapping/>
+  </p:clrMapOvr>
+</p:sld>
+</file>
+
+<file path=ppt/slides/slide5.xml><?xml version="1.0" encoding="utf-8"?>
+<p:sld xmlns:a="http://schemas.openxmlformats.org/drawingml/2006/main" xmlns:r="http://schemas.openxmlformats.org/officeDocument/2006/relationships" xmlns:p="http://schemas.openxmlformats.org/presentationml/2006/main" show="0">
+  <p:cSld>
+    <p:spTree>
+      <p:nvGrpSpPr>
+        <p:cNvPr id="1" name=""/>
+        <p:cNvGrpSpPr/>
+        <p:nvPr/>
+      </p:nvGrpSpPr>
+      <p:grpSpPr>
+        <a:xfrm>
+          <a:off x="0" y="0"/>
+          <a:ext cx="0" cy="0"/>
+          <a:chOff x="0" y="0"/>
+          <a:chExt cx="0" cy="0"/>
+        </a:xfrm>
+      </p:grpSpPr>
+      <p:sp>
+        <p:nvSpPr>
+          <p:cNvPr id="26" name="Textfeld 25">
+            <a:extLst>
+              <a:ext uri="{FF2B5EF4-FFF2-40B4-BE49-F238E27FC236}">
+                <a16:creationId xmlns:a16="http://schemas.microsoft.com/office/drawing/2014/main" id="{E5229098-1146-2BBD-D75D-639ED2A05A0D}"/>
+              </a:ext>
+            </a:extLst>
+          </p:cNvPr>
+          <p:cNvSpPr txBox="1"/>
+          <p:nvPr/>
+        </p:nvSpPr>
+        <p:spPr>
+          <a:xfrm>
+            <a:off x="190156" y="88968"/>
+            <a:ext cx="9352657" cy="523220"/>
+          </a:xfrm>
+          <a:prstGeom prst="rect">
+            <a:avLst/>
+          </a:prstGeom>
+          <a:noFill/>
+        </p:spPr>
+        <p:txBody>
+          <a:bodyPr wrap="square" rtlCol="0">
+            <a:spAutoFit/>
+          </a:bodyPr>
+          <a:lstStyle/>
+          <a:p>
+            <a:pPr algn="ctr"/>
+            <a:r>
+              <a:rPr lang="en-US" sz="2800" b="1" dirty="0" err="1"/>
+              <a:t>ESRS</a:t>
+            </a:r>
+            <a:r>
+              <a:rPr lang="en-US" sz="2800" b="1" dirty="0"/>
+              <a:t> (Draft) Required Data to be </a:t>
+            </a:r>
+            <a:r>
+              <a:rPr lang="en-US" sz="2800" b="1" dirty="0" err="1"/>
+              <a:t>reorted</a:t>
+            </a:r>
+            <a:endParaRPr lang="en-US" sz="2800" b="1" dirty="0"/>
+          </a:p>
+        </p:txBody>
+      </p:sp>
+      <p:pic>
+        <p:nvPicPr>
+          <p:cNvPr id="2" name="Grafik 1">
+            <a:extLst>
+              <a:ext uri="{FF2B5EF4-FFF2-40B4-BE49-F238E27FC236}">
+                <a16:creationId xmlns:a16="http://schemas.microsoft.com/office/drawing/2014/main" id="{AEA1C299-7E18-EA2A-C45B-452DEDB74645}"/>
+              </a:ext>
+            </a:extLst>
+          </p:cNvPr>
+          <p:cNvPicPr>
+            <a:picLocks noChangeAspect="1"/>
+          </p:cNvPicPr>
+          <p:nvPr/>
+        </p:nvPicPr>
+        <p:blipFill>
+          <a:blip r:embed="rId2"/>
+          <a:stretch>
+            <a:fillRect/>
+          </a:stretch>
+        </p:blipFill>
+        <p:spPr>
+          <a:xfrm>
+            <a:off x="296740" y="4215249"/>
+            <a:ext cx="6930538" cy="1542191"/>
+          </a:xfrm>
+          <a:prstGeom prst="rect">
+            <a:avLst/>
+          </a:prstGeom>
+        </p:spPr>
+      </p:pic>
+      <p:sp>
+        <p:nvSpPr>
+          <p:cNvPr id="3" name="Textfeld 2">
+            <a:extLst>
+              <a:ext uri="{FF2B5EF4-FFF2-40B4-BE49-F238E27FC236}">
+                <a16:creationId xmlns:a16="http://schemas.microsoft.com/office/drawing/2014/main" id="{7DA38F7F-4D8A-9E1E-FDB0-479EC62B3C48}"/>
+              </a:ext>
+            </a:extLst>
+          </p:cNvPr>
+          <p:cNvSpPr txBox="1"/>
+          <p:nvPr/>
+        </p:nvSpPr>
+        <p:spPr>
+          <a:xfrm>
+            <a:off x="190156" y="3899362"/>
+            <a:ext cx="1244111" cy="369332"/>
+          </a:xfrm>
+          <a:prstGeom prst="rect">
+            <a:avLst/>
+          </a:prstGeom>
+          <a:noFill/>
+        </p:spPr>
+        <p:txBody>
+          <a:bodyPr wrap="square" rtlCol="0">
+            <a:spAutoFit/>
+          </a:bodyPr>
+          <a:lstStyle/>
+          <a:p>
+            <a:r>
+              <a:rPr lang="en-US" dirty="0"/>
+              <a:t>Extract:</a:t>
+            </a:r>
+          </a:p>
+        </p:txBody>
+      </p:sp>
+      <p:pic>
+        <p:nvPicPr>
+          <p:cNvPr id="5" name="Grafik 4">
+            <a:extLst>
+              <a:ext uri="{FF2B5EF4-FFF2-40B4-BE49-F238E27FC236}">
+                <a16:creationId xmlns:a16="http://schemas.microsoft.com/office/drawing/2014/main" id="{A36D157F-6F9A-DAD9-7B4B-E7AF7B77E302}"/>
+              </a:ext>
+            </a:extLst>
+          </p:cNvPr>
+          <p:cNvPicPr>
+            <a:picLocks noChangeAspect="1"/>
+          </p:cNvPicPr>
+          <p:nvPr/>
+        </p:nvPicPr>
+        <p:blipFill>
+          <a:blip r:embed="rId3"/>
+          <a:stretch>
+            <a:fillRect/>
+          </a:stretch>
+        </p:blipFill>
+        <p:spPr>
+          <a:xfrm>
+            <a:off x="2771775" y="1392410"/>
+            <a:ext cx="4362450" cy="2202180"/>
+          </a:xfrm>
+          <a:prstGeom prst="rect">
+            <a:avLst/>
+          </a:prstGeom>
+        </p:spPr>
+      </p:pic>
+      <p:sp>
+        <p:nvSpPr>
+          <p:cNvPr id="6" name="Textfeld 5">
+            <a:extLst>
+              <a:ext uri="{FF2B5EF4-FFF2-40B4-BE49-F238E27FC236}">
+                <a16:creationId xmlns:a16="http://schemas.microsoft.com/office/drawing/2014/main" id="{DCB9DCF1-C29C-D79D-4A80-82276BC00267}"/>
+              </a:ext>
+            </a:extLst>
+          </p:cNvPr>
+          <p:cNvSpPr txBox="1"/>
+          <p:nvPr/>
+        </p:nvSpPr>
+        <p:spPr>
+          <a:xfrm>
+            <a:off x="8159994" y="4374812"/>
+            <a:ext cx="1445602" cy="369332"/>
+          </a:xfrm>
+          <a:prstGeom prst="rect">
+            <a:avLst/>
+          </a:prstGeom>
+          <a:solidFill>
+            <a:schemeClr val="accent5">
+              <a:lumMod val="40000"/>
+              <a:lumOff val="60000"/>
+            </a:schemeClr>
+          </a:solidFill>
+        </p:spPr>
+        <p:txBody>
+          <a:bodyPr wrap="square" rtlCol="0">
+            <a:spAutoFit/>
+          </a:bodyPr>
+          <a:lstStyle/>
+          <a:p>
+            <a:pPr algn="ctr"/>
+            <a:r>
+              <a:rPr lang="en-US" dirty="0"/>
+              <a:t>Quantitative</a:t>
+            </a:r>
+          </a:p>
+        </p:txBody>
+      </p:sp>
+      <p:cxnSp>
+        <p:nvCxnSpPr>
+          <p:cNvPr id="9" name="Gerade Verbindung mit Pfeil 8">
+            <a:extLst>
+              <a:ext uri="{FF2B5EF4-FFF2-40B4-BE49-F238E27FC236}">
+                <a16:creationId xmlns:a16="http://schemas.microsoft.com/office/drawing/2014/main" id="{544F1DDF-CF8D-B57C-9125-CEFD6B865F9E}"/>
+              </a:ext>
+            </a:extLst>
+          </p:cNvPr>
+          <p:cNvCxnSpPr>
+            <a:cxnSpLocks/>
+            <a:endCxn id="6" idx="1"/>
+          </p:cNvCxnSpPr>
+          <p:nvPr/>
+        </p:nvCxnSpPr>
+        <p:spPr>
+          <a:xfrm>
+            <a:off x="7225630" y="4374812"/>
+            <a:ext cx="934364" cy="184666"/>
+          </a:xfrm>
+          <a:prstGeom prst="straightConnector1">
+            <a:avLst/>
+          </a:prstGeom>
+          <a:ln w="22225">
+            <a:solidFill>
+              <a:schemeClr val="accent5">
+                <a:lumMod val="40000"/>
+                <a:lumOff val="60000"/>
+              </a:schemeClr>
+            </a:solidFill>
+            <a:tailEnd type="triangle"/>
+          </a:ln>
+        </p:spPr>
+        <p:style>
+          <a:lnRef idx="1">
+            <a:schemeClr val="accent1"/>
+          </a:lnRef>
+          <a:fillRef idx="0">
+            <a:schemeClr val="accent1"/>
+          </a:fillRef>
+          <a:effectRef idx="0">
+            <a:schemeClr val="accent1"/>
+          </a:effectRef>
+          <a:fontRef idx="minor">
+            <a:schemeClr val="tx1"/>
+          </a:fontRef>
+        </p:style>
+      </p:cxnSp>
+      <p:cxnSp>
+        <p:nvCxnSpPr>
+          <p:cNvPr id="11" name="Gerade Verbindung mit Pfeil 10">
+            <a:extLst>
+              <a:ext uri="{FF2B5EF4-FFF2-40B4-BE49-F238E27FC236}">
+                <a16:creationId xmlns:a16="http://schemas.microsoft.com/office/drawing/2014/main" id="{06619D27-278D-4F87-2AC5-DA99A6AB83EC}"/>
+              </a:ext>
+            </a:extLst>
+          </p:cNvPr>
+          <p:cNvCxnSpPr>
+            <a:cxnSpLocks/>
+            <a:stCxn id="2" idx="3"/>
+            <a:endCxn id="6" idx="1"/>
+          </p:cNvCxnSpPr>
+          <p:nvPr/>
+        </p:nvCxnSpPr>
+        <p:spPr>
+          <a:xfrm flipV="1">
+            <a:off x="7227278" y="4559478"/>
+            <a:ext cx="932716" cy="426867"/>
+          </a:xfrm>
+          <a:prstGeom prst="straightConnector1">
+            <a:avLst/>
+          </a:prstGeom>
+          <a:ln w="22225">
+            <a:solidFill>
+              <a:schemeClr val="accent5">
+                <a:lumMod val="40000"/>
+                <a:lumOff val="60000"/>
+              </a:schemeClr>
+            </a:solidFill>
+            <a:tailEnd type="triangle"/>
+          </a:ln>
+        </p:spPr>
+        <p:style>
+          <a:lnRef idx="1">
+            <a:schemeClr val="accent1"/>
+          </a:lnRef>
+          <a:fillRef idx="0">
+            <a:schemeClr val="accent1"/>
+          </a:fillRef>
+          <a:effectRef idx="0">
+            <a:schemeClr val="accent1"/>
+          </a:effectRef>
+          <a:fontRef idx="minor">
+            <a:schemeClr val="tx1"/>
+          </a:fontRef>
+        </p:style>
+      </p:cxnSp>
+      <p:cxnSp>
+        <p:nvCxnSpPr>
+          <p:cNvPr id="13" name="Gerade Verbindung mit Pfeil 12">
+            <a:extLst>
+              <a:ext uri="{FF2B5EF4-FFF2-40B4-BE49-F238E27FC236}">
+                <a16:creationId xmlns:a16="http://schemas.microsoft.com/office/drawing/2014/main" id="{94FE12D5-FB37-AF35-E352-866AC3494B69}"/>
+              </a:ext>
+            </a:extLst>
+          </p:cNvPr>
+          <p:cNvCxnSpPr>
+            <a:cxnSpLocks/>
+            <a:endCxn id="6" idx="1"/>
+          </p:cNvCxnSpPr>
+          <p:nvPr/>
+        </p:nvCxnSpPr>
+        <p:spPr>
+          <a:xfrm flipV="1">
+            <a:off x="7202000" y="4559478"/>
+            <a:ext cx="957994" cy="1151901"/>
+          </a:xfrm>
+          <a:prstGeom prst="straightConnector1">
+            <a:avLst/>
+          </a:prstGeom>
+          <a:ln w="22225">
+            <a:solidFill>
+              <a:schemeClr val="accent5">
+                <a:lumMod val="40000"/>
+                <a:lumOff val="60000"/>
+              </a:schemeClr>
+            </a:solidFill>
+            <a:tailEnd type="triangle"/>
+          </a:ln>
+        </p:spPr>
+        <p:style>
+          <a:lnRef idx="1">
+            <a:schemeClr val="accent1"/>
+          </a:lnRef>
+          <a:fillRef idx="0">
+            <a:schemeClr val="accent1"/>
+          </a:fillRef>
+          <a:effectRef idx="0">
+            <a:schemeClr val="accent1"/>
+          </a:effectRef>
+          <a:fontRef idx="minor">
+            <a:schemeClr val="tx1"/>
+          </a:fontRef>
+        </p:style>
+      </p:cxnSp>
+      <p:sp>
+        <p:nvSpPr>
+          <p:cNvPr id="31" name="Textfeld 30">
+            <a:extLst>
+              <a:ext uri="{FF2B5EF4-FFF2-40B4-BE49-F238E27FC236}">
+                <a16:creationId xmlns:a16="http://schemas.microsoft.com/office/drawing/2014/main" id="{8B83690C-5E1B-C90B-C771-AF74EDA59F45}"/>
+              </a:ext>
+            </a:extLst>
+          </p:cNvPr>
+          <p:cNvSpPr txBox="1"/>
+          <p:nvPr/>
+        </p:nvSpPr>
+        <p:spPr>
+          <a:xfrm>
+            <a:off x="8156698" y="4875365"/>
+            <a:ext cx="1503485" cy="369332"/>
+          </a:xfrm>
+          <a:prstGeom prst="rect">
+            <a:avLst/>
+          </a:prstGeom>
+          <a:solidFill>
+            <a:srgbClr val="FFFF00"/>
+          </a:solidFill>
+        </p:spPr>
+        <p:txBody>
+          <a:bodyPr wrap="square" rtlCol="0">
+            <a:spAutoFit/>
+          </a:bodyPr>
+          <a:lstStyle/>
+          <a:p>
+            <a:pPr algn="ctr"/>
+            <a:r>
+              <a:rPr lang="en-US" dirty="0"/>
+              <a:t>Text/Number</a:t>
+            </a:r>
+          </a:p>
+        </p:txBody>
+      </p:sp>
+      <p:sp>
+        <p:nvSpPr>
+          <p:cNvPr id="32" name="Textfeld 31">
+            <a:extLst>
+              <a:ext uri="{FF2B5EF4-FFF2-40B4-BE49-F238E27FC236}">
+                <a16:creationId xmlns:a16="http://schemas.microsoft.com/office/drawing/2014/main" id="{00CA3B79-87FF-EFC9-37E0-700D99E96A06}"/>
+              </a:ext>
+            </a:extLst>
+          </p:cNvPr>
+          <p:cNvSpPr txBox="1"/>
+          <p:nvPr/>
+        </p:nvSpPr>
+        <p:spPr>
+          <a:xfrm>
+            <a:off x="8159994" y="5415733"/>
+            <a:ext cx="1503485" cy="369332"/>
+          </a:xfrm>
+          <a:prstGeom prst="rect">
+            <a:avLst/>
+          </a:prstGeom>
+          <a:solidFill>
+            <a:schemeClr val="bg1"/>
+          </a:solidFill>
+          <a:ln>
+            <a:solidFill>
+              <a:schemeClr val="accent5">
+                <a:lumMod val="40000"/>
+                <a:lumOff val="60000"/>
+              </a:schemeClr>
+            </a:solidFill>
+          </a:ln>
+        </p:spPr>
+        <p:txBody>
+          <a:bodyPr wrap="square" rtlCol="0">
+            <a:spAutoFit/>
+          </a:bodyPr>
+          <a:lstStyle/>
+          <a:p>
+            <a:pPr algn="ctr"/>
+            <a:r>
+              <a:rPr lang="en-US" dirty="0"/>
+              <a:t>Text</a:t>
+            </a:r>
+          </a:p>
+        </p:txBody>
+      </p:sp>
+      <p:cxnSp>
+        <p:nvCxnSpPr>
+          <p:cNvPr id="33" name="Gerade Verbindung mit Pfeil 32">
+            <a:extLst>
+              <a:ext uri="{FF2B5EF4-FFF2-40B4-BE49-F238E27FC236}">
+                <a16:creationId xmlns:a16="http://schemas.microsoft.com/office/drawing/2014/main" id="{E55B0221-A1FA-DF7B-F3ED-0BA4DF965D3A}"/>
+              </a:ext>
+            </a:extLst>
+          </p:cNvPr>
+          <p:cNvCxnSpPr>
+            <a:cxnSpLocks/>
+            <a:endCxn id="31" idx="1"/>
+          </p:cNvCxnSpPr>
+          <p:nvPr/>
+        </p:nvCxnSpPr>
+        <p:spPr>
+          <a:xfrm flipV="1">
+            <a:off x="7224806" y="5060031"/>
+            <a:ext cx="931892" cy="150795"/>
+          </a:xfrm>
+          <a:prstGeom prst="straightConnector1">
+            <a:avLst/>
+          </a:prstGeom>
+          <a:ln w="22225">
+            <a:solidFill>
+              <a:srgbClr val="FFC000"/>
+            </a:solidFill>
+            <a:tailEnd type="triangle"/>
+          </a:ln>
+        </p:spPr>
+        <p:style>
+          <a:lnRef idx="1">
+            <a:schemeClr val="accent1"/>
+          </a:lnRef>
+          <a:fillRef idx="0">
+            <a:schemeClr val="accent1"/>
+          </a:fillRef>
+          <a:effectRef idx="0">
+            <a:schemeClr val="accent1"/>
+          </a:effectRef>
+          <a:fontRef idx="minor">
+            <a:schemeClr val="tx1"/>
+          </a:fontRef>
+        </p:style>
+      </p:cxnSp>
+      <p:cxnSp>
+        <p:nvCxnSpPr>
+          <p:cNvPr id="36" name="Gerade Verbindung mit Pfeil 35">
+            <a:extLst>
+              <a:ext uri="{FF2B5EF4-FFF2-40B4-BE49-F238E27FC236}">
+                <a16:creationId xmlns:a16="http://schemas.microsoft.com/office/drawing/2014/main" id="{35F8307A-1A59-E540-F679-76C99C3DE4F7}"/>
+              </a:ext>
+            </a:extLst>
+          </p:cNvPr>
+          <p:cNvCxnSpPr>
+            <a:cxnSpLocks/>
+          </p:cNvCxnSpPr>
+          <p:nvPr/>
+        </p:nvCxnSpPr>
+        <p:spPr>
+          <a:xfrm flipV="1">
+            <a:off x="7202000" y="5110155"/>
+            <a:ext cx="951402" cy="342872"/>
+          </a:xfrm>
+          <a:prstGeom prst="straightConnector1">
+            <a:avLst/>
+          </a:prstGeom>
+          <a:ln w="22225">
+            <a:solidFill>
+              <a:srgbClr val="FFC000"/>
+            </a:solidFill>
+            <a:tailEnd type="triangle"/>
+          </a:ln>
+        </p:spPr>
+        <p:style>
+          <a:lnRef idx="1">
+            <a:schemeClr val="accent1"/>
+          </a:lnRef>
+          <a:fillRef idx="0">
+            <a:schemeClr val="accent1"/>
+          </a:fillRef>
+          <a:effectRef idx="0">
+            <a:schemeClr val="accent1"/>
+          </a:effectRef>
+          <a:fontRef idx="minor">
+            <a:schemeClr val="tx1"/>
+          </a:fontRef>
+        </p:style>
+      </p:cxnSp>
+      <p:cxnSp>
+        <p:nvCxnSpPr>
+          <p:cNvPr id="45" name="Gerade Verbindung mit Pfeil 44">
+            <a:extLst>
+              <a:ext uri="{FF2B5EF4-FFF2-40B4-BE49-F238E27FC236}">
+                <a16:creationId xmlns:a16="http://schemas.microsoft.com/office/drawing/2014/main" id="{E9AE31A7-3619-C3E3-65DD-29D0998570A2}"/>
+              </a:ext>
+            </a:extLst>
+          </p:cNvPr>
+          <p:cNvCxnSpPr>
+            <a:cxnSpLocks/>
+            <a:endCxn id="32" idx="1"/>
+          </p:cNvCxnSpPr>
+          <p:nvPr/>
+        </p:nvCxnSpPr>
+        <p:spPr>
+          <a:xfrm>
+            <a:off x="7195408" y="5555055"/>
+            <a:ext cx="964586" cy="45344"/>
+          </a:xfrm>
+          <a:prstGeom prst="straightConnector1">
+            <a:avLst/>
+          </a:prstGeom>
+          <a:ln w="22225">
+            <a:solidFill>
+              <a:schemeClr val="tx1"/>
+            </a:solidFill>
+            <a:tailEnd type="triangle"/>
+          </a:ln>
+        </p:spPr>
+        <p:style>
+          <a:lnRef idx="1">
+            <a:schemeClr val="accent1"/>
+          </a:lnRef>
+          <a:fillRef idx="0">
+            <a:schemeClr val="accent1"/>
+          </a:fillRef>
+          <a:effectRef idx="0">
+            <a:schemeClr val="accent1"/>
+          </a:effectRef>
+          <a:fontRef idx="minor">
+            <a:schemeClr val="tx1"/>
+          </a:fontRef>
+        </p:style>
+      </p:cxnSp>
+      <p:cxnSp>
+        <p:nvCxnSpPr>
+          <p:cNvPr id="48" name="Gerade Verbindung mit Pfeil 47">
+            <a:extLst>
+              <a:ext uri="{FF2B5EF4-FFF2-40B4-BE49-F238E27FC236}">
+                <a16:creationId xmlns:a16="http://schemas.microsoft.com/office/drawing/2014/main" id="{6C52F57B-B050-99F5-F5B4-BACE0E9C14C5}"/>
+              </a:ext>
+            </a:extLst>
+          </p:cNvPr>
+          <p:cNvCxnSpPr>
+            <a:cxnSpLocks/>
+            <a:endCxn id="32" idx="1"/>
+          </p:cNvCxnSpPr>
+          <p:nvPr/>
+        </p:nvCxnSpPr>
+        <p:spPr>
+          <a:xfrm>
+            <a:off x="7209695" y="5281591"/>
+            <a:ext cx="950299" cy="318808"/>
+          </a:xfrm>
+          <a:prstGeom prst="straightConnector1">
+            <a:avLst/>
+          </a:prstGeom>
+          <a:ln w="22225">
+            <a:solidFill>
+              <a:schemeClr val="tx1"/>
+            </a:solidFill>
+            <a:tailEnd type="triangle"/>
+          </a:ln>
+        </p:spPr>
+        <p:style>
+          <a:lnRef idx="1">
+            <a:schemeClr val="accent1"/>
+          </a:lnRef>
+          <a:fillRef idx="0">
+            <a:schemeClr val="accent1"/>
+          </a:fillRef>
+          <a:effectRef idx="0">
+            <a:schemeClr val="accent1"/>
+          </a:effectRef>
+          <a:fontRef idx="minor">
+            <a:schemeClr val="tx1"/>
+          </a:fontRef>
+        </p:style>
+      </p:cxnSp>
+    </p:spTree>
+    <p:extLst>
+      <p:ext uri="{BB962C8B-B14F-4D97-AF65-F5344CB8AC3E}">
+        <p14:creationId xmlns:p14="http://schemas.microsoft.com/office/powerpoint/2010/main" val="3179689777"/>
+      </p:ext>
+    </p:extLst>
+  </p:cSld>
+  <p:clrMapOvr>
+    <a:masterClrMapping/>
+  </p:clrMapOvr>
+</p:sld>
+</file>
+
+<file path=ppt/slides/slide6.xml><?xml version="1.0" encoding="utf-8"?>
+<p:sld xmlns:a="http://schemas.openxmlformats.org/drawingml/2006/main" xmlns:r="http://schemas.openxmlformats.org/officeDocument/2006/relationships" xmlns:p="http://schemas.openxmlformats.org/presentationml/2006/main" show="0">
+  <p:cSld>
+    <p:spTree>
+      <p:nvGrpSpPr>
+        <p:cNvPr id="1" name=""/>
+        <p:cNvGrpSpPr/>
+        <p:nvPr/>
+      </p:nvGrpSpPr>
+      <p:grpSpPr>
+        <a:xfrm>
+          <a:off x="0" y="0"/>
+          <a:ext cx="0" cy="0"/>
+          <a:chOff x="0" y="0"/>
+          <a:chExt cx="0" cy="0"/>
+        </a:xfrm>
+      </p:grpSpPr>
+      <p:sp>
+        <p:nvSpPr>
+          <p:cNvPr id="26" name="Textfeld 25">
+            <a:extLst>
+              <a:ext uri="{FF2B5EF4-FFF2-40B4-BE49-F238E27FC236}">
+                <a16:creationId xmlns:a16="http://schemas.microsoft.com/office/drawing/2014/main" id="{E5229098-1146-2BBD-D75D-639ED2A05A0D}"/>
+              </a:ext>
+            </a:extLst>
+          </p:cNvPr>
+          <p:cNvSpPr txBox="1"/>
+          <p:nvPr/>
+        </p:nvSpPr>
+        <p:spPr>
+          <a:xfrm>
+            <a:off x="190156" y="88968"/>
+            <a:ext cx="9352657" cy="523220"/>
+          </a:xfrm>
+          <a:prstGeom prst="rect">
+            <a:avLst/>
+          </a:prstGeom>
+          <a:noFill/>
+        </p:spPr>
+        <p:txBody>
+          <a:bodyPr wrap="square" rtlCol="0">
+            <a:spAutoFit/>
+          </a:bodyPr>
+          <a:lstStyle/>
+          <a:p>
+            <a:pPr algn="ctr"/>
+            <a:r>
+              <a:rPr lang="en-US" sz="2800" b="1" dirty="0"/>
+              <a:t>Mapping sentences to </a:t>
+            </a:r>
+            <a:r>
+              <a:rPr lang="en-US" sz="2800" b="1" dirty="0" err="1"/>
+              <a:t>ESRS</a:t>
+            </a:r>
+            <a:r>
+              <a:rPr lang="en-US" sz="2800" b="1" dirty="0"/>
+              <a:t> Data Points</a:t>
+            </a:r>
+          </a:p>
+        </p:txBody>
+      </p:sp>
+      <p:sp>
+        <p:nvSpPr>
+          <p:cNvPr id="4" name="Textfeld 3">
+            <a:extLst>
+              <a:ext uri="{FF2B5EF4-FFF2-40B4-BE49-F238E27FC236}">
+                <a16:creationId xmlns:a16="http://schemas.microsoft.com/office/drawing/2014/main" id="{FFB339CD-43E3-0E2B-D8A7-D1A80A069A75}"/>
+              </a:ext>
+            </a:extLst>
+          </p:cNvPr>
+          <p:cNvSpPr txBox="1"/>
+          <p:nvPr/>
+        </p:nvSpPr>
+        <p:spPr>
+          <a:xfrm>
+            <a:off x="379988" y="2871618"/>
+            <a:ext cx="8801100" cy="967957"/>
+          </a:xfrm>
+          <a:prstGeom prst="rect">
+            <a:avLst/>
+          </a:prstGeom>
+          <a:noFill/>
+          <a:ln>
+            <a:solidFill>
+              <a:srgbClr val="00B0F0"/>
+            </a:solidFill>
+          </a:ln>
+        </p:spPr>
+        <p:txBody>
+          <a:bodyPr wrap="square">
+            <a:spAutoFit/>
+          </a:bodyPr>
+          <a:lstStyle/>
+          <a:p>
+            <a:pPr>
+              <a:lnSpc>
+                <a:spcPct val="150000"/>
+              </a:lnSpc>
+            </a:pPr>
+            <a:r>
+              <a:rPr lang="en-US" sz="2000" dirty="0"/>
+              <a:t>"Within the </a:t>
+            </a:r>
+            <a:r>
+              <a:rPr lang="en-US" sz="2000" dirty="0">
+                <a:highlight>
+                  <a:srgbClr val="FFFF00"/>
+                </a:highlight>
+              </a:rPr>
+              <a:t>2025</a:t>
+            </a:r>
+            <a:r>
+              <a:rPr lang="en-US" sz="2000" dirty="0"/>
+              <a:t> target, we commit to reducing absolute </a:t>
+            </a:r>
+            <a:r>
+              <a:rPr lang="en-US" sz="2000" dirty="0">
+                <a:highlight>
+                  <a:srgbClr val="FFFF00"/>
+                </a:highlight>
+              </a:rPr>
+              <a:t>Scope 1</a:t>
+            </a:r>
+            <a:r>
+              <a:rPr lang="en-US" sz="2000" dirty="0"/>
+              <a:t> and </a:t>
+            </a:r>
+            <a:r>
+              <a:rPr lang="en-US" sz="2000" dirty="0">
+                <a:highlight>
+                  <a:srgbClr val="FFFF00"/>
+                </a:highlight>
+              </a:rPr>
+              <a:t>2</a:t>
+            </a:r>
+            <a:r>
+              <a:rPr lang="en-US" sz="2000" dirty="0"/>
+              <a:t> GHG emissions by </a:t>
+            </a:r>
+            <a:r>
+              <a:rPr lang="en-US" sz="2000" dirty="0">
+                <a:highlight>
+                  <a:srgbClr val="FFFF00"/>
+                </a:highlight>
+              </a:rPr>
+              <a:t>90%</a:t>
+            </a:r>
+            <a:r>
+              <a:rPr lang="en-US" sz="2000" dirty="0"/>
+              <a:t> from a </a:t>
+            </a:r>
+            <a:r>
+              <a:rPr lang="en-US" sz="2000" dirty="0">
+                <a:highlight>
+                  <a:srgbClr val="FFFF00"/>
+                </a:highlight>
+              </a:rPr>
+              <a:t>baseline</a:t>
+            </a:r>
+            <a:r>
+              <a:rPr lang="en-US" sz="2000" dirty="0"/>
+              <a:t> of </a:t>
+            </a:r>
+            <a:r>
+              <a:rPr lang="en-US" sz="2000" dirty="0">
+                <a:highlight>
+                  <a:srgbClr val="FFFF00"/>
+                </a:highlight>
+              </a:rPr>
+              <a:t>2017</a:t>
+            </a:r>
+            <a:r>
+              <a:rPr lang="en-US" sz="2000" dirty="0"/>
+              <a:t>."</a:t>
+            </a:r>
+          </a:p>
+        </p:txBody>
+      </p:sp>
+      <p:pic>
+        <p:nvPicPr>
+          <p:cNvPr id="8" name="Grafik 7">
+            <a:extLst>
+              <a:ext uri="{FF2B5EF4-FFF2-40B4-BE49-F238E27FC236}">
+                <a16:creationId xmlns:a16="http://schemas.microsoft.com/office/drawing/2014/main" id="{98D84AF9-5F4E-C4FD-DA77-F8E09DF9DED1}"/>
+              </a:ext>
+            </a:extLst>
+          </p:cNvPr>
+          <p:cNvPicPr>
+            <a:picLocks noChangeAspect="1"/>
+          </p:cNvPicPr>
+          <p:nvPr/>
+        </p:nvPicPr>
+        <p:blipFill rotWithShape="1">
+          <a:blip r:embed="rId2"/>
+          <a:srcRect t="1" r="39512" b="-7747"/>
+          <a:stretch/>
+        </p:blipFill>
+        <p:spPr>
+          <a:xfrm>
+            <a:off x="580291" y="1449335"/>
+            <a:ext cx="8400495" cy="229996"/>
+          </a:xfrm>
+          <a:prstGeom prst="rect">
+            <a:avLst/>
+          </a:prstGeom>
+        </p:spPr>
+      </p:pic>
+      <p:grpSp>
+        <p:nvGrpSpPr>
+          <p:cNvPr id="15" name="Gruppieren 14">
+            <a:extLst>
+              <a:ext uri="{FF2B5EF4-FFF2-40B4-BE49-F238E27FC236}">
+                <a16:creationId xmlns:a16="http://schemas.microsoft.com/office/drawing/2014/main" id="{D0728296-66B6-EAF9-8974-80232C7693A3}"/>
+              </a:ext>
+            </a:extLst>
+          </p:cNvPr>
+          <p:cNvGrpSpPr/>
+          <p:nvPr/>
+        </p:nvGrpSpPr>
+        <p:grpSpPr>
+          <a:xfrm>
+            <a:off x="563983" y="2239750"/>
+            <a:ext cx="8698326" cy="199223"/>
+            <a:chOff x="563983" y="2239750"/>
+            <a:chExt cx="8698326" cy="199223"/>
+          </a:xfrm>
+        </p:grpSpPr>
+        <p:pic>
+          <p:nvPicPr>
+            <p:cNvPr id="12" name="Grafik 11">
+              <a:extLst>
+                <a:ext uri="{FF2B5EF4-FFF2-40B4-BE49-F238E27FC236}">
+                  <a16:creationId xmlns:a16="http://schemas.microsoft.com/office/drawing/2014/main" id="{AA395FCF-13D8-2952-9C55-B318810C2685}"/>
+                </a:ext>
+              </a:extLst>
+            </p:cNvPr>
+            <p:cNvPicPr>
+              <a:picLocks noChangeAspect="1"/>
+            </p:cNvPicPr>
+            <p:nvPr/>
+          </p:nvPicPr>
+          <p:blipFill rotWithShape="1">
+            <a:blip r:embed="rId3"/>
+            <a:srcRect r="32455" b="-648"/>
+            <a:stretch/>
+          </p:blipFill>
+          <p:spPr>
+            <a:xfrm>
+              <a:off x="563983" y="2239751"/>
+              <a:ext cx="8698326" cy="199222"/>
+            </a:xfrm>
+            <a:prstGeom prst="rect">
+              <a:avLst/>
+            </a:prstGeom>
+          </p:spPr>
+        </p:pic>
+        <p:sp>
+          <p:nvSpPr>
+            <p:cNvPr id="14" name="Rechteck 13">
+              <a:extLst>
+                <a:ext uri="{FF2B5EF4-FFF2-40B4-BE49-F238E27FC236}">
+                  <a16:creationId xmlns:a16="http://schemas.microsoft.com/office/drawing/2014/main" id="{CA0E5A57-362C-F297-B549-76703E2F1978}"/>
+                </a:ext>
+              </a:extLst>
+            </p:cNvPr>
+            <p:cNvSpPr/>
+            <p:nvPr/>
+          </p:nvSpPr>
+          <p:spPr>
+            <a:xfrm>
+              <a:off x="3802616" y="2239750"/>
+              <a:ext cx="914458" cy="190677"/>
+            </a:xfrm>
+            <a:prstGeom prst="rect">
+              <a:avLst/>
+            </a:prstGeom>
+            <a:noFill/>
+            <a:ln w="25400">
+              <a:solidFill>
+                <a:srgbClr val="FF0000"/>
+              </a:solidFill>
+            </a:ln>
+          </p:spPr>
+          <p:style>
+            <a:lnRef idx="2">
+              <a:schemeClr val="accent1">
+                <a:shade val="15000"/>
+              </a:schemeClr>
+            </a:lnRef>
+            <a:fillRef idx="1">
+              <a:schemeClr val="accent1"/>
+            </a:fillRef>
+            <a:effectRef idx="0">
+              <a:schemeClr val="accent1"/>
+            </a:effectRef>
+            <a:fontRef idx="minor">
+              <a:schemeClr val="lt1"/>
+            </a:fontRef>
+          </p:style>
+          <p:txBody>
+            <a:bodyPr rtlCol="0" anchor="ctr"/>
+            <a:lstStyle/>
+            <a:p>
+              <a:pPr algn="ctr"/>
+              <a:endParaRPr lang="en-US"/>
+            </a:p>
+          </p:txBody>
+        </p:sp>
+      </p:grpSp>
+      <p:grpSp>
+        <p:nvGrpSpPr>
+          <p:cNvPr id="17" name="Gruppieren 16">
+            <a:extLst>
+              <a:ext uri="{FF2B5EF4-FFF2-40B4-BE49-F238E27FC236}">
+                <a16:creationId xmlns:a16="http://schemas.microsoft.com/office/drawing/2014/main" id="{E25C5CD2-CCA5-F97E-D5E5-F054651358E4}"/>
+              </a:ext>
+            </a:extLst>
+          </p:cNvPr>
+          <p:cNvGrpSpPr/>
+          <p:nvPr/>
+        </p:nvGrpSpPr>
+        <p:grpSpPr>
+          <a:xfrm>
+            <a:off x="134468" y="1804227"/>
+            <a:ext cx="9464031" cy="229996"/>
+            <a:chOff x="181130" y="1875098"/>
+            <a:chExt cx="9464031" cy="229996"/>
+          </a:xfrm>
+        </p:grpSpPr>
+        <p:pic>
+          <p:nvPicPr>
+            <p:cNvPr id="10" name="Grafik 9">
+              <a:extLst>
+                <a:ext uri="{FF2B5EF4-FFF2-40B4-BE49-F238E27FC236}">
+                  <a16:creationId xmlns:a16="http://schemas.microsoft.com/office/drawing/2014/main" id="{BB41C4AC-20AB-A426-5463-5BB02B939F08}"/>
+                </a:ext>
+              </a:extLst>
+            </p:cNvPr>
+            <p:cNvPicPr>
+              <a:picLocks noChangeAspect="1"/>
+            </p:cNvPicPr>
+            <p:nvPr/>
+          </p:nvPicPr>
+          <p:blipFill rotWithShape="1">
+            <a:blip r:embed="rId4"/>
+            <a:srcRect r="33121" b="-4859"/>
+            <a:stretch/>
+          </p:blipFill>
+          <p:spPr>
+            <a:xfrm>
+              <a:off x="181130" y="1875098"/>
+              <a:ext cx="9464031" cy="229996"/>
+            </a:xfrm>
+            <a:prstGeom prst="rect">
+              <a:avLst/>
+            </a:prstGeom>
+          </p:spPr>
+        </p:pic>
+        <p:sp>
+          <p:nvSpPr>
+            <p:cNvPr id="16" name="Rechteck 15">
+              <a:extLst>
+                <a:ext uri="{FF2B5EF4-FFF2-40B4-BE49-F238E27FC236}">
+                  <a16:creationId xmlns:a16="http://schemas.microsoft.com/office/drawing/2014/main" id="{66DDCE60-6F8A-0E25-D986-30B4FC7F6427}"/>
+                </a:ext>
+              </a:extLst>
+            </p:cNvPr>
+            <p:cNvSpPr/>
+            <p:nvPr/>
+          </p:nvSpPr>
+          <p:spPr>
+            <a:xfrm>
+              <a:off x="3736731" y="1893328"/>
+              <a:ext cx="980343" cy="186063"/>
+            </a:xfrm>
+            <a:prstGeom prst="rect">
+              <a:avLst/>
+            </a:prstGeom>
+            <a:noFill/>
+            <a:ln w="25400">
+              <a:solidFill>
+                <a:srgbClr val="00B0F0"/>
+              </a:solidFill>
+            </a:ln>
+          </p:spPr>
+          <p:style>
+            <a:lnRef idx="2">
+              <a:schemeClr val="accent1">
+                <a:shade val="15000"/>
+              </a:schemeClr>
+            </a:lnRef>
+            <a:fillRef idx="1">
+              <a:schemeClr val="accent1"/>
+            </a:fillRef>
+            <a:effectRef idx="0">
+              <a:schemeClr val="accent1"/>
+            </a:effectRef>
+            <a:fontRef idx="minor">
+              <a:schemeClr val="lt1"/>
+            </a:fontRef>
+          </p:style>
+          <p:txBody>
+            <a:bodyPr rtlCol="0" anchor="ctr"/>
+            <a:lstStyle/>
+            <a:p>
+              <a:pPr algn="ctr"/>
+              <a:endParaRPr lang="en-US"/>
+            </a:p>
+          </p:txBody>
+        </p:sp>
+      </p:grpSp>
+      <p:pic>
+        <p:nvPicPr>
+          <p:cNvPr id="19" name="Grafik 18">
+            <a:extLst>
+              <a:ext uri="{FF2B5EF4-FFF2-40B4-BE49-F238E27FC236}">
+                <a16:creationId xmlns:a16="http://schemas.microsoft.com/office/drawing/2014/main" id="{67695AA8-AAC8-D2D7-BC7B-3A8E818589CF}"/>
+              </a:ext>
+            </a:extLst>
+          </p:cNvPr>
+          <p:cNvPicPr>
+            <a:picLocks noChangeAspect="1"/>
+          </p:cNvPicPr>
+          <p:nvPr/>
+        </p:nvPicPr>
+        <p:blipFill rotWithShape="1">
+          <a:blip r:embed="rId5"/>
+          <a:srcRect t="1" r="69645" b="8006"/>
+          <a:stretch/>
+        </p:blipFill>
+        <p:spPr>
+          <a:xfrm>
+            <a:off x="4588348" y="4868295"/>
+            <a:ext cx="4954465" cy="269758"/>
+          </a:xfrm>
+          <a:prstGeom prst="rect">
+            <a:avLst/>
+          </a:prstGeom>
+        </p:spPr>
+      </p:pic>
+      <p:pic>
+        <p:nvPicPr>
+          <p:cNvPr id="23" name="Grafik 22">
+            <a:extLst>
+              <a:ext uri="{FF2B5EF4-FFF2-40B4-BE49-F238E27FC236}">
+                <a16:creationId xmlns:a16="http://schemas.microsoft.com/office/drawing/2014/main" id="{AA51BEAE-F6AD-C079-277E-807818E7CB4F}"/>
+              </a:ext>
+            </a:extLst>
+          </p:cNvPr>
+          <p:cNvPicPr>
+            <a:picLocks noChangeAspect="1"/>
+          </p:cNvPicPr>
+          <p:nvPr/>
+        </p:nvPicPr>
+        <p:blipFill rotWithShape="1">
+          <a:blip r:embed="rId6"/>
+          <a:srcRect t="1" r="67249" b="-1"/>
+          <a:stretch/>
+        </p:blipFill>
+        <p:spPr>
+          <a:xfrm>
+            <a:off x="237392" y="4272220"/>
+            <a:ext cx="5438042" cy="298309"/>
+          </a:xfrm>
+          <a:prstGeom prst="rect">
+            <a:avLst/>
+          </a:prstGeom>
+        </p:spPr>
+      </p:pic>
+      <p:cxnSp>
+        <p:nvCxnSpPr>
+          <p:cNvPr id="25" name="Gerade Verbindung mit Pfeil 24">
+            <a:extLst>
+              <a:ext uri="{FF2B5EF4-FFF2-40B4-BE49-F238E27FC236}">
+                <a16:creationId xmlns:a16="http://schemas.microsoft.com/office/drawing/2014/main" id="{A0C44056-409A-EFFC-371F-D7668C995D80}"/>
+              </a:ext>
+            </a:extLst>
+          </p:cNvPr>
+          <p:cNvCxnSpPr/>
+          <p:nvPr/>
+        </p:nvCxnSpPr>
+        <p:spPr>
+          <a:xfrm>
+            <a:off x="4633546" y="3714750"/>
+            <a:ext cx="4066442" cy="1226527"/>
+          </a:xfrm>
+          <a:prstGeom prst="straightConnector1">
+            <a:avLst/>
+          </a:prstGeom>
+          <a:ln w="19050">
+            <a:solidFill>
+              <a:schemeClr val="accent6"/>
+            </a:solidFill>
+            <a:tailEnd type="triangle"/>
+          </a:ln>
+        </p:spPr>
+        <p:style>
+          <a:lnRef idx="1">
+            <a:schemeClr val="accent1"/>
+          </a:lnRef>
+          <a:fillRef idx="0">
+            <a:schemeClr val="accent1"/>
+          </a:fillRef>
+          <a:effectRef idx="0">
+            <a:schemeClr val="accent1"/>
+          </a:effectRef>
+          <a:fontRef idx="minor">
+            <a:schemeClr val="tx1"/>
+          </a:fontRef>
+        </p:style>
+      </p:cxnSp>
+      <p:cxnSp>
+        <p:nvCxnSpPr>
+          <p:cNvPr id="27" name="Gerade Verbindung mit Pfeil 26">
+            <a:extLst>
+              <a:ext uri="{FF2B5EF4-FFF2-40B4-BE49-F238E27FC236}">
+                <a16:creationId xmlns:a16="http://schemas.microsoft.com/office/drawing/2014/main" id="{D7AF9652-4804-5266-5F54-25791C584B3D}"/>
+              </a:ext>
+            </a:extLst>
+          </p:cNvPr>
+          <p:cNvCxnSpPr>
+            <a:cxnSpLocks/>
+          </p:cNvCxnSpPr>
+          <p:nvPr/>
+        </p:nvCxnSpPr>
+        <p:spPr>
+          <a:xfrm>
+            <a:off x="2193681" y="3740672"/>
+            <a:ext cx="1749669" cy="587341"/>
+          </a:xfrm>
+          <a:prstGeom prst="straightConnector1">
+            <a:avLst/>
+          </a:prstGeom>
+          <a:ln w="19050">
+            <a:solidFill>
+              <a:schemeClr val="accent6"/>
+            </a:solidFill>
+            <a:tailEnd type="triangle"/>
+          </a:ln>
+        </p:spPr>
+        <p:style>
+          <a:lnRef idx="1">
+            <a:schemeClr val="accent1"/>
+          </a:lnRef>
+          <a:fillRef idx="0">
+            <a:schemeClr val="accent1"/>
+          </a:fillRef>
+          <a:effectRef idx="0">
+            <a:schemeClr val="accent1"/>
+          </a:effectRef>
+          <a:fontRef idx="minor">
+            <a:schemeClr val="tx1"/>
+          </a:fontRef>
+        </p:style>
+      </p:cxnSp>
+      <p:cxnSp>
+        <p:nvCxnSpPr>
+          <p:cNvPr id="2" name="Gerade Verbindung mit Pfeil 1">
+            <a:extLst>
+              <a:ext uri="{FF2B5EF4-FFF2-40B4-BE49-F238E27FC236}">
+                <a16:creationId xmlns:a16="http://schemas.microsoft.com/office/drawing/2014/main" id="{C994B06B-6DAD-5C9F-559C-0E16C0A1D4C0}"/>
+              </a:ext>
+            </a:extLst>
+          </p:cNvPr>
+          <p:cNvCxnSpPr>
+            <a:cxnSpLocks/>
+            <a:stCxn id="12" idx="2"/>
+          </p:cNvCxnSpPr>
+          <p:nvPr/>
+        </p:nvCxnSpPr>
+        <p:spPr>
+          <a:xfrm>
+            <a:off x="4913146" y="2438973"/>
+            <a:ext cx="2876839" cy="607562"/>
+          </a:xfrm>
+          <a:prstGeom prst="straightConnector1">
+            <a:avLst/>
+          </a:prstGeom>
+          <a:ln w="19050">
+            <a:solidFill>
+              <a:schemeClr val="accent6"/>
+            </a:solidFill>
+            <a:tailEnd type="triangle"/>
+          </a:ln>
+        </p:spPr>
+        <p:style>
+          <a:lnRef idx="1">
+            <a:schemeClr val="accent1"/>
+          </a:lnRef>
+          <a:fillRef idx="0">
+            <a:schemeClr val="accent1"/>
+          </a:fillRef>
+          <a:effectRef idx="0">
+            <a:schemeClr val="accent1"/>
+          </a:effectRef>
+          <a:fontRef idx="minor">
+            <a:schemeClr val="tx1"/>
+          </a:fontRef>
+        </p:style>
+      </p:cxnSp>
+      <p:cxnSp>
+        <p:nvCxnSpPr>
+          <p:cNvPr id="6" name="Gerade Verbindung mit Pfeil 5">
+            <a:extLst>
+              <a:ext uri="{FF2B5EF4-FFF2-40B4-BE49-F238E27FC236}">
+                <a16:creationId xmlns:a16="http://schemas.microsoft.com/office/drawing/2014/main" id="{17DAE972-3E2E-E273-4070-CBBAD24E4758}"/>
+              </a:ext>
+            </a:extLst>
+          </p:cNvPr>
+          <p:cNvCxnSpPr>
+            <a:cxnSpLocks/>
+          </p:cNvCxnSpPr>
+          <p:nvPr/>
+        </p:nvCxnSpPr>
+        <p:spPr>
+          <a:xfrm>
+            <a:off x="5020408" y="1990725"/>
+            <a:ext cx="2716823" cy="1016244"/>
+          </a:xfrm>
+          <a:prstGeom prst="straightConnector1">
+            <a:avLst/>
+          </a:prstGeom>
+          <a:ln w="19050">
+            <a:solidFill>
+              <a:schemeClr val="accent6"/>
+            </a:solidFill>
+            <a:tailEnd type="triangle"/>
+          </a:ln>
+        </p:spPr>
+        <p:style>
+          <a:lnRef idx="1">
+            <a:schemeClr val="accent1"/>
+          </a:lnRef>
+          <a:fillRef idx="0">
+            <a:schemeClr val="accent1"/>
+          </a:fillRef>
+          <a:effectRef idx="0">
+            <a:schemeClr val="accent1"/>
+          </a:effectRef>
+          <a:fontRef idx="minor">
+            <a:schemeClr val="tx1"/>
+          </a:fontRef>
+        </p:style>
+      </p:cxnSp>
+      <p:cxnSp>
+        <p:nvCxnSpPr>
+          <p:cNvPr id="13" name="Gerade Verbindung mit Pfeil 12">
+            <a:extLst>
+              <a:ext uri="{FF2B5EF4-FFF2-40B4-BE49-F238E27FC236}">
+                <a16:creationId xmlns:a16="http://schemas.microsoft.com/office/drawing/2014/main" id="{68E01A59-5E6B-24C6-E950-6C22E1065F19}"/>
+              </a:ext>
+            </a:extLst>
+          </p:cNvPr>
+          <p:cNvCxnSpPr>
+            <a:cxnSpLocks/>
+          </p:cNvCxnSpPr>
+          <p:nvPr/>
+        </p:nvCxnSpPr>
+        <p:spPr>
+          <a:xfrm>
+            <a:off x="4409342" y="1598699"/>
+            <a:ext cx="2369527" cy="1679856"/>
+          </a:xfrm>
+          <a:prstGeom prst="straightConnector1">
+            <a:avLst/>
+          </a:prstGeom>
+          <a:ln w="19050">
+            <a:solidFill>
+              <a:schemeClr val="accent6"/>
+            </a:solidFill>
+            <a:tailEnd type="triangle"/>
+          </a:ln>
+        </p:spPr>
+        <p:style>
+          <a:lnRef idx="1">
+            <a:schemeClr val="accent1"/>
+          </a:lnRef>
+          <a:fillRef idx="0">
+            <a:schemeClr val="accent1"/>
+          </a:fillRef>
+          <a:effectRef idx="0">
+            <a:schemeClr val="accent1"/>
+          </a:effectRef>
+          <a:fontRef idx="minor">
+            <a:schemeClr val="tx1"/>
+          </a:fontRef>
+        </p:style>
+      </p:cxnSp>
+      <p:cxnSp>
+        <p:nvCxnSpPr>
+          <p:cNvPr id="21" name="Gerade Verbindung mit Pfeil 20">
+            <a:extLst>
+              <a:ext uri="{FF2B5EF4-FFF2-40B4-BE49-F238E27FC236}">
+                <a16:creationId xmlns:a16="http://schemas.microsoft.com/office/drawing/2014/main" id="{FDB7345F-B212-5A2D-4616-FB70AFEFBCF3}"/>
+              </a:ext>
+            </a:extLst>
+          </p:cNvPr>
+          <p:cNvCxnSpPr>
+            <a:cxnSpLocks/>
+          </p:cNvCxnSpPr>
+          <p:nvPr/>
+        </p:nvCxnSpPr>
+        <p:spPr>
+          <a:xfrm flipH="1">
+            <a:off x="3690069" y="2335088"/>
+            <a:ext cx="5115427" cy="1287840"/>
+          </a:xfrm>
+          <a:prstGeom prst="straightConnector1">
+            <a:avLst/>
+          </a:prstGeom>
+          <a:ln w="19050">
+            <a:solidFill>
+              <a:schemeClr val="accent6"/>
+            </a:solidFill>
+            <a:tailEnd type="triangle"/>
+          </a:ln>
+        </p:spPr>
+        <p:style>
+          <a:lnRef idx="1">
+            <a:schemeClr val="accent1"/>
+          </a:lnRef>
+          <a:fillRef idx="0">
+            <a:schemeClr val="accent1"/>
+          </a:fillRef>
+          <a:effectRef idx="0">
+            <a:schemeClr val="accent1"/>
+          </a:effectRef>
+          <a:fontRef idx="minor">
+            <a:schemeClr val="tx1"/>
+          </a:fontRef>
+        </p:style>
+      </p:cxnSp>
+    </p:spTree>
+    <p:extLst>
+      <p:ext uri="{BB962C8B-B14F-4D97-AF65-F5344CB8AC3E}">
+        <p14:creationId xmlns:p14="http://schemas.microsoft.com/office/powerpoint/2010/main" val="366827850"/>
+      </p:ext>
+    </p:extLst>
+  </p:cSld>
+  <p:clrMapOvr>
+    <a:masterClrMapping/>
+  </p:clrMapOvr>
+</p:sld>
+</file>
+
+<file path=ppt/slides/slide7.xml><?xml version="1.0" encoding="utf-8"?>
+<p:sld xmlns:a="http://schemas.openxmlformats.org/drawingml/2006/main" xmlns:r="http://schemas.openxmlformats.org/officeDocument/2006/relationships" xmlns:p="http://schemas.openxmlformats.org/presentationml/2006/main" show="0">
+  <p:cSld>
+    <p:spTree>
+      <p:nvGrpSpPr>
+        <p:cNvPr id="1" name=""/>
+        <p:cNvGrpSpPr/>
+        <p:nvPr/>
+      </p:nvGrpSpPr>
+      <p:grpSpPr>
+        <a:xfrm>
+          <a:off x="0" y="0"/>
+          <a:ext cx="0" cy="0"/>
+          <a:chOff x="0" y="0"/>
+          <a:chExt cx="0" cy="0"/>
+        </a:xfrm>
+      </p:grpSpPr>
+      <p:sp>
+        <p:nvSpPr>
+          <p:cNvPr id="26" name="Textfeld 25">
+            <a:extLst>
+              <a:ext uri="{FF2B5EF4-FFF2-40B4-BE49-F238E27FC236}">
+                <a16:creationId xmlns:a16="http://schemas.microsoft.com/office/drawing/2014/main" id="{E5229098-1146-2BBD-D75D-639ED2A05A0D}"/>
+              </a:ext>
+            </a:extLst>
+          </p:cNvPr>
+          <p:cNvSpPr txBox="1"/>
+          <p:nvPr/>
+        </p:nvSpPr>
+        <p:spPr>
+          <a:xfrm>
+            <a:off x="190156" y="88968"/>
+            <a:ext cx="9352657" cy="523220"/>
+          </a:xfrm>
+          <a:prstGeom prst="rect">
+            <a:avLst/>
+          </a:prstGeom>
+          <a:noFill/>
+        </p:spPr>
+        <p:txBody>
+          <a:bodyPr wrap="square" rtlCol="0">
+            <a:spAutoFit/>
+          </a:bodyPr>
+          <a:lstStyle/>
+          <a:p>
+            <a:pPr algn="ctr"/>
+            <a:r>
+              <a:rPr lang="en-US" sz="2800" b="1" dirty="0" err="1"/>
+              <a:t>ESRS</a:t>
+            </a:r>
+            <a:r>
+              <a:rPr lang="en-US" sz="2800" b="1" dirty="0"/>
+              <a:t>: XBRL-Format Delivery Requirement</a:t>
+            </a:r>
+          </a:p>
+        </p:txBody>
+      </p:sp>
+      <p:pic>
+        <p:nvPicPr>
+          <p:cNvPr id="4" name="Grafik 3" descr="Ein Bild, das Text, Screenshot, Software, Multimedia-Software enthält.&#10;&#10;Automatisch generierte Beschreibung">
+            <a:extLst>
+              <a:ext uri="{FF2B5EF4-FFF2-40B4-BE49-F238E27FC236}">
+                <a16:creationId xmlns:a16="http://schemas.microsoft.com/office/drawing/2014/main" id="{F6C044C3-2B6B-3736-CE3B-E0A2504B5196}"/>
+              </a:ext>
+            </a:extLst>
+          </p:cNvPr>
+          <p:cNvPicPr>
+            <a:picLocks noChangeAspect="1"/>
+          </p:cNvPicPr>
+          <p:nvPr/>
+        </p:nvPicPr>
+        <p:blipFill rotWithShape="1">
+          <a:blip r:embed="rId2"/>
+          <a:srcRect l="6394" t="22442" r="75496" b="57733"/>
+          <a:stretch/>
+        </p:blipFill>
+        <p:spPr bwMode="auto">
+          <a:xfrm>
+            <a:off x="742970" y="1566935"/>
+            <a:ext cx="4037824" cy="2371433"/>
+          </a:xfrm>
+          <a:prstGeom prst="rect">
+            <a:avLst/>
+          </a:prstGeom>
+          <a:ln>
+            <a:noFill/>
+          </a:ln>
+          <a:extLst>
+            <a:ext uri="{53640926-AAD7-44D8-BBD7-CCE9431645EC}">
+              <a14:shadowObscured xmlns:a14="http://schemas.microsoft.com/office/drawing/2010/main"/>
+            </a:ext>
+          </a:extLst>
+        </p:spPr>
+      </p:pic>
+      <p:pic>
+        <p:nvPicPr>
+          <p:cNvPr id="7" name="Grafik 6" descr="Ein Bild, das Text, Screenshot, Software, Multimedia-Software enthält.&#10;&#10;Automatisch generierte Beschreibung">
+            <a:extLst>
+              <a:ext uri="{FF2B5EF4-FFF2-40B4-BE49-F238E27FC236}">
+                <a16:creationId xmlns:a16="http://schemas.microsoft.com/office/drawing/2014/main" id="{3E73EFB9-82AF-01F0-1B61-128D4276F781}"/>
+              </a:ext>
+            </a:extLst>
+          </p:cNvPr>
+          <p:cNvPicPr>
+            <a:picLocks noChangeAspect="1"/>
+          </p:cNvPicPr>
+          <p:nvPr/>
+        </p:nvPicPr>
+        <p:blipFill rotWithShape="1">
+          <a:blip r:embed="rId3"/>
+          <a:srcRect l="8218" t="41674" r="78779" b="55633"/>
+          <a:stretch/>
+        </p:blipFill>
+        <p:spPr bwMode="auto">
+          <a:xfrm>
+            <a:off x="5014575" y="1566935"/>
+            <a:ext cx="4148455" cy="461010"/>
+          </a:xfrm>
+          <a:prstGeom prst="rect">
+            <a:avLst/>
+          </a:prstGeom>
+          <a:ln>
+            <a:noFill/>
+          </a:ln>
+          <a:extLst>
+            <a:ext uri="{53640926-AAD7-44D8-BBD7-CCE9431645EC}">
+              <a14:shadowObscured xmlns:a14="http://schemas.microsoft.com/office/drawing/2010/main"/>
+            </a:ext>
+          </a:extLst>
+        </p:spPr>
+      </p:pic>
+      <p:sp>
+        <p:nvSpPr>
+          <p:cNvPr id="8" name="Textfeld 7">
+            <a:extLst>
+              <a:ext uri="{FF2B5EF4-FFF2-40B4-BE49-F238E27FC236}">
+                <a16:creationId xmlns:a16="http://schemas.microsoft.com/office/drawing/2014/main" id="{94BFA564-B7FD-B2DC-C160-4C2E57924C9E}"/>
+              </a:ext>
+            </a:extLst>
+          </p:cNvPr>
+          <p:cNvSpPr txBox="1"/>
+          <p:nvPr/>
+        </p:nvSpPr>
+        <p:spPr>
+          <a:xfrm>
+            <a:off x="1150355" y="1050351"/>
+            <a:ext cx="3298553" cy="369332"/>
+          </a:xfrm>
+          <a:prstGeom prst="rect">
+            <a:avLst/>
+          </a:prstGeom>
+          <a:solidFill>
+            <a:schemeClr val="bg1"/>
+          </a:solidFill>
+          <a:ln>
+            <a:solidFill>
+              <a:schemeClr val="accent5">
+                <a:lumMod val="40000"/>
+                <a:lumOff val="60000"/>
+              </a:schemeClr>
+            </a:solidFill>
+          </a:ln>
+        </p:spPr>
+        <p:txBody>
+          <a:bodyPr wrap="square" rtlCol="0">
+            <a:spAutoFit/>
+          </a:bodyPr>
+          <a:lstStyle/>
+          <a:p>
+            <a:pPr algn="ctr"/>
+            <a:r>
+              <a:rPr lang="en-US" dirty="0" err="1"/>
+              <a:t>ESRS</a:t>
+            </a:r>
+            <a:r>
+              <a:rPr lang="en-US" dirty="0"/>
+              <a:t> Taxonomy</a:t>
+            </a:r>
+          </a:p>
+        </p:txBody>
+      </p:sp>
+      <p:cxnSp>
+        <p:nvCxnSpPr>
+          <p:cNvPr id="12" name="Gerade Verbindung mit Pfeil 11">
+            <a:extLst>
+              <a:ext uri="{FF2B5EF4-FFF2-40B4-BE49-F238E27FC236}">
+                <a16:creationId xmlns:a16="http://schemas.microsoft.com/office/drawing/2014/main" id="{69281DD6-B664-FA75-4C70-B2E72A071F5A}"/>
+              </a:ext>
+            </a:extLst>
+          </p:cNvPr>
+          <p:cNvCxnSpPr/>
+          <p:nvPr/>
+        </p:nvCxnSpPr>
+        <p:spPr>
+          <a:xfrm flipV="1">
+            <a:off x="3006969" y="1402373"/>
+            <a:ext cx="0" cy="1112227"/>
+          </a:xfrm>
+          <a:prstGeom prst="straightConnector1">
+            <a:avLst/>
+          </a:prstGeom>
+          <a:ln w="44450">
+            <a:tailEnd type="triangle"/>
+          </a:ln>
+        </p:spPr>
+        <p:style>
+          <a:lnRef idx="1">
+            <a:schemeClr val="accent1"/>
+          </a:lnRef>
+          <a:fillRef idx="0">
+            <a:schemeClr val="accent1"/>
+          </a:fillRef>
+          <a:effectRef idx="0">
+            <a:schemeClr val="accent1"/>
+          </a:effectRef>
+          <a:fontRef idx="minor">
+            <a:schemeClr val="tx1"/>
+          </a:fontRef>
+        </p:style>
+      </p:cxnSp>
+      <p:cxnSp>
+        <p:nvCxnSpPr>
+          <p:cNvPr id="14" name="Gerade Verbindung mit Pfeil 13">
+            <a:extLst>
+              <a:ext uri="{FF2B5EF4-FFF2-40B4-BE49-F238E27FC236}">
+                <a16:creationId xmlns:a16="http://schemas.microsoft.com/office/drawing/2014/main" id="{D6329660-2244-1E59-CBA9-496E7ABBF36C}"/>
+              </a:ext>
+            </a:extLst>
+          </p:cNvPr>
+          <p:cNvCxnSpPr>
+            <a:cxnSpLocks/>
+            <a:stCxn id="7" idx="2"/>
+          </p:cNvCxnSpPr>
+          <p:nvPr/>
+        </p:nvCxnSpPr>
+        <p:spPr>
+          <a:xfrm flipH="1">
+            <a:off x="7088802" y="2027945"/>
+            <a:ext cx="1" cy="1132890"/>
+          </a:xfrm>
+          <a:prstGeom prst="straightConnector1">
+            <a:avLst/>
+          </a:prstGeom>
+          <a:ln w="44450">
+            <a:tailEnd type="triangle"/>
+          </a:ln>
+        </p:spPr>
+        <p:style>
+          <a:lnRef idx="1">
+            <a:schemeClr val="accent1"/>
+          </a:lnRef>
+          <a:fillRef idx="0">
+            <a:schemeClr val="accent1"/>
+          </a:fillRef>
+          <a:effectRef idx="0">
+            <a:schemeClr val="accent1"/>
+          </a:effectRef>
+          <a:fontRef idx="minor">
+            <a:schemeClr val="tx1"/>
+          </a:fontRef>
+        </p:style>
+      </p:cxnSp>
+      <p:pic>
+        <p:nvPicPr>
+          <p:cNvPr id="18" name="Grafik 17" descr="Ein Bild, das Text, Screenshot, Software, Multimedia-Software enthält.&#10;&#10;Automatisch generierte Beschreibung">
+            <a:extLst>
+              <a:ext uri="{FF2B5EF4-FFF2-40B4-BE49-F238E27FC236}">
+                <a16:creationId xmlns:a16="http://schemas.microsoft.com/office/drawing/2014/main" id="{4B977061-2B2F-092B-E351-3809B35835EC}"/>
+              </a:ext>
+            </a:extLst>
+          </p:cNvPr>
+          <p:cNvPicPr>
+            <a:picLocks noChangeAspect="1"/>
+          </p:cNvPicPr>
+          <p:nvPr/>
+        </p:nvPicPr>
+        <p:blipFill rotWithShape="1">
+          <a:blip r:embed="rId3"/>
+          <a:srcRect l="38558" t="12821" r="35317" b="42059"/>
+          <a:stretch/>
+        </p:blipFill>
+        <p:spPr bwMode="auto">
+          <a:xfrm>
+            <a:off x="5423614" y="3199814"/>
+            <a:ext cx="3330375" cy="3085361"/>
+          </a:xfrm>
+          <a:prstGeom prst="rect">
+            <a:avLst/>
+          </a:prstGeom>
+          <a:ln>
+            <a:noFill/>
+          </a:ln>
+          <a:extLst>
+            <a:ext uri="{53640926-AAD7-44D8-BBD7-CCE9431645EC}">
+              <a14:shadowObscured xmlns:a14="http://schemas.microsoft.com/office/drawing/2010/main"/>
+            </a:ext>
+          </a:extLst>
+        </p:spPr>
+      </p:pic>
+      <p:sp>
+        <p:nvSpPr>
+          <p:cNvPr id="20" name="Textfeld 19">
+            <a:extLst>
+              <a:ext uri="{FF2B5EF4-FFF2-40B4-BE49-F238E27FC236}">
+                <a16:creationId xmlns:a16="http://schemas.microsoft.com/office/drawing/2014/main" id="{E7076B55-AB6D-34DC-3CA9-F7363874303F}"/>
+              </a:ext>
+            </a:extLst>
+          </p:cNvPr>
+          <p:cNvSpPr txBox="1"/>
+          <p:nvPr/>
+        </p:nvSpPr>
+        <p:spPr>
+          <a:xfrm>
+            <a:off x="7214088" y="2409724"/>
+            <a:ext cx="1023254" cy="369332"/>
+          </a:xfrm>
+          <a:prstGeom prst="rect">
+            <a:avLst/>
+          </a:prstGeom>
+          <a:solidFill>
+            <a:schemeClr val="bg1"/>
+          </a:solidFill>
+          <a:ln>
+            <a:solidFill>
+              <a:schemeClr val="accent5">
+                <a:lumMod val="40000"/>
+                <a:lumOff val="60000"/>
+              </a:schemeClr>
+            </a:solidFill>
+          </a:ln>
+        </p:spPr>
+        <p:txBody>
+          <a:bodyPr wrap="square" rtlCol="0">
+            <a:spAutoFit/>
+          </a:bodyPr>
+          <a:lstStyle/>
+          <a:p>
+            <a:pPr algn="ctr"/>
+            <a:r>
+              <a:rPr lang="en-US" dirty="0"/>
+              <a:t>JSON</a:t>
+            </a:r>
+          </a:p>
+        </p:txBody>
+      </p:sp>
+    </p:spTree>
+    <p:extLst>
+      <p:ext uri="{BB962C8B-B14F-4D97-AF65-F5344CB8AC3E}">
+        <p14:creationId xmlns:p14="http://schemas.microsoft.com/office/powerpoint/2010/main" val="3720627103"/>
+      </p:ext>
+    </p:extLst>
+  </p:cSld>
+  <p:clrMapOvr>
+    <a:masterClrMapping/>
+  </p:clrMapOvr>
+</p:sld>
+</file>
+
+<file path=ppt/slides/slide8.xml><?xml version="1.0" encoding="utf-8"?>
+<p:sld xmlns:a="http://schemas.openxmlformats.org/drawingml/2006/main" xmlns:r="http://schemas.openxmlformats.org/officeDocument/2006/relationships" xmlns:p="http://schemas.openxmlformats.org/presentationml/2006/main" show="0">
+  <p:cSld>
+    <p:spTree>
+      <p:nvGrpSpPr>
+        <p:cNvPr id="1" name=""/>
+        <p:cNvGrpSpPr/>
+        <p:nvPr/>
+      </p:nvGrpSpPr>
+      <p:grpSpPr>
+        <a:xfrm>
+          <a:off x="0" y="0"/>
+          <a:ext cx="0" cy="0"/>
+          <a:chOff x="0" y="0"/>
+          <a:chExt cx="0" cy="0"/>
+        </a:xfrm>
+      </p:grpSpPr>
+      <p:sp>
+        <p:nvSpPr>
+          <p:cNvPr id="26" name="Textfeld 25">
+            <a:extLst>
+              <a:ext uri="{FF2B5EF4-FFF2-40B4-BE49-F238E27FC236}">
+                <a16:creationId xmlns:a16="http://schemas.microsoft.com/office/drawing/2014/main" id="{E5229098-1146-2BBD-D75D-639ED2A05A0D}"/>
+              </a:ext>
+            </a:extLst>
+          </p:cNvPr>
+          <p:cNvSpPr txBox="1"/>
+          <p:nvPr/>
+        </p:nvSpPr>
+        <p:spPr>
+          <a:xfrm>
+            <a:off x="190156" y="88968"/>
+            <a:ext cx="9352657" cy="523220"/>
+          </a:xfrm>
+          <a:prstGeom prst="rect">
+            <a:avLst/>
+          </a:prstGeom>
+          <a:noFill/>
+        </p:spPr>
+        <p:txBody>
+          <a:bodyPr wrap="square" rtlCol="0">
+            <a:spAutoFit/>
+          </a:bodyPr>
+          <a:lstStyle/>
+          <a:p>
+            <a:pPr algn="ctr"/>
+            <a:r>
+              <a:rPr lang="en-US" sz="2800" b="1" dirty="0" err="1"/>
+              <a:t>ESRS</a:t>
+            </a:r>
+            <a:r>
+              <a:rPr lang="en-US" sz="2800" b="1" dirty="0"/>
+              <a:t>: XBRL-Format Delivery</a:t>
+            </a:r>
+          </a:p>
+        </p:txBody>
+      </p:sp>
+      <p:pic>
+        <p:nvPicPr>
+          <p:cNvPr id="2" name="Grafik 1">
+            <a:extLst>
+              <a:ext uri="{FF2B5EF4-FFF2-40B4-BE49-F238E27FC236}">
+                <a16:creationId xmlns:a16="http://schemas.microsoft.com/office/drawing/2014/main" id="{AEA1C299-7E18-EA2A-C45B-452DEDB74645}"/>
+              </a:ext>
+            </a:extLst>
+          </p:cNvPr>
+          <p:cNvPicPr>
+            <a:picLocks noChangeAspect="1"/>
+          </p:cNvPicPr>
+          <p:nvPr/>
+        </p:nvPicPr>
+        <p:blipFill>
+          <a:blip r:embed="rId2"/>
+          <a:stretch>
+            <a:fillRect/>
+          </a:stretch>
+        </p:blipFill>
+        <p:spPr>
+          <a:xfrm>
+            <a:off x="296740" y="4215249"/>
+            <a:ext cx="6930538" cy="1542191"/>
+          </a:xfrm>
+          <a:prstGeom prst="rect">
+            <a:avLst/>
+          </a:prstGeom>
+        </p:spPr>
+      </p:pic>
+      <p:sp>
+        <p:nvSpPr>
+          <p:cNvPr id="3" name="Textfeld 2">
+            <a:extLst>
+              <a:ext uri="{FF2B5EF4-FFF2-40B4-BE49-F238E27FC236}">
+                <a16:creationId xmlns:a16="http://schemas.microsoft.com/office/drawing/2014/main" id="{7DA38F7F-4D8A-9E1E-FDB0-479EC62B3C48}"/>
+              </a:ext>
+            </a:extLst>
+          </p:cNvPr>
+          <p:cNvSpPr txBox="1"/>
+          <p:nvPr/>
+        </p:nvSpPr>
+        <p:spPr>
+          <a:xfrm>
+            <a:off x="190156" y="3899362"/>
+            <a:ext cx="1244111" cy="369332"/>
+          </a:xfrm>
+          <a:prstGeom prst="rect">
+            <a:avLst/>
+          </a:prstGeom>
+          <a:noFill/>
+        </p:spPr>
+        <p:txBody>
+          <a:bodyPr wrap="square" rtlCol="0">
+            <a:spAutoFit/>
+          </a:bodyPr>
+          <a:lstStyle/>
+          <a:p>
+            <a:r>
+              <a:rPr lang="en-US" dirty="0"/>
+              <a:t>Extract:</a:t>
+            </a:r>
+          </a:p>
+        </p:txBody>
+      </p:sp>
+      <p:sp>
+        <p:nvSpPr>
+          <p:cNvPr id="6" name="Textfeld 5">
+            <a:extLst>
+              <a:ext uri="{FF2B5EF4-FFF2-40B4-BE49-F238E27FC236}">
+                <a16:creationId xmlns:a16="http://schemas.microsoft.com/office/drawing/2014/main" id="{DCB9DCF1-C29C-D79D-4A80-82276BC00267}"/>
+              </a:ext>
+            </a:extLst>
+          </p:cNvPr>
+          <p:cNvSpPr txBox="1"/>
+          <p:nvPr/>
+        </p:nvSpPr>
+        <p:spPr>
+          <a:xfrm>
+            <a:off x="8159994" y="4374812"/>
+            <a:ext cx="1445602" cy="369332"/>
+          </a:xfrm>
+          <a:prstGeom prst="rect">
+            <a:avLst/>
+          </a:prstGeom>
+          <a:solidFill>
+            <a:schemeClr val="accent5">
+              <a:lumMod val="40000"/>
+              <a:lumOff val="60000"/>
+            </a:schemeClr>
+          </a:solidFill>
+        </p:spPr>
+        <p:txBody>
+          <a:bodyPr wrap="square" rtlCol="0">
+            <a:spAutoFit/>
+          </a:bodyPr>
+          <a:lstStyle/>
+          <a:p>
+            <a:pPr algn="ctr"/>
+            <a:r>
+              <a:rPr lang="en-US" dirty="0"/>
+              <a:t>Quantitative</a:t>
+            </a:r>
+          </a:p>
+        </p:txBody>
+      </p:sp>
+      <p:cxnSp>
+        <p:nvCxnSpPr>
+          <p:cNvPr id="9" name="Gerade Verbindung mit Pfeil 8">
+            <a:extLst>
+              <a:ext uri="{FF2B5EF4-FFF2-40B4-BE49-F238E27FC236}">
+                <a16:creationId xmlns:a16="http://schemas.microsoft.com/office/drawing/2014/main" id="{544F1DDF-CF8D-B57C-9125-CEFD6B865F9E}"/>
+              </a:ext>
+            </a:extLst>
+          </p:cNvPr>
+          <p:cNvCxnSpPr>
+            <a:cxnSpLocks/>
+            <a:endCxn id="6" idx="1"/>
+          </p:cNvCxnSpPr>
+          <p:nvPr/>
+        </p:nvCxnSpPr>
+        <p:spPr>
+          <a:xfrm>
+            <a:off x="7225630" y="4374812"/>
+            <a:ext cx="934364" cy="184666"/>
+          </a:xfrm>
+          <a:prstGeom prst="straightConnector1">
+            <a:avLst/>
+          </a:prstGeom>
+          <a:ln w="22225">
+            <a:solidFill>
+              <a:schemeClr val="accent5">
+                <a:lumMod val="40000"/>
+                <a:lumOff val="60000"/>
+              </a:schemeClr>
+            </a:solidFill>
+            <a:tailEnd type="triangle"/>
+          </a:ln>
+        </p:spPr>
+        <p:style>
+          <a:lnRef idx="1">
+            <a:schemeClr val="accent1"/>
+          </a:lnRef>
+          <a:fillRef idx="0">
+            <a:schemeClr val="accent1"/>
+          </a:fillRef>
+          <a:effectRef idx="0">
+            <a:schemeClr val="accent1"/>
+          </a:effectRef>
+          <a:fontRef idx="minor">
+            <a:schemeClr val="tx1"/>
+          </a:fontRef>
+        </p:style>
+      </p:cxnSp>
+      <p:cxnSp>
+        <p:nvCxnSpPr>
+          <p:cNvPr id="11" name="Gerade Verbindung mit Pfeil 10">
+            <a:extLst>
+              <a:ext uri="{FF2B5EF4-FFF2-40B4-BE49-F238E27FC236}">
+                <a16:creationId xmlns:a16="http://schemas.microsoft.com/office/drawing/2014/main" id="{06619D27-278D-4F87-2AC5-DA99A6AB83EC}"/>
+              </a:ext>
+            </a:extLst>
+          </p:cNvPr>
+          <p:cNvCxnSpPr>
+            <a:cxnSpLocks/>
+            <a:stCxn id="2" idx="3"/>
+            <a:endCxn id="6" idx="1"/>
+          </p:cNvCxnSpPr>
+          <p:nvPr/>
+        </p:nvCxnSpPr>
+        <p:spPr>
+          <a:xfrm flipV="1">
+            <a:off x="7227278" y="4559478"/>
+            <a:ext cx="932716" cy="426867"/>
+          </a:xfrm>
+          <a:prstGeom prst="straightConnector1">
+            <a:avLst/>
+          </a:prstGeom>
+          <a:ln w="22225">
+            <a:solidFill>
+              <a:schemeClr val="accent5">
+                <a:lumMod val="40000"/>
+                <a:lumOff val="60000"/>
+              </a:schemeClr>
+            </a:solidFill>
+            <a:tailEnd type="triangle"/>
+          </a:ln>
+        </p:spPr>
+        <p:style>
+          <a:lnRef idx="1">
+            <a:schemeClr val="accent1"/>
+          </a:lnRef>
+          <a:fillRef idx="0">
+            <a:schemeClr val="accent1"/>
+          </a:fillRef>
+          <a:effectRef idx="0">
+            <a:schemeClr val="accent1"/>
+          </a:effectRef>
+          <a:fontRef idx="minor">
+            <a:schemeClr val="tx1"/>
+          </a:fontRef>
+        </p:style>
+      </p:cxnSp>
+      <p:cxnSp>
+        <p:nvCxnSpPr>
+          <p:cNvPr id="13" name="Gerade Verbindung mit Pfeil 12">
+            <a:extLst>
+              <a:ext uri="{FF2B5EF4-FFF2-40B4-BE49-F238E27FC236}">
+                <a16:creationId xmlns:a16="http://schemas.microsoft.com/office/drawing/2014/main" id="{94FE12D5-FB37-AF35-E352-866AC3494B69}"/>
+              </a:ext>
+            </a:extLst>
+          </p:cNvPr>
+          <p:cNvCxnSpPr>
+            <a:cxnSpLocks/>
+            <a:endCxn id="6" idx="1"/>
+          </p:cNvCxnSpPr>
+          <p:nvPr/>
+        </p:nvCxnSpPr>
+        <p:spPr>
+          <a:xfrm flipV="1">
+            <a:off x="7202000" y="4559478"/>
+            <a:ext cx="957994" cy="1151901"/>
+          </a:xfrm>
+          <a:prstGeom prst="straightConnector1">
+            <a:avLst/>
+          </a:prstGeom>
+          <a:ln w="22225">
+            <a:solidFill>
+              <a:schemeClr val="accent5">
+                <a:lumMod val="40000"/>
+                <a:lumOff val="60000"/>
+              </a:schemeClr>
+            </a:solidFill>
+            <a:tailEnd type="triangle"/>
+          </a:ln>
+        </p:spPr>
+        <p:style>
+          <a:lnRef idx="1">
+            <a:schemeClr val="accent1"/>
+          </a:lnRef>
+          <a:fillRef idx="0">
+            <a:schemeClr val="accent1"/>
+          </a:fillRef>
+          <a:effectRef idx="0">
+            <a:schemeClr val="accent1"/>
+          </a:effectRef>
+          <a:fontRef idx="minor">
+            <a:schemeClr val="tx1"/>
+          </a:fontRef>
+        </p:style>
+      </p:cxnSp>
+      <p:sp>
+        <p:nvSpPr>
+          <p:cNvPr id="31" name="Textfeld 30">
+            <a:extLst>
+              <a:ext uri="{FF2B5EF4-FFF2-40B4-BE49-F238E27FC236}">
+                <a16:creationId xmlns:a16="http://schemas.microsoft.com/office/drawing/2014/main" id="{8B83690C-5E1B-C90B-C771-AF74EDA59F45}"/>
+              </a:ext>
+            </a:extLst>
+          </p:cNvPr>
+          <p:cNvSpPr txBox="1"/>
+          <p:nvPr/>
+        </p:nvSpPr>
+        <p:spPr>
+          <a:xfrm>
+            <a:off x="8156698" y="4875365"/>
+            <a:ext cx="1503485" cy="369332"/>
+          </a:xfrm>
+          <a:prstGeom prst="rect">
+            <a:avLst/>
+          </a:prstGeom>
+          <a:solidFill>
+            <a:srgbClr val="FFFF00"/>
+          </a:solidFill>
+        </p:spPr>
+        <p:txBody>
+          <a:bodyPr wrap="square" rtlCol="0">
+            <a:spAutoFit/>
+          </a:bodyPr>
+          <a:lstStyle/>
+          <a:p>
+            <a:pPr algn="ctr"/>
+            <a:r>
+              <a:rPr lang="en-US" dirty="0"/>
+              <a:t>Text/Number</a:t>
+            </a:r>
+          </a:p>
+        </p:txBody>
+      </p:sp>
+      <p:sp>
+        <p:nvSpPr>
+          <p:cNvPr id="32" name="Textfeld 31">
+            <a:extLst>
+              <a:ext uri="{FF2B5EF4-FFF2-40B4-BE49-F238E27FC236}">
+                <a16:creationId xmlns:a16="http://schemas.microsoft.com/office/drawing/2014/main" id="{00CA3B79-87FF-EFC9-37E0-700D99E96A06}"/>
+              </a:ext>
+            </a:extLst>
+          </p:cNvPr>
+          <p:cNvSpPr txBox="1"/>
+          <p:nvPr/>
+        </p:nvSpPr>
+        <p:spPr>
+          <a:xfrm>
+            <a:off x="8159994" y="5415733"/>
+            <a:ext cx="1503485" cy="369332"/>
+          </a:xfrm>
+          <a:prstGeom prst="rect">
+            <a:avLst/>
+          </a:prstGeom>
+          <a:solidFill>
+            <a:schemeClr val="bg1"/>
+          </a:solidFill>
+          <a:ln>
+            <a:solidFill>
+              <a:schemeClr val="accent5">
+                <a:lumMod val="40000"/>
+                <a:lumOff val="60000"/>
+              </a:schemeClr>
+            </a:solidFill>
+          </a:ln>
+        </p:spPr>
+        <p:txBody>
+          <a:bodyPr wrap="square" rtlCol="0">
+            <a:spAutoFit/>
+          </a:bodyPr>
+          <a:lstStyle/>
+          <a:p>
+            <a:pPr algn="ctr"/>
+            <a:r>
+              <a:rPr lang="en-US" dirty="0"/>
+              <a:t>Text</a:t>
+            </a:r>
+          </a:p>
+        </p:txBody>
+      </p:sp>
+      <p:cxnSp>
+        <p:nvCxnSpPr>
+          <p:cNvPr id="33" name="Gerade Verbindung mit Pfeil 32">
+            <a:extLst>
+              <a:ext uri="{FF2B5EF4-FFF2-40B4-BE49-F238E27FC236}">
+                <a16:creationId xmlns:a16="http://schemas.microsoft.com/office/drawing/2014/main" id="{E55B0221-A1FA-DF7B-F3ED-0BA4DF965D3A}"/>
+              </a:ext>
+            </a:extLst>
+          </p:cNvPr>
+          <p:cNvCxnSpPr>
+            <a:cxnSpLocks/>
+            <a:endCxn id="31" idx="1"/>
+          </p:cNvCxnSpPr>
+          <p:nvPr/>
+        </p:nvCxnSpPr>
+        <p:spPr>
+          <a:xfrm flipV="1">
+            <a:off x="7224806" y="5060031"/>
+            <a:ext cx="931892" cy="150795"/>
+          </a:xfrm>
+          <a:prstGeom prst="straightConnector1">
+            <a:avLst/>
+          </a:prstGeom>
+          <a:ln w="22225">
+            <a:solidFill>
+              <a:srgbClr val="FFC000"/>
+            </a:solidFill>
+            <a:tailEnd type="triangle"/>
+          </a:ln>
+        </p:spPr>
+        <p:style>
+          <a:lnRef idx="1">
+            <a:schemeClr val="accent1"/>
+          </a:lnRef>
+          <a:fillRef idx="0">
+            <a:schemeClr val="accent1"/>
+          </a:fillRef>
+          <a:effectRef idx="0">
+            <a:schemeClr val="accent1"/>
+          </a:effectRef>
+          <a:fontRef idx="minor">
+            <a:schemeClr val="tx1"/>
+          </a:fontRef>
+        </p:style>
+      </p:cxnSp>
+      <p:cxnSp>
+        <p:nvCxnSpPr>
+          <p:cNvPr id="36" name="Gerade Verbindung mit Pfeil 35">
+            <a:extLst>
+              <a:ext uri="{FF2B5EF4-FFF2-40B4-BE49-F238E27FC236}">
+                <a16:creationId xmlns:a16="http://schemas.microsoft.com/office/drawing/2014/main" id="{35F8307A-1A59-E540-F679-76C99C3DE4F7}"/>
+              </a:ext>
+            </a:extLst>
+          </p:cNvPr>
+          <p:cNvCxnSpPr>
+            <a:cxnSpLocks/>
+          </p:cNvCxnSpPr>
+          <p:nvPr/>
+        </p:nvCxnSpPr>
+        <p:spPr>
+          <a:xfrm flipV="1">
+            <a:off x="7202000" y="5110155"/>
+            <a:ext cx="951402" cy="342872"/>
+          </a:xfrm>
+          <a:prstGeom prst="straightConnector1">
+            <a:avLst/>
+          </a:prstGeom>
+          <a:ln w="22225">
+            <a:solidFill>
+              <a:srgbClr val="FFC000"/>
+            </a:solidFill>
+            <a:tailEnd type="triangle"/>
+          </a:ln>
+        </p:spPr>
+        <p:style>
+          <a:lnRef idx="1">
+            <a:schemeClr val="accent1"/>
+          </a:lnRef>
+          <a:fillRef idx="0">
+            <a:schemeClr val="accent1"/>
+          </a:fillRef>
+          <a:effectRef idx="0">
+            <a:schemeClr val="accent1"/>
+          </a:effectRef>
+          <a:fontRef idx="minor">
+            <a:schemeClr val="tx1"/>
+          </a:fontRef>
+        </p:style>
+      </p:cxnSp>
+      <p:cxnSp>
+        <p:nvCxnSpPr>
+          <p:cNvPr id="45" name="Gerade Verbindung mit Pfeil 44">
+            <a:extLst>
+              <a:ext uri="{FF2B5EF4-FFF2-40B4-BE49-F238E27FC236}">
+                <a16:creationId xmlns:a16="http://schemas.microsoft.com/office/drawing/2014/main" id="{E9AE31A7-3619-C3E3-65DD-29D0998570A2}"/>
+              </a:ext>
+            </a:extLst>
+          </p:cNvPr>
+          <p:cNvCxnSpPr>
+            <a:cxnSpLocks/>
+            <a:endCxn id="32" idx="1"/>
+          </p:cNvCxnSpPr>
+          <p:nvPr/>
+        </p:nvCxnSpPr>
+        <p:spPr>
+          <a:xfrm>
+            <a:off x="7195408" y="5555055"/>
+            <a:ext cx="964586" cy="45344"/>
+          </a:xfrm>
+          <a:prstGeom prst="straightConnector1">
+            <a:avLst/>
+          </a:prstGeom>
+          <a:ln w="22225">
+            <a:solidFill>
+              <a:schemeClr val="tx1"/>
+            </a:solidFill>
+            <a:tailEnd type="triangle"/>
+          </a:ln>
+        </p:spPr>
+        <p:style>
+          <a:lnRef idx="1">
+            <a:schemeClr val="accent1"/>
+          </a:lnRef>
+          <a:fillRef idx="0">
+            <a:schemeClr val="accent1"/>
+          </a:fillRef>
+          <a:effectRef idx="0">
+            <a:schemeClr val="accent1"/>
+          </a:effectRef>
+          <a:fontRef idx="minor">
+            <a:schemeClr val="tx1"/>
+          </a:fontRef>
+        </p:style>
+      </p:cxnSp>
+      <p:cxnSp>
+        <p:nvCxnSpPr>
+          <p:cNvPr id="48" name="Gerade Verbindung mit Pfeil 47">
+            <a:extLst>
+              <a:ext uri="{FF2B5EF4-FFF2-40B4-BE49-F238E27FC236}">
+                <a16:creationId xmlns:a16="http://schemas.microsoft.com/office/drawing/2014/main" id="{6C52F57B-B050-99F5-F5B4-BACE0E9C14C5}"/>
+              </a:ext>
+            </a:extLst>
+          </p:cNvPr>
+          <p:cNvCxnSpPr>
+            <a:cxnSpLocks/>
+            <a:endCxn id="32" idx="1"/>
+          </p:cNvCxnSpPr>
+          <p:nvPr/>
+        </p:nvCxnSpPr>
+        <p:spPr>
+          <a:xfrm>
+            <a:off x="7209695" y="5281591"/>
+            <a:ext cx="950299" cy="318808"/>
+          </a:xfrm>
+          <a:prstGeom prst="straightConnector1">
+            <a:avLst/>
+          </a:prstGeom>
+          <a:ln w="22225">
+            <a:solidFill>
+              <a:schemeClr val="tx1"/>
+            </a:solidFill>
+            <a:tailEnd type="triangle"/>
+          </a:ln>
+        </p:spPr>
+        <p:style>
+          <a:lnRef idx="1">
+            <a:schemeClr val="accent1"/>
+          </a:lnRef>
+          <a:fillRef idx="0">
+            <a:schemeClr val="accent1"/>
+          </a:fillRef>
+          <a:effectRef idx="0">
+            <a:schemeClr val="accent1"/>
+          </a:effectRef>
+          <a:fontRef idx="minor">
+            <a:schemeClr val="tx1"/>
+          </a:fontRef>
+        </p:style>
+      </p:cxnSp>
+    </p:spTree>
+    <p:extLst>
+      <p:ext uri="{BB962C8B-B14F-4D97-AF65-F5344CB8AC3E}">
+        <p14:creationId xmlns:p14="http://schemas.microsoft.com/office/powerpoint/2010/main" val="4178325845"/>
       </p:ext>
     </p:extLst>
   </p:cSld>

--- a/project/Project.pptx
+++ b/project/Project.pptx
@@ -6,13 +6,15 @@
   </p:sldMasterIdLst>
   <p:sldIdLst>
     <p:sldId id="258" r:id="rId2"/>
-    <p:sldId id="262" r:id="rId3"/>
-    <p:sldId id="260" r:id="rId4"/>
-    <p:sldId id="259" r:id="rId5"/>
-    <p:sldId id="264" r:id="rId6"/>
-    <p:sldId id="263" r:id="rId7"/>
-    <p:sldId id="265" r:id="rId8"/>
-    <p:sldId id="266" r:id="rId9"/>
+    <p:sldId id="260" r:id="rId3"/>
+    <p:sldId id="259" r:id="rId4"/>
+    <p:sldId id="262" r:id="rId5"/>
+    <p:sldId id="263" r:id="rId6"/>
+    <p:sldId id="268" r:id="rId7"/>
+    <p:sldId id="264" r:id="rId8"/>
+    <p:sldId id="265" r:id="rId9"/>
+    <p:sldId id="266" r:id="rId10"/>
+    <p:sldId id="269" r:id="rId11"/>
   </p:sldIdLst>
   <p:sldSz cx="9906000" cy="6858000" type="A4"/>
   <p:notesSz cx="6858000" cy="9144000"/>
@@ -250,7 +252,7 @@
           <a:p>
             <a:fld id="{52A537BF-713E-42BE-86E0-AC44E816CB24}" type="datetimeFigureOut">
               <a:rPr lang="en-US" smtClean="0"/>
-              <a:t>11/6/2023</a:t>
+              <a:t>11/10/2023</a:t>
             </a:fld>
             <a:endParaRPr lang="en-US"/>
           </a:p>
@@ -420,7 +422,7 @@
           <a:p>
             <a:fld id="{52A537BF-713E-42BE-86E0-AC44E816CB24}" type="datetimeFigureOut">
               <a:rPr lang="en-US" smtClean="0"/>
-              <a:t>11/6/2023</a:t>
+              <a:t>11/10/2023</a:t>
             </a:fld>
             <a:endParaRPr lang="en-US"/>
           </a:p>
@@ -600,7 +602,7 @@
           <a:p>
             <a:fld id="{52A537BF-713E-42BE-86E0-AC44E816CB24}" type="datetimeFigureOut">
               <a:rPr lang="en-US" smtClean="0"/>
-              <a:t>11/6/2023</a:t>
+              <a:t>11/10/2023</a:t>
             </a:fld>
             <a:endParaRPr lang="en-US"/>
           </a:p>
@@ -770,7 +772,7 @@
           <a:p>
             <a:fld id="{52A537BF-713E-42BE-86E0-AC44E816CB24}" type="datetimeFigureOut">
               <a:rPr lang="en-US" smtClean="0"/>
-              <a:t>11/6/2023</a:t>
+              <a:t>11/10/2023</a:t>
             </a:fld>
             <a:endParaRPr lang="en-US"/>
           </a:p>
@@ -1014,7 +1016,7 @@
           <a:p>
             <a:fld id="{52A537BF-713E-42BE-86E0-AC44E816CB24}" type="datetimeFigureOut">
               <a:rPr lang="en-US" smtClean="0"/>
-              <a:t>11/6/2023</a:t>
+              <a:t>11/10/2023</a:t>
             </a:fld>
             <a:endParaRPr lang="en-US"/>
           </a:p>
@@ -1246,7 +1248,7 @@
           <a:p>
             <a:fld id="{52A537BF-713E-42BE-86E0-AC44E816CB24}" type="datetimeFigureOut">
               <a:rPr lang="en-US" smtClean="0"/>
-              <a:t>11/6/2023</a:t>
+              <a:t>11/10/2023</a:t>
             </a:fld>
             <a:endParaRPr lang="en-US"/>
           </a:p>
@@ -1613,7 +1615,7 @@
           <a:p>
             <a:fld id="{52A537BF-713E-42BE-86E0-AC44E816CB24}" type="datetimeFigureOut">
               <a:rPr lang="en-US" smtClean="0"/>
-              <a:t>11/6/2023</a:t>
+              <a:t>11/10/2023</a:t>
             </a:fld>
             <a:endParaRPr lang="en-US"/>
           </a:p>
@@ -1731,7 +1733,7 @@
           <a:p>
             <a:fld id="{52A537BF-713E-42BE-86E0-AC44E816CB24}" type="datetimeFigureOut">
               <a:rPr lang="en-US" smtClean="0"/>
-              <a:t>11/6/2023</a:t>
+              <a:t>11/10/2023</a:t>
             </a:fld>
             <a:endParaRPr lang="en-US"/>
           </a:p>
@@ -1826,7 +1828,7 @@
           <a:p>
             <a:fld id="{52A537BF-713E-42BE-86E0-AC44E816CB24}" type="datetimeFigureOut">
               <a:rPr lang="en-US" smtClean="0"/>
-              <a:t>11/6/2023</a:t>
+              <a:t>11/10/2023</a:t>
             </a:fld>
             <a:endParaRPr lang="en-US"/>
           </a:p>
@@ -2103,7 +2105,7 @@
           <a:p>
             <a:fld id="{52A537BF-713E-42BE-86E0-AC44E816CB24}" type="datetimeFigureOut">
               <a:rPr lang="en-US" smtClean="0"/>
-              <a:t>11/6/2023</a:t>
+              <a:t>11/10/2023</a:t>
             </a:fld>
             <a:endParaRPr lang="en-US"/>
           </a:p>
@@ -2360,7 +2362,7 @@
           <a:p>
             <a:fld id="{52A537BF-713E-42BE-86E0-AC44E816CB24}" type="datetimeFigureOut">
               <a:rPr lang="en-US" smtClean="0"/>
-              <a:t>11/6/2023</a:t>
+              <a:t>11/10/2023</a:t>
             </a:fld>
             <a:endParaRPr lang="en-US"/>
           </a:p>
@@ -2573,7 +2575,7 @@
           <a:p>
             <a:fld id="{52A537BF-713E-42BE-86E0-AC44E816CB24}" type="datetimeFigureOut">
               <a:rPr lang="en-US" smtClean="0"/>
-              <a:t>11/6/2023</a:t>
+              <a:t>11/10/2023</a:t>
             </a:fld>
             <a:endParaRPr lang="en-US"/>
           </a:p>
@@ -2962,6 +2964,580 @@
 </file>
 
 <file path=ppt/slides/slide1.xml><?xml version="1.0" encoding="utf-8"?>
+<p:sld xmlns:a="http://schemas.openxmlformats.org/drawingml/2006/main" xmlns:r="http://schemas.openxmlformats.org/officeDocument/2006/relationships" xmlns:p="http://schemas.openxmlformats.org/presentationml/2006/main" show="0">
+  <p:cSld>
+    <p:spTree>
+      <p:nvGrpSpPr>
+        <p:cNvPr id="1" name=""/>
+        <p:cNvGrpSpPr/>
+        <p:nvPr/>
+      </p:nvGrpSpPr>
+      <p:grpSpPr>
+        <a:xfrm>
+          <a:off x="0" y="0"/>
+          <a:ext cx="0" cy="0"/>
+          <a:chOff x="0" y="0"/>
+          <a:chExt cx="0" cy="0"/>
+        </a:xfrm>
+      </p:grpSpPr>
+      <p:sp>
+        <p:nvSpPr>
+          <p:cNvPr id="26" name="Textfeld 25">
+            <a:extLst>
+              <a:ext uri="{FF2B5EF4-FFF2-40B4-BE49-F238E27FC236}">
+                <a16:creationId xmlns:a16="http://schemas.microsoft.com/office/drawing/2014/main" id="{E5229098-1146-2BBD-D75D-639ED2A05A0D}"/>
+              </a:ext>
+            </a:extLst>
+          </p:cNvPr>
+          <p:cNvSpPr txBox="1"/>
+          <p:nvPr/>
+        </p:nvSpPr>
+        <p:spPr>
+          <a:xfrm>
+            <a:off x="190156" y="88968"/>
+            <a:ext cx="9352657" cy="523220"/>
+          </a:xfrm>
+          <a:prstGeom prst="rect">
+            <a:avLst/>
+          </a:prstGeom>
+          <a:noFill/>
+        </p:spPr>
+        <p:txBody>
+          <a:bodyPr wrap="square" rtlCol="0">
+            <a:spAutoFit/>
+          </a:bodyPr>
+          <a:lstStyle/>
+          <a:p>
+            <a:pPr algn="ctr"/>
+            <a:r>
+              <a:rPr lang="en-US" sz="2800" b="1" dirty="0"/>
+              <a:t>UASFRA-MS-PROJDIGI: Group 4: Initial Plan</a:t>
+            </a:r>
+          </a:p>
+        </p:txBody>
+      </p:sp>
+      <p:sp>
+        <p:nvSpPr>
+          <p:cNvPr id="11" name="Textfeld 10">
+            <a:extLst>
+              <a:ext uri="{FF2B5EF4-FFF2-40B4-BE49-F238E27FC236}">
+                <a16:creationId xmlns:a16="http://schemas.microsoft.com/office/drawing/2014/main" id="{AB6C3958-CE29-2E71-315A-B0868A5B9598}"/>
+              </a:ext>
+            </a:extLst>
+          </p:cNvPr>
+          <p:cNvSpPr txBox="1"/>
+          <p:nvPr/>
+        </p:nvSpPr>
+        <p:spPr>
+          <a:xfrm>
+            <a:off x="417635" y="819882"/>
+            <a:ext cx="9315451" cy="5682030"/>
+          </a:xfrm>
+          <a:prstGeom prst="rect">
+            <a:avLst/>
+          </a:prstGeom>
+          <a:noFill/>
+        </p:spPr>
+        <p:txBody>
+          <a:bodyPr wrap="square" rtlCol="0">
+            <a:noAutofit/>
+          </a:bodyPr>
+          <a:lstStyle/>
+          <a:p>
+            <a:pPr marL="342900" indent="-342900">
+              <a:buAutoNum type="arabicPeriod"/>
+            </a:pPr>
+            <a:r>
+              <a:rPr lang="en-US" sz="2000" dirty="0"/>
+              <a:t>Get </a:t>
+            </a:r>
+            <a:r>
+              <a:rPr lang="en-US" sz="2000" b="1" dirty="0"/>
+              <a:t>plain text </a:t>
+            </a:r>
+            <a:r>
+              <a:rPr lang="en-US" sz="2000" dirty="0"/>
+              <a:t>out of Reports (</a:t>
+            </a:r>
+            <a:r>
+              <a:rPr lang="en-US" sz="2000" dirty="0" err="1"/>
+              <a:t>ESG</a:t>
+            </a:r>
+            <a:r>
+              <a:rPr lang="en-US" sz="2000" dirty="0"/>
+              <a:t>-, Financial Reports)</a:t>
+            </a:r>
+          </a:p>
+          <a:p>
+            <a:pPr marL="800100" lvl="1" indent="-342900">
+              <a:buFont typeface="+mj-lt"/>
+              <a:buAutoNum type="alphaLcPeriod"/>
+            </a:pPr>
+            <a:r>
+              <a:rPr lang="en-US" dirty="0"/>
+              <a:t>Extract and preprocess text ourselves?</a:t>
+            </a:r>
+          </a:p>
+          <a:p>
+            <a:pPr marL="800100" lvl="1" indent="-342900">
+              <a:buFont typeface="+mj-lt"/>
+              <a:buAutoNum type="alphaLcPeriod"/>
+            </a:pPr>
+            <a:r>
+              <a:rPr lang="en-US" dirty="0"/>
+              <a:t>Get plain text from elsewhere? Interface to these sources?</a:t>
+            </a:r>
+          </a:p>
+          <a:p>
+            <a:pPr lvl="1"/>
+            <a:endParaRPr lang="en-US" dirty="0"/>
+          </a:p>
+          <a:p>
+            <a:pPr marL="342900" indent="-342900">
+              <a:buFont typeface="+mj-lt"/>
+              <a:buAutoNum type="arabicPeriod"/>
+            </a:pPr>
+            <a:r>
+              <a:rPr lang="en-US" sz="2000" dirty="0"/>
+              <a:t>Extract the following out of </a:t>
+            </a:r>
+            <a:r>
+              <a:rPr lang="en-US" sz="2000" b="1" dirty="0"/>
+              <a:t>plain text</a:t>
+            </a:r>
+            <a:r>
+              <a:rPr lang="en-US" sz="2000" dirty="0"/>
+              <a:t>:</a:t>
+            </a:r>
+          </a:p>
+          <a:p>
+            <a:r>
+              <a:rPr lang="en-US" dirty="0"/>
+              <a:t>	a.   </a:t>
+            </a:r>
+            <a:r>
+              <a:rPr lang="en-US" b="1" u="sng" dirty="0">
+                <a:highlight>
+                  <a:srgbClr val="FFFF00"/>
+                </a:highlight>
+              </a:rPr>
+              <a:t>Entities</a:t>
+            </a:r>
+            <a:r>
+              <a:rPr lang="en-US" dirty="0">
+                <a:highlight>
+                  <a:srgbClr val="FFFF00"/>
+                </a:highlight>
+              </a:rPr>
+              <a:t>:</a:t>
+            </a:r>
+            <a:r>
+              <a:rPr lang="en-US" dirty="0"/>
+              <a:t> ORG, PERSON, LOCATION, etc.</a:t>
+            </a:r>
+          </a:p>
+          <a:p>
+            <a:r>
+              <a:rPr lang="en-US" dirty="0"/>
+              <a:t>	b.   </a:t>
+            </a:r>
+            <a:r>
+              <a:rPr lang="en-US" b="1" u="sng" dirty="0">
+                <a:highlight>
+                  <a:srgbClr val="00FFFF"/>
+                </a:highlight>
+              </a:rPr>
+              <a:t>Sentences</a:t>
+            </a:r>
+            <a:r>
+              <a:rPr lang="en-US" dirty="0"/>
+              <a:t> where entities were found</a:t>
+            </a:r>
+          </a:p>
+          <a:p>
+            <a:endParaRPr lang="en-US" dirty="0"/>
+          </a:p>
+          <a:p>
+            <a:pPr marL="342900" indent="-342900">
+              <a:buAutoNum type="arabicPeriod" startAt="3"/>
+            </a:pPr>
+            <a:r>
+              <a:rPr lang="en-US" sz="2000" dirty="0"/>
+              <a:t>Sentence Similarity:</a:t>
+            </a:r>
+          </a:p>
+          <a:p>
+            <a:pPr marL="800100" lvl="1" indent="-342900">
+              <a:buFont typeface="+mj-lt"/>
+              <a:buAutoNum type="alphaLcPeriod"/>
+            </a:pPr>
+            <a:r>
+              <a:rPr lang="en-US" dirty="0"/>
+              <a:t>Mask the </a:t>
+            </a:r>
+            <a:r>
+              <a:rPr lang="en-US" dirty="0">
+                <a:highlight>
+                  <a:srgbClr val="FFFF00"/>
+                </a:highlight>
+              </a:rPr>
+              <a:t>entities</a:t>
+            </a:r>
+            <a:r>
+              <a:rPr lang="en-US" dirty="0"/>
+              <a:t> in those </a:t>
+            </a:r>
+            <a:r>
+              <a:rPr lang="en-US" dirty="0">
+                <a:highlight>
+                  <a:srgbClr val="00FFFF"/>
+                </a:highlight>
+              </a:rPr>
+              <a:t>sentences</a:t>
+            </a:r>
+            <a:r>
+              <a:rPr lang="en-US" dirty="0"/>
+              <a:t> and </a:t>
+            </a:r>
+            <a:r>
+              <a:rPr lang="en-US" b="1" dirty="0"/>
+              <a:t>vectorize the sentences </a:t>
+            </a:r>
+            <a:r>
+              <a:rPr lang="en-US" dirty="0"/>
+              <a:t>with a LLM (BERT, </a:t>
+            </a:r>
+            <a:r>
+              <a:rPr lang="en-US" dirty="0" err="1"/>
+              <a:t>etc</a:t>
+            </a:r>
+            <a:r>
+              <a:rPr lang="en-US" dirty="0"/>
+              <a:t>)</a:t>
+            </a:r>
+          </a:p>
+          <a:p>
+            <a:pPr marL="800100" lvl="1" indent="-342900">
+              <a:buFont typeface="+mj-lt"/>
+              <a:buAutoNum type="alphaLcPeriod"/>
+            </a:pPr>
+            <a:r>
+              <a:rPr lang="en-US" dirty="0"/>
+              <a:t>Do </a:t>
+            </a:r>
+            <a:r>
+              <a:rPr lang="en-US" b="1" dirty="0"/>
+              <a:t>similarity calculations </a:t>
+            </a:r>
+            <a:r>
+              <a:rPr lang="en-US" dirty="0"/>
+              <a:t>of these vectorized sentences</a:t>
+            </a:r>
+          </a:p>
+          <a:p>
+            <a:pPr marL="800100" lvl="1" indent="-342900">
+              <a:buFont typeface="+mj-lt"/>
+              <a:buAutoNum type="alphaLcPeriod"/>
+            </a:pPr>
+            <a:r>
+              <a:rPr lang="en-US" dirty="0"/>
+              <a:t>Ideally, get different </a:t>
+            </a:r>
+            <a:r>
+              <a:rPr lang="en-US" b="1" dirty="0"/>
+              <a:t>clusters</a:t>
+            </a:r>
+            <a:r>
+              <a:rPr lang="en-US" dirty="0"/>
+              <a:t> where sentences are similar</a:t>
+            </a:r>
+          </a:p>
+          <a:p>
+            <a:pPr marL="800100" lvl="1" indent="-342900">
+              <a:buFont typeface="+mj-lt"/>
+              <a:buAutoNum type="alphaLcPeriod"/>
+            </a:pPr>
+            <a:r>
+              <a:rPr lang="en-US" dirty="0"/>
+              <a:t>Derive </a:t>
+            </a:r>
+            <a:r>
+              <a:rPr lang="en-US" b="1" dirty="0"/>
+              <a:t>relationship tags (i.e. “ </a:t>
+            </a:r>
+            <a:r>
+              <a:rPr lang="en-US" b="1" dirty="0">
+                <a:highlight>
+                  <a:srgbClr val="00FFFF"/>
+                </a:highlight>
+              </a:rPr>
+              <a:t>-[:EMITTED]-&gt; </a:t>
+            </a:r>
+            <a:r>
+              <a:rPr lang="en-US" b="1" dirty="0"/>
+              <a:t>” ) </a:t>
+            </a:r>
+            <a:r>
+              <a:rPr lang="en-US" dirty="0"/>
+              <a:t>from the sentences </a:t>
+            </a:r>
+            <a:r>
+              <a:rPr lang="en-US" b="1" dirty="0"/>
+              <a:t>in each cluster</a:t>
+            </a:r>
+          </a:p>
+          <a:p>
+            <a:pPr marL="800100" lvl="1" indent="-342900">
+              <a:buFont typeface="+mj-lt"/>
+              <a:buAutoNum type="alphaLcPeriod"/>
+            </a:pPr>
+            <a:r>
+              <a:rPr lang="en-US" dirty="0"/>
+              <a:t>Attach </a:t>
+            </a:r>
+            <a:r>
+              <a:rPr lang="en-US" dirty="0" err="1">
+                <a:highlight>
+                  <a:srgbClr val="00FFFF"/>
+                </a:highlight>
+              </a:rPr>
+              <a:t>sentence_vector</a:t>
+            </a:r>
+            <a:r>
+              <a:rPr lang="en-US" dirty="0">
+                <a:highlight>
+                  <a:srgbClr val="00FFFF"/>
+                </a:highlight>
+              </a:rPr>
+              <a:t> </a:t>
+            </a:r>
+            <a:r>
+              <a:rPr lang="en-US" dirty="0"/>
+              <a:t>to Relationship: i.e. </a:t>
+            </a:r>
+            <a:r>
+              <a:rPr lang="en-US" b="1" dirty="0"/>
+              <a:t>“ </a:t>
+            </a:r>
+            <a:r>
+              <a:rPr lang="en-US" b="1" dirty="0">
+                <a:highlight>
+                  <a:srgbClr val="00FFFF"/>
+                </a:highlight>
+              </a:rPr>
+              <a:t>-[:EMITTED {vector: </a:t>
+            </a:r>
+            <a:r>
+              <a:rPr lang="en-US" b="1" dirty="0" err="1">
+                <a:highlight>
+                  <a:srgbClr val="00FFFF"/>
+                </a:highlight>
+              </a:rPr>
+              <a:t>sent_vector</a:t>
+            </a:r>
+            <a:r>
+              <a:rPr lang="en-US" b="1" dirty="0">
+                <a:highlight>
+                  <a:srgbClr val="00FFFF"/>
+                </a:highlight>
+              </a:rPr>
+              <a:t>}]-&gt; </a:t>
+            </a:r>
+            <a:r>
+              <a:rPr lang="en-US" b="1" dirty="0"/>
+              <a:t>” </a:t>
+            </a:r>
+            <a:endParaRPr lang="en-US" dirty="0"/>
+          </a:p>
+          <a:p>
+            <a:pPr marL="800100" lvl="1" indent="-342900">
+              <a:buFont typeface="+mj-lt"/>
+              <a:buAutoNum type="alphaLcPeriod"/>
+            </a:pPr>
+            <a:endParaRPr lang="en-US" dirty="0"/>
+          </a:p>
+          <a:p>
+            <a:pPr marL="342900" indent="-342900">
+              <a:buFont typeface="+mj-lt"/>
+              <a:buAutoNum type="arabicPeriod" startAt="3"/>
+            </a:pPr>
+            <a:r>
+              <a:rPr lang="en-US" dirty="0"/>
+              <a:t>Feed </a:t>
+            </a:r>
+            <a:r>
+              <a:rPr lang="en-US" b="1" dirty="0" err="1"/>
+              <a:t>neo4j</a:t>
+            </a:r>
+            <a:r>
+              <a:rPr lang="en-US" b="1" dirty="0"/>
+              <a:t> database </a:t>
+            </a:r>
+            <a:r>
+              <a:rPr lang="en-US" dirty="0"/>
+              <a:t>with: </a:t>
+            </a:r>
+            <a:r>
+              <a:rPr lang="en-US" dirty="0">
+                <a:highlight>
+                  <a:srgbClr val="FFFF00"/>
+                </a:highlight>
+              </a:rPr>
+              <a:t>ENTITY-1</a:t>
+            </a:r>
+            <a:r>
+              <a:rPr lang="en-US" dirty="0"/>
+              <a:t>   </a:t>
+            </a:r>
+            <a:r>
+              <a:rPr lang="en-US" dirty="0">
+                <a:highlight>
+                  <a:srgbClr val="00FFFF"/>
+                </a:highlight>
+              </a:rPr>
+              <a:t>-[:RELATION TAG {vector: </a:t>
+            </a:r>
+            <a:r>
+              <a:rPr lang="en-US" dirty="0" err="1">
+                <a:highlight>
+                  <a:srgbClr val="00FFFF"/>
+                </a:highlight>
+              </a:rPr>
+              <a:t>sent_vector</a:t>
+            </a:r>
+            <a:r>
+              <a:rPr lang="en-US" dirty="0">
+                <a:highlight>
+                  <a:srgbClr val="00FFFF"/>
+                </a:highlight>
+              </a:rPr>
+              <a:t>}] -&gt;</a:t>
+            </a:r>
+            <a:r>
+              <a:rPr lang="en-US" dirty="0"/>
+              <a:t>  </a:t>
+            </a:r>
+            <a:r>
+              <a:rPr lang="en-US" dirty="0">
+                <a:highlight>
+                  <a:srgbClr val="FFFF00"/>
+                </a:highlight>
+              </a:rPr>
+              <a:t>ENTITY-2</a:t>
+            </a:r>
+          </a:p>
+          <a:p>
+            <a:endParaRPr lang="en-US" dirty="0">
+              <a:highlight>
+                <a:srgbClr val="FFFF00"/>
+              </a:highlight>
+            </a:endParaRPr>
+          </a:p>
+          <a:p>
+            <a:pPr marL="342900" indent="-342900">
+              <a:buFont typeface="+mj-lt"/>
+              <a:buAutoNum type="arabicPeriod" startAt="5"/>
+            </a:pPr>
+            <a:r>
+              <a:rPr lang="en-US" dirty="0"/>
+              <a:t>Query: Find </a:t>
+            </a:r>
+            <a:r>
+              <a:rPr lang="en-US" dirty="0">
+                <a:highlight>
+                  <a:srgbClr val="00FFFF"/>
+                </a:highlight>
+              </a:rPr>
+              <a:t>-[:RELATION TAG {vector: </a:t>
+            </a:r>
+            <a:r>
+              <a:rPr lang="en-US" dirty="0" err="1">
+                <a:highlight>
+                  <a:srgbClr val="00FFFF"/>
+                </a:highlight>
+              </a:rPr>
+              <a:t>sent_vector</a:t>
+            </a:r>
+            <a:r>
+              <a:rPr lang="en-US" dirty="0">
+                <a:highlight>
+                  <a:srgbClr val="00FFFF"/>
+                </a:highlight>
+              </a:rPr>
+              <a:t>}] -&gt;</a:t>
+            </a:r>
+            <a:r>
+              <a:rPr lang="en-US" dirty="0"/>
+              <a:t>   </a:t>
+            </a:r>
+            <a:r>
+              <a:rPr lang="en-US" b="1" u="sng" dirty="0">
+                <a:solidFill>
+                  <a:srgbClr val="13DD13"/>
+                </a:solidFill>
+              </a:rPr>
+              <a:t>similar to</a:t>
+            </a:r>
+            <a:r>
+              <a:rPr lang="en-US" dirty="0"/>
+              <a:t>  </a:t>
+            </a:r>
+            <a:r>
+              <a:rPr lang="en-US" dirty="0">
+                <a:highlight>
+                  <a:srgbClr val="FF00FF"/>
+                </a:highlight>
+              </a:rPr>
+              <a:t>Question sentence vector </a:t>
+            </a:r>
+          </a:p>
+          <a:p>
+            <a:pPr lvl="1"/>
+            <a:r>
+              <a:rPr lang="en-US" dirty="0">
+                <a:highlight>
+                  <a:srgbClr val="FFFF00"/>
+                </a:highlight>
+              </a:rPr>
+              <a:t>		</a:t>
+            </a:r>
+          </a:p>
+          <a:p>
+            <a:pPr marL="800100" lvl="1" indent="-342900">
+              <a:buFont typeface="+mj-lt"/>
+              <a:buAutoNum type="alphaLcPeriod"/>
+            </a:pPr>
+            <a:endParaRPr lang="en-US" dirty="0"/>
+          </a:p>
+          <a:p>
+            <a:pPr marL="800100" lvl="1" indent="-342900">
+              <a:buFont typeface="+mj-lt"/>
+              <a:buAutoNum type="alphaLcPeriod"/>
+            </a:pPr>
+            <a:endParaRPr lang="en-US" dirty="0"/>
+          </a:p>
+          <a:p>
+            <a:endParaRPr lang="en-US" dirty="0"/>
+          </a:p>
+          <a:p>
+            <a:endParaRPr lang="en-US" dirty="0"/>
+          </a:p>
+        </p:txBody>
+      </p:sp>
+    </p:spTree>
+    <p:extLst>
+      <p:ext uri="{BB962C8B-B14F-4D97-AF65-F5344CB8AC3E}">
+        <p14:creationId xmlns:p14="http://schemas.microsoft.com/office/powerpoint/2010/main" val="18948563"/>
+      </p:ext>
+    </p:extLst>
+  </p:cSld>
+  <p:clrMapOvr>
+    <a:masterClrMapping/>
+  </p:clrMapOvr>
+</p:sld>
+</file>
+
+<file path=ppt/slides/slide10.xml><?xml version="1.0" encoding="utf-8"?>
 <p:sld xmlns:a="http://schemas.openxmlformats.org/drawingml/2006/main" xmlns:r="http://schemas.openxmlformats.org/officeDocument/2006/relationships" xmlns:p="http://schemas.openxmlformats.org/presentationml/2006/main">
   <p:cSld>
     <p:spTree>
@@ -3008,30 +3584,59 @@
           <a:p>
             <a:pPr algn="ctr"/>
             <a:r>
-              <a:rPr lang="en-US" sz="2800" b="1" dirty="0" err="1"/>
-              <a:t>UASFRA</a:t>
-            </a:r>
-            <a:r>
               <a:rPr lang="en-US" sz="2800" b="1" dirty="0"/>
-              <a:t>-MS-</a:t>
-            </a:r>
-            <a:r>
-              <a:rPr lang="en-US" sz="2800" b="1" dirty="0" err="1"/>
-              <a:t>PROJDIGI</a:t>
-            </a:r>
-            <a:r>
-              <a:rPr lang="en-US" sz="2800" b="1" dirty="0"/>
-              <a:t>: Group 4: The plan ahead</a:t>
-            </a:r>
-          </a:p>
-        </p:txBody>
-      </p:sp>
-      <p:sp>
-        <p:nvSpPr>
-          <p:cNvPr id="11" name="Textfeld 10">
-            <a:extLst>
-              <a:ext uri="{FF2B5EF4-FFF2-40B4-BE49-F238E27FC236}">
-                <a16:creationId xmlns:a16="http://schemas.microsoft.com/office/drawing/2014/main" id="{AB6C3958-CE29-2E71-315A-B0868A5B9598}"/>
+              <a:t>Plan ahead</a:t>
+            </a:r>
+          </a:p>
+        </p:txBody>
+      </p:sp>
+      <p:pic>
+        <p:nvPicPr>
+          <p:cNvPr id="2" name="Grafik 1" descr="Ein Bild, das Text, Screenshot, Software, Karte enthält.&#10;&#10;Automatisch generierte Beschreibung">
+            <a:extLst>
+              <a:ext uri="{FF2B5EF4-FFF2-40B4-BE49-F238E27FC236}">
+                <a16:creationId xmlns:a16="http://schemas.microsoft.com/office/drawing/2014/main" id="{500224AA-2FE3-89D1-BBED-67A2EE906222}"/>
+              </a:ext>
+            </a:extLst>
+          </p:cNvPr>
+          <p:cNvPicPr>
+            <a:picLocks noChangeAspect="1"/>
+          </p:cNvPicPr>
+          <p:nvPr/>
+        </p:nvPicPr>
+        <p:blipFill rotWithShape="1">
+          <a:blip r:embed="rId2"/>
+          <a:srcRect l="17196" t="31981" r="21627" b="19582"/>
+          <a:stretch/>
+        </p:blipFill>
+        <p:spPr bwMode="auto">
+          <a:xfrm>
+            <a:off x="649455" y="1355714"/>
+            <a:ext cx="8429999" cy="3554356"/>
+          </a:xfrm>
+          <a:prstGeom prst="rect">
+            <a:avLst/>
+          </a:prstGeom>
+          <a:ln>
+            <a:solidFill>
+              <a:schemeClr val="accent6">
+                <a:lumMod val="75000"/>
+              </a:schemeClr>
+            </a:solidFill>
+          </a:ln>
+          <a:extLst>
+            <a:ext uri="{53640926-AAD7-44D8-BBD7-CCE9431645EC}">
+              <a14:shadowObscured xmlns:a14="http://schemas.microsoft.com/office/drawing/2010/main"/>
+            </a:ext>
+          </a:extLst>
+        </p:spPr>
+      </p:pic>
+      <p:sp>
+        <p:nvSpPr>
+          <p:cNvPr id="6" name="Textfeld 5">
+            <a:extLst>
+              <a:ext uri="{FF2B5EF4-FFF2-40B4-BE49-F238E27FC236}">
+                <a16:creationId xmlns:a16="http://schemas.microsoft.com/office/drawing/2014/main" id="{B2C8E73A-D5B2-7030-ED9E-A135B7A453EF}"/>
               </a:ext>
             </a:extLst>
           </p:cNvPr>
@@ -3040,504 +3645,260 @@
         </p:nvSpPr>
         <p:spPr>
           <a:xfrm>
-            <a:off x="417635" y="819882"/>
-            <a:ext cx="9315451" cy="5682030"/>
+            <a:off x="649455" y="840343"/>
+            <a:ext cx="7080356" cy="461665"/>
           </a:xfrm>
           <a:prstGeom prst="rect">
             <a:avLst/>
           </a:prstGeom>
           <a:noFill/>
+          <a:ln>
+            <a:solidFill>
+              <a:srgbClr val="FF0000"/>
+            </a:solidFill>
+          </a:ln>
+        </p:spPr>
+        <p:txBody>
+          <a:bodyPr wrap="square">
+            <a:spAutoFit/>
+          </a:bodyPr>
+          <a:lstStyle/>
+          <a:p>
+            <a:r>
+              <a:rPr lang="de-DE" sz="2400" dirty="0">
+                <a:solidFill>
+                  <a:srgbClr val="FF0000"/>
+                </a:solidFill>
+              </a:rPr>
+              <a:t>Create </a:t>
+            </a:r>
+            <a:r>
+              <a:rPr lang="de-DE" sz="2400" dirty="0" err="1">
+                <a:solidFill>
+                  <a:srgbClr val="FF0000"/>
+                </a:solidFill>
+              </a:rPr>
+              <a:t>Ontology</a:t>
+            </a:r>
+            <a:r>
+              <a:rPr lang="de-DE" sz="2400" dirty="0">
+                <a:solidFill>
+                  <a:srgbClr val="FF0000"/>
+                </a:solidFill>
+              </a:rPr>
+              <a:t> </a:t>
+            </a:r>
+            <a:r>
+              <a:rPr lang="de-DE" sz="2400" dirty="0" err="1">
+                <a:solidFill>
+                  <a:srgbClr val="FF0000"/>
+                </a:solidFill>
+              </a:rPr>
+              <a:t>based</a:t>
+            </a:r>
+            <a:r>
+              <a:rPr lang="de-DE" sz="2400" dirty="0">
+                <a:solidFill>
+                  <a:srgbClr val="FF0000"/>
+                </a:solidFill>
+              </a:rPr>
+              <a:t> on </a:t>
+            </a:r>
+            <a:r>
+              <a:rPr lang="de-DE" sz="2400" dirty="0" err="1">
+                <a:solidFill>
+                  <a:srgbClr val="FF0000"/>
+                </a:solidFill>
+              </a:rPr>
+              <a:t>coming</a:t>
+            </a:r>
+            <a:r>
+              <a:rPr lang="de-DE" sz="2400" dirty="0">
+                <a:solidFill>
+                  <a:srgbClr val="FF0000"/>
+                </a:solidFill>
+              </a:rPr>
+              <a:t> </a:t>
+            </a:r>
+            <a:r>
+              <a:rPr lang="de-DE" sz="2400" dirty="0" err="1">
+                <a:solidFill>
+                  <a:srgbClr val="FF0000"/>
+                </a:solidFill>
+              </a:rPr>
+              <a:t>taxonomy</a:t>
+            </a:r>
+            <a:r>
+              <a:rPr lang="de-DE" sz="2400" dirty="0">
+                <a:solidFill>
+                  <a:srgbClr val="FF0000"/>
+                </a:solidFill>
+              </a:rPr>
+              <a:t>:</a:t>
+            </a:r>
+          </a:p>
+        </p:txBody>
+      </p:sp>
+      <p:sp>
+        <p:nvSpPr>
+          <p:cNvPr id="7" name="Ellipse 6">
+            <a:extLst>
+              <a:ext uri="{FF2B5EF4-FFF2-40B4-BE49-F238E27FC236}">
+                <a16:creationId xmlns:a16="http://schemas.microsoft.com/office/drawing/2014/main" id="{CA266943-A0F0-E046-846C-2DDE21EA3A1D}"/>
+              </a:ext>
+            </a:extLst>
+          </p:cNvPr>
+          <p:cNvSpPr/>
+          <p:nvPr/>
+        </p:nvSpPr>
+        <p:spPr>
+          <a:xfrm>
+            <a:off x="6917608" y="5369825"/>
+            <a:ext cx="1624405" cy="1065007"/>
+          </a:xfrm>
+          <a:prstGeom prst="ellipse">
+            <a:avLst/>
+          </a:prstGeom>
+          <a:solidFill>
+            <a:schemeClr val="accent5">
+              <a:lumMod val="20000"/>
+              <a:lumOff val="80000"/>
+            </a:schemeClr>
+          </a:solidFill>
+          <a:ln w="31750"/>
+        </p:spPr>
+        <p:style>
+          <a:lnRef idx="2">
+            <a:schemeClr val="accent1">
+              <a:shade val="15000"/>
+            </a:schemeClr>
+          </a:lnRef>
+          <a:fillRef idx="1">
+            <a:schemeClr val="accent1"/>
+          </a:fillRef>
+          <a:effectRef idx="0">
+            <a:schemeClr val="accent1"/>
+          </a:effectRef>
+          <a:fontRef idx="minor">
+            <a:schemeClr val="lt1"/>
+          </a:fontRef>
+        </p:style>
+        <p:txBody>
+          <a:bodyPr lIns="0" tIns="0" rIns="0" bIns="0" rtlCol="0" anchor="ctr"/>
+          <a:lstStyle/>
+          <a:p>
+            <a:pPr algn="ctr"/>
+            <a:r>
+              <a:rPr lang="de-DE" sz="1600" dirty="0">
+                <a:solidFill>
+                  <a:schemeClr val="tx1"/>
+                </a:solidFill>
+              </a:rPr>
+              <a:t>Knowledge Graph</a:t>
+            </a:r>
+          </a:p>
+        </p:txBody>
+      </p:sp>
+      <p:cxnSp>
+        <p:nvCxnSpPr>
+          <p:cNvPr id="8" name="Gerade Verbindung mit Pfeil 7">
+            <a:extLst>
+              <a:ext uri="{FF2B5EF4-FFF2-40B4-BE49-F238E27FC236}">
+                <a16:creationId xmlns:a16="http://schemas.microsoft.com/office/drawing/2014/main" id="{4E4D9E1F-B56D-89BF-68FB-82E049D0F542}"/>
+              </a:ext>
+            </a:extLst>
+          </p:cNvPr>
+          <p:cNvCxnSpPr>
+            <a:cxnSpLocks/>
+            <a:stCxn id="2" idx="2"/>
+            <a:endCxn id="7" idx="2"/>
+          </p:cNvCxnSpPr>
+          <p:nvPr/>
+        </p:nvCxnSpPr>
+        <p:spPr>
+          <a:xfrm>
+            <a:off x="4864455" y="4910070"/>
+            <a:ext cx="2053153" cy="992259"/>
+          </a:xfrm>
+          <a:prstGeom prst="straightConnector1">
+            <a:avLst/>
+          </a:prstGeom>
+          <a:ln w="63500">
+            <a:solidFill>
+              <a:schemeClr val="accent6">
+                <a:lumMod val="75000"/>
+              </a:schemeClr>
+            </a:solidFill>
+            <a:tailEnd type="triangle"/>
+          </a:ln>
+        </p:spPr>
+        <p:style>
+          <a:lnRef idx="1">
+            <a:schemeClr val="accent1"/>
+          </a:lnRef>
+          <a:fillRef idx="0">
+            <a:schemeClr val="accent1"/>
+          </a:fillRef>
+          <a:effectRef idx="0">
+            <a:schemeClr val="accent1"/>
+          </a:effectRef>
+          <a:fontRef idx="minor">
+            <a:schemeClr val="tx1"/>
+          </a:fontRef>
+        </p:style>
+      </p:cxnSp>
+      <p:sp>
+        <p:nvSpPr>
+          <p:cNvPr id="9" name="Textfeld 8">
+            <a:extLst>
+              <a:ext uri="{FF2B5EF4-FFF2-40B4-BE49-F238E27FC236}">
+                <a16:creationId xmlns:a16="http://schemas.microsoft.com/office/drawing/2014/main" id="{96666956-C7D2-C2EA-96E9-F7E0C7E8EF78}"/>
+              </a:ext>
+            </a:extLst>
+          </p:cNvPr>
+          <p:cNvSpPr txBox="1"/>
+          <p:nvPr/>
+        </p:nvSpPr>
+        <p:spPr>
+          <a:xfrm>
+            <a:off x="5980234" y="5132954"/>
+            <a:ext cx="937374" cy="369332"/>
+          </a:xfrm>
+          <a:prstGeom prst="rect">
+            <a:avLst/>
+          </a:prstGeom>
+          <a:noFill/>
         </p:spPr>
         <p:txBody>
           <a:bodyPr wrap="square" rtlCol="0">
-            <a:noAutofit/>
+            <a:spAutoFit/>
           </a:bodyPr>
           <a:lstStyle/>
           <a:p>
-            <a:pPr marL="342900" indent="-342900">
-              <a:buAutoNum type="arabicPeriod"/>
-            </a:pPr>
-            <a:r>
-              <a:rPr lang="en-US" sz="2000" dirty="0"/>
-              <a:t>Get </a:t>
-            </a:r>
-            <a:r>
-              <a:rPr lang="en-US" sz="2000" b="1" dirty="0"/>
-              <a:t>plain text </a:t>
-            </a:r>
-            <a:r>
-              <a:rPr lang="en-US" sz="2000" dirty="0"/>
-              <a:t>out of Reports (</a:t>
-            </a:r>
-            <a:r>
-              <a:rPr lang="en-US" sz="2000" dirty="0" err="1"/>
-              <a:t>ESG</a:t>
-            </a:r>
-            <a:r>
-              <a:rPr lang="en-US" sz="2000" dirty="0"/>
-              <a:t>-, Financial Reports)</a:t>
-            </a:r>
-          </a:p>
-          <a:p>
-            <a:pPr marL="800100" lvl="1" indent="-342900">
-              <a:buFont typeface="+mj-lt"/>
-              <a:buAutoNum type="alphaLcPeriod"/>
-            </a:pPr>
-            <a:r>
-              <a:rPr lang="en-US" dirty="0"/>
-              <a:t>Extract and preprocess text ourselves?</a:t>
-            </a:r>
-          </a:p>
-          <a:p>
-            <a:pPr marL="800100" lvl="1" indent="-342900">
-              <a:buFont typeface="+mj-lt"/>
-              <a:buAutoNum type="alphaLcPeriod"/>
-            </a:pPr>
-            <a:r>
-              <a:rPr lang="en-US" dirty="0"/>
-              <a:t>Get plain text from elsewhere? Interface to these sources?</a:t>
-            </a:r>
-          </a:p>
-          <a:p>
-            <a:pPr lvl="1"/>
-            <a:endParaRPr lang="en-US" dirty="0"/>
-          </a:p>
-          <a:p>
-            <a:pPr marL="342900" indent="-342900">
-              <a:buFont typeface="+mj-lt"/>
-              <a:buAutoNum type="arabicPeriod"/>
-            </a:pPr>
-            <a:r>
-              <a:rPr lang="en-US" sz="2000" dirty="0"/>
-              <a:t>Extract the following out of </a:t>
-            </a:r>
-            <a:r>
-              <a:rPr lang="en-US" sz="2000" b="1" dirty="0"/>
-              <a:t>plain text</a:t>
-            </a:r>
-            <a:r>
-              <a:rPr lang="en-US" sz="2000" dirty="0"/>
-              <a:t>:</a:t>
-            </a:r>
-          </a:p>
-          <a:p>
-            <a:r>
-              <a:rPr lang="en-US" dirty="0"/>
-              <a:t>	a.   </a:t>
-            </a:r>
-            <a:r>
-              <a:rPr lang="en-US" b="1" u="sng" dirty="0">
-                <a:highlight>
-                  <a:srgbClr val="FFFF00"/>
-                </a:highlight>
-              </a:rPr>
-              <a:t>Entities</a:t>
-            </a:r>
-            <a:r>
-              <a:rPr lang="en-US" dirty="0">
-                <a:highlight>
-                  <a:srgbClr val="FFFF00"/>
-                </a:highlight>
-              </a:rPr>
-              <a:t>:</a:t>
-            </a:r>
-            <a:r>
-              <a:rPr lang="en-US" dirty="0"/>
-              <a:t> ORG, PERSON, LOCATION, etc.</a:t>
-            </a:r>
-          </a:p>
-          <a:p>
-            <a:r>
-              <a:rPr lang="en-US" dirty="0"/>
-              <a:t>	b.   </a:t>
-            </a:r>
-            <a:r>
-              <a:rPr lang="en-US" b="1" u="sng" dirty="0">
-                <a:highlight>
-                  <a:srgbClr val="00FFFF"/>
-                </a:highlight>
-              </a:rPr>
-              <a:t>Sentences</a:t>
-            </a:r>
-            <a:r>
-              <a:rPr lang="en-US" dirty="0"/>
-              <a:t> where entities were found</a:t>
-            </a:r>
-          </a:p>
-          <a:p>
-            <a:endParaRPr lang="en-US" dirty="0"/>
-          </a:p>
-          <a:p>
-            <a:pPr marL="342900" indent="-342900">
-              <a:buAutoNum type="arabicPeriod" startAt="3"/>
-            </a:pPr>
-            <a:r>
-              <a:rPr lang="en-US" sz="2000" dirty="0"/>
-              <a:t>Sentence Similarity:</a:t>
-            </a:r>
-          </a:p>
-          <a:p>
-            <a:pPr marL="800100" lvl="1" indent="-342900">
-              <a:buFont typeface="+mj-lt"/>
-              <a:buAutoNum type="alphaLcPeriod"/>
-            </a:pPr>
-            <a:r>
-              <a:rPr lang="en-US" dirty="0"/>
-              <a:t>Mask the </a:t>
-            </a:r>
-            <a:r>
-              <a:rPr lang="en-US" dirty="0">
-                <a:highlight>
-                  <a:srgbClr val="FFFF00"/>
-                </a:highlight>
-              </a:rPr>
-              <a:t>entities</a:t>
-            </a:r>
-            <a:r>
-              <a:rPr lang="en-US" dirty="0"/>
-              <a:t> in those </a:t>
-            </a:r>
-            <a:r>
-              <a:rPr lang="en-US" dirty="0">
-                <a:highlight>
-                  <a:srgbClr val="00FFFF"/>
-                </a:highlight>
-              </a:rPr>
-              <a:t>sentences</a:t>
-            </a:r>
-            <a:r>
-              <a:rPr lang="en-US" dirty="0"/>
-              <a:t> and </a:t>
-            </a:r>
-            <a:r>
-              <a:rPr lang="en-US" b="1" dirty="0"/>
-              <a:t>vectorize the sentences </a:t>
-            </a:r>
-            <a:r>
-              <a:rPr lang="en-US" dirty="0"/>
-              <a:t>with a LLM (BERT, </a:t>
-            </a:r>
-            <a:r>
-              <a:rPr lang="en-US" dirty="0" err="1"/>
-              <a:t>etc</a:t>
-            </a:r>
-            <a:r>
-              <a:rPr lang="en-US" dirty="0"/>
-              <a:t>)</a:t>
-            </a:r>
-          </a:p>
-          <a:p>
-            <a:pPr marL="800100" lvl="1" indent="-342900">
-              <a:buFont typeface="+mj-lt"/>
-              <a:buAutoNum type="alphaLcPeriod"/>
-            </a:pPr>
-            <a:r>
-              <a:rPr lang="en-US" dirty="0"/>
-              <a:t>Do </a:t>
-            </a:r>
-            <a:r>
-              <a:rPr lang="en-US" b="1" dirty="0"/>
-              <a:t>similarity calculations </a:t>
-            </a:r>
-            <a:r>
-              <a:rPr lang="en-US" dirty="0"/>
-              <a:t>of these vectorized sentences</a:t>
-            </a:r>
-          </a:p>
-          <a:p>
-            <a:pPr marL="800100" lvl="1" indent="-342900">
-              <a:buFont typeface="+mj-lt"/>
-              <a:buAutoNum type="alphaLcPeriod"/>
-            </a:pPr>
-            <a:r>
-              <a:rPr lang="en-US" dirty="0"/>
-              <a:t>Ideally, get different </a:t>
-            </a:r>
-            <a:r>
-              <a:rPr lang="en-US" b="1" dirty="0"/>
-              <a:t>clusters</a:t>
-            </a:r>
-            <a:r>
-              <a:rPr lang="en-US" dirty="0"/>
-              <a:t> where sentences are similar</a:t>
-            </a:r>
-          </a:p>
-          <a:p>
-            <a:pPr marL="800100" lvl="1" indent="-342900">
-              <a:buFont typeface="+mj-lt"/>
-              <a:buAutoNum type="alphaLcPeriod"/>
-            </a:pPr>
-            <a:r>
-              <a:rPr lang="en-US" dirty="0"/>
-              <a:t>Derive </a:t>
-            </a:r>
-            <a:r>
-              <a:rPr lang="en-US" b="1" dirty="0"/>
-              <a:t>relationship tags (i.e. “ </a:t>
-            </a:r>
-            <a:r>
-              <a:rPr lang="en-US" b="1" dirty="0">
-                <a:highlight>
-                  <a:srgbClr val="00FFFF"/>
-                </a:highlight>
-              </a:rPr>
-              <a:t>-[:EMITTED]-&gt; </a:t>
-            </a:r>
-            <a:r>
-              <a:rPr lang="en-US" b="1" dirty="0"/>
-              <a:t>” ) </a:t>
-            </a:r>
-            <a:r>
-              <a:rPr lang="en-US" dirty="0"/>
-              <a:t>from the sentences </a:t>
-            </a:r>
-            <a:r>
-              <a:rPr lang="en-US" b="1" dirty="0"/>
-              <a:t>in each cluster</a:t>
-            </a:r>
-          </a:p>
-          <a:p>
-            <a:pPr marL="800100" lvl="1" indent="-342900">
-              <a:buFont typeface="+mj-lt"/>
-              <a:buAutoNum type="alphaLcPeriod"/>
-            </a:pPr>
-            <a:r>
-              <a:rPr lang="en-US" dirty="0"/>
-              <a:t>Attach </a:t>
-            </a:r>
-            <a:r>
-              <a:rPr lang="en-US" dirty="0" err="1">
-                <a:highlight>
-                  <a:srgbClr val="00FFFF"/>
-                </a:highlight>
-              </a:rPr>
-              <a:t>sentence_vector</a:t>
-            </a:r>
-            <a:r>
-              <a:rPr lang="en-US" dirty="0">
-                <a:highlight>
-                  <a:srgbClr val="00FFFF"/>
-                </a:highlight>
-              </a:rPr>
-              <a:t> </a:t>
-            </a:r>
-            <a:r>
-              <a:rPr lang="en-US" dirty="0"/>
-              <a:t>to Relationship: i.e. </a:t>
-            </a:r>
-            <a:r>
-              <a:rPr lang="en-US" b="1" dirty="0"/>
-              <a:t>“ </a:t>
-            </a:r>
-            <a:r>
-              <a:rPr lang="en-US" b="1" dirty="0">
-                <a:highlight>
-                  <a:srgbClr val="00FFFF"/>
-                </a:highlight>
-              </a:rPr>
-              <a:t>-[:EMITTED {vector: </a:t>
-            </a:r>
-            <a:r>
-              <a:rPr lang="en-US" b="1" dirty="0" err="1">
-                <a:highlight>
-                  <a:srgbClr val="00FFFF"/>
-                </a:highlight>
-              </a:rPr>
-              <a:t>sent_vector</a:t>
-            </a:r>
-            <a:r>
-              <a:rPr lang="en-US" b="1" dirty="0">
-                <a:highlight>
-                  <a:srgbClr val="00FFFF"/>
-                </a:highlight>
-              </a:rPr>
-              <a:t>}]-&gt; </a:t>
-            </a:r>
-            <a:r>
-              <a:rPr lang="en-US" b="1" dirty="0"/>
-              <a:t>” </a:t>
-            </a:r>
-            <a:endParaRPr lang="en-US" dirty="0"/>
-          </a:p>
-          <a:p>
-            <a:pPr marL="800100" lvl="1" indent="-342900">
-              <a:buFont typeface="+mj-lt"/>
-              <a:buAutoNum type="alphaLcPeriod"/>
-            </a:pPr>
-            <a:endParaRPr lang="en-US" dirty="0"/>
-          </a:p>
-          <a:p>
-            <a:pPr marL="342900" indent="-342900">
-              <a:buFont typeface="+mj-lt"/>
-              <a:buAutoNum type="arabicPeriod" startAt="3"/>
-            </a:pPr>
-            <a:r>
-              <a:rPr lang="en-US" dirty="0"/>
-              <a:t>Feed </a:t>
-            </a:r>
-            <a:r>
-              <a:rPr lang="en-US" b="1" dirty="0" err="1"/>
-              <a:t>neo4j</a:t>
-            </a:r>
-            <a:r>
-              <a:rPr lang="en-US" b="1" dirty="0"/>
-              <a:t> database </a:t>
-            </a:r>
-            <a:r>
-              <a:rPr lang="en-US" dirty="0"/>
-              <a:t>with: </a:t>
-            </a:r>
-            <a:r>
-              <a:rPr lang="en-US" dirty="0">
-                <a:highlight>
-                  <a:srgbClr val="FFFF00"/>
-                </a:highlight>
-              </a:rPr>
-              <a:t>ENTITY-1</a:t>
-            </a:r>
-            <a:r>
-              <a:rPr lang="en-US" dirty="0"/>
-              <a:t>   </a:t>
-            </a:r>
-            <a:r>
-              <a:rPr lang="en-US" dirty="0">
-                <a:highlight>
-                  <a:srgbClr val="00FFFF"/>
-                </a:highlight>
-              </a:rPr>
-              <a:t>-[:RELATION TAG {vector: </a:t>
-            </a:r>
-            <a:r>
-              <a:rPr lang="en-US" dirty="0" err="1">
-                <a:highlight>
-                  <a:srgbClr val="00FFFF"/>
-                </a:highlight>
-              </a:rPr>
-              <a:t>sent_vector</a:t>
-            </a:r>
-            <a:r>
-              <a:rPr lang="en-US" dirty="0">
-                <a:highlight>
-                  <a:srgbClr val="00FFFF"/>
-                </a:highlight>
-              </a:rPr>
-              <a:t>}] -&gt;</a:t>
-            </a:r>
-            <a:r>
-              <a:rPr lang="en-US" dirty="0"/>
-              <a:t>  </a:t>
-            </a:r>
-            <a:r>
-              <a:rPr lang="en-US" dirty="0">
-                <a:highlight>
-                  <a:srgbClr val="FFFF00"/>
-                </a:highlight>
-              </a:rPr>
-              <a:t>ENTITY-2</a:t>
-            </a:r>
-          </a:p>
-          <a:p>
-            <a:endParaRPr lang="en-US" dirty="0">
-              <a:highlight>
-                <a:srgbClr val="FFFF00"/>
-              </a:highlight>
+            <a:r>
+              <a:rPr lang="de-DE" dirty="0" err="1">
+                <a:solidFill>
+                  <a:schemeClr val="accent6">
+                    <a:lumMod val="50000"/>
+                  </a:schemeClr>
+                </a:solidFill>
+              </a:rPr>
+              <a:t>Cypher</a:t>
+            </a:r>
+            <a:endParaRPr lang="de-DE" dirty="0">
+              <a:solidFill>
+                <a:schemeClr val="accent6">
+                  <a:lumMod val="50000"/>
+                </a:schemeClr>
+              </a:solidFill>
             </a:endParaRPr>
-          </a:p>
-          <a:p>
-            <a:pPr marL="342900" indent="-342900">
-              <a:buFont typeface="+mj-lt"/>
-              <a:buAutoNum type="arabicPeriod" startAt="5"/>
-            </a:pPr>
-            <a:r>
-              <a:rPr lang="en-US" dirty="0"/>
-              <a:t>Query: Find </a:t>
-            </a:r>
-            <a:r>
-              <a:rPr lang="en-US" dirty="0">
-                <a:highlight>
-                  <a:srgbClr val="00FFFF"/>
-                </a:highlight>
-              </a:rPr>
-              <a:t>-[:RELATION TAG {vector: </a:t>
-            </a:r>
-            <a:r>
-              <a:rPr lang="en-US" dirty="0" err="1">
-                <a:highlight>
-                  <a:srgbClr val="00FFFF"/>
-                </a:highlight>
-              </a:rPr>
-              <a:t>sent_vector</a:t>
-            </a:r>
-            <a:r>
-              <a:rPr lang="en-US" dirty="0">
-                <a:highlight>
-                  <a:srgbClr val="00FFFF"/>
-                </a:highlight>
-              </a:rPr>
-              <a:t>}] -&gt;</a:t>
-            </a:r>
-            <a:r>
-              <a:rPr lang="en-US" dirty="0"/>
-              <a:t>   </a:t>
-            </a:r>
-            <a:r>
-              <a:rPr lang="en-US" b="1" u="sng" dirty="0">
-                <a:solidFill>
-                  <a:srgbClr val="13DD13"/>
-                </a:solidFill>
-              </a:rPr>
-              <a:t>similar to</a:t>
-            </a:r>
-            <a:r>
-              <a:rPr lang="en-US" dirty="0"/>
-              <a:t>  </a:t>
-            </a:r>
-            <a:r>
-              <a:rPr lang="en-US" dirty="0">
-                <a:highlight>
-                  <a:srgbClr val="FF00FF"/>
-                </a:highlight>
-              </a:rPr>
-              <a:t>Question sentence vector </a:t>
-            </a:r>
-          </a:p>
-          <a:p>
-            <a:pPr lvl="1"/>
-            <a:r>
-              <a:rPr lang="en-US" dirty="0">
-                <a:highlight>
-                  <a:srgbClr val="FFFF00"/>
-                </a:highlight>
-              </a:rPr>
-              <a:t>		</a:t>
-            </a:r>
-          </a:p>
-          <a:p>
-            <a:pPr marL="800100" lvl="1" indent="-342900">
-              <a:buFont typeface="+mj-lt"/>
-              <a:buAutoNum type="alphaLcPeriod"/>
-            </a:pPr>
-            <a:endParaRPr lang="en-US" dirty="0"/>
-          </a:p>
-          <a:p>
-            <a:pPr marL="800100" lvl="1" indent="-342900">
-              <a:buFont typeface="+mj-lt"/>
-              <a:buAutoNum type="alphaLcPeriod"/>
-            </a:pPr>
-            <a:endParaRPr lang="en-US" dirty="0"/>
-          </a:p>
-          <a:p>
-            <a:endParaRPr lang="en-US" dirty="0"/>
-          </a:p>
-          <a:p>
-            <a:endParaRPr lang="en-US" dirty="0"/>
           </a:p>
         </p:txBody>
       </p:sp>
     </p:spTree>
     <p:extLst>
       <p:ext uri="{BB962C8B-B14F-4D97-AF65-F5344CB8AC3E}">
-        <p14:creationId xmlns:p14="http://schemas.microsoft.com/office/powerpoint/2010/main" val="18948563"/>
+        <p14:creationId xmlns:p14="http://schemas.microsoft.com/office/powerpoint/2010/main" val="764371470"/>
       </p:ext>
     </p:extLst>
   </p:cSld>
@@ -3595,87 +3956,231 @@
             <a:pPr algn="ctr"/>
             <a:r>
               <a:rPr lang="en-US" sz="2800" b="1" dirty="0" err="1"/>
-              <a:t>spaCy</a:t>
-            </a:r>
-            <a:endParaRPr lang="en-US" sz="2800" b="1" dirty="0"/>
+              <a:t>UASFRA</a:t>
+            </a:r>
+            <a:r>
+              <a:rPr lang="en-US" sz="2800" b="1" dirty="0"/>
+              <a:t>-MS-</a:t>
+            </a:r>
+            <a:r>
+              <a:rPr lang="en-US" sz="2800" b="1" dirty="0" err="1"/>
+              <a:t>PROJDIGI</a:t>
+            </a:r>
+            <a:r>
+              <a:rPr lang="en-US" sz="2800" b="1" dirty="0"/>
+              <a:t>: Group 4: The plan ahead</a:t>
+            </a:r>
           </a:p>
         </p:txBody>
       </p:sp>
       <p:pic>
         <p:nvPicPr>
-          <p:cNvPr id="2" name="Grafik 1">
-            <a:extLst>
-              <a:ext uri="{FF2B5EF4-FFF2-40B4-BE49-F238E27FC236}">
-                <a16:creationId xmlns:a16="http://schemas.microsoft.com/office/drawing/2014/main" id="{874ADAFB-B18D-3ED4-390C-3B56C1AD65B3}"/>
+          <p:cNvPr id="2052" name="Picture 4">
+            <a:extLst>
+              <a:ext uri="{FF2B5EF4-FFF2-40B4-BE49-F238E27FC236}">
+                <a16:creationId xmlns:a16="http://schemas.microsoft.com/office/drawing/2014/main" id="{2ACE155D-2DDE-B917-7A2F-C0EE29B2328D}"/>
               </a:ext>
             </a:extLst>
           </p:cNvPr>
           <p:cNvPicPr>
-            <a:picLocks noChangeAspect="1"/>
+            <a:picLocks noChangeAspect="1" noChangeArrowheads="1"/>
           </p:cNvPicPr>
           <p:nvPr/>
         </p:nvPicPr>
         <p:blipFill>
-          <a:blip r:embed="rId2"/>
+          <a:blip r:embed="rId2">
+            <a:extLst>
+              <a:ext uri="{28A0092B-C50C-407E-A947-70E740481C1C}">
+                <a14:useLocalDpi xmlns:a14="http://schemas.microsoft.com/office/drawing/2010/main" val="0"/>
+              </a:ext>
+            </a:extLst>
+          </a:blip>
+          <a:srcRect/>
           <a:stretch>
             <a:fillRect/>
           </a:stretch>
         </p:blipFill>
-        <p:spPr>
-          <a:xfrm>
-            <a:off x="1219200" y="1180733"/>
-            <a:ext cx="7124700" cy="1533525"/>
+        <p:spPr bwMode="auto">
+          <a:xfrm>
+            <a:off x="644499" y="1576062"/>
+            <a:ext cx="8617001" cy="4301596"/>
           </a:xfrm>
           <a:prstGeom prst="rect">
             <a:avLst/>
           </a:prstGeom>
+          <a:noFill/>
+          <a:ln>
+            <a:solidFill>
+              <a:schemeClr val="accent1"/>
+            </a:solidFill>
+          </a:ln>
+          <a:extLst>
+            <a:ext uri="{909E8E84-426E-40DD-AFC4-6F175D3DCCD1}">
+              <a14:hiddenFill xmlns:a14="http://schemas.microsoft.com/office/drawing/2010/main">
+                <a:solidFill>
+                  <a:srgbClr val="FFFFFF"/>
+                </a:solidFill>
+              </a14:hiddenFill>
+            </a:ext>
+          </a:extLst>
         </p:spPr>
       </p:pic>
-      <p:pic>
-        <p:nvPicPr>
-          <p:cNvPr id="6" name="Grafik 5" descr="Fragezeichen mit einfarbiger Füllung">
-            <a:extLst>
-              <a:ext uri="{FF2B5EF4-FFF2-40B4-BE49-F238E27FC236}">
-                <a16:creationId xmlns:a16="http://schemas.microsoft.com/office/drawing/2014/main" id="{B3EFCB69-1065-3546-F96C-DF5A9A953D83}"/>
-              </a:ext>
-            </a:extLst>
-          </p:cNvPr>
-          <p:cNvPicPr>
-            <a:picLocks noChangeAspect="1"/>
-          </p:cNvPicPr>
-          <p:nvPr/>
-        </p:nvPicPr>
-        <p:blipFill>
-          <a:blip r:embed="rId3">
-            <a:extLst>
-              <a:ext uri="{28A0092B-C50C-407E-A947-70E740481C1C}">
-                <a14:useLocalDpi xmlns:a14="http://schemas.microsoft.com/office/drawing/2010/main" val="0"/>
-              </a:ext>
-              <a:ext uri="{96DAC541-7B7A-43D3-8B79-37D633B846F1}">
-                <asvg:svgBlip xmlns:asvg="http://schemas.microsoft.com/office/drawing/2016/SVG/main" r:embed="rId4"/>
-              </a:ext>
-            </a:extLst>
-          </a:blip>
-          <a:stretch>
-            <a:fillRect/>
-          </a:stretch>
-        </p:blipFill>
-        <p:spPr>
-          <a:xfrm>
-            <a:off x="3994638" y="2368403"/>
-            <a:ext cx="914400" cy="914400"/>
+      <p:sp>
+        <p:nvSpPr>
+          <p:cNvPr id="3" name="Textfeld 2">
+            <a:extLst>
+              <a:ext uri="{FF2B5EF4-FFF2-40B4-BE49-F238E27FC236}">
+                <a16:creationId xmlns:a16="http://schemas.microsoft.com/office/drawing/2014/main" id="{5802FE33-C0F4-176F-D49C-BB740DF8ED0E}"/>
+              </a:ext>
+            </a:extLst>
+          </p:cNvPr>
+          <p:cNvSpPr txBox="1"/>
+          <p:nvPr/>
+        </p:nvSpPr>
+        <p:spPr>
+          <a:xfrm>
+            <a:off x="1665350" y="1004792"/>
+            <a:ext cx="6669757" cy="369332"/>
           </a:xfrm>
           <a:prstGeom prst="rect">
             <a:avLst/>
           </a:prstGeom>
-        </p:spPr>
-      </p:pic>
-      <p:sp>
-        <p:nvSpPr>
-          <p:cNvPr id="7" name="Multiplikationszeichen 6">
-            <a:extLst>
-              <a:ext uri="{FF2B5EF4-FFF2-40B4-BE49-F238E27FC236}">
-                <a16:creationId xmlns:a16="http://schemas.microsoft.com/office/drawing/2014/main" id="{16F0A049-77D0-33F6-B3A5-9A345008BF1B}"/>
+          <a:noFill/>
+        </p:spPr>
+        <p:txBody>
+          <a:bodyPr wrap="square" rtlCol="0">
+            <a:spAutoFit/>
+          </a:bodyPr>
+          <a:lstStyle/>
+          <a:p>
+            <a:r>
+              <a:rPr lang="de-DE" b="1" i="0" dirty="0">
+                <a:solidFill>
+                  <a:srgbClr val="242424"/>
+                </a:solidFill>
+                <a:effectLst/>
+                <a:latin typeface="sohne"/>
+              </a:rPr>
+              <a:t>Query </a:t>
+            </a:r>
+            <a:r>
+              <a:rPr lang="de-DE" b="1" i="0" dirty="0" err="1">
+                <a:solidFill>
+                  <a:srgbClr val="242424"/>
+                </a:solidFill>
+                <a:effectLst/>
+                <a:latin typeface="sohne"/>
+              </a:rPr>
+              <a:t>similar</a:t>
+            </a:r>
+            <a:r>
+              <a:rPr lang="de-DE" b="1" i="0" dirty="0">
+                <a:solidFill>
+                  <a:srgbClr val="242424"/>
+                </a:solidFill>
+                <a:effectLst/>
+                <a:latin typeface="sohne"/>
+              </a:rPr>
+              <a:t> </a:t>
+            </a:r>
+            <a:r>
+              <a:rPr lang="de-DE" b="1" i="0" dirty="0" err="1">
+                <a:solidFill>
+                  <a:srgbClr val="242424"/>
+                </a:solidFill>
+                <a:effectLst/>
+                <a:latin typeface="sohne"/>
+              </a:rPr>
+              <a:t>to</a:t>
+            </a:r>
+            <a:r>
+              <a:rPr lang="de-DE" b="1" dirty="0">
+                <a:solidFill>
+                  <a:srgbClr val="242424"/>
+                </a:solidFill>
+                <a:latin typeface="sohne"/>
+              </a:rPr>
+              <a:t>:</a:t>
+            </a:r>
+            <a:r>
+              <a:rPr lang="de-DE" b="1" i="0" dirty="0">
+                <a:solidFill>
+                  <a:srgbClr val="242424"/>
+                </a:solidFill>
+                <a:effectLst/>
+                <a:latin typeface="sohne"/>
+              </a:rPr>
+              <a:t> Retrieval-</a:t>
+            </a:r>
+            <a:r>
+              <a:rPr lang="de-DE" b="1" i="0" dirty="0" err="1">
+                <a:solidFill>
+                  <a:srgbClr val="242424"/>
+                </a:solidFill>
+                <a:effectLst/>
+                <a:latin typeface="sohne"/>
+              </a:rPr>
+              <a:t>Augmented</a:t>
+            </a:r>
+            <a:r>
+              <a:rPr lang="de-DE" b="1" i="0" dirty="0">
+                <a:solidFill>
+                  <a:srgbClr val="242424"/>
+                </a:solidFill>
+                <a:effectLst/>
+                <a:latin typeface="sohne"/>
+              </a:rPr>
+              <a:t> Question-</a:t>
+            </a:r>
+            <a:r>
+              <a:rPr lang="de-DE" b="1" i="0" dirty="0" err="1">
+                <a:solidFill>
+                  <a:srgbClr val="242424"/>
+                </a:solidFill>
+                <a:effectLst/>
+                <a:latin typeface="sohne"/>
+              </a:rPr>
+              <a:t>Answering</a:t>
+            </a:r>
+            <a:r>
+              <a:rPr lang="de-DE" b="1" i="0" dirty="0">
+                <a:solidFill>
+                  <a:srgbClr val="242424"/>
+                </a:solidFill>
+                <a:effectLst/>
+                <a:latin typeface="sohne"/>
+              </a:rPr>
+              <a:t> </a:t>
+            </a:r>
+            <a:r>
+              <a:rPr lang="de-DE" b="1" i="0" dirty="0" err="1">
+                <a:solidFill>
+                  <a:srgbClr val="242424"/>
+                </a:solidFill>
+                <a:effectLst/>
+                <a:latin typeface="sohne"/>
+              </a:rPr>
+              <a:t>LLMs</a:t>
+            </a:r>
+            <a:r>
+              <a:rPr lang="de-DE" b="1" i="0" dirty="0">
+                <a:solidFill>
+                  <a:srgbClr val="242424"/>
+                </a:solidFill>
+                <a:effectLst/>
+                <a:latin typeface="sohne"/>
+              </a:rPr>
+              <a:t>:</a:t>
+            </a:r>
+          </a:p>
+        </p:txBody>
+      </p:sp>
+      <p:sp>
+        <p:nvSpPr>
+          <p:cNvPr id="4" name="Multiplikationszeichen 3">
+            <a:extLst>
+              <a:ext uri="{FF2B5EF4-FFF2-40B4-BE49-F238E27FC236}">
+                <a16:creationId xmlns:a16="http://schemas.microsoft.com/office/drawing/2014/main" id="{DD8DF273-C792-1015-D1DE-20A5DE6748DD}"/>
               </a:ext>
             </a:extLst>
           </p:cNvPr>
@@ -3684,8 +4189,8 @@
         </p:nvSpPr>
         <p:spPr>
           <a:xfrm>
-            <a:off x="7214089" y="1414493"/>
-            <a:ext cx="1208943" cy="1411110"/>
+            <a:off x="4580793" y="1393636"/>
+            <a:ext cx="1806819" cy="1850781"/>
           </a:xfrm>
           <a:prstGeom prst="mathMultiply">
             <a:avLst/>
@@ -3719,10 +4224,253 @@
           </a:p>
         </p:txBody>
       </p:sp>
+      <p:sp>
+        <p:nvSpPr>
+          <p:cNvPr id="5" name="Multiplikationszeichen 4">
+            <a:extLst>
+              <a:ext uri="{FF2B5EF4-FFF2-40B4-BE49-F238E27FC236}">
+                <a16:creationId xmlns:a16="http://schemas.microsoft.com/office/drawing/2014/main" id="{AABB67CD-79EC-0A26-3568-2D7B0086D642}"/>
+              </a:ext>
+            </a:extLst>
+          </p:cNvPr>
+          <p:cNvSpPr/>
+          <p:nvPr/>
+        </p:nvSpPr>
+        <p:spPr>
+          <a:xfrm>
+            <a:off x="6843347" y="1357001"/>
+            <a:ext cx="1806819" cy="1850781"/>
+          </a:xfrm>
+          <a:prstGeom prst="mathMultiply">
+            <a:avLst/>
+          </a:prstGeom>
+          <a:solidFill>
+            <a:srgbClr val="FF0000"/>
+          </a:solidFill>
+        </p:spPr>
+        <p:style>
+          <a:lnRef idx="2">
+            <a:schemeClr val="accent1">
+              <a:shade val="15000"/>
+            </a:schemeClr>
+          </a:lnRef>
+          <a:fillRef idx="1">
+            <a:schemeClr val="accent1"/>
+          </a:fillRef>
+          <a:effectRef idx="0">
+            <a:schemeClr val="accent1"/>
+          </a:effectRef>
+          <a:fontRef idx="minor">
+            <a:schemeClr val="lt1"/>
+          </a:fontRef>
+        </p:style>
+        <p:txBody>
+          <a:bodyPr rtlCol="0" anchor="ctr"/>
+          <a:lstStyle/>
+          <a:p>
+            <a:pPr algn="ctr"/>
+            <a:endParaRPr lang="en-US"/>
+          </a:p>
+        </p:txBody>
+      </p:sp>
+      <p:sp>
+        <p:nvSpPr>
+          <p:cNvPr id="8" name="Rechteck 7">
+            <a:extLst>
+              <a:ext uri="{FF2B5EF4-FFF2-40B4-BE49-F238E27FC236}">
+                <a16:creationId xmlns:a16="http://schemas.microsoft.com/office/drawing/2014/main" id="{09D1B4C3-87BE-79DB-CFF5-7AF54748A721}"/>
+              </a:ext>
+            </a:extLst>
+          </p:cNvPr>
+          <p:cNvSpPr/>
+          <p:nvPr/>
+        </p:nvSpPr>
+        <p:spPr>
+          <a:xfrm>
+            <a:off x="4079295" y="3552092"/>
+            <a:ext cx="730097" cy="518747"/>
+          </a:xfrm>
+          <a:prstGeom prst="rect">
+            <a:avLst/>
+          </a:prstGeom>
+          <a:solidFill>
+            <a:schemeClr val="bg1"/>
+          </a:solidFill>
+          <a:ln>
+            <a:noFill/>
+          </a:ln>
+        </p:spPr>
+        <p:style>
+          <a:lnRef idx="2">
+            <a:schemeClr val="accent1">
+              <a:shade val="15000"/>
+            </a:schemeClr>
+          </a:lnRef>
+          <a:fillRef idx="1">
+            <a:schemeClr val="accent1"/>
+          </a:fillRef>
+          <a:effectRef idx="0">
+            <a:schemeClr val="accent1"/>
+          </a:effectRef>
+          <a:fontRef idx="minor">
+            <a:schemeClr val="lt1"/>
+          </a:fontRef>
+        </p:style>
+        <p:txBody>
+          <a:bodyPr rtlCol="0" anchor="ctr"/>
+          <a:lstStyle/>
+          <a:p>
+            <a:pPr algn="ctr"/>
+            <a:endParaRPr lang="en-US"/>
+          </a:p>
+        </p:txBody>
+      </p:sp>
+      <p:pic>
+        <p:nvPicPr>
+          <p:cNvPr id="7" name="Grafik 6">
+            <a:extLst>
+              <a:ext uri="{FF2B5EF4-FFF2-40B4-BE49-F238E27FC236}">
+                <a16:creationId xmlns:a16="http://schemas.microsoft.com/office/drawing/2014/main" id="{B945CF0E-F9A8-83CA-59F2-04CD320208AD}"/>
+              </a:ext>
+            </a:extLst>
+          </p:cNvPr>
+          <p:cNvPicPr>
+            <a:picLocks noChangeAspect="1"/>
+          </p:cNvPicPr>
+          <p:nvPr/>
+        </p:nvPicPr>
+        <p:blipFill>
+          <a:blip r:embed="rId3"/>
+          <a:stretch>
+            <a:fillRect/>
+          </a:stretch>
+        </p:blipFill>
+        <p:spPr>
+          <a:xfrm rot="5400000">
+            <a:off x="2346000" y="3909228"/>
+            <a:ext cx="3906853" cy="468129"/>
+          </a:xfrm>
+          <a:prstGeom prst="rect">
+            <a:avLst/>
+          </a:prstGeom>
+        </p:spPr>
+      </p:pic>
+      <p:pic>
+        <p:nvPicPr>
+          <p:cNvPr id="10" name="Grafik 9">
+            <a:extLst>
+              <a:ext uri="{FF2B5EF4-FFF2-40B4-BE49-F238E27FC236}">
+                <a16:creationId xmlns:a16="http://schemas.microsoft.com/office/drawing/2014/main" id="{12D8C6C6-FCFC-65C8-AD0E-2C12EF5279EE}"/>
+              </a:ext>
+            </a:extLst>
+          </p:cNvPr>
+          <p:cNvPicPr>
+            <a:picLocks noChangeAspect="1"/>
+          </p:cNvPicPr>
+          <p:nvPr/>
+        </p:nvPicPr>
+        <p:blipFill>
+          <a:blip r:embed="rId4"/>
+          <a:stretch>
+            <a:fillRect/>
+          </a:stretch>
+        </p:blipFill>
+        <p:spPr>
+          <a:xfrm>
+            <a:off x="1454779" y="1596250"/>
+            <a:ext cx="2670279" cy="493819"/>
+          </a:xfrm>
+          <a:prstGeom prst="rect">
+            <a:avLst/>
+          </a:prstGeom>
+        </p:spPr>
+      </p:pic>
+      <p:sp>
+        <p:nvSpPr>
+          <p:cNvPr id="13" name="Rechteck 12">
+            <a:extLst>
+              <a:ext uri="{FF2B5EF4-FFF2-40B4-BE49-F238E27FC236}">
+                <a16:creationId xmlns:a16="http://schemas.microsoft.com/office/drawing/2014/main" id="{96A874B8-BFA4-6CF8-7705-9387D9CC95D5}"/>
+              </a:ext>
+            </a:extLst>
+          </p:cNvPr>
+          <p:cNvSpPr/>
+          <p:nvPr/>
+        </p:nvSpPr>
+        <p:spPr>
+          <a:xfrm>
+            <a:off x="2595873" y="3417661"/>
+            <a:ext cx="730097" cy="518747"/>
+          </a:xfrm>
+          <a:prstGeom prst="rect">
+            <a:avLst/>
+          </a:prstGeom>
+          <a:solidFill>
+            <a:schemeClr val="bg1"/>
+          </a:solidFill>
+          <a:ln>
+            <a:noFill/>
+          </a:ln>
+        </p:spPr>
+        <p:style>
+          <a:lnRef idx="2">
+            <a:schemeClr val="accent1">
+              <a:shade val="15000"/>
+            </a:schemeClr>
+          </a:lnRef>
+          <a:fillRef idx="1">
+            <a:schemeClr val="accent1"/>
+          </a:fillRef>
+          <a:effectRef idx="0">
+            <a:schemeClr val="accent1"/>
+          </a:effectRef>
+          <a:fontRef idx="minor">
+            <a:schemeClr val="lt1"/>
+          </a:fontRef>
+        </p:style>
+        <p:txBody>
+          <a:bodyPr rtlCol="0" anchor="ctr"/>
+          <a:lstStyle/>
+          <a:p>
+            <a:pPr algn="ctr"/>
+            <a:endParaRPr lang="en-US"/>
+          </a:p>
+        </p:txBody>
+      </p:sp>
+      <p:pic>
+        <p:nvPicPr>
+          <p:cNvPr id="12" name="Grafik 11">
+            <a:extLst>
+              <a:ext uri="{FF2B5EF4-FFF2-40B4-BE49-F238E27FC236}">
+                <a16:creationId xmlns:a16="http://schemas.microsoft.com/office/drawing/2014/main" id="{BF2FA10C-C09E-BCBA-F6EC-56C8DB8FF63B}"/>
+              </a:ext>
+            </a:extLst>
+          </p:cNvPr>
+          <p:cNvPicPr>
+            <a:picLocks noChangeAspect="1"/>
+          </p:cNvPicPr>
+          <p:nvPr/>
+        </p:nvPicPr>
+        <p:blipFill>
+          <a:blip r:embed="rId5"/>
+          <a:stretch>
+            <a:fillRect/>
+          </a:stretch>
+        </p:blipFill>
+        <p:spPr>
+          <a:xfrm rot="5400000">
+            <a:off x="1829876" y="3639120"/>
+            <a:ext cx="2377646" cy="493819"/>
+          </a:xfrm>
+          <a:prstGeom prst="rect">
+            <a:avLst/>
+          </a:prstGeom>
+        </p:spPr>
+      </p:pic>
     </p:spTree>
     <p:extLst>
       <p:ext uri="{BB962C8B-B14F-4D97-AF65-F5344CB8AC3E}">
-        <p14:creationId xmlns:p14="http://schemas.microsoft.com/office/powerpoint/2010/main" val="783836180"/>
+        <p14:creationId xmlns:p14="http://schemas.microsoft.com/office/powerpoint/2010/main" val="3729833070"/>
       </p:ext>
     </p:extLst>
   </p:cSld>
@@ -3799,10 +4547,10 @@
       </p:sp>
       <p:pic>
         <p:nvPicPr>
-          <p:cNvPr id="2052" name="Picture 4">
-            <a:extLst>
-              <a:ext uri="{FF2B5EF4-FFF2-40B4-BE49-F238E27FC236}">
-                <a16:creationId xmlns:a16="http://schemas.microsoft.com/office/drawing/2014/main" id="{2ACE155D-2DDE-B917-7A2F-C0EE29B2328D}"/>
+          <p:cNvPr id="1026" name="Picture 2" descr="Example sequence diagram of KG creation could look like">
+            <a:extLst>
+              <a:ext uri="{FF2B5EF4-FFF2-40B4-BE49-F238E27FC236}">
+                <a16:creationId xmlns:a16="http://schemas.microsoft.com/office/drawing/2014/main" id="{D4E0178C-1400-E4B5-BA5A-4C68D8F32924}"/>
               </a:ext>
             </a:extLst>
           </p:cNvPr>
@@ -3826,18 +4574,13 @@
         </p:blipFill>
         <p:spPr bwMode="auto">
           <a:xfrm>
-            <a:off x="644499" y="1576062"/>
-            <a:ext cx="8617001" cy="4301596"/>
+            <a:off x="646232" y="867932"/>
+            <a:ext cx="8827669" cy="5409776"/>
           </a:xfrm>
           <a:prstGeom prst="rect">
             <a:avLst/>
           </a:prstGeom>
           <a:noFill/>
-          <a:ln>
-            <a:solidFill>
-              <a:schemeClr val="accent1"/>
-            </a:solidFill>
-          </a:ln>
           <a:extLst>
             <a:ext uri="{909E8E84-426E-40DD-AFC4-6F175D3DCCD1}">
               <a14:hiddenFill xmlns:a14="http://schemas.microsoft.com/office/drawing/2010/main">
@@ -3849,12 +4592,79 @@
           </a:extLst>
         </p:spPr>
       </p:pic>
-      <p:sp>
-        <p:nvSpPr>
-          <p:cNvPr id="3" name="Textfeld 2">
-            <a:extLst>
-              <a:ext uri="{FF2B5EF4-FFF2-40B4-BE49-F238E27FC236}">
-                <a16:creationId xmlns:a16="http://schemas.microsoft.com/office/drawing/2014/main" id="{5802FE33-C0F4-176F-D49C-BB740DF8ED0E}"/>
+      <p:pic>
+        <p:nvPicPr>
+          <p:cNvPr id="2" name="Grafik 1" descr="Ein Bild, das Text, Screenshot, Software, Schrift enthält.&#10;&#10;Automatisch generierte Beschreibung">
+            <a:extLst>
+              <a:ext uri="{FF2B5EF4-FFF2-40B4-BE49-F238E27FC236}">
+                <a16:creationId xmlns:a16="http://schemas.microsoft.com/office/drawing/2014/main" id="{B6AAF69F-9EF3-5CB7-83BC-D62A45F40C29}"/>
+              </a:ext>
+            </a:extLst>
+          </p:cNvPr>
+          <p:cNvPicPr>
+            <a:picLocks noChangeAspect="1"/>
+          </p:cNvPicPr>
+          <p:nvPr/>
+        </p:nvPicPr>
+        <p:blipFill rotWithShape="1">
+          <a:blip r:embed="rId3"/>
+          <a:srcRect l="786" t="10338" r="93157" b="85125"/>
+          <a:stretch/>
+        </p:blipFill>
+        <p:spPr bwMode="auto">
+          <a:xfrm>
+            <a:off x="5860073" y="1646242"/>
+            <a:ext cx="1323244" cy="531584"/>
+          </a:xfrm>
+          <a:prstGeom prst="rect">
+            <a:avLst/>
+          </a:prstGeom>
+          <a:ln>
+            <a:noFill/>
+          </a:ln>
+          <a:extLst>
+            <a:ext uri="{53640926-AAD7-44D8-BBD7-CCE9431645EC}">
+              <a14:shadowObscured xmlns:a14="http://schemas.microsoft.com/office/drawing/2010/main"/>
+            </a:ext>
+          </a:extLst>
+        </p:spPr>
+      </p:pic>
+    </p:spTree>
+    <p:extLst>
+      <p:ext uri="{BB962C8B-B14F-4D97-AF65-F5344CB8AC3E}">
+        <p14:creationId xmlns:p14="http://schemas.microsoft.com/office/powerpoint/2010/main" val="1359376255"/>
+      </p:ext>
+    </p:extLst>
+  </p:cSld>
+  <p:clrMapOvr>
+    <a:masterClrMapping/>
+  </p:clrMapOvr>
+</p:sld>
+</file>
+
+<file path=ppt/slides/slide4.xml><?xml version="1.0" encoding="utf-8"?>
+<p:sld xmlns:a="http://schemas.openxmlformats.org/drawingml/2006/main" xmlns:r="http://schemas.openxmlformats.org/officeDocument/2006/relationships" xmlns:p="http://schemas.openxmlformats.org/presentationml/2006/main">
+  <p:cSld>
+    <p:spTree>
+      <p:nvGrpSpPr>
+        <p:cNvPr id="1" name=""/>
+        <p:cNvGrpSpPr/>
+        <p:nvPr/>
+      </p:nvGrpSpPr>
+      <p:grpSpPr>
+        <a:xfrm>
+          <a:off x="0" y="0"/>
+          <a:ext cx="0" cy="0"/>
+          <a:chOff x="0" y="0"/>
+          <a:chExt cx="0" cy="0"/>
+        </a:xfrm>
+      </p:grpSpPr>
+      <p:sp>
+        <p:nvSpPr>
+          <p:cNvPr id="26" name="Textfeld 25">
+            <a:extLst>
+              <a:ext uri="{FF2B5EF4-FFF2-40B4-BE49-F238E27FC236}">
+                <a16:creationId xmlns:a16="http://schemas.microsoft.com/office/drawing/2014/main" id="{E5229098-1146-2BBD-D75D-639ED2A05A0D}"/>
               </a:ext>
             </a:extLst>
           </p:cNvPr>
@@ -3863,8 +4673,8 @@
         </p:nvSpPr>
         <p:spPr>
           <a:xfrm>
-            <a:off x="1665350" y="1004792"/>
-            <a:ext cx="6669757" cy="369332"/>
+            <a:off x="190156" y="88968"/>
+            <a:ext cx="9352657" cy="523220"/>
           </a:xfrm>
           <a:prstGeom prst="rect">
             <a:avLst/>
@@ -3877,134 +4687,20 @@
           </a:bodyPr>
           <a:lstStyle/>
           <a:p>
-            <a:r>
-              <a:rPr lang="de-DE" b="1" i="0" dirty="0">
-                <a:solidFill>
-                  <a:srgbClr val="242424"/>
-                </a:solidFill>
-                <a:effectLst/>
-                <a:latin typeface="sohne"/>
-              </a:rPr>
-              <a:t>Query </a:t>
-            </a:r>
-            <a:r>
-              <a:rPr lang="de-DE" b="1" i="0" dirty="0" err="1">
-                <a:solidFill>
-                  <a:srgbClr val="242424"/>
-                </a:solidFill>
-                <a:effectLst/>
-                <a:latin typeface="sohne"/>
-              </a:rPr>
-              <a:t>similar</a:t>
-            </a:r>
-            <a:r>
-              <a:rPr lang="de-DE" b="1" i="0" dirty="0">
-                <a:solidFill>
-                  <a:srgbClr val="242424"/>
-                </a:solidFill>
-                <a:effectLst/>
-                <a:latin typeface="sohne"/>
-              </a:rPr>
-              <a:t> </a:t>
-            </a:r>
-            <a:r>
-              <a:rPr lang="de-DE" b="1" i="0" dirty="0" err="1">
-                <a:solidFill>
-                  <a:srgbClr val="242424"/>
-                </a:solidFill>
-                <a:effectLst/>
-                <a:latin typeface="sohne"/>
-              </a:rPr>
-              <a:t>to</a:t>
-            </a:r>
-            <a:r>
-              <a:rPr lang="de-DE" b="1" dirty="0">
-                <a:solidFill>
-                  <a:srgbClr val="242424"/>
-                </a:solidFill>
-                <a:latin typeface="sohne"/>
-              </a:rPr>
-              <a:t>:</a:t>
-            </a:r>
-            <a:r>
-              <a:rPr lang="de-DE" b="1" i="0" dirty="0">
-                <a:solidFill>
-                  <a:srgbClr val="242424"/>
-                </a:solidFill>
-                <a:effectLst/>
-                <a:latin typeface="sohne"/>
-              </a:rPr>
-              <a:t> Retrieval-</a:t>
-            </a:r>
-            <a:r>
-              <a:rPr lang="de-DE" b="1" i="0" dirty="0" err="1">
-                <a:solidFill>
-                  <a:srgbClr val="242424"/>
-                </a:solidFill>
-                <a:effectLst/>
-                <a:latin typeface="sohne"/>
-              </a:rPr>
-              <a:t>Augmented</a:t>
-            </a:r>
-            <a:r>
-              <a:rPr lang="de-DE" b="1" i="0" dirty="0">
-                <a:solidFill>
-                  <a:srgbClr val="242424"/>
-                </a:solidFill>
-                <a:effectLst/>
-                <a:latin typeface="sohne"/>
-              </a:rPr>
-              <a:t> Question-</a:t>
-            </a:r>
-            <a:r>
-              <a:rPr lang="de-DE" b="1" i="0" dirty="0" err="1">
-                <a:solidFill>
-                  <a:srgbClr val="242424"/>
-                </a:solidFill>
-                <a:effectLst/>
-                <a:latin typeface="sohne"/>
-              </a:rPr>
-              <a:t>Answering</a:t>
-            </a:r>
-            <a:r>
-              <a:rPr lang="de-DE" b="1" i="0" dirty="0">
-                <a:solidFill>
-                  <a:srgbClr val="242424"/>
-                </a:solidFill>
-                <a:effectLst/>
-                <a:latin typeface="sohne"/>
-              </a:rPr>
-              <a:t> </a:t>
-            </a:r>
-            <a:r>
-              <a:rPr lang="de-DE" b="1" i="0" dirty="0" err="1">
-                <a:solidFill>
-                  <a:srgbClr val="242424"/>
-                </a:solidFill>
-                <a:effectLst/>
-                <a:latin typeface="sohne"/>
-              </a:rPr>
-              <a:t>LLMs</a:t>
-            </a:r>
-            <a:r>
-              <a:rPr lang="de-DE" b="1" i="0" dirty="0">
-                <a:solidFill>
-                  <a:srgbClr val="242424"/>
-                </a:solidFill>
-                <a:effectLst/>
-                <a:latin typeface="sohne"/>
-              </a:rPr>
-              <a:t>:</a:t>
-            </a:r>
-          </a:p>
-        </p:txBody>
-      </p:sp>
-      <p:sp>
-        <p:nvSpPr>
-          <p:cNvPr id="4" name="Multiplikationszeichen 3">
-            <a:extLst>
-              <a:ext uri="{FF2B5EF4-FFF2-40B4-BE49-F238E27FC236}">
-                <a16:creationId xmlns:a16="http://schemas.microsoft.com/office/drawing/2014/main" id="{DD8DF273-C792-1015-D1DE-20A5DE6748DD}"/>
+            <a:pPr algn="ctr"/>
+            <a:r>
+              <a:rPr lang="en-US" sz="2800" b="1" dirty="0"/>
+              <a:t>Initial Plan</a:t>
+            </a:r>
+          </a:p>
+        </p:txBody>
+      </p:sp>
+      <p:sp>
+        <p:nvSpPr>
+          <p:cNvPr id="3" name="Ellipse 2">
+            <a:extLst>
+              <a:ext uri="{FF2B5EF4-FFF2-40B4-BE49-F238E27FC236}">
+                <a16:creationId xmlns:a16="http://schemas.microsoft.com/office/drawing/2014/main" id="{6A09435E-85F9-36C0-D05D-4BE5E1AEC598}"/>
               </a:ext>
             </a:extLst>
           </p:cNvPr>
@@ -4013,15 +4709,19 @@
         </p:nvSpPr>
         <p:spPr>
           <a:xfrm>
-            <a:off x="4580793" y="1393636"/>
-            <a:ext cx="1806819" cy="1850781"/>
-          </a:xfrm>
-          <a:prstGeom prst="mathMultiply">
+            <a:off x="4224955" y="2978229"/>
+            <a:ext cx="1624405" cy="1065007"/>
+          </a:xfrm>
+          <a:prstGeom prst="ellipse">
             <a:avLst/>
           </a:prstGeom>
           <a:solidFill>
-            <a:srgbClr val="FF0000"/>
+            <a:schemeClr val="accent5">
+              <a:lumMod val="20000"/>
+              <a:lumOff val="80000"/>
+            </a:schemeClr>
           </a:solidFill>
+          <a:ln w="31750"/>
         </p:spPr>
         <p:style>
           <a:lnRef idx="2">
@@ -4040,20 +4740,35 @@
           </a:fontRef>
         </p:style>
         <p:txBody>
-          <a:bodyPr rtlCol="0" anchor="ctr"/>
+          <a:bodyPr lIns="0" tIns="0" rIns="0" bIns="0" rtlCol="0" anchor="ctr"/>
           <a:lstStyle/>
           <a:p>
             <a:pPr algn="ctr"/>
-            <a:endParaRPr lang="en-US"/>
-          </a:p>
-        </p:txBody>
-      </p:sp>
-      <p:sp>
-        <p:nvSpPr>
-          <p:cNvPr id="5" name="Multiplikationszeichen 4">
-            <a:extLst>
-              <a:ext uri="{FF2B5EF4-FFF2-40B4-BE49-F238E27FC236}">
-                <a16:creationId xmlns:a16="http://schemas.microsoft.com/office/drawing/2014/main" id="{AABB67CD-79EC-0A26-3568-2D7B0086D642}"/>
+            <a:r>
+              <a:rPr lang="de-DE" sz="1600" dirty="0" err="1">
+                <a:solidFill>
+                  <a:schemeClr val="tx1"/>
+                </a:solidFill>
+              </a:rPr>
+              <a:t>Coreference</a:t>
+            </a:r>
+            <a:r>
+              <a:rPr lang="de-DE" sz="1600" dirty="0">
+                <a:solidFill>
+                  <a:schemeClr val="tx1"/>
+                </a:solidFill>
+              </a:rPr>
+              <a:t> Resolution</a:t>
+            </a:r>
+          </a:p>
+        </p:txBody>
+      </p:sp>
+      <p:sp>
+        <p:nvSpPr>
+          <p:cNvPr id="4" name="Ellipse 3">
+            <a:extLst>
+              <a:ext uri="{FF2B5EF4-FFF2-40B4-BE49-F238E27FC236}">
+                <a16:creationId xmlns:a16="http://schemas.microsoft.com/office/drawing/2014/main" id="{85F8CC63-A226-D42E-C052-A3D918C96361}"/>
               </a:ext>
             </a:extLst>
           </p:cNvPr>
@@ -4062,15 +4777,23 @@
         </p:nvSpPr>
         <p:spPr>
           <a:xfrm>
-            <a:off x="6843347" y="1357001"/>
-            <a:ext cx="1806819" cy="1850781"/>
-          </a:xfrm>
-          <a:prstGeom prst="mathMultiply">
+            <a:off x="1460857" y="2978229"/>
+            <a:ext cx="1624405" cy="1065007"/>
+          </a:xfrm>
+          <a:prstGeom prst="ellipse">
             <a:avLst/>
           </a:prstGeom>
           <a:solidFill>
-            <a:srgbClr val="FF0000"/>
+            <a:schemeClr val="accent5">
+              <a:lumMod val="20000"/>
+              <a:lumOff val="80000"/>
+            </a:schemeClr>
           </a:solidFill>
+          <a:ln w="31750">
+            <a:solidFill>
+              <a:srgbClr val="7030A0"/>
+            </a:solidFill>
+          </a:ln>
         </p:spPr>
         <p:style>
           <a:lnRef idx="2">
@@ -4089,20 +4812,35 @@
           </a:fontRef>
         </p:style>
         <p:txBody>
-          <a:bodyPr rtlCol="0" anchor="ctr"/>
+          <a:bodyPr lIns="0" tIns="0" rIns="0" bIns="0" rtlCol="0" anchor="ctr"/>
           <a:lstStyle/>
           <a:p>
             <a:pPr algn="ctr"/>
-            <a:endParaRPr lang="en-US"/>
-          </a:p>
-        </p:txBody>
-      </p:sp>
-      <p:sp>
-        <p:nvSpPr>
-          <p:cNvPr id="8" name="Rechteck 7">
-            <a:extLst>
-              <a:ext uri="{FF2B5EF4-FFF2-40B4-BE49-F238E27FC236}">
-                <a16:creationId xmlns:a16="http://schemas.microsoft.com/office/drawing/2014/main" id="{09D1B4C3-87BE-79DB-CFF5-7AF54748A721}"/>
+            <a:r>
+              <a:rPr lang="de-DE" sz="1600" dirty="0" err="1">
+                <a:solidFill>
+                  <a:schemeClr val="tx1"/>
+                </a:solidFill>
+              </a:rPr>
+              <a:t>Named</a:t>
+            </a:r>
+            <a:r>
+              <a:rPr lang="de-DE" sz="1600" dirty="0">
+                <a:solidFill>
+                  <a:schemeClr val="tx1"/>
+                </a:solidFill>
+              </a:rPr>
+              <a:t> Entity Recognition</a:t>
+            </a:r>
+          </a:p>
+        </p:txBody>
+      </p:sp>
+      <p:sp>
+        <p:nvSpPr>
+          <p:cNvPr id="5" name="Ellipse 4">
+            <a:extLst>
+              <a:ext uri="{FF2B5EF4-FFF2-40B4-BE49-F238E27FC236}">
+                <a16:creationId xmlns:a16="http://schemas.microsoft.com/office/drawing/2014/main" id="{E2470672-1BFE-3593-E6CB-52B689982A2A}"/>
               </a:ext>
             </a:extLst>
           </p:cNvPr>
@@ -4111,17 +4849,22 @@
         </p:nvSpPr>
         <p:spPr>
           <a:xfrm>
-            <a:off x="4079295" y="3552092"/>
-            <a:ext cx="730097" cy="518747"/>
-          </a:xfrm>
-          <a:prstGeom prst="rect">
+            <a:off x="6989053" y="2978229"/>
+            <a:ext cx="1624405" cy="1065007"/>
+          </a:xfrm>
+          <a:prstGeom prst="ellipse">
             <a:avLst/>
           </a:prstGeom>
           <a:solidFill>
-            <a:schemeClr val="bg1"/>
+            <a:schemeClr val="accent5">
+              <a:lumMod val="20000"/>
+              <a:lumOff val="80000"/>
+            </a:schemeClr>
           </a:solidFill>
-          <a:ln>
-            <a:noFill/>
+          <a:ln w="31750">
+            <a:solidFill>
+              <a:srgbClr val="C00000"/>
+            </a:solidFill>
           </a:ln>
         </p:spPr>
         <p:style>
@@ -4141,80 +4884,230 @@
           </a:fontRef>
         </p:style>
         <p:txBody>
-          <a:bodyPr rtlCol="0" anchor="ctr"/>
+          <a:bodyPr lIns="0" tIns="0" rIns="0" bIns="0" rtlCol="0" anchor="ctr"/>
           <a:lstStyle/>
           <a:p>
             <a:pPr algn="ctr"/>
-            <a:endParaRPr lang="en-US"/>
-          </a:p>
-        </p:txBody>
-      </p:sp>
-      <p:pic>
-        <p:nvPicPr>
-          <p:cNvPr id="7" name="Grafik 6">
-            <a:extLst>
-              <a:ext uri="{FF2B5EF4-FFF2-40B4-BE49-F238E27FC236}">
-                <a16:creationId xmlns:a16="http://schemas.microsoft.com/office/drawing/2014/main" id="{B945CF0E-F9A8-83CA-59F2-04CD320208AD}"/>
-              </a:ext>
-            </a:extLst>
-          </p:cNvPr>
-          <p:cNvPicPr>
-            <a:picLocks noChangeAspect="1"/>
-          </p:cNvPicPr>
-          <p:nvPr/>
-        </p:nvPicPr>
-        <p:blipFill>
-          <a:blip r:embed="rId3"/>
-          <a:stretch>
-            <a:fillRect/>
-          </a:stretch>
-        </p:blipFill>
-        <p:spPr>
-          <a:xfrm rot="5400000">
-            <a:off x="2346000" y="3909228"/>
-            <a:ext cx="3906853" cy="468129"/>
+            <a:r>
+              <a:rPr lang="de-DE" sz="1600" dirty="0" err="1">
+                <a:solidFill>
+                  <a:schemeClr val="tx1"/>
+                </a:solidFill>
+              </a:rPr>
+              <a:t>Relationship</a:t>
+            </a:r>
+            <a:r>
+              <a:rPr lang="de-DE" sz="1600" dirty="0">
+                <a:solidFill>
+                  <a:schemeClr val="tx1"/>
+                </a:solidFill>
+              </a:rPr>
+              <a:t> </a:t>
+            </a:r>
+            <a:r>
+              <a:rPr lang="de-DE" sz="1600" dirty="0" err="1">
+                <a:solidFill>
+                  <a:schemeClr val="tx1"/>
+                </a:solidFill>
+              </a:rPr>
+              <a:t>Extraction</a:t>
+            </a:r>
+            <a:endParaRPr lang="de-DE" sz="1600" dirty="0">
+              <a:solidFill>
+                <a:schemeClr val="tx1"/>
+              </a:solidFill>
+            </a:endParaRPr>
+          </a:p>
+        </p:txBody>
+      </p:sp>
+      <p:sp>
+        <p:nvSpPr>
+          <p:cNvPr id="8" name="Textfeld 7">
+            <a:extLst>
+              <a:ext uri="{FF2B5EF4-FFF2-40B4-BE49-F238E27FC236}">
+                <a16:creationId xmlns:a16="http://schemas.microsoft.com/office/drawing/2014/main" id="{0A6D6C91-565B-5F12-9E3D-6BB07EE5FB8F}"/>
+              </a:ext>
+            </a:extLst>
+          </p:cNvPr>
+          <p:cNvSpPr txBox="1"/>
+          <p:nvPr/>
+        </p:nvSpPr>
+        <p:spPr>
+          <a:xfrm>
+            <a:off x="2044178" y="993783"/>
+            <a:ext cx="1125967" cy="1200329"/>
           </a:xfrm>
           <a:prstGeom prst="rect">
             <a:avLst/>
           </a:prstGeom>
-        </p:spPr>
-      </p:pic>
-      <p:pic>
-        <p:nvPicPr>
-          <p:cNvPr id="10" name="Grafik 9">
-            <a:extLst>
-              <a:ext uri="{FF2B5EF4-FFF2-40B4-BE49-F238E27FC236}">
-                <a16:creationId xmlns:a16="http://schemas.microsoft.com/office/drawing/2014/main" id="{12D8C6C6-FCFC-65C8-AD0E-2C12EF5279EE}"/>
-              </a:ext>
-            </a:extLst>
-          </p:cNvPr>
-          <p:cNvPicPr>
-            <a:picLocks noChangeAspect="1"/>
-          </p:cNvPicPr>
-          <p:nvPr/>
-        </p:nvPicPr>
-        <p:blipFill>
-          <a:blip r:embed="rId4"/>
-          <a:stretch>
-            <a:fillRect/>
-          </a:stretch>
-        </p:blipFill>
-        <p:spPr>
-          <a:xfrm>
-            <a:off x="1454779" y="1596250"/>
-            <a:ext cx="2670279" cy="493819"/>
-          </a:xfrm>
-          <a:prstGeom prst="rect">
-            <a:avLst/>
-          </a:prstGeom>
-        </p:spPr>
-      </p:pic>
-      <p:sp>
-        <p:nvSpPr>
-          <p:cNvPr id="13" name="Rechteck 12">
-            <a:extLst>
-              <a:ext uri="{FF2B5EF4-FFF2-40B4-BE49-F238E27FC236}">
-                <a16:creationId xmlns:a16="http://schemas.microsoft.com/office/drawing/2014/main" id="{96A874B8-BFA4-6CF8-7705-9387D9CC95D5}"/>
+          <a:noFill/>
+          <a:ln>
+            <a:solidFill>
+              <a:schemeClr val="tx1"/>
+            </a:solidFill>
+          </a:ln>
+        </p:spPr>
+        <p:txBody>
+          <a:bodyPr wrap="square" rtlCol="0">
+            <a:spAutoFit/>
+          </a:bodyPr>
+          <a:lstStyle/>
+          <a:p>
+            <a:pPr algn="ctr"/>
+            <a:r>
+              <a:rPr lang="de-DE" b="1" dirty="0"/>
+              <a:t>PDF</a:t>
+            </a:r>
+            <a:r>
+              <a:rPr lang="de-DE" dirty="0"/>
+              <a:t>: </a:t>
+            </a:r>
+            <a:r>
+              <a:rPr lang="de-DE" dirty="0" err="1">
+                <a:solidFill>
+                  <a:schemeClr val="bg1">
+                    <a:lumMod val="65000"/>
+                  </a:schemeClr>
+                </a:solidFill>
+              </a:rPr>
+              <a:t>text</a:t>
+            </a:r>
+            <a:r>
+              <a:rPr lang="de-DE" dirty="0">
+                <a:solidFill>
+                  <a:schemeClr val="bg1">
+                    <a:lumMod val="65000"/>
+                  </a:schemeClr>
+                </a:solidFill>
+              </a:rPr>
+              <a:t> </a:t>
+            </a:r>
+            <a:r>
+              <a:rPr lang="de-DE" dirty="0" err="1">
+                <a:solidFill>
+                  <a:schemeClr val="bg1">
+                    <a:lumMod val="65000"/>
+                  </a:schemeClr>
+                </a:solidFill>
+              </a:rPr>
+              <a:t>text</a:t>
+            </a:r>
+            <a:r>
+              <a:rPr lang="de-DE" dirty="0">
+                <a:solidFill>
+                  <a:schemeClr val="bg1">
+                    <a:lumMod val="65000"/>
+                  </a:schemeClr>
+                </a:solidFill>
+              </a:rPr>
+              <a:t> </a:t>
+            </a:r>
+            <a:r>
+              <a:rPr lang="de-DE" dirty="0" err="1">
+                <a:solidFill>
+                  <a:schemeClr val="bg1">
+                    <a:lumMod val="65000"/>
+                  </a:schemeClr>
+                </a:solidFill>
+              </a:rPr>
+              <a:t>text</a:t>
+            </a:r>
+            <a:r>
+              <a:rPr lang="de-DE" dirty="0">
+                <a:solidFill>
+                  <a:schemeClr val="bg1">
+                    <a:lumMod val="65000"/>
+                  </a:schemeClr>
+                </a:solidFill>
+              </a:rPr>
+              <a:t> </a:t>
+            </a:r>
+            <a:r>
+              <a:rPr lang="de-DE" dirty="0" err="1">
+                <a:solidFill>
+                  <a:schemeClr val="bg1">
+                    <a:lumMod val="65000"/>
+                  </a:schemeClr>
+                </a:solidFill>
+              </a:rPr>
+              <a:t>text</a:t>
+            </a:r>
+            <a:r>
+              <a:rPr lang="de-DE" dirty="0">
+                <a:solidFill>
+                  <a:schemeClr val="bg1">
+                    <a:lumMod val="65000"/>
+                  </a:schemeClr>
+                </a:solidFill>
+              </a:rPr>
+              <a:t> </a:t>
+            </a:r>
+            <a:r>
+              <a:rPr lang="de-DE" dirty="0" err="1">
+                <a:solidFill>
+                  <a:schemeClr val="bg1">
+                    <a:lumMod val="65000"/>
+                  </a:schemeClr>
+                </a:solidFill>
+              </a:rPr>
+              <a:t>text</a:t>
+            </a:r>
+            <a:r>
+              <a:rPr lang="de-DE" dirty="0">
+                <a:solidFill>
+                  <a:schemeClr val="bg1">
+                    <a:lumMod val="65000"/>
+                  </a:schemeClr>
+                </a:solidFill>
+              </a:rPr>
+              <a:t> </a:t>
+            </a:r>
+            <a:r>
+              <a:rPr lang="de-DE" dirty="0" err="1">
+                <a:solidFill>
+                  <a:schemeClr val="bg1">
+                    <a:lumMod val="65000"/>
+                  </a:schemeClr>
+                </a:solidFill>
+              </a:rPr>
+              <a:t>text</a:t>
+            </a:r>
+            <a:r>
+              <a:rPr lang="de-DE" dirty="0">
+                <a:solidFill>
+                  <a:schemeClr val="bg1">
+                    <a:lumMod val="65000"/>
+                  </a:schemeClr>
+                </a:solidFill>
+              </a:rPr>
+              <a:t> </a:t>
+            </a:r>
+            <a:r>
+              <a:rPr lang="de-DE" dirty="0" err="1">
+                <a:solidFill>
+                  <a:schemeClr val="bg1">
+                    <a:lumMod val="65000"/>
+                  </a:schemeClr>
+                </a:solidFill>
+              </a:rPr>
+              <a:t>text</a:t>
+            </a:r>
+            <a:endParaRPr lang="de-DE" dirty="0">
+              <a:solidFill>
+                <a:schemeClr val="bg1">
+                  <a:lumMod val="65000"/>
+                </a:schemeClr>
+              </a:solidFill>
+            </a:endParaRPr>
+          </a:p>
+        </p:txBody>
+      </p:sp>
+      <p:sp>
+        <p:nvSpPr>
+          <p:cNvPr id="9" name="Ellipse 8">
+            <a:extLst>
+              <a:ext uri="{FF2B5EF4-FFF2-40B4-BE49-F238E27FC236}">
+                <a16:creationId xmlns:a16="http://schemas.microsoft.com/office/drawing/2014/main" id="{21663860-46DE-2620-15FC-7564D163284C}"/>
               </a:ext>
             </a:extLst>
           </p:cNvPr>
@@ -4223,18 +5116,19 @@
         </p:nvSpPr>
         <p:spPr>
           <a:xfrm>
-            <a:off x="2595873" y="3417661"/>
-            <a:ext cx="730097" cy="518747"/>
-          </a:xfrm>
-          <a:prstGeom prst="rect">
+            <a:off x="7096013" y="5057853"/>
+            <a:ext cx="1624405" cy="1065007"/>
+          </a:xfrm>
+          <a:prstGeom prst="ellipse">
             <a:avLst/>
           </a:prstGeom>
           <a:solidFill>
-            <a:schemeClr val="bg1"/>
+            <a:schemeClr val="accent5">
+              <a:lumMod val="20000"/>
+              <a:lumOff val="80000"/>
+            </a:schemeClr>
           </a:solidFill>
-          <a:ln>
-            <a:noFill/>
-          </a:ln>
+          <a:ln w="31750"/>
         </p:spPr>
         <p:style>
           <a:lnRef idx="2">
@@ -4253,95 +5147,47 @@
           </a:fontRef>
         </p:style>
         <p:txBody>
-          <a:bodyPr rtlCol="0" anchor="ctr"/>
+          <a:bodyPr lIns="0" tIns="0" rIns="0" bIns="0" rtlCol="0" anchor="ctr"/>
           <a:lstStyle/>
           <a:p>
             <a:pPr algn="ctr"/>
-            <a:endParaRPr lang="en-US"/>
-          </a:p>
-        </p:txBody>
-      </p:sp>
-      <p:pic>
-        <p:nvPicPr>
-          <p:cNvPr id="12" name="Grafik 11">
-            <a:extLst>
-              <a:ext uri="{FF2B5EF4-FFF2-40B4-BE49-F238E27FC236}">
-                <a16:creationId xmlns:a16="http://schemas.microsoft.com/office/drawing/2014/main" id="{BF2FA10C-C09E-BCBA-F6EC-56C8DB8FF63B}"/>
-              </a:ext>
-            </a:extLst>
-          </p:cNvPr>
-          <p:cNvPicPr>
-            <a:picLocks noChangeAspect="1"/>
-          </p:cNvPicPr>
-          <p:nvPr/>
-        </p:nvPicPr>
-        <p:blipFill>
-          <a:blip r:embed="rId5"/>
-          <a:stretch>
-            <a:fillRect/>
-          </a:stretch>
-        </p:blipFill>
-        <p:spPr>
-          <a:xfrm rot="5400000">
-            <a:off x="1829876" y="3639120"/>
-            <a:ext cx="2377646" cy="493819"/>
+            <a:r>
+              <a:rPr lang="de-DE" sz="1600" dirty="0">
+                <a:solidFill>
+                  <a:schemeClr val="tx1"/>
+                </a:solidFill>
+              </a:rPr>
+              <a:t>Knowledge Graph</a:t>
+            </a:r>
+          </a:p>
+        </p:txBody>
+      </p:sp>
+      <p:sp>
+        <p:nvSpPr>
+          <p:cNvPr id="10" name="Textfeld 9">
+            <a:extLst>
+              <a:ext uri="{FF2B5EF4-FFF2-40B4-BE49-F238E27FC236}">
+                <a16:creationId xmlns:a16="http://schemas.microsoft.com/office/drawing/2014/main" id="{6C318C4E-ABDF-1406-7C5C-9AEB34A72814}"/>
+              </a:ext>
+            </a:extLst>
+          </p:cNvPr>
+          <p:cNvSpPr txBox="1"/>
+          <p:nvPr/>
+        </p:nvSpPr>
+        <p:spPr>
+          <a:xfrm>
+            <a:off x="4828839" y="1132282"/>
+            <a:ext cx="3079377" cy="923330"/>
           </a:xfrm>
           <a:prstGeom prst="rect">
             <a:avLst/>
           </a:prstGeom>
-        </p:spPr>
-      </p:pic>
-    </p:spTree>
-    <p:extLst>
-      <p:ext uri="{BB962C8B-B14F-4D97-AF65-F5344CB8AC3E}">
-        <p14:creationId xmlns:p14="http://schemas.microsoft.com/office/powerpoint/2010/main" val="3729833070"/>
-      </p:ext>
-    </p:extLst>
-  </p:cSld>
-  <p:clrMapOvr>
-    <a:masterClrMapping/>
-  </p:clrMapOvr>
-</p:sld>
-</file>
-
-<file path=ppt/slides/slide4.xml><?xml version="1.0" encoding="utf-8"?>
-<p:sld xmlns:a="http://schemas.openxmlformats.org/drawingml/2006/main" xmlns:r="http://schemas.openxmlformats.org/officeDocument/2006/relationships" xmlns:p="http://schemas.openxmlformats.org/presentationml/2006/main" show="0">
-  <p:cSld>
-    <p:spTree>
-      <p:nvGrpSpPr>
-        <p:cNvPr id="1" name=""/>
-        <p:cNvGrpSpPr/>
-        <p:nvPr/>
-      </p:nvGrpSpPr>
-      <p:grpSpPr>
-        <a:xfrm>
-          <a:off x="0" y="0"/>
-          <a:ext cx="0" cy="0"/>
-          <a:chOff x="0" y="0"/>
-          <a:chExt cx="0" cy="0"/>
-        </a:xfrm>
-      </p:grpSpPr>
-      <p:sp>
-        <p:nvSpPr>
-          <p:cNvPr id="26" name="Textfeld 25">
-            <a:extLst>
-              <a:ext uri="{FF2B5EF4-FFF2-40B4-BE49-F238E27FC236}">
-                <a16:creationId xmlns:a16="http://schemas.microsoft.com/office/drawing/2014/main" id="{E5229098-1146-2BBD-D75D-639ED2A05A0D}"/>
-              </a:ext>
-            </a:extLst>
-          </p:cNvPr>
-          <p:cNvSpPr txBox="1"/>
-          <p:nvPr/>
-        </p:nvSpPr>
-        <p:spPr>
-          <a:xfrm>
-            <a:off x="190156" y="88968"/>
-            <a:ext cx="9352657" cy="523220"/>
-          </a:xfrm>
-          <a:prstGeom prst="rect">
-            <a:avLst/>
-          </a:prstGeom>
           <a:noFill/>
+          <a:ln>
+            <a:solidFill>
+              <a:schemeClr val="tx1"/>
+            </a:solidFill>
+          </a:ln>
         </p:spPr>
         <p:txBody>
           <a:bodyPr wrap="square" rtlCol="0">
@@ -4351,347 +5197,189 @@
           <a:p>
             <a:pPr algn="ctr"/>
             <a:r>
-              <a:rPr lang="en-US" sz="2800" b="1" dirty="0" err="1"/>
-              <a:t>UASFRA</a:t>
-            </a:r>
-            <a:r>
-              <a:rPr lang="en-US" sz="2800" b="1" dirty="0"/>
-              <a:t>-MS-</a:t>
-            </a:r>
-            <a:r>
-              <a:rPr lang="en-US" sz="2800" b="1" dirty="0" err="1"/>
-              <a:t>PROJDIGI</a:t>
-            </a:r>
-            <a:r>
-              <a:rPr lang="en-US" sz="2800" b="1" dirty="0"/>
-              <a:t>: Group 4: The plan ahead</a:t>
-            </a:r>
-          </a:p>
-        </p:txBody>
-      </p:sp>
-      <p:pic>
-        <p:nvPicPr>
-          <p:cNvPr id="1026" name="Picture 2" descr="Example sequence diagram of KG creation could look like">
-            <a:extLst>
-              <a:ext uri="{FF2B5EF4-FFF2-40B4-BE49-F238E27FC236}">
-                <a16:creationId xmlns:a16="http://schemas.microsoft.com/office/drawing/2014/main" id="{D4E0178C-1400-E4B5-BA5A-4C68D8F32924}"/>
-              </a:ext>
-            </a:extLst>
-          </p:cNvPr>
-          <p:cNvPicPr>
-            <a:picLocks noChangeAspect="1" noChangeArrowheads="1"/>
-          </p:cNvPicPr>
-          <p:nvPr/>
-        </p:nvPicPr>
-        <p:blipFill>
-          <a:blip r:embed="rId2">
-            <a:extLst>
-              <a:ext uri="{28A0092B-C50C-407E-A947-70E740481C1C}">
-                <a14:useLocalDpi xmlns:a14="http://schemas.microsoft.com/office/drawing/2010/main" val="0"/>
-              </a:ext>
-            </a:extLst>
-          </a:blip>
-          <a:srcRect/>
-          <a:stretch>
-            <a:fillRect/>
-          </a:stretch>
-        </p:blipFill>
-        <p:spPr bwMode="auto">
-          <a:xfrm>
-            <a:off x="646232" y="867932"/>
-            <a:ext cx="8827669" cy="5409776"/>
-          </a:xfrm>
-          <a:prstGeom prst="rect">
-            <a:avLst/>
-          </a:prstGeom>
-          <a:noFill/>
-          <a:extLst>
-            <a:ext uri="{909E8E84-426E-40DD-AFC4-6F175D3DCCD1}">
-              <a14:hiddenFill xmlns:a14="http://schemas.microsoft.com/office/drawing/2010/main">
+              <a:rPr lang="de-DE" b="1" u="sng" dirty="0" err="1"/>
+              <a:t>Sentences</a:t>
+            </a:r>
+            <a:r>
+              <a:rPr lang="de-DE" b="1" dirty="0"/>
+              <a:t> </a:t>
+            </a:r>
+            <a:r>
+              <a:rPr lang="de-DE" b="1" dirty="0" err="1"/>
+              <a:t>with</a:t>
+            </a:r>
+            <a:r>
+              <a:rPr lang="de-DE" b="1" dirty="0"/>
+              <a:t> relevant </a:t>
+            </a:r>
+            <a:r>
+              <a:rPr lang="de-DE" b="1" dirty="0" err="1"/>
+              <a:t>information</a:t>
+            </a:r>
+            <a:r>
+              <a:rPr lang="de-DE" b="1" dirty="0"/>
+              <a:t>:</a:t>
+            </a:r>
+          </a:p>
+          <a:p>
+            <a:pPr algn="ctr"/>
+            <a:r>
+              <a:rPr lang="de-DE" dirty="0">
                 <a:solidFill>
-                  <a:srgbClr val="FFFFFF"/>
+                  <a:schemeClr val="bg1">
+                    <a:lumMod val="65000"/>
+                  </a:schemeClr>
                 </a:solidFill>
-              </a14:hiddenFill>
-            </a:ext>
-          </a:extLst>
-        </p:spPr>
-      </p:pic>
-      <p:pic>
-        <p:nvPicPr>
-          <p:cNvPr id="2" name="Grafik 1" descr="Ein Bild, das Text, Screenshot, Software, Schrift enthält.&#10;&#10;Automatisch generierte Beschreibung">
-            <a:extLst>
-              <a:ext uri="{FF2B5EF4-FFF2-40B4-BE49-F238E27FC236}">
-                <a16:creationId xmlns:a16="http://schemas.microsoft.com/office/drawing/2014/main" id="{B6AAF69F-9EF3-5CB7-83BC-D62A45F40C29}"/>
-              </a:ext>
-            </a:extLst>
-          </p:cNvPr>
-          <p:cNvPicPr>
-            <a:picLocks noChangeAspect="1"/>
-          </p:cNvPicPr>
-          <p:nvPr/>
-        </p:nvPicPr>
-        <p:blipFill rotWithShape="1">
-          <a:blip r:embed="rId3"/>
-          <a:srcRect l="786" t="10338" r="93157" b="85125"/>
-          <a:stretch/>
-        </p:blipFill>
-        <p:spPr bwMode="auto">
-          <a:xfrm>
-            <a:off x="5860073" y="1646242"/>
-            <a:ext cx="1323244" cy="531584"/>
-          </a:xfrm>
-          <a:prstGeom prst="rect">
-            <a:avLst/>
-          </a:prstGeom>
-          <a:ln>
-            <a:noFill/>
-          </a:ln>
-          <a:extLst>
-            <a:ext uri="{53640926-AAD7-44D8-BBD7-CCE9431645EC}">
-              <a14:shadowObscured xmlns:a14="http://schemas.microsoft.com/office/drawing/2010/main"/>
-            </a:ext>
-          </a:extLst>
-        </p:spPr>
-      </p:pic>
-    </p:spTree>
-    <p:extLst>
-      <p:ext uri="{BB962C8B-B14F-4D97-AF65-F5344CB8AC3E}">
-        <p14:creationId xmlns:p14="http://schemas.microsoft.com/office/powerpoint/2010/main" val="1359376255"/>
-      </p:ext>
-    </p:extLst>
-  </p:cSld>
-  <p:clrMapOvr>
-    <a:masterClrMapping/>
-  </p:clrMapOvr>
-</p:sld>
-</file>
-
-<file path=ppt/slides/slide5.xml><?xml version="1.0" encoding="utf-8"?>
-<p:sld xmlns:a="http://schemas.openxmlformats.org/drawingml/2006/main" xmlns:r="http://schemas.openxmlformats.org/officeDocument/2006/relationships" xmlns:p="http://schemas.openxmlformats.org/presentationml/2006/main" show="0">
-  <p:cSld>
-    <p:spTree>
-      <p:nvGrpSpPr>
-        <p:cNvPr id="1" name=""/>
-        <p:cNvGrpSpPr/>
-        <p:nvPr/>
-      </p:nvGrpSpPr>
-      <p:grpSpPr>
-        <a:xfrm>
-          <a:off x="0" y="0"/>
-          <a:ext cx="0" cy="0"/>
-          <a:chOff x="0" y="0"/>
-          <a:chExt cx="0" cy="0"/>
-        </a:xfrm>
-      </p:grpSpPr>
-      <p:sp>
-        <p:nvSpPr>
-          <p:cNvPr id="26" name="Textfeld 25">
-            <a:extLst>
-              <a:ext uri="{FF2B5EF4-FFF2-40B4-BE49-F238E27FC236}">
-                <a16:creationId xmlns:a16="http://schemas.microsoft.com/office/drawing/2014/main" id="{E5229098-1146-2BBD-D75D-639ED2A05A0D}"/>
-              </a:ext>
-            </a:extLst>
-          </p:cNvPr>
-          <p:cNvSpPr txBox="1"/>
-          <p:nvPr/>
-        </p:nvSpPr>
-        <p:spPr>
-          <a:xfrm>
-            <a:off x="190156" y="88968"/>
-            <a:ext cx="9352657" cy="523220"/>
-          </a:xfrm>
-          <a:prstGeom prst="rect">
-            <a:avLst/>
-          </a:prstGeom>
-          <a:noFill/>
-        </p:spPr>
-        <p:txBody>
-          <a:bodyPr wrap="square" rtlCol="0">
-            <a:spAutoFit/>
-          </a:bodyPr>
-          <a:lstStyle/>
-          <a:p>
-            <a:pPr algn="ctr"/>
-            <a:r>
-              <a:rPr lang="en-US" sz="2800" b="1" dirty="0" err="1"/>
-              <a:t>ESRS</a:t>
-            </a:r>
-            <a:r>
-              <a:rPr lang="en-US" sz="2800" b="1" dirty="0"/>
-              <a:t> (Draft) Required Data to be </a:t>
-            </a:r>
-            <a:r>
-              <a:rPr lang="en-US" sz="2800" b="1" dirty="0" err="1"/>
-              <a:t>reorted</a:t>
-            </a:r>
-            <a:endParaRPr lang="en-US" sz="2800" b="1" dirty="0"/>
-          </a:p>
-        </p:txBody>
-      </p:sp>
-      <p:pic>
-        <p:nvPicPr>
-          <p:cNvPr id="2" name="Grafik 1">
-            <a:extLst>
-              <a:ext uri="{FF2B5EF4-FFF2-40B4-BE49-F238E27FC236}">
-                <a16:creationId xmlns:a16="http://schemas.microsoft.com/office/drawing/2014/main" id="{AEA1C299-7E18-EA2A-C45B-452DEDB74645}"/>
-              </a:ext>
-            </a:extLst>
-          </p:cNvPr>
-          <p:cNvPicPr>
-            <a:picLocks noChangeAspect="1"/>
-          </p:cNvPicPr>
-          <p:nvPr/>
-        </p:nvPicPr>
-        <p:blipFill>
-          <a:blip r:embed="rId2"/>
-          <a:stretch>
-            <a:fillRect/>
-          </a:stretch>
-        </p:blipFill>
-        <p:spPr>
-          <a:xfrm>
-            <a:off x="296740" y="4215249"/>
-            <a:ext cx="6930538" cy="1542191"/>
-          </a:xfrm>
-          <a:prstGeom prst="rect">
-            <a:avLst/>
-          </a:prstGeom>
-        </p:spPr>
-      </p:pic>
-      <p:sp>
-        <p:nvSpPr>
-          <p:cNvPr id="3" name="Textfeld 2">
-            <a:extLst>
-              <a:ext uri="{FF2B5EF4-FFF2-40B4-BE49-F238E27FC236}">
-                <a16:creationId xmlns:a16="http://schemas.microsoft.com/office/drawing/2014/main" id="{7DA38F7F-4D8A-9E1E-FDB0-479EC62B3C48}"/>
-              </a:ext>
-            </a:extLst>
-          </p:cNvPr>
-          <p:cNvSpPr txBox="1"/>
-          <p:nvPr/>
-        </p:nvSpPr>
-        <p:spPr>
-          <a:xfrm>
-            <a:off x="190156" y="3899362"/>
-            <a:ext cx="1244111" cy="369332"/>
-          </a:xfrm>
-          <a:prstGeom prst="rect">
-            <a:avLst/>
-          </a:prstGeom>
-          <a:noFill/>
-        </p:spPr>
-        <p:txBody>
-          <a:bodyPr wrap="square" rtlCol="0">
-            <a:spAutoFit/>
-          </a:bodyPr>
-          <a:lstStyle/>
-          <a:p>
-            <a:r>
-              <a:rPr lang="en-US" dirty="0"/>
-              <a:t>Extract:</a:t>
-            </a:r>
-          </a:p>
-        </p:txBody>
-      </p:sp>
-      <p:pic>
-        <p:nvPicPr>
-          <p:cNvPr id="5" name="Grafik 4">
-            <a:extLst>
-              <a:ext uri="{FF2B5EF4-FFF2-40B4-BE49-F238E27FC236}">
-                <a16:creationId xmlns:a16="http://schemas.microsoft.com/office/drawing/2014/main" id="{A36D157F-6F9A-DAD9-7B4B-E7AF7B77E302}"/>
-              </a:ext>
-            </a:extLst>
-          </p:cNvPr>
-          <p:cNvPicPr>
-            <a:picLocks noChangeAspect="1"/>
-          </p:cNvPicPr>
-          <p:nvPr/>
-        </p:nvPicPr>
-        <p:blipFill>
-          <a:blip r:embed="rId3"/>
-          <a:stretch>
-            <a:fillRect/>
-          </a:stretch>
-        </p:blipFill>
-        <p:spPr>
-          <a:xfrm>
-            <a:off x="2771775" y="1392410"/>
-            <a:ext cx="4362450" cy="2202180"/>
-          </a:xfrm>
-          <a:prstGeom prst="rect">
-            <a:avLst/>
-          </a:prstGeom>
-        </p:spPr>
-      </p:pic>
-      <p:sp>
-        <p:nvSpPr>
-          <p:cNvPr id="6" name="Textfeld 5">
-            <a:extLst>
-              <a:ext uri="{FF2B5EF4-FFF2-40B4-BE49-F238E27FC236}">
-                <a16:creationId xmlns:a16="http://schemas.microsoft.com/office/drawing/2014/main" id="{DCB9DCF1-C29C-D79D-4A80-82276BC00267}"/>
-              </a:ext>
-            </a:extLst>
-          </p:cNvPr>
-          <p:cNvSpPr txBox="1"/>
-          <p:nvPr/>
-        </p:nvSpPr>
-        <p:spPr>
-          <a:xfrm>
-            <a:off x="8159994" y="4374812"/>
-            <a:ext cx="1445602" cy="369332"/>
-          </a:xfrm>
-          <a:prstGeom prst="rect">
-            <a:avLst/>
-          </a:prstGeom>
-          <a:solidFill>
-            <a:schemeClr val="accent5">
-              <a:lumMod val="40000"/>
-              <a:lumOff val="60000"/>
-            </a:schemeClr>
-          </a:solidFill>
-        </p:spPr>
-        <p:txBody>
-          <a:bodyPr wrap="square" rtlCol="0">
-            <a:spAutoFit/>
-          </a:bodyPr>
-          <a:lstStyle/>
-          <a:p>
-            <a:pPr algn="ctr"/>
-            <a:r>
-              <a:rPr lang="en-US" dirty="0"/>
-              <a:t>Quantitative</a:t>
-            </a:r>
+              </a:rPr>
+              <a:t>Text </a:t>
+            </a:r>
+            <a:r>
+              <a:rPr lang="de-DE" dirty="0" err="1">
+                <a:solidFill>
+                  <a:schemeClr val="bg1">
+                    <a:lumMod val="65000"/>
+                  </a:schemeClr>
+                </a:solidFill>
+              </a:rPr>
+              <a:t>text</a:t>
+            </a:r>
+            <a:r>
+              <a:rPr lang="de-DE" dirty="0">
+                <a:solidFill>
+                  <a:schemeClr val="bg1">
+                    <a:lumMod val="65000"/>
+                  </a:schemeClr>
+                </a:solidFill>
+              </a:rPr>
+              <a:t> </a:t>
+            </a:r>
+            <a:r>
+              <a:rPr lang="de-DE" dirty="0" err="1">
+                <a:solidFill>
+                  <a:schemeClr val="bg1">
+                    <a:lumMod val="65000"/>
+                  </a:schemeClr>
+                </a:solidFill>
+              </a:rPr>
+              <a:t>text</a:t>
+            </a:r>
+            <a:r>
+              <a:rPr lang="de-DE" dirty="0">
+                <a:solidFill>
+                  <a:schemeClr val="bg1">
+                    <a:lumMod val="65000"/>
+                  </a:schemeClr>
+                </a:solidFill>
+              </a:rPr>
+              <a:t> </a:t>
+            </a:r>
+            <a:r>
+              <a:rPr lang="de-DE" dirty="0" err="1">
+                <a:solidFill>
+                  <a:schemeClr val="bg1">
+                    <a:lumMod val="65000"/>
+                  </a:schemeClr>
+                </a:solidFill>
+              </a:rPr>
+              <a:t>text</a:t>
+            </a:r>
+            <a:r>
+              <a:rPr lang="de-DE" dirty="0">
+                <a:solidFill>
+                  <a:schemeClr val="bg1">
+                    <a:lumMod val="65000"/>
+                  </a:schemeClr>
+                </a:solidFill>
+              </a:rPr>
+              <a:t> </a:t>
+            </a:r>
+            <a:r>
+              <a:rPr lang="de-DE" dirty="0" err="1">
+                <a:solidFill>
+                  <a:schemeClr val="bg1">
+                    <a:lumMod val="65000"/>
+                  </a:schemeClr>
+                </a:solidFill>
+              </a:rPr>
+              <a:t>text</a:t>
+            </a:r>
+            <a:r>
+              <a:rPr lang="de-DE" dirty="0">
+                <a:solidFill>
+                  <a:schemeClr val="bg1">
+                    <a:lumMod val="65000"/>
+                  </a:schemeClr>
+                </a:solidFill>
+              </a:rPr>
+              <a:t> </a:t>
+            </a:r>
+            <a:r>
+              <a:rPr lang="de-DE" dirty="0" err="1">
+                <a:solidFill>
+                  <a:schemeClr val="bg1">
+                    <a:lumMod val="65000"/>
+                  </a:schemeClr>
+                </a:solidFill>
+              </a:rPr>
+              <a:t>text</a:t>
+            </a:r>
+            <a:r>
+              <a:rPr lang="de-DE" dirty="0">
+                <a:solidFill>
+                  <a:schemeClr val="bg1">
+                    <a:lumMod val="65000"/>
+                  </a:schemeClr>
+                </a:solidFill>
+              </a:rPr>
+              <a:t> </a:t>
+            </a:r>
+            <a:r>
+              <a:rPr lang="de-DE" dirty="0" err="1">
+                <a:solidFill>
+                  <a:schemeClr val="bg1">
+                    <a:lumMod val="65000"/>
+                  </a:schemeClr>
+                </a:solidFill>
+              </a:rPr>
+              <a:t>text</a:t>
+            </a:r>
+            <a:endParaRPr lang="de-DE" dirty="0">
+              <a:solidFill>
+                <a:schemeClr val="bg1">
+                  <a:lumMod val="65000"/>
+                </a:schemeClr>
+              </a:solidFill>
+            </a:endParaRPr>
           </a:p>
         </p:txBody>
       </p:sp>
       <p:cxnSp>
         <p:nvCxnSpPr>
-          <p:cNvPr id="9" name="Gerade Verbindung mit Pfeil 8">
-            <a:extLst>
-              <a:ext uri="{FF2B5EF4-FFF2-40B4-BE49-F238E27FC236}">
-                <a16:creationId xmlns:a16="http://schemas.microsoft.com/office/drawing/2014/main" id="{544F1DDF-CF8D-B57C-9125-CEFD6B865F9E}"/>
+          <p:cNvPr id="12" name="Gerade Verbindung mit Pfeil 11">
+            <a:extLst>
+              <a:ext uri="{FF2B5EF4-FFF2-40B4-BE49-F238E27FC236}">
+                <a16:creationId xmlns:a16="http://schemas.microsoft.com/office/drawing/2014/main" id="{BA1F6FB4-F392-F16A-BCC8-348EC137A6D8}"/>
               </a:ext>
             </a:extLst>
           </p:cNvPr>
           <p:cNvCxnSpPr>
-            <a:cxnSpLocks/>
-            <a:endCxn id="6" idx="1"/>
+            <a:stCxn id="8" idx="3"/>
+            <a:endCxn id="10" idx="1"/>
           </p:cNvCxnSpPr>
           <p:nvPr/>
         </p:nvCxnSpPr>
         <p:spPr>
-          <a:xfrm>
-            <a:off x="7225630" y="4374812"/>
-            <a:ext cx="934364" cy="184666"/>
+          <a:xfrm flipV="1">
+            <a:off x="3170145" y="1593947"/>
+            <a:ext cx="1658694" cy="1"/>
           </a:xfrm>
           <a:prstGeom prst="straightConnector1">
             <a:avLst/>
           </a:prstGeom>
-          <a:ln w="22225">
+          <a:ln w="63500">
             <a:solidFill>
-              <a:schemeClr val="accent5">
-                <a:lumMod val="40000"/>
-                <a:lumOff val="60000"/>
+              <a:schemeClr val="accent6">
+                <a:lumMod val="75000"/>
               </a:schemeClr>
             </a:solidFill>
             <a:tailEnd type="triangle"/>
@@ -4714,33 +5402,35 @@
       </p:cxnSp>
       <p:cxnSp>
         <p:nvCxnSpPr>
-          <p:cNvPr id="11" name="Gerade Verbindung mit Pfeil 10">
-            <a:extLst>
-              <a:ext uri="{FF2B5EF4-FFF2-40B4-BE49-F238E27FC236}">
-                <a16:creationId xmlns:a16="http://schemas.microsoft.com/office/drawing/2014/main" id="{06619D27-278D-4F87-2AC5-DA99A6AB83EC}"/>
+          <p:cNvPr id="14" name="Verbinder: gekrümmt 13">
+            <a:extLst>
+              <a:ext uri="{FF2B5EF4-FFF2-40B4-BE49-F238E27FC236}">
+                <a16:creationId xmlns:a16="http://schemas.microsoft.com/office/drawing/2014/main" id="{F0613EC9-3BC2-07E2-26DD-610BDFA0ED23}"/>
               </a:ext>
             </a:extLst>
           </p:cNvPr>
           <p:cNvCxnSpPr>
-            <a:cxnSpLocks/>
-            <a:stCxn id="2" idx="3"/>
-            <a:endCxn id="6" idx="1"/>
+            <a:stCxn id="10" idx="3"/>
+            <a:endCxn id="4" idx="2"/>
           </p:cNvCxnSpPr>
           <p:nvPr/>
         </p:nvCxnSpPr>
         <p:spPr>
-          <a:xfrm flipV="1">
-            <a:off x="7227278" y="4559478"/>
-            <a:ext cx="932716" cy="426867"/>
-          </a:xfrm>
-          <a:prstGeom prst="straightConnector1">
-            <a:avLst/>
-          </a:prstGeom>
-          <a:ln w="22225">
+          <a:xfrm flipH="1">
+            <a:off x="1460857" y="1593947"/>
+            <a:ext cx="6447359" cy="1916786"/>
+          </a:xfrm>
+          <a:prstGeom prst="curvedConnector5">
+            <a:avLst>
+              <a:gd name="adj1" fmla="val -17228"/>
+              <a:gd name="adj2" fmla="val 48152"/>
+              <a:gd name="adj3" fmla="val 110387"/>
+            </a:avLst>
+          </a:prstGeom>
+          <a:ln w="63500">
             <a:solidFill>
-              <a:schemeClr val="accent5">
-                <a:lumMod val="40000"/>
-                <a:lumOff val="60000"/>
+              <a:schemeClr val="accent6">
+                <a:lumMod val="75000"/>
               </a:schemeClr>
             </a:solidFill>
             <a:tailEnd type="triangle"/>
@@ -4763,162 +5453,33 @@
       </p:cxnSp>
       <p:cxnSp>
         <p:nvCxnSpPr>
-          <p:cNvPr id="13" name="Gerade Verbindung mit Pfeil 12">
-            <a:extLst>
-              <a:ext uri="{FF2B5EF4-FFF2-40B4-BE49-F238E27FC236}">
-                <a16:creationId xmlns:a16="http://schemas.microsoft.com/office/drawing/2014/main" id="{94FE12D5-FB37-AF35-E352-866AC3494B69}"/>
+          <p:cNvPr id="17" name="Gerade Verbindung mit Pfeil 16">
+            <a:extLst>
+              <a:ext uri="{FF2B5EF4-FFF2-40B4-BE49-F238E27FC236}">
+                <a16:creationId xmlns:a16="http://schemas.microsoft.com/office/drawing/2014/main" id="{5E8FFFB2-47F8-5A36-1F04-6CA48DB4FD8C}"/>
               </a:ext>
             </a:extLst>
           </p:cNvPr>
           <p:cNvCxnSpPr>
             <a:cxnSpLocks/>
-            <a:endCxn id="6" idx="1"/>
+            <a:stCxn id="4" idx="6"/>
+            <a:endCxn id="3" idx="2"/>
           </p:cNvCxnSpPr>
           <p:nvPr/>
         </p:nvCxnSpPr>
         <p:spPr>
-          <a:xfrm flipV="1">
-            <a:off x="7202000" y="4559478"/>
-            <a:ext cx="957994" cy="1151901"/>
+          <a:xfrm>
+            <a:off x="3085262" y="3510733"/>
+            <a:ext cx="1139693" cy="0"/>
           </a:xfrm>
           <a:prstGeom prst="straightConnector1">
             <a:avLst/>
           </a:prstGeom>
-          <a:ln w="22225">
+          <a:ln w="63500">
             <a:solidFill>
-              <a:schemeClr val="accent5">
-                <a:lumMod val="40000"/>
-                <a:lumOff val="60000"/>
+              <a:schemeClr val="accent6">
+                <a:lumMod val="75000"/>
               </a:schemeClr>
-            </a:solidFill>
-            <a:tailEnd type="triangle"/>
-          </a:ln>
-        </p:spPr>
-        <p:style>
-          <a:lnRef idx="1">
-            <a:schemeClr val="accent1"/>
-          </a:lnRef>
-          <a:fillRef idx="0">
-            <a:schemeClr val="accent1"/>
-          </a:fillRef>
-          <a:effectRef idx="0">
-            <a:schemeClr val="accent1"/>
-          </a:effectRef>
-          <a:fontRef idx="minor">
-            <a:schemeClr val="tx1"/>
-          </a:fontRef>
-        </p:style>
-      </p:cxnSp>
-      <p:sp>
-        <p:nvSpPr>
-          <p:cNvPr id="31" name="Textfeld 30">
-            <a:extLst>
-              <a:ext uri="{FF2B5EF4-FFF2-40B4-BE49-F238E27FC236}">
-                <a16:creationId xmlns:a16="http://schemas.microsoft.com/office/drawing/2014/main" id="{8B83690C-5E1B-C90B-C771-AF74EDA59F45}"/>
-              </a:ext>
-            </a:extLst>
-          </p:cNvPr>
-          <p:cNvSpPr txBox="1"/>
-          <p:nvPr/>
-        </p:nvSpPr>
-        <p:spPr>
-          <a:xfrm>
-            <a:off x="8156698" y="4875365"/>
-            <a:ext cx="1503485" cy="369332"/>
-          </a:xfrm>
-          <a:prstGeom prst="rect">
-            <a:avLst/>
-          </a:prstGeom>
-          <a:solidFill>
-            <a:srgbClr val="FFFF00"/>
-          </a:solidFill>
-        </p:spPr>
-        <p:txBody>
-          <a:bodyPr wrap="square" rtlCol="0">
-            <a:spAutoFit/>
-          </a:bodyPr>
-          <a:lstStyle/>
-          <a:p>
-            <a:pPr algn="ctr"/>
-            <a:r>
-              <a:rPr lang="en-US" dirty="0"/>
-              <a:t>Text/Number</a:t>
-            </a:r>
-          </a:p>
-        </p:txBody>
-      </p:sp>
-      <p:sp>
-        <p:nvSpPr>
-          <p:cNvPr id="32" name="Textfeld 31">
-            <a:extLst>
-              <a:ext uri="{FF2B5EF4-FFF2-40B4-BE49-F238E27FC236}">
-                <a16:creationId xmlns:a16="http://schemas.microsoft.com/office/drawing/2014/main" id="{00CA3B79-87FF-EFC9-37E0-700D99E96A06}"/>
-              </a:ext>
-            </a:extLst>
-          </p:cNvPr>
-          <p:cNvSpPr txBox="1"/>
-          <p:nvPr/>
-        </p:nvSpPr>
-        <p:spPr>
-          <a:xfrm>
-            <a:off x="8159994" y="5415733"/>
-            <a:ext cx="1503485" cy="369332"/>
-          </a:xfrm>
-          <a:prstGeom prst="rect">
-            <a:avLst/>
-          </a:prstGeom>
-          <a:solidFill>
-            <a:schemeClr val="bg1"/>
-          </a:solidFill>
-          <a:ln>
-            <a:solidFill>
-              <a:schemeClr val="accent5">
-                <a:lumMod val="40000"/>
-                <a:lumOff val="60000"/>
-              </a:schemeClr>
-            </a:solidFill>
-          </a:ln>
-        </p:spPr>
-        <p:txBody>
-          <a:bodyPr wrap="square" rtlCol="0">
-            <a:spAutoFit/>
-          </a:bodyPr>
-          <a:lstStyle/>
-          <a:p>
-            <a:pPr algn="ctr"/>
-            <a:r>
-              <a:rPr lang="en-US" dirty="0"/>
-              <a:t>Text</a:t>
-            </a:r>
-          </a:p>
-        </p:txBody>
-      </p:sp>
-      <p:cxnSp>
-        <p:nvCxnSpPr>
-          <p:cNvPr id="33" name="Gerade Verbindung mit Pfeil 32">
-            <a:extLst>
-              <a:ext uri="{FF2B5EF4-FFF2-40B4-BE49-F238E27FC236}">
-                <a16:creationId xmlns:a16="http://schemas.microsoft.com/office/drawing/2014/main" id="{E55B0221-A1FA-DF7B-F3ED-0BA4DF965D3A}"/>
-              </a:ext>
-            </a:extLst>
-          </p:cNvPr>
-          <p:cNvCxnSpPr>
-            <a:cxnSpLocks/>
-            <a:endCxn id="31" idx="1"/>
-          </p:cNvCxnSpPr>
-          <p:nvPr/>
-        </p:nvCxnSpPr>
-        <p:spPr>
-          <a:xfrm flipV="1">
-            <a:off x="7224806" y="5060031"/>
-            <a:ext cx="931892" cy="150795"/>
-          </a:xfrm>
-          <a:prstGeom prst="straightConnector1">
-            <a:avLst/>
-          </a:prstGeom>
-          <a:ln w="22225">
-            <a:solidFill>
-              <a:srgbClr val="FFC000"/>
             </a:solidFill>
             <a:tailEnd type="triangle"/>
           </a:ln>
@@ -4940,29 +5501,33 @@
       </p:cxnSp>
       <p:cxnSp>
         <p:nvCxnSpPr>
-          <p:cNvPr id="36" name="Gerade Verbindung mit Pfeil 35">
-            <a:extLst>
-              <a:ext uri="{FF2B5EF4-FFF2-40B4-BE49-F238E27FC236}">
-                <a16:creationId xmlns:a16="http://schemas.microsoft.com/office/drawing/2014/main" id="{35F8307A-1A59-E540-F679-76C99C3DE4F7}"/>
+          <p:cNvPr id="24" name="Gerade Verbindung mit Pfeil 23">
+            <a:extLst>
+              <a:ext uri="{FF2B5EF4-FFF2-40B4-BE49-F238E27FC236}">
+                <a16:creationId xmlns:a16="http://schemas.microsoft.com/office/drawing/2014/main" id="{6075F53F-AE0E-87A7-2298-9E4A3AF3C5BC}"/>
               </a:ext>
             </a:extLst>
           </p:cNvPr>
           <p:cNvCxnSpPr>
             <a:cxnSpLocks/>
+            <a:stCxn id="3" idx="6"/>
+            <a:endCxn id="5" idx="2"/>
           </p:cNvCxnSpPr>
           <p:nvPr/>
         </p:nvCxnSpPr>
         <p:spPr>
-          <a:xfrm flipV="1">
-            <a:off x="7202000" y="5110155"/>
-            <a:ext cx="951402" cy="342872"/>
+          <a:xfrm>
+            <a:off x="5849360" y="3510733"/>
+            <a:ext cx="1139693" cy="0"/>
           </a:xfrm>
           <a:prstGeom prst="straightConnector1">
             <a:avLst/>
           </a:prstGeom>
-          <a:ln w="22225">
+          <a:ln w="63500">
             <a:solidFill>
-              <a:srgbClr val="FFC000"/>
+              <a:schemeClr val="accent6">
+                <a:lumMod val="75000"/>
+              </a:schemeClr>
             </a:solidFill>
             <a:tailEnd type="triangle"/>
           </a:ln>
@@ -4984,30 +5549,37 @@
       </p:cxnSp>
       <p:cxnSp>
         <p:nvCxnSpPr>
-          <p:cNvPr id="45" name="Gerade Verbindung mit Pfeil 44">
-            <a:extLst>
-              <a:ext uri="{FF2B5EF4-FFF2-40B4-BE49-F238E27FC236}">
-                <a16:creationId xmlns:a16="http://schemas.microsoft.com/office/drawing/2014/main" id="{E9AE31A7-3619-C3E3-65DD-29D0998570A2}"/>
+          <p:cNvPr id="28" name="Verbinder: gekrümmt 27">
+            <a:extLst>
+              <a:ext uri="{FF2B5EF4-FFF2-40B4-BE49-F238E27FC236}">
+                <a16:creationId xmlns:a16="http://schemas.microsoft.com/office/drawing/2014/main" id="{64DEAD9D-E2E5-D75C-80B6-EA25DB5850CA}"/>
               </a:ext>
             </a:extLst>
           </p:cNvPr>
           <p:cNvCxnSpPr>
             <a:cxnSpLocks/>
-            <a:endCxn id="32" idx="1"/>
+            <a:stCxn id="5" idx="6"/>
+            <a:endCxn id="42" idx="1"/>
           </p:cNvCxnSpPr>
           <p:nvPr/>
         </p:nvCxnSpPr>
         <p:spPr>
-          <a:xfrm>
-            <a:off x="7195408" y="5555055"/>
-            <a:ext cx="964586" cy="45344"/>
-          </a:xfrm>
-          <a:prstGeom prst="straightConnector1">
-            <a:avLst/>
-          </a:prstGeom>
-          <a:ln w="22225">
+          <a:xfrm flipH="1">
+            <a:off x="1301675" y="3510733"/>
+            <a:ext cx="7311783" cy="1996845"/>
+          </a:xfrm>
+          <a:prstGeom prst="curvedConnector5">
+            <a:avLst>
+              <a:gd name="adj1" fmla="val -10630"/>
+              <a:gd name="adj2" fmla="val 39113"/>
+              <a:gd name="adj3" fmla="val 111659"/>
+            </a:avLst>
+          </a:prstGeom>
+          <a:ln w="63500">
             <a:solidFill>
-              <a:schemeClr val="tx1"/>
+              <a:schemeClr val="accent6">
+                <a:lumMod val="75000"/>
+              </a:schemeClr>
             </a:solidFill>
             <a:tailEnd type="triangle"/>
           </a:ln>
@@ -5027,32 +5599,469 @@
           </a:fontRef>
         </p:style>
       </p:cxnSp>
+      <p:sp>
+        <p:nvSpPr>
+          <p:cNvPr id="33" name="Textfeld 32">
+            <a:extLst>
+              <a:ext uri="{FF2B5EF4-FFF2-40B4-BE49-F238E27FC236}">
+                <a16:creationId xmlns:a16="http://schemas.microsoft.com/office/drawing/2014/main" id="{B109E8A1-0078-B27C-2709-6E0CB1297877}"/>
+              </a:ext>
+            </a:extLst>
+          </p:cNvPr>
+          <p:cNvSpPr txBox="1"/>
+          <p:nvPr/>
+        </p:nvSpPr>
+        <p:spPr>
+          <a:xfrm>
+            <a:off x="3604738" y="1224614"/>
+            <a:ext cx="882127" cy="369332"/>
+          </a:xfrm>
+          <a:prstGeom prst="rect">
+            <a:avLst/>
+          </a:prstGeom>
+          <a:noFill/>
+        </p:spPr>
+        <p:txBody>
+          <a:bodyPr wrap="square" rtlCol="0">
+            <a:spAutoFit/>
+          </a:bodyPr>
+          <a:lstStyle/>
+          <a:p>
+            <a:r>
+              <a:rPr lang="de-DE" dirty="0" err="1">
+                <a:solidFill>
+                  <a:schemeClr val="accent6">
+                    <a:lumMod val="50000"/>
+                  </a:schemeClr>
+                </a:solidFill>
+              </a:rPr>
+              <a:t>extract</a:t>
+            </a:r>
+            <a:endParaRPr lang="de-DE" dirty="0">
+              <a:solidFill>
+                <a:schemeClr val="accent6">
+                  <a:lumMod val="50000"/>
+                </a:schemeClr>
+              </a:solidFill>
+            </a:endParaRPr>
+          </a:p>
+        </p:txBody>
+      </p:sp>
+      <p:sp>
+        <p:nvSpPr>
+          <p:cNvPr id="36" name="Textfeld 35">
+            <a:extLst>
+              <a:ext uri="{FF2B5EF4-FFF2-40B4-BE49-F238E27FC236}">
+                <a16:creationId xmlns:a16="http://schemas.microsoft.com/office/drawing/2014/main" id="{8198FA97-DAEA-13D9-08B1-157B61FEA5E9}"/>
+              </a:ext>
+            </a:extLst>
+          </p:cNvPr>
+          <p:cNvSpPr txBox="1"/>
+          <p:nvPr/>
+        </p:nvSpPr>
+        <p:spPr>
+          <a:xfrm>
+            <a:off x="1383815" y="5153475"/>
+            <a:ext cx="1298034" cy="369332"/>
+          </a:xfrm>
+          <a:prstGeom prst="rect">
+            <a:avLst/>
+          </a:prstGeom>
+          <a:noFill/>
+          <a:ln>
+            <a:solidFill>
+              <a:schemeClr val="accent2">
+                <a:lumMod val="75000"/>
+              </a:schemeClr>
+            </a:solidFill>
+          </a:ln>
+        </p:spPr>
+        <p:txBody>
+          <a:bodyPr wrap="square">
+            <a:spAutoFit/>
+          </a:bodyPr>
+          <a:lstStyle/>
+          <a:p>
+            <a:pPr algn="ctr"/>
+            <a:r>
+              <a:rPr lang="de-DE" dirty="0" err="1">
+                <a:solidFill>
+                  <a:schemeClr val="accent2">
+                    <a:lumMod val="75000"/>
+                  </a:schemeClr>
+                </a:solidFill>
+              </a:rPr>
+              <a:t>Subject</a:t>
+            </a:r>
+            <a:r>
+              <a:rPr lang="de-DE" dirty="0">
+                <a:solidFill>
+                  <a:schemeClr val="accent2">
+                    <a:lumMod val="75000"/>
+                  </a:schemeClr>
+                </a:solidFill>
+              </a:rPr>
+              <a:t>:</a:t>
+            </a:r>
+          </a:p>
+        </p:txBody>
+      </p:sp>
+      <p:sp>
+        <p:nvSpPr>
+          <p:cNvPr id="37" name="Textfeld 36">
+            <a:extLst>
+              <a:ext uri="{FF2B5EF4-FFF2-40B4-BE49-F238E27FC236}">
+                <a16:creationId xmlns:a16="http://schemas.microsoft.com/office/drawing/2014/main" id="{53AF3090-A065-CE32-7584-0500AC1A890C}"/>
+              </a:ext>
+            </a:extLst>
+          </p:cNvPr>
+          <p:cNvSpPr txBox="1"/>
+          <p:nvPr/>
+        </p:nvSpPr>
+        <p:spPr>
+          <a:xfrm>
+            <a:off x="2806429" y="5153475"/>
+            <a:ext cx="1298034" cy="369332"/>
+          </a:xfrm>
+          <a:prstGeom prst="rect">
+            <a:avLst/>
+          </a:prstGeom>
+          <a:noFill/>
+          <a:ln>
+            <a:solidFill>
+              <a:srgbClr val="7030A0"/>
+            </a:solidFill>
+          </a:ln>
+        </p:spPr>
+        <p:txBody>
+          <a:bodyPr wrap="square">
+            <a:spAutoFit/>
+          </a:bodyPr>
+          <a:lstStyle/>
+          <a:p>
+            <a:pPr algn="ctr"/>
+            <a:r>
+              <a:rPr lang="de-DE" dirty="0" err="1">
+                <a:solidFill>
+                  <a:srgbClr val="7030A0"/>
+                </a:solidFill>
+              </a:rPr>
+              <a:t>Predicate</a:t>
+            </a:r>
+            <a:r>
+              <a:rPr lang="de-DE" dirty="0">
+                <a:solidFill>
+                  <a:srgbClr val="7030A0"/>
+                </a:solidFill>
+              </a:rPr>
+              <a:t>:</a:t>
+            </a:r>
+          </a:p>
+        </p:txBody>
+      </p:sp>
+      <p:sp>
+        <p:nvSpPr>
+          <p:cNvPr id="38" name="Textfeld 37">
+            <a:extLst>
+              <a:ext uri="{FF2B5EF4-FFF2-40B4-BE49-F238E27FC236}">
+                <a16:creationId xmlns:a16="http://schemas.microsoft.com/office/drawing/2014/main" id="{F53662C2-E859-1E44-A81E-F6667179A662}"/>
+              </a:ext>
+            </a:extLst>
+          </p:cNvPr>
+          <p:cNvSpPr txBox="1"/>
+          <p:nvPr/>
+        </p:nvSpPr>
+        <p:spPr>
+          <a:xfrm>
+            <a:off x="4246638" y="5153475"/>
+            <a:ext cx="1298034" cy="369332"/>
+          </a:xfrm>
+          <a:prstGeom prst="rect">
+            <a:avLst/>
+          </a:prstGeom>
+          <a:noFill/>
+          <a:ln>
+            <a:solidFill>
+              <a:srgbClr val="00B0F0"/>
+            </a:solidFill>
+          </a:ln>
+        </p:spPr>
+        <p:txBody>
+          <a:bodyPr wrap="square">
+            <a:spAutoFit/>
+          </a:bodyPr>
+          <a:lstStyle/>
+          <a:p>
+            <a:pPr algn="ctr"/>
+            <a:r>
+              <a:rPr lang="de-DE" dirty="0" err="1">
+                <a:solidFill>
+                  <a:srgbClr val="00B0F0"/>
+                </a:solidFill>
+              </a:rPr>
+              <a:t>Object</a:t>
+            </a:r>
+            <a:r>
+              <a:rPr lang="de-DE" dirty="0">
+                <a:solidFill>
+                  <a:srgbClr val="00B0F0"/>
+                </a:solidFill>
+              </a:rPr>
+              <a:t>:</a:t>
+            </a:r>
+          </a:p>
+        </p:txBody>
+      </p:sp>
+      <p:sp>
+        <p:nvSpPr>
+          <p:cNvPr id="40" name="Textfeld 39">
+            <a:extLst>
+              <a:ext uri="{FF2B5EF4-FFF2-40B4-BE49-F238E27FC236}">
+                <a16:creationId xmlns:a16="http://schemas.microsoft.com/office/drawing/2014/main" id="{0EA0A4C4-DC07-FDE1-47FB-8F6F0BA4F918}"/>
+              </a:ext>
+            </a:extLst>
+          </p:cNvPr>
+          <p:cNvSpPr txBox="1"/>
+          <p:nvPr/>
+        </p:nvSpPr>
+        <p:spPr>
+          <a:xfrm>
+            <a:off x="2806429" y="5556440"/>
+            <a:ext cx="1298034" cy="307777"/>
+          </a:xfrm>
+          <a:prstGeom prst="rect">
+            <a:avLst/>
+          </a:prstGeom>
+          <a:noFill/>
+          <a:ln>
+            <a:noFill/>
+          </a:ln>
+        </p:spPr>
+        <p:txBody>
+          <a:bodyPr wrap="square">
+            <a:spAutoFit/>
+          </a:bodyPr>
+          <a:lstStyle/>
+          <a:p>
+            <a:pPr algn="ctr"/>
+            <a:r>
+              <a:rPr lang="de-DE" sz="1400" dirty="0">
+                <a:solidFill>
+                  <a:srgbClr val="7030A0"/>
+                </a:solidFill>
+              </a:rPr>
+              <a:t>-[:EMITTED]-&gt; </a:t>
+            </a:r>
+          </a:p>
+        </p:txBody>
+      </p:sp>
+      <p:sp>
+        <p:nvSpPr>
+          <p:cNvPr id="41" name="Textfeld 40">
+            <a:extLst>
+              <a:ext uri="{FF2B5EF4-FFF2-40B4-BE49-F238E27FC236}">
+                <a16:creationId xmlns:a16="http://schemas.microsoft.com/office/drawing/2014/main" id="{FEDD0F05-6154-92A5-24A1-ED71D2A041E0}"/>
+              </a:ext>
+            </a:extLst>
+          </p:cNvPr>
+          <p:cNvSpPr txBox="1"/>
+          <p:nvPr/>
+        </p:nvSpPr>
+        <p:spPr>
+          <a:xfrm>
+            <a:off x="1220630" y="4687327"/>
+            <a:ext cx="1298034" cy="369332"/>
+          </a:xfrm>
+          <a:prstGeom prst="rect">
+            <a:avLst/>
+          </a:prstGeom>
+          <a:noFill/>
+          <a:ln>
+            <a:noFill/>
+          </a:ln>
+        </p:spPr>
+        <p:txBody>
+          <a:bodyPr wrap="square">
+            <a:spAutoFit/>
+          </a:bodyPr>
+          <a:lstStyle/>
+          <a:p>
+            <a:r>
+              <a:rPr lang="de-DE" b="1" dirty="0"/>
+              <a:t>Triplets:</a:t>
+            </a:r>
+          </a:p>
+        </p:txBody>
+      </p:sp>
+      <p:sp>
+        <p:nvSpPr>
+          <p:cNvPr id="42" name="Rechteck 41">
+            <a:extLst>
+              <a:ext uri="{FF2B5EF4-FFF2-40B4-BE49-F238E27FC236}">
+                <a16:creationId xmlns:a16="http://schemas.microsoft.com/office/drawing/2014/main" id="{82F447D8-5D63-3DE9-8B81-964DA182F21C}"/>
+              </a:ext>
+            </a:extLst>
+          </p:cNvPr>
+          <p:cNvSpPr/>
+          <p:nvPr/>
+        </p:nvSpPr>
+        <p:spPr>
+          <a:xfrm>
+            <a:off x="1301675" y="5056660"/>
+            <a:ext cx="4421393" cy="901836"/>
+          </a:xfrm>
+          <a:prstGeom prst="rect">
+            <a:avLst/>
+          </a:prstGeom>
+          <a:noFill/>
+          <a:ln w="25400">
+            <a:solidFill>
+              <a:schemeClr val="tx1"/>
+            </a:solidFill>
+          </a:ln>
+        </p:spPr>
+        <p:style>
+          <a:lnRef idx="2">
+            <a:schemeClr val="accent1">
+              <a:shade val="15000"/>
+            </a:schemeClr>
+          </a:lnRef>
+          <a:fillRef idx="1">
+            <a:schemeClr val="accent1"/>
+          </a:fillRef>
+          <a:effectRef idx="0">
+            <a:schemeClr val="accent1"/>
+          </a:effectRef>
+          <a:fontRef idx="minor">
+            <a:schemeClr val="lt1"/>
+          </a:fontRef>
+        </p:style>
+        <p:txBody>
+          <a:bodyPr rtlCol="0" anchor="ctr"/>
+          <a:lstStyle/>
+          <a:p>
+            <a:pPr algn="ctr"/>
+            <a:endParaRPr lang="de-DE"/>
+          </a:p>
+        </p:txBody>
+      </p:sp>
+      <p:sp>
+        <p:nvSpPr>
+          <p:cNvPr id="46" name="Textfeld 45">
+            <a:extLst>
+              <a:ext uri="{FF2B5EF4-FFF2-40B4-BE49-F238E27FC236}">
+                <a16:creationId xmlns:a16="http://schemas.microsoft.com/office/drawing/2014/main" id="{CB605E9F-CE16-4FA1-A6D7-4FAFC1755E90}"/>
+              </a:ext>
+            </a:extLst>
+          </p:cNvPr>
+          <p:cNvSpPr txBox="1"/>
+          <p:nvPr/>
+        </p:nvSpPr>
+        <p:spPr>
+          <a:xfrm>
+            <a:off x="1419995" y="5556439"/>
+            <a:ext cx="1248365" cy="307777"/>
+          </a:xfrm>
+          <a:prstGeom prst="rect">
+            <a:avLst/>
+          </a:prstGeom>
+          <a:noFill/>
+          <a:ln>
+            <a:noFill/>
+          </a:ln>
+        </p:spPr>
+        <p:txBody>
+          <a:bodyPr wrap="square">
+            <a:spAutoFit/>
+          </a:bodyPr>
+          <a:lstStyle/>
+          <a:p>
+            <a:pPr algn="ctr"/>
+            <a:r>
+              <a:rPr lang="de-DE" sz="1400" dirty="0">
+                <a:solidFill>
+                  <a:schemeClr val="accent2">
+                    <a:lumMod val="75000"/>
+                  </a:schemeClr>
+                </a:solidFill>
+              </a:rPr>
+              <a:t>(:Company XY)</a:t>
+            </a:r>
+          </a:p>
+        </p:txBody>
+      </p:sp>
+      <p:sp>
+        <p:nvSpPr>
+          <p:cNvPr id="51" name="Textfeld 50">
+            <a:extLst>
+              <a:ext uri="{FF2B5EF4-FFF2-40B4-BE49-F238E27FC236}">
+                <a16:creationId xmlns:a16="http://schemas.microsoft.com/office/drawing/2014/main" id="{E6212A5B-21A6-6F4F-E029-1E63B114E04E}"/>
+              </a:ext>
+            </a:extLst>
+          </p:cNvPr>
+          <p:cNvSpPr txBox="1"/>
+          <p:nvPr/>
+        </p:nvSpPr>
+        <p:spPr>
+          <a:xfrm>
+            <a:off x="4217467" y="5572521"/>
+            <a:ext cx="1298034" cy="307777"/>
+          </a:xfrm>
+          <a:prstGeom prst="rect">
+            <a:avLst/>
+          </a:prstGeom>
+          <a:noFill/>
+          <a:ln>
+            <a:noFill/>
+          </a:ln>
+        </p:spPr>
+        <p:txBody>
+          <a:bodyPr wrap="square">
+            <a:spAutoFit/>
+          </a:bodyPr>
+          <a:lstStyle/>
+          <a:p>
+            <a:pPr algn="ctr"/>
+            <a:r>
+              <a:rPr lang="de-DE" sz="1400" dirty="0">
+                <a:solidFill>
+                  <a:srgbClr val="00B0F0"/>
+                </a:solidFill>
+              </a:rPr>
+              <a:t>(:CO2)</a:t>
+            </a:r>
+          </a:p>
+        </p:txBody>
+      </p:sp>
       <p:cxnSp>
         <p:nvCxnSpPr>
-          <p:cNvPr id="48" name="Gerade Verbindung mit Pfeil 47">
-            <a:extLst>
-              <a:ext uri="{FF2B5EF4-FFF2-40B4-BE49-F238E27FC236}">
-                <a16:creationId xmlns:a16="http://schemas.microsoft.com/office/drawing/2014/main" id="{6C52F57B-B050-99F5-F5B4-BACE0E9C14C5}"/>
+          <p:cNvPr id="52" name="Gerade Verbindung mit Pfeil 51">
+            <a:extLst>
+              <a:ext uri="{FF2B5EF4-FFF2-40B4-BE49-F238E27FC236}">
+                <a16:creationId xmlns:a16="http://schemas.microsoft.com/office/drawing/2014/main" id="{E5EF9EAB-AE53-E9B2-890E-5A73D8C573F5}"/>
               </a:ext>
             </a:extLst>
           </p:cNvPr>
           <p:cNvCxnSpPr>
             <a:cxnSpLocks/>
-            <a:endCxn id="32" idx="1"/>
+            <a:stCxn id="42" idx="3"/>
+            <a:endCxn id="9" idx="2"/>
           </p:cNvCxnSpPr>
           <p:nvPr/>
         </p:nvCxnSpPr>
         <p:spPr>
           <a:xfrm>
-            <a:off x="7209695" y="5281591"/>
-            <a:ext cx="950299" cy="318808"/>
+            <a:off x="5723068" y="5507578"/>
+            <a:ext cx="1372945" cy="82779"/>
           </a:xfrm>
           <a:prstGeom prst="straightConnector1">
             <a:avLst/>
           </a:prstGeom>
-          <a:ln w="22225">
+          <a:ln w="63500">
             <a:solidFill>
-              <a:schemeClr val="tx1"/>
+              <a:schemeClr val="accent6">
+                <a:lumMod val="75000"/>
+              </a:schemeClr>
             </a:solidFill>
             <a:tailEnd type="triangle"/>
           </a:ln>
@@ -5072,10 +6081,109 @@
           </a:fontRef>
         </p:style>
       </p:cxnSp>
+      <p:pic>
+        <p:nvPicPr>
+          <p:cNvPr id="55" name="Grafik 54">
+            <a:extLst>
+              <a:ext uri="{FF2B5EF4-FFF2-40B4-BE49-F238E27FC236}">
+                <a16:creationId xmlns:a16="http://schemas.microsoft.com/office/drawing/2014/main" id="{DFA2AFBD-8195-F1FF-D781-B56CD79C7425}"/>
+              </a:ext>
+            </a:extLst>
+          </p:cNvPr>
+          <p:cNvPicPr>
+            <a:picLocks noChangeAspect="1"/>
+          </p:cNvPicPr>
+          <p:nvPr/>
+        </p:nvPicPr>
+        <p:blipFill>
+          <a:blip r:embed="rId2"/>
+          <a:stretch>
+            <a:fillRect/>
+          </a:stretch>
+        </p:blipFill>
+        <p:spPr>
+          <a:xfrm>
+            <a:off x="7443140" y="4645688"/>
+            <a:ext cx="930150" cy="347222"/>
+          </a:xfrm>
+          <a:prstGeom prst="rect">
+            <a:avLst/>
+          </a:prstGeom>
+        </p:spPr>
+      </p:pic>
+      <p:sp>
+        <p:nvSpPr>
+          <p:cNvPr id="56" name="Textfeld 55">
+            <a:extLst>
+              <a:ext uri="{FF2B5EF4-FFF2-40B4-BE49-F238E27FC236}">
+                <a16:creationId xmlns:a16="http://schemas.microsoft.com/office/drawing/2014/main" id="{BEA9ABF4-33F7-A5D1-2F8C-28115DDC146B}"/>
+              </a:ext>
+            </a:extLst>
+          </p:cNvPr>
+          <p:cNvSpPr txBox="1"/>
+          <p:nvPr/>
+        </p:nvSpPr>
+        <p:spPr>
+          <a:xfrm>
+            <a:off x="5886170" y="5056659"/>
+            <a:ext cx="1228616" cy="1200329"/>
+          </a:xfrm>
+          <a:prstGeom prst="rect">
+            <a:avLst/>
+          </a:prstGeom>
+          <a:noFill/>
+        </p:spPr>
+        <p:txBody>
+          <a:bodyPr wrap="square" rtlCol="0">
+            <a:spAutoFit/>
+          </a:bodyPr>
+          <a:lstStyle/>
+          <a:p>
+            <a:r>
+              <a:rPr lang="de-DE" dirty="0" err="1">
+                <a:solidFill>
+                  <a:schemeClr val="accent6">
+                    <a:lumMod val="50000"/>
+                  </a:schemeClr>
+                </a:solidFill>
+              </a:rPr>
+              <a:t>Cypher</a:t>
+            </a:r>
+            <a:endParaRPr lang="de-DE" dirty="0">
+              <a:solidFill>
+                <a:schemeClr val="accent6">
+                  <a:lumMod val="50000"/>
+                </a:schemeClr>
+              </a:solidFill>
+            </a:endParaRPr>
+          </a:p>
+          <a:p>
+            <a:endParaRPr lang="de-DE" dirty="0">
+              <a:solidFill>
+                <a:schemeClr val="accent6">
+                  <a:lumMod val="50000"/>
+                </a:schemeClr>
+              </a:solidFill>
+            </a:endParaRPr>
+          </a:p>
+          <a:p>
+            <a:r>
+              <a:rPr lang="de-DE" dirty="0">
+                <a:solidFill>
+                  <a:schemeClr val="accent6">
+                    <a:lumMod val="50000"/>
+                  </a:schemeClr>
+                </a:solidFill>
+              </a:rPr>
+              <a:t>Query Language</a:t>
+            </a:r>
+          </a:p>
+        </p:txBody>
+      </p:sp>
     </p:spTree>
     <p:extLst>
       <p:ext uri="{BB962C8B-B14F-4D97-AF65-F5344CB8AC3E}">
-        <p14:creationId xmlns:p14="http://schemas.microsoft.com/office/powerpoint/2010/main" val="3179689777"/>
+        <p14:creationId xmlns:p14="http://schemas.microsoft.com/office/powerpoint/2010/main" val="783836180"/>
       </p:ext>
     </p:extLst>
   </p:cSld>
@@ -5085,8 +6193,8 @@
 </p:sld>
 </file>
 
-<file path=ppt/slides/slide6.xml><?xml version="1.0" encoding="utf-8"?>
-<p:sld xmlns:a="http://schemas.openxmlformats.org/drawingml/2006/main" xmlns:r="http://schemas.openxmlformats.org/officeDocument/2006/relationships" xmlns:p="http://schemas.openxmlformats.org/presentationml/2006/main" show="0">
+<file path=ppt/slides/slide5.xml><?xml version="1.0" encoding="utf-8"?>
+<p:sld xmlns:a="http://schemas.openxmlformats.org/drawingml/2006/main" xmlns:r="http://schemas.openxmlformats.org/officeDocument/2006/relationships" xmlns:p="http://schemas.openxmlformats.org/presentationml/2006/main">
   <p:cSld>
     <p:spTree>
       <p:nvGrpSpPr>
@@ -5133,15 +6241,7 @@
             <a:pPr algn="ctr"/>
             <a:r>
               <a:rPr lang="en-US" sz="2800" b="1" dirty="0"/>
-              <a:t>Mapping sentences to </a:t>
-            </a:r>
-            <a:r>
-              <a:rPr lang="en-US" sz="2800" b="1" dirty="0" err="1"/>
-              <a:t>ESRS</a:t>
-            </a:r>
-            <a:r>
-              <a:rPr lang="en-US" sz="2800" b="1" dirty="0"/>
-              <a:t> Data Points</a:t>
+              <a:t>Initial Idea: Mapping sentences to ESRS Data Points</a:t>
             </a:r>
           </a:p>
         </p:txBody>
@@ -5160,7 +6260,7 @@
         </p:nvSpPr>
         <p:spPr>
           <a:xfrm>
-            <a:off x="379988" y="2871618"/>
+            <a:off x="521621" y="3386489"/>
             <a:ext cx="8801100" cy="967957"/>
           </a:xfrm>
           <a:prstGeom prst="rect">
@@ -5284,7 +6384,7 @@
         </p:blipFill>
         <p:spPr>
           <a:xfrm>
-            <a:off x="580291" y="1449335"/>
+            <a:off x="635979" y="1445697"/>
             <a:ext cx="8400495" cy="229996"/>
           </a:xfrm>
           <a:prstGeom prst="rect">
@@ -5306,7 +6406,7 @@
         </p:nvGrpSpPr>
         <p:grpSpPr>
           <a:xfrm>
-            <a:off x="563983" y="2239750"/>
+            <a:off x="619671" y="2236112"/>
             <a:ext cx="8698326" cy="199223"/>
             <a:chOff x="563983" y="2239750"/>
             <a:chExt cx="8698326" cy="199223"/>
@@ -5408,7 +6508,7 @@
         </p:nvGrpSpPr>
         <p:grpSpPr>
           <a:xfrm>
-            <a:off x="134468" y="1804227"/>
+            <a:off x="190156" y="1800589"/>
             <a:ext cx="9464031" cy="229996"/>
             <a:chOff x="181130" y="1875098"/>
             <a:chExt cx="9464031" cy="229996"/>
@@ -5517,7 +6617,7 @@
         </p:blipFill>
         <p:spPr>
           <a:xfrm>
-            <a:off x="4588348" y="4868295"/>
+            <a:off x="4699722" y="5693615"/>
             <a:ext cx="4954465" cy="269758"/>
           </a:xfrm>
           <a:prstGeom prst="rect">
@@ -5546,7 +6646,7 @@
         </p:blipFill>
         <p:spPr>
           <a:xfrm>
-            <a:off x="237392" y="4272220"/>
+            <a:off x="348766" y="5097540"/>
             <a:ext cx="5438042" cy="298309"/>
           </a:xfrm>
           <a:prstGeom prst="rect">
@@ -5563,13 +6663,15 @@
               </a:ext>
             </a:extLst>
           </p:cNvPr>
-          <p:cNvCxnSpPr/>
+          <p:cNvCxnSpPr>
+            <a:cxnSpLocks/>
+          </p:cNvCxnSpPr>
           <p:nvPr/>
         </p:nvCxnSpPr>
         <p:spPr>
           <a:xfrm>
-            <a:off x="4633546" y="3714750"/>
-            <a:ext cx="4066442" cy="1226527"/>
+            <a:off x="4745750" y="4125109"/>
+            <a:ext cx="4118551" cy="1748566"/>
           </a:xfrm>
           <a:prstGeom prst="straightConnector1">
             <a:avLst/>
@@ -5612,8 +6714,8 @@
         </p:nvCxnSpPr>
         <p:spPr>
           <a:xfrm>
-            <a:off x="2193681" y="3740672"/>
-            <a:ext cx="1749669" cy="587341"/>
+            <a:off x="2302136" y="4125109"/>
+            <a:ext cx="1957548" cy="1117382"/>
           </a:xfrm>
           <a:prstGeom prst="straightConnector1">
             <a:avLst/>
@@ -5651,14 +6753,13 @@
           </p:cNvPr>
           <p:cNvCxnSpPr>
             <a:cxnSpLocks/>
-            <a:stCxn id="12" idx="2"/>
           </p:cNvCxnSpPr>
           <p:nvPr/>
         </p:nvCxnSpPr>
         <p:spPr>
           <a:xfrm>
-            <a:off x="4913146" y="2438973"/>
-            <a:ext cx="2876839" cy="607562"/>
+            <a:off x="5133240" y="2356722"/>
+            <a:ext cx="2878155" cy="1303679"/>
           </a:xfrm>
           <a:prstGeom prst="straightConnector1">
             <a:avLst/>
@@ -5701,8 +6802,8 @@
         </p:nvCxnSpPr>
         <p:spPr>
           <a:xfrm>
-            <a:off x="5020408" y="1990725"/>
-            <a:ext cx="2716823" cy="1016244"/>
+            <a:off x="5133240" y="1881221"/>
+            <a:ext cx="2878155" cy="1789352"/>
           </a:xfrm>
           <a:prstGeom prst="straightConnector1">
             <a:avLst/>
@@ -5745,8 +6846,8 @@
         </p:nvCxnSpPr>
         <p:spPr>
           <a:xfrm>
-            <a:off x="4409342" y="1598699"/>
-            <a:ext cx="2369527" cy="1679856"/>
+            <a:off x="4496696" y="1536501"/>
+            <a:ext cx="2422023" cy="2043268"/>
           </a:xfrm>
           <a:prstGeom prst="straightConnector1">
             <a:avLst/>
@@ -5789,8 +6890,8 @@
         </p:nvCxnSpPr>
         <p:spPr>
           <a:xfrm flipH="1">
-            <a:off x="3690069" y="2335088"/>
-            <a:ext cx="5115427" cy="1287840"/>
+            <a:off x="3858304" y="2345637"/>
+            <a:ext cx="5178170" cy="1736436"/>
           </a:xfrm>
           <a:prstGeom prst="straightConnector1">
             <a:avLst/>
@@ -5817,6 +6918,54 @@
           </a:fontRef>
         </p:style>
       </p:cxnSp>
+      <p:sp>
+        <p:nvSpPr>
+          <p:cNvPr id="3" name="Textfeld 2">
+            <a:extLst>
+              <a:ext uri="{FF2B5EF4-FFF2-40B4-BE49-F238E27FC236}">
+                <a16:creationId xmlns:a16="http://schemas.microsoft.com/office/drawing/2014/main" id="{4DC7C17D-A3E7-59F2-71BF-BD7FF363263E}"/>
+              </a:ext>
+            </a:extLst>
+          </p:cNvPr>
+          <p:cNvSpPr txBox="1"/>
+          <p:nvPr/>
+        </p:nvSpPr>
+        <p:spPr>
+          <a:xfrm>
+            <a:off x="521621" y="2885671"/>
+            <a:ext cx="2525723" cy="461665"/>
+          </a:xfrm>
+          <a:prstGeom prst="rect">
+            <a:avLst/>
+          </a:prstGeom>
+          <a:noFill/>
+          <a:ln>
+            <a:solidFill>
+              <a:schemeClr val="accent5"/>
+            </a:solidFill>
+          </a:ln>
+        </p:spPr>
+        <p:txBody>
+          <a:bodyPr wrap="square" rtlCol="0">
+            <a:spAutoFit/>
+          </a:bodyPr>
+          <a:lstStyle/>
+          <a:p>
+            <a:r>
+              <a:rPr lang="de-DE" sz="2400" dirty="0"/>
+              <a:t>Text </a:t>
+            </a:r>
+            <a:r>
+              <a:rPr lang="de-DE" sz="2400" dirty="0" err="1"/>
+              <a:t>from</a:t>
+            </a:r>
+            <a:r>
+              <a:rPr lang="de-DE" sz="2400" dirty="0"/>
+              <a:t> PDFs:</a:t>
+            </a:r>
+          </a:p>
+        </p:txBody>
+      </p:sp>
     </p:spTree>
     <p:extLst>
       <p:ext uri="{BB962C8B-B14F-4D97-AF65-F5344CB8AC3E}">
@@ -5830,8 +6979,8 @@
 </p:sld>
 </file>
 
-<file path=ppt/slides/slide7.xml><?xml version="1.0" encoding="utf-8"?>
-<p:sld xmlns:a="http://schemas.openxmlformats.org/drawingml/2006/main" xmlns:r="http://schemas.openxmlformats.org/officeDocument/2006/relationships" xmlns:p="http://schemas.openxmlformats.org/presentationml/2006/main" show="0">
+<file path=ppt/slides/slide6.xml><?xml version="1.0" encoding="utf-8"?>
+<p:sld xmlns:a="http://schemas.openxmlformats.org/drawingml/2006/main" xmlns:r="http://schemas.openxmlformats.org/officeDocument/2006/relationships" xmlns:p="http://schemas.openxmlformats.org/presentationml/2006/main">
   <p:cSld>
     <p:spTree>
       <p:nvGrpSpPr>
@@ -5877,22 +7026,18 @@
           <a:p>
             <a:pPr algn="ctr"/>
             <a:r>
-              <a:rPr lang="en-US" sz="2800" b="1" dirty="0" err="1"/>
-              <a:t>ESRS</a:t>
-            </a:r>
-            <a:r>
               <a:rPr lang="en-US" sz="2800" b="1" dirty="0"/>
-              <a:t>: XBRL-Format Delivery Requirement</a:t>
+              <a:t>European Sustainability Reporting Standard (ESRS)</a:t>
             </a:r>
           </a:p>
         </p:txBody>
       </p:sp>
       <p:pic>
         <p:nvPicPr>
-          <p:cNvPr id="4" name="Grafik 3" descr="Ein Bild, das Text, Screenshot, Software, Multimedia-Software enthält.&#10;&#10;Automatisch generierte Beschreibung">
-            <a:extLst>
-              <a:ext uri="{FF2B5EF4-FFF2-40B4-BE49-F238E27FC236}">
-                <a16:creationId xmlns:a16="http://schemas.microsoft.com/office/drawing/2014/main" id="{F6C044C3-2B6B-3736-CE3B-E0A2504B5196}"/>
+          <p:cNvPr id="2" name="Grafik 1">
+            <a:extLst>
+              <a:ext uri="{FF2B5EF4-FFF2-40B4-BE49-F238E27FC236}">
+                <a16:creationId xmlns:a16="http://schemas.microsoft.com/office/drawing/2014/main" id="{9C443709-90C7-433C-6811-CEA389101A44}"/>
               </a:ext>
             </a:extLst>
           </p:cNvPr>
@@ -5901,35 +7046,28 @@
           </p:cNvPicPr>
           <p:nvPr/>
         </p:nvPicPr>
-        <p:blipFill rotWithShape="1">
+        <p:blipFill>
           <a:blip r:embed="rId2"/>
-          <a:srcRect l="6394" t="22442" r="75496" b="57733"/>
-          <a:stretch/>
+          <a:stretch>
+            <a:fillRect/>
+          </a:stretch>
         </p:blipFill>
-        <p:spPr bwMode="auto">
-          <a:xfrm>
-            <a:off x="742970" y="1566935"/>
-            <a:ext cx="4037824" cy="2371433"/>
+        <p:spPr>
+          <a:xfrm>
+            <a:off x="3850865" y="827502"/>
+            <a:ext cx="2204267" cy="1408743"/>
           </a:xfrm>
           <a:prstGeom prst="rect">
             <a:avLst/>
           </a:prstGeom>
-          <a:ln>
-            <a:noFill/>
-          </a:ln>
-          <a:extLst>
-            <a:ext uri="{53640926-AAD7-44D8-BBD7-CCE9431645EC}">
-              <a14:shadowObscured xmlns:a14="http://schemas.microsoft.com/office/drawing/2010/main"/>
-            </a:ext>
-          </a:extLst>
         </p:spPr>
       </p:pic>
       <p:pic>
         <p:nvPicPr>
-          <p:cNvPr id="7" name="Grafik 6" descr="Ein Bild, das Text, Screenshot, Software, Multimedia-Software enthält.&#10;&#10;Automatisch generierte Beschreibung">
-            <a:extLst>
-              <a:ext uri="{FF2B5EF4-FFF2-40B4-BE49-F238E27FC236}">
-                <a16:creationId xmlns:a16="http://schemas.microsoft.com/office/drawing/2014/main" id="{3E73EFB9-82AF-01F0-1B61-128D4276F781}"/>
+          <p:cNvPr id="6" name="Grafik 5">
+            <a:extLst>
+              <a:ext uri="{FF2B5EF4-FFF2-40B4-BE49-F238E27FC236}">
+                <a16:creationId xmlns:a16="http://schemas.microsoft.com/office/drawing/2014/main" id="{0C6DE9FC-853B-B78F-D9AE-D5293D321511}"/>
               </a:ext>
             </a:extLst>
           </p:cNvPr>
@@ -5938,35 +7076,375 @@
           </p:cNvPicPr>
           <p:nvPr/>
         </p:nvPicPr>
-        <p:blipFill rotWithShape="1">
+        <p:blipFill>
           <a:blip r:embed="rId3"/>
-          <a:srcRect l="8218" t="41674" r="78779" b="55633"/>
-          <a:stretch/>
+          <a:stretch>
+            <a:fillRect/>
+          </a:stretch>
         </p:blipFill>
-        <p:spPr bwMode="auto">
-          <a:xfrm>
-            <a:off x="5014575" y="1566935"/>
-            <a:ext cx="4148455" cy="461010"/>
+        <p:spPr>
+          <a:xfrm>
+            <a:off x="1166812" y="2451560"/>
+            <a:ext cx="7572375" cy="3657600"/>
           </a:xfrm>
           <a:prstGeom prst="rect">
             <a:avLst/>
           </a:prstGeom>
-          <a:ln>
-            <a:noFill/>
+        </p:spPr>
+      </p:pic>
+    </p:spTree>
+    <p:extLst>
+      <p:ext uri="{BB962C8B-B14F-4D97-AF65-F5344CB8AC3E}">
+        <p14:creationId xmlns:p14="http://schemas.microsoft.com/office/powerpoint/2010/main" val="3828987327"/>
+      </p:ext>
+    </p:extLst>
+  </p:cSld>
+  <p:clrMapOvr>
+    <a:masterClrMapping/>
+  </p:clrMapOvr>
+</p:sld>
+</file>
+
+<file path=ppt/slides/slide7.xml><?xml version="1.0" encoding="utf-8"?>
+<p:sld xmlns:a="http://schemas.openxmlformats.org/drawingml/2006/main" xmlns:r="http://schemas.openxmlformats.org/officeDocument/2006/relationships" xmlns:p="http://schemas.openxmlformats.org/presentationml/2006/main">
+  <p:cSld>
+    <p:spTree>
+      <p:nvGrpSpPr>
+        <p:cNvPr id="1" name=""/>
+        <p:cNvGrpSpPr/>
+        <p:nvPr/>
+      </p:nvGrpSpPr>
+      <p:grpSpPr>
+        <a:xfrm>
+          <a:off x="0" y="0"/>
+          <a:ext cx="0" cy="0"/>
+          <a:chOff x="0" y="0"/>
+          <a:chExt cx="0" cy="0"/>
+        </a:xfrm>
+      </p:grpSpPr>
+      <p:sp>
+        <p:nvSpPr>
+          <p:cNvPr id="26" name="Textfeld 25">
+            <a:extLst>
+              <a:ext uri="{FF2B5EF4-FFF2-40B4-BE49-F238E27FC236}">
+                <a16:creationId xmlns:a16="http://schemas.microsoft.com/office/drawing/2014/main" id="{E5229098-1146-2BBD-D75D-639ED2A05A0D}"/>
+              </a:ext>
+            </a:extLst>
+          </p:cNvPr>
+          <p:cNvSpPr txBox="1"/>
+          <p:nvPr/>
+        </p:nvSpPr>
+        <p:spPr>
+          <a:xfrm>
+            <a:off x="190156" y="88968"/>
+            <a:ext cx="9352657" cy="523220"/>
+          </a:xfrm>
+          <a:prstGeom prst="rect">
+            <a:avLst/>
+          </a:prstGeom>
+          <a:noFill/>
+        </p:spPr>
+        <p:txBody>
+          <a:bodyPr wrap="square" rtlCol="0">
+            <a:spAutoFit/>
+          </a:bodyPr>
+          <a:lstStyle/>
+          <a:p>
+            <a:pPr algn="ctr"/>
+            <a:r>
+              <a:rPr lang="en-US" sz="2800" b="1" dirty="0"/>
+              <a:t>ESRS (Draft) Required Data to be reported</a:t>
+            </a:r>
+          </a:p>
+        </p:txBody>
+      </p:sp>
+      <p:pic>
+        <p:nvPicPr>
+          <p:cNvPr id="2" name="Grafik 1">
+            <a:extLst>
+              <a:ext uri="{FF2B5EF4-FFF2-40B4-BE49-F238E27FC236}">
+                <a16:creationId xmlns:a16="http://schemas.microsoft.com/office/drawing/2014/main" id="{AEA1C299-7E18-EA2A-C45B-452DEDB74645}"/>
+              </a:ext>
+            </a:extLst>
+          </p:cNvPr>
+          <p:cNvPicPr>
+            <a:picLocks noChangeAspect="1"/>
+          </p:cNvPicPr>
+          <p:nvPr/>
+        </p:nvPicPr>
+        <p:blipFill>
+          <a:blip r:embed="rId2"/>
+          <a:stretch>
+            <a:fillRect/>
+          </a:stretch>
+        </p:blipFill>
+        <p:spPr>
+          <a:xfrm>
+            <a:off x="296740" y="4215249"/>
+            <a:ext cx="6930538" cy="1542191"/>
+          </a:xfrm>
+          <a:prstGeom prst="rect">
+            <a:avLst/>
+          </a:prstGeom>
+        </p:spPr>
+      </p:pic>
+      <p:sp>
+        <p:nvSpPr>
+          <p:cNvPr id="3" name="Textfeld 2">
+            <a:extLst>
+              <a:ext uri="{FF2B5EF4-FFF2-40B4-BE49-F238E27FC236}">
+                <a16:creationId xmlns:a16="http://schemas.microsoft.com/office/drawing/2014/main" id="{7DA38F7F-4D8A-9E1E-FDB0-479EC62B3C48}"/>
+              </a:ext>
+            </a:extLst>
+          </p:cNvPr>
+          <p:cNvSpPr txBox="1"/>
+          <p:nvPr/>
+        </p:nvSpPr>
+        <p:spPr>
+          <a:xfrm>
+            <a:off x="190156" y="3899362"/>
+            <a:ext cx="1244111" cy="369332"/>
+          </a:xfrm>
+          <a:prstGeom prst="rect">
+            <a:avLst/>
+          </a:prstGeom>
+          <a:noFill/>
+        </p:spPr>
+        <p:txBody>
+          <a:bodyPr wrap="square" rtlCol="0">
+            <a:spAutoFit/>
+          </a:bodyPr>
+          <a:lstStyle/>
+          <a:p>
+            <a:r>
+              <a:rPr lang="en-US" dirty="0"/>
+              <a:t>Extract:</a:t>
+            </a:r>
+          </a:p>
+        </p:txBody>
+      </p:sp>
+      <p:pic>
+        <p:nvPicPr>
+          <p:cNvPr id="5" name="Grafik 4">
+            <a:extLst>
+              <a:ext uri="{FF2B5EF4-FFF2-40B4-BE49-F238E27FC236}">
+                <a16:creationId xmlns:a16="http://schemas.microsoft.com/office/drawing/2014/main" id="{A36D157F-6F9A-DAD9-7B4B-E7AF7B77E302}"/>
+              </a:ext>
+            </a:extLst>
+          </p:cNvPr>
+          <p:cNvPicPr>
+            <a:picLocks noChangeAspect="1"/>
+          </p:cNvPicPr>
+          <p:nvPr/>
+        </p:nvPicPr>
+        <p:blipFill>
+          <a:blip r:embed="rId3"/>
+          <a:stretch>
+            <a:fillRect/>
+          </a:stretch>
+        </p:blipFill>
+        <p:spPr>
+          <a:xfrm>
+            <a:off x="2311858" y="1057494"/>
+            <a:ext cx="5282283" cy="2666515"/>
+          </a:xfrm>
+          <a:prstGeom prst="rect">
+            <a:avLst/>
+          </a:prstGeom>
+        </p:spPr>
+      </p:pic>
+      <p:sp>
+        <p:nvSpPr>
+          <p:cNvPr id="6" name="Textfeld 5">
+            <a:extLst>
+              <a:ext uri="{FF2B5EF4-FFF2-40B4-BE49-F238E27FC236}">
+                <a16:creationId xmlns:a16="http://schemas.microsoft.com/office/drawing/2014/main" id="{DCB9DCF1-C29C-D79D-4A80-82276BC00267}"/>
+              </a:ext>
+            </a:extLst>
+          </p:cNvPr>
+          <p:cNvSpPr txBox="1"/>
+          <p:nvPr/>
+        </p:nvSpPr>
+        <p:spPr>
+          <a:xfrm>
+            <a:off x="8159994" y="4374812"/>
+            <a:ext cx="1445602" cy="369332"/>
+          </a:xfrm>
+          <a:prstGeom prst="rect">
+            <a:avLst/>
+          </a:prstGeom>
+          <a:solidFill>
+            <a:schemeClr val="accent5">
+              <a:lumMod val="40000"/>
+              <a:lumOff val="60000"/>
+            </a:schemeClr>
+          </a:solidFill>
+        </p:spPr>
+        <p:txBody>
+          <a:bodyPr wrap="square" rtlCol="0">
+            <a:spAutoFit/>
+          </a:bodyPr>
+          <a:lstStyle/>
+          <a:p>
+            <a:pPr algn="ctr"/>
+            <a:r>
+              <a:rPr lang="en-US" dirty="0"/>
+              <a:t>Quantitative</a:t>
+            </a:r>
+          </a:p>
+        </p:txBody>
+      </p:sp>
+      <p:cxnSp>
+        <p:nvCxnSpPr>
+          <p:cNvPr id="9" name="Gerade Verbindung mit Pfeil 8">
+            <a:extLst>
+              <a:ext uri="{FF2B5EF4-FFF2-40B4-BE49-F238E27FC236}">
+                <a16:creationId xmlns:a16="http://schemas.microsoft.com/office/drawing/2014/main" id="{544F1DDF-CF8D-B57C-9125-CEFD6B865F9E}"/>
+              </a:ext>
+            </a:extLst>
+          </p:cNvPr>
+          <p:cNvCxnSpPr>
+            <a:cxnSpLocks/>
+            <a:endCxn id="6" idx="1"/>
+          </p:cNvCxnSpPr>
+          <p:nvPr/>
+        </p:nvCxnSpPr>
+        <p:spPr>
+          <a:xfrm>
+            <a:off x="7225630" y="4374812"/>
+            <a:ext cx="934364" cy="184666"/>
+          </a:xfrm>
+          <a:prstGeom prst="straightConnector1">
+            <a:avLst/>
+          </a:prstGeom>
+          <a:ln w="22225">
+            <a:solidFill>
+              <a:schemeClr val="accent5">
+                <a:lumMod val="40000"/>
+                <a:lumOff val="60000"/>
+              </a:schemeClr>
+            </a:solidFill>
+            <a:tailEnd type="triangle"/>
           </a:ln>
-          <a:extLst>
-            <a:ext uri="{53640926-AAD7-44D8-BBD7-CCE9431645EC}">
-              <a14:shadowObscured xmlns:a14="http://schemas.microsoft.com/office/drawing/2010/main"/>
-            </a:ext>
-          </a:extLst>
-        </p:spPr>
-      </p:pic>
-      <p:sp>
-        <p:nvSpPr>
-          <p:cNvPr id="8" name="Textfeld 7">
-            <a:extLst>
-              <a:ext uri="{FF2B5EF4-FFF2-40B4-BE49-F238E27FC236}">
-                <a16:creationId xmlns:a16="http://schemas.microsoft.com/office/drawing/2014/main" id="{94BFA564-B7FD-B2DC-C160-4C2E57924C9E}"/>
+        </p:spPr>
+        <p:style>
+          <a:lnRef idx="1">
+            <a:schemeClr val="accent1"/>
+          </a:lnRef>
+          <a:fillRef idx="0">
+            <a:schemeClr val="accent1"/>
+          </a:fillRef>
+          <a:effectRef idx="0">
+            <a:schemeClr val="accent1"/>
+          </a:effectRef>
+          <a:fontRef idx="minor">
+            <a:schemeClr val="tx1"/>
+          </a:fontRef>
+        </p:style>
+      </p:cxnSp>
+      <p:cxnSp>
+        <p:nvCxnSpPr>
+          <p:cNvPr id="11" name="Gerade Verbindung mit Pfeil 10">
+            <a:extLst>
+              <a:ext uri="{FF2B5EF4-FFF2-40B4-BE49-F238E27FC236}">
+                <a16:creationId xmlns:a16="http://schemas.microsoft.com/office/drawing/2014/main" id="{06619D27-278D-4F87-2AC5-DA99A6AB83EC}"/>
+              </a:ext>
+            </a:extLst>
+          </p:cNvPr>
+          <p:cNvCxnSpPr>
+            <a:cxnSpLocks/>
+            <a:stCxn id="2" idx="3"/>
+            <a:endCxn id="6" idx="1"/>
+          </p:cNvCxnSpPr>
+          <p:nvPr/>
+        </p:nvCxnSpPr>
+        <p:spPr>
+          <a:xfrm flipV="1">
+            <a:off x="7227278" y="4559478"/>
+            <a:ext cx="932716" cy="426867"/>
+          </a:xfrm>
+          <a:prstGeom prst="straightConnector1">
+            <a:avLst/>
+          </a:prstGeom>
+          <a:ln w="22225">
+            <a:solidFill>
+              <a:schemeClr val="accent5">
+                <a:lumMod val="40000"/>
+                <a:lumOff val="60000"/>
+              </a:schemeClr>
+            </a:solidFill>
+            <a:tailEnd type="triangle"/>
+          </a:ln>
+        </p:spPr>
+        <p:style>
+          <a:lnRef idx="1">
+            <a:schemeClr val="accent1"/>
+          </a:lnRef>
+          <a:fillRef idx="0">
+            <a:schemeClr val="accent1"/>
+          </a:fillRef>
+          <a:effectRef idx="0">
+            <a:schemeClr val="accent1"/>
+          </a:effectRef>
+          <a:fontRef idx="minor">
+            <a:schemeClr val="tx1"/>
+          </a:fontRef>
+        </p:style>
+      </p:cxnSp>
+      <p:cxnSp>
+        <p:nvCxnSpPr>
+          <p:cNvPr id="13" name="Gerade Verbindung mit Pfeil 12">
+            <a:extLst>
+              <a:ext uri="{FF2B5EF4-FFF2-40B4-BE49-F238E27FC236}">
+                <a16:creationId xmlns:a16="http://schemas.microsoft.com/office/drawing/2014/main" id="{94FE12D5-FB37-AF35-E352-866AC3494B69}"/>
+              </a:ext>
+            </a:extLst>
+          </p:cNvPr>
+          <p:cNvCxnSpPr>
+            <a:cxnSpLocks/>
+            <a:endCxn id="6" idx="1"/>
+          </p:cNvCxnSpPr>
+          <p:nvPr/>
+        </p:nvCxnSpPr>
+        <p:spPr>
+          <a:xfrm flipV="1">
+            <a:off x="7202000" y="4559478"/>
+            <a:ext cx="957994" cy="1151901"/>
+          </a:xfrm>
+          <a:prstGeom prst="straightConnector1">
+            <a:avLst/>
+          </a:prstGeom>
+          <a:ln w="22225">
+            <a:solidFill>
+              <a:schemeClr val="accent5">
+                <a:lumMod val="40000"/>
+                <a:lumOff val="60000"/>
+              </a:schemeClr>
+            </a:solidFill>
+            <a:tailEnd type="triangle"/>
+          </a:ln>
+        </p:spPr>
+        <p:style>
+          <a:lnRef idx="1">
+            <a:schemeClr val="accent1"/>
+          </a:lnRef>
+          <a:fillRef idx="0">
+            <a:schemeClr val="accent1"/>
+          </a:fillRef>
+          <a:effectRef idx="0">
+            <a:schemeClr val="accent1"/>
+          </a:effectRef>
+          <a:fontRef idx="minor">
+            <a:schemeClr val="tx1"/>
+          </a:fontRef>
+        </p:style>
+      </p:cxnSp>
+      <p:sp>
+        <p:nvSpPr>
+          <p:cNvPr id="31" name="Textfeld 30">
+            <a:extLst>
+              <a:ext uri="{FF2B5EF4-FFF2-40B4-BE49-F238E27FC236}">
+                <a16:creationId xmlns:a16="http://schemas.microsoft.com/office/drawing/2014/main" id="{8B83690C-5E1B-C90B-C771-AF74EDA59F45}"/>
               </a:ext>
             </a:extLst>
           </p:cNvPr>
@@ -5975,8 +7453,46 @@
         </p:nvSpPr>
         <p:spPr>
           <a:xfrm>
-            <a:off x="1150355" y="1050351"/>
-            <a:ext cx="3298553" cy="369332"/>
+            <a:off x="8156698" y="4875365"/>
+            <a:ext cx="1503485" cy="369332"/>
+          </a:xfrm>
+          <a:prstGeom prst="rect">
+            <a:avLst/>
+          </a:prstGeom>
+          <a:solidFill>
+            <a:srgbClr val="FFFF00"/>
+          </a:solidFill>
+        </p:spPr>
+        <p:txBody>
+          <a:bodyPr wrap="square" rtlCol="0">
+            <a:spAutoFit/>
+          </a:bodyPr>
+          <a:lstStyle/>
+          <a:p>
+            <a:pPr algn="ctr"/>
+            <a:r>
+              <a:rPr lang="en-US" dirty="0"/>
+              <a:t>Text/Number</a:t>
+            </a:r>
+          </a:p>
+        </p:txBody>
+      </p:sp>
+      <p:sp>
+        <p:nvSpPr>
+          <p:cNvPr id="32" name="Textfeld 31">
+            <a:extLst>
+              <a:ext uri="{FF2B5EF4-FFF2-40B4-BE49-F238E27FC236}">
+                <a16:creationId xmlns:a16="http://schemas.microsoft.com/office/drawing/2014/main" id="{00CA3B79-87FF-EFC9-37E0-700D99E96A06}"/>
+              </a:ext>
+            </a:extLst>
+          </p:cNvPr>
+          <p:cNvSpPr txBox="1"/>
+          <p:nvPr/>
+        </p:nvSpPr>
+        <p:spPr>
+          <a:xfrm>
+            <a:off x="8159994" y="5415733"/>
+            <a:ext cx="1503485" cy="369332"/>
           </a:xfrm>
           <a:prstGeom prst="rect">
             <a:avLst/>
@@ -6001,12 +7517,474 @@
           <a:p>
             <a:pPr algn="ctr"/>
             <a:r>
-              <a:rPr lang="en-US" dirty="0" err="1"/>
+              <a:rPr lang="en-US" dirty="0"/>
+              <a:t>Text</a:t>
+            </a:r>
+          </a:p>
+        </p:txBody>
+      </p:sp>
+      <p:cxnSp>
+        <p:nvCxnSpPr>
+          <p:cNvPr id="33" name="Gerade Verbindung mit Pfeil 32">
+            <a:extLst>
+              <a:ext uri="{FF2B5EF4-FFF2-40B4-BE49-F238E27FC236}">
+                <a16:creationId xmlns:a16="http://schemas.microsoft.com/office/drawing/2014/main" id="{E55B0221-A1FA-DF7B-F3ED-0BA4DF965D3A}"/>
+              </a:ext>
+            </a:extLst>
+          </p:cNvPr>
+          <p:cNvCxnSpPr>
+            <a:cxnSpLocks/>
+            <a:endCxn id="31" idx="1"/>
+          </p:cNvCxnSpPr>
+          <p:nvPr/>
+        </p:nvCxnSpPr>
+        <p:spPr>
+          <a:xfrm flipV="1">
+            <a:off x="7224806" y="5060031"/>
+            <a:ext cx="931892" cy="150795"/>
+          </a:xfrm>
+          <a:prstGeom prst="straightConnector1">
+            <a:avLst/>
+          </a:prstGeom>
+          <a:ln w="22225">
+            <a:solidFill>
+              <a:srgbClr val="FFC000"/>
+            </a:solidFill>
+            <a:tailEnd type="triangle"/>
+          </a:ln>
+        </p:spPr>
+        <p:style>
+          <a:lnRef idx="1">
+            <a:schemeClr val="accent1"/>
+          </a:lnRef>
+          <a:fillRef idx="0">
+            <a:schemeClr val="accent1"/>
+          </a:fillRef>
+          <a:effectRef idx="0">
+            <a:schemeClr val="accent1"/>
+          </a:effectRef>
+          <a:fontRef idx="minor">
+            <a:schemeClr val="tx1"/>
+          </a:fontRef>
+        </p:style>
+      </p:cxnSp>
+      <p:cxnSp>
+        <p:nvCxnSpPr>
+          <p:cNvPr id="36" name="Gerade Verbindung mit Pfeil 35">
+            <a:extLst>
+              <a:ext uri="{FF2B5EF4-FFF2-40B4-BE49-F238E27FC236}">
+                <a16:creationId xmlns:a16="http://schemas.microsoft.com/office/drawing/2014/main" id="{35F8307A-1A59-E540-F679-76C99C3DE4F7}"/>
+              </a:ext>
+            </a:extLst>
+          </p:cNvPr>
+          <p:cNvCxnSpPr>
+            <a:cxnSpLocks/>
+          </p:cNvCxnSpPr>
+          <p:nvPr/>
+        </p:nvCxnSpPr>
+        <p:spPr>
+          <a:xfrm flipV="1">
+            <a:off x="7202000" y="5110155"/>
+            <a:ext cx="951402" cy="342872"/>
+          </a:xfrm>
+          <a:prstGeom prst="straightConnector1">
+            <a:avLst/>
+          </a:prstGeom>
+          <a:ln w="22225">
+            <a:solidFill>
+              <a:srgbClr val="FFC000"/>
+            </a:solidFill>
+            <a:tailEnd type="triangle"/>
+          </a:ln>
+        </p:spPr>
+        <p:style>
+          <a:lnRef idx="1">
+            <a:schemeClr val="accent1"/>
+          </a:lnRef>
+          <a:fillRef idx="0">
+            <a:schemeClr val="accent1"/>
+          </a:fillRef>
+          <a:effectRef idx="0">
+            <a:schemeClr val="accent1"/>
+          </a:effectRef>
+          <a:fontRef idx="minor">
+            <a:schemeClr val="tx1"/>
+          </a:fontRef>
+        </p:style>
+      </p:cxnSp>
+      <p:cxnSp>
+        <p:nvCxnSpPr>
+          <p:cNvPr id="45" name="Gerade Verbindung mit Pfeil 44">
+            <a:extLst>
+              <a:ext uri="{FF2B5EF4-FFF2-40B4-BE49-F238E27FC236}">
+                <a16:creationId xmlns:a16="http://schemas.microsoft.com/office/drawing/2014/main" id="{E9AE31A7-3619-C3E3-65DD-29D0998570A2}"/>
+              </a:ext>
+            </a:extLst>
+          </p:cNvPr>
+          <p:cNvCxnSpPr>
+            <a:cxnSpLocks/>
+            <a:endCxn id="32" idx="1"/>
+          </p:cNvCxnSpPr>
+          <p:nvPr/>
+        </p:nvCxnSpPr>
+        <p:spPr>
+          <a:xfrm>
+            <a:off x="7195408" y="5555055"/>
+            <a:ext cx="964586" cy="45344"/>
+          </a:xfrm>
+          <a:prstGeom prst="straightConnector1">
+            <a:avLst/>
+          </a:prstGeom>
+          <a:ln w="22225">
+            <a:solidFill>
+              <a:schemeClr val="tx1"/>
+            </a:solidFill>
+            <a:tailEnd type="triangle"/>
+          </a:ln>
+        </p:spPr>
+        <p:style>
+          <a:lnRef idx="1">
+            <a:schemeClr val="accent1"/>
+          </a:lnRef>
+          <a:fillRef idx="0">
+            <a:schemeClr val="accent1"/>
+          </a:fillRef>
+          <a:effectRef idx="0">
+            <a:schemeClr val="accent1"/>
+          </a:effectRef>
+          <a:fontRef idx="minor">
+            <a:schemeClr val="tx1"/>
+          </a:fontRef>
+        </p:style>
+      </p:cxnSp>
+      <p:cxnSp>
+        <p:nvCxnSpPr>
+          <p:cNvPr id="48" name="Gerade Verbindung mit Pfeil 47">
+            <a:extLst>
+              <a:ext uri="{FF2B5EF4-FFF2-40B4-BE49-F238E27FC236}">
+                <a16:creationId xmlns:a16="http://schemas.microsoft.com/office/drawing/2014/main" id="{6C52F57B-B050-99F5-F5B4-BACE0E9C14C5}"/>
+              </a:ext>
+            </a:extLst>
+          </p:cNvPr>
+          <p:cNvCxnSpPr>
+            <a:cxnSpLocks/>
+            <a:endCxn id="32" idx="1"/>
+          </p:cNvCxnSpPr>
+          <p:nvPr/>
+        </p:nvCxnSpPr>
+        <p:spPr>
+          <a:xfrm>
+            <a:off x="7209695" y="5281591"/>
+            <a:ext cx="950299" cy="318808"/>
+          </a:xfrm>
+          <a:prstGeom prst="straightConnector1">
+            <a:avLst/>
+          </a:prstGeom>
+          <a:ln w="22225">
+            <a:solidFill>
+              <a:schemeClr val="tx1"/>
+            </a:solidFill>
+            <a:tailEnd type="triangle"/>
+          </a:ln>
+        </p:spPr>
+        <p:style>
+          <a:lnRef idx="1">
+            <a:schemeClr val="accent1"/>
+          </a:lnRef>
+          <a:fillRef idx="0">
+            <a:schemeClr val="accent1"/>
+          </a:fillRef>
+          <a:effectRef idx="0">
+            <a:schemeClr val="accent1"/>
+          </a:effectRef>
+          <a:fontRef idx="minor">
+            <a:schemeClr val="tx1"/>
+          </a:fontRef>
+        </p:style>
+      </p:cxnSp>
+      <p:grpSp>
+        <p:nvGrpSpPr>
+          <p:cNvPr id="12" name="Gruppieren 11">
+            <a:extLst>
+              <a:ext uri="{FF2B5EF4-FFF2-40B4-BE49-F238E27FC236}">
+                <a16:creationId xmlns:a16="http://schemas.microsoft.com/office/drawing/2014/main" id="{FCE5F8FC-757F-20F0-E843-72EDB4F896DF}"/>
+              </a:ext>
+            </a:extLst>
+          </p:cNvPr>
+          <p:cNvGrpSpPr/>
+          <p:nvPr/>
+        </p:nvGrpSpPr>
+        <p:grpSpPr>
+          <a:xfrm>
+            <a:off x="1312433" y="1936376"/>
+            <a:ext cx="999425" cy="1962986"/>
+            <a:chOff x="1312433" y="1936376"/>
+            <a:chExt cx="999425" cy="1962986"/>
+          </a:xfrm>
+        </p:grpSpPr>
+        <p:cxnSp>
+          <p:nvCxnSpPr>
+            <p:cNvPr id="7" name="Gerader Verbinder 6">
+              <a:extLst>
+                <a:ext uri="{FF2B5EF4-FFF2-40B4-BE49-F238E27FC236}">
+                  <a16:creationId xmlns:a16="http://schemas.microsoft.com/office/drawing/2014/main" id="{950DE264-4003-5934-14AF-F1E89474C7F4}"/>
+                </a:ext>
+              </a:extLst>
+            </p:cNvPr>
+            <p:cNvCxnSpPr/>
+            <p:nvPr/>
+          </p:nvCxnSpPr>
+          <p:spPr>
+            <a:xfrm flipH="1">
+              <a:off x="1312433" y="1936376"/>
+              <a:ext cx="999425" cy="0"/>
+            </a:xfrm>
+            <a:prstGeom prst="line">
+              <a:avLst/>
+            </a:prstGeom>
+            <a:ln w="25400"/>
+          </p:spPr>
+          <p:style>
+            <a:lnRef idx="1">
+              <a:schemeClr val="accent1"/>
+            </a:lnRef>
+            <a:fillRef idx="0">
+              <a:schemeClr val="accent1"/>
+            </a:fillRef>
+            <a:effectRef idx="0">
+              <a:schemeClr val="accent1"/>
+            </a:effectRef>
+            <a:fontRef idx="minor">
+              <a:schemeClr val="tx1"/>
+            </a:fontRef>
+          </p:style>
+        </p:cxnSp>
+        <p:cxnSp>
+          <p:nvCxnSpPr>
+            <p:cNvPr id="10" name="Gerade Verbindung mit Pfeil 9">
+              <a:extLst>
+                <a:ext uri="{FF2B5EF4-FFF2-40B4-BE49-F238E27FC236}">
+                  <a16:creationId xmlns:a16="http://schemas.microsoft.com/office/drawing/2014/main" id="{1593802B-5ADB-D34A-1EE8-11ADAADA779E}"/>
+                </a:ext>
+              </a:extLst>
+            </p:cNvPr>
+            <p:cNvCxnSpPr/>
+            <p:nvPr/>
+          </p:nvCxnSpPr>
+          <p:spPr>
+            <a:xfrm>
+              <a:off x="1323191" y="1936376"/>
+              <a:ext cx="0" cy="1962986"/>
+            </a:xfrm>
+            <a:prstGeom prst="straightConnector1">
+              <a:avLst/>
+            </a:prstGeom>
+            <a:ln w="25400">
+              <a:tailEnd type="triangle"/>
+            </a:ln>
+          </p:spPr>
+          <p:style>
+            <a:lnRef idx="1">
+              <a:schemeClr val="accent1"/>
+            </a:lnRef>
+            <a:fillRef idx="0">
+              <a:schemeClr val="accent1"/>
+            </a:fillRef>
+            <a:effectRef idx="0">
+              <a:schemeClr val="accent1"/>
+            </a:effectRef>
+            <a:fontRef idx="minor">
+              <a:schemeClr val="tx1"/>
+            </a:fontRef>
+          </p:style>
+        </p:cxnSp>
+      </p:grpSp>
+    </p:spTree>
+    <p:extLst>
+      <p:ext uri="{BB962C8B-B14F-4D97-AF65-F5344CB8AC3E}">
+        <p14:creationId xmlns:p14="http://schemas.microsoft.com/office/powerpoint/2010/main" val="3179689777"/>
+      </p:ext>
+    </p:extLst>
+  </p:cSld>
+  <p:clrMapOvr>
+    <a:masterClrMapping/>
+  </p:clrMapOvr>
+</p:sld>
+</file>
+
+<file path=ppt/slides/slide8.xml><?xml version="1.0" encoding="utf-8"?>
+<p:sld xmlns:a="http://schemas.openxmlformats.org/drawingml/2006/main" xmlns:r="http://schemas.openxmlformats.org/officeDocument/2006/relationships" xmlns:p="http://schemas.openxmlformats.org/presentationml/2006/main">
+  <p:cSld>
+    <p:spTree>
+      <p:nvGrpSpPr>
+        <p:cNvPr id="1" name=""/>
+        <p:cNvGrpSpPr/>
+        <p:nvPr/>
+      </p:nvGrpSpPr>
+      <p:grpSpPr>
+        <a:xfrm>
+          <a:off x="0" y="0"/>
+          <a:ext cx="0" cy="0"/>
+          <a:chOff x="0" y="0"/>
+          <a:chExt cx="0" cy="0"/>
+        </a:xfrm>
+      </p:grpSpPr>
+      <p:sp>
+        <p:nvSpPr>
+          <p:cNvPr id="26" name="Textfeld 25">
+            <a:extLst>
+              <a:ext uri="{FF2B5EF4-FFF2-40B4-BE49-F238E27FC236}">
+                <a16:creationId xmlns:a16="http://schemas.microsoft.com/office/drawing/2014/main" id="{E5229098-1146-2BBD-D75D-639ED2A05A0D}"/>
+              </a:ext>
+            </a:extLst>
+          </p:cNvPr>
+          <p:cNvSpPr txBox="1"/>
+          <p:nvPr/>
+        </p:nvSpPr>
+        <p:spPr>
+          <a:xfrm>
+            <a:off x="190156" y="88968"/>
+            <a:ext cx="9352657" cy="523220"/>
+          </a:xfrm>
+          <a:prstGeom prst="rect">
+            <a:avLst/>
+          </a:prstGeom>
+          <a:noFill/>
+        </p:spPr>
+        <p:txBody>
+          <a:bodyPr wrap="square" rtlCol="0">
+            <a:spAutoFit/>
+          </a:bodyPr>
+          <a:lstStyle/>
+          <a:p>
+            <a:pPr algn="ctr"/>
+            <a:r>
+              <a:rPr lang="en-US" sz="2800" b="1" dirty="0" err="1"/>
               <a:t>ESRS</a:t>
             </a:r>
             <a:r>
+              <a:rPr lang="en-US" sz="2800" b="1" dirty="0"/>
+              <a:t>: XBRL-Format Delivery Requirement</a:t>
+            </a:r>
+          </a:p>
+        </p:txBody>
+      </p:sp>
+      <p:pic>
+        <p:nvPicPr>
+          <p:cNvPr id="4" name="Grafik 3" descr="Ein Bild, das Text, Screenshot, Software, Multimedia-Software enthält.&#10;&#10;Automatisch generierte Beschreibung">
+            <a:extLst>
+              <a:ext uri="{FF2B5EF4-FFF2-40B4-BE49-F238E27FC236}">
+                <a16:creationId xmlns:a16="http://schemas.microsoft.com/office/drawing/2014/main" id="{F6C044C3-2B6B-3736-CE3B-E0A2504B5196}"/>
+              </a:ext>
+            </a:extLst>
+          </p:cNvPr>
+          <p:cNvPicPr>
+            <a:picLocks noChangeAspect="1"/>
+          </p:cNvPicPr>
+          <p:nvPr/>
+        </p:nvPicPr>
+        <p:blipFill rotWithShape="1">
+          <a:blip r:embed="rId2"/>
+          <a:srcRect l="6394" t="22442" r="75496" b="57733"/>
+          <a:stretch/>
+        </p:blipFill>
+        <p:spPr bwMode="auto">
+          <a:xfrm>
+            <a:off x="742970" y="1566935"/>
+            <a:ext cx="4037824" cy="2371433"/>
+          </a:xfrm>
+          <a:prstGeom prst="rect">
+            <a:avLst/>
+          </a:prstGeom>
+          <a:ln>
+            <a:noFill/>
+          </a:ln>
+          <a:extLst>
+            <a:ext uri="{53640926-AAD7-44D8-BBD7-CCE9431645EC}">
+              <a14:shadowObscured xmlns:a14="http://schemas.microsoft.com/office/drawing/2010/main"/>
+            </a:ext>
+          </a:extLst>
+        </p:spPr>
+      </p:pic>
+      <p:pic>
+        <p:nvPicPr>
+          <p:cNvPr id="7" name="Grafik 6" descr="Ein Bild, das Text, Screenshot, Software, Multimedia-Software enthält.&#10;&#10;Automatisch generierte Beschreibung">
+            <a:extLst>
+              <a:ext uri="{FF2B5EF4-FFF2-40B4-BE49-F238E27FC236}">
+                <a16:creationId xmlns:a16="http://schemas.microsoft.com/office/drawing/2014/main" id="{3E73EFB9-82AF-01F0-1B61-128D4276F781}"/>
+              </a:ext>
+            </a:extLst>
+          </p:cNvPr>
+          <p:cNvPicPr>
+            <a:picLocks noChangeAspect="1"/>
+          </p:cNvPicPr>
+          <p:nvPr/>
+        </p:nvPicPr>
+        <p:blipFill rotWithShape="1">
+          <a:blip r:embed="rId3"/>
+          <a:srcRect l="8218" t="41674" r="78779" b="55633"/>
+          <a:stretch/>
+        </p:blipFill>
+        <p:spPr bwMode="auto">
+          <a:xfrm>
+            <a:off x="5014575" y="1566935"/>
+            <a:ext cx="4148455" cy="461010"/>
+          </a:xfrm>
+          <a:prstGeom prst="rect">
+            <a:avLst/>
+          </a:prstGeom>
+          <a:ln>
+            <a:noFill/>
+          </a:ln>
+          <a:extLst>
+            <a:ext uri="{53640926-AAD7-44D8-BBD7-CCE9431645EC}">
+              <a14:shadowObscured xmlns:a14="http://schemas.microsoft.com/office/drawing/2010/main"/>
+            </a:ext>
+          </a:extLst>
+        </p:spPr>
+      </p:pic>
+      <p:sp>
+        <p:nvSpPr>
+          <p:cNvPr id="8" name="Textfeld 7">
+            <a:extLst>
+              <a:ext uri="{FF2B5EF4-FFF2-40B4-BE49-F238E27FC236}">
+                <a16:creationId xmlns:a16="http://schemas.microsoft.com/office/drawing/2014/main" id="{94BFA564-B7FD-B2DC-C160-4C2E57924C9E}"/>
+              </a:ext>
+            </a:extLst>
+          </p:cNvPr>
+          <p:cNvSpPr txBox="1"/>
+          <p:nvPr/>
+        </p:nvSpPr>
+        <p:spPr>
+          <a:xfrm>
+            <a:off x="1150355" y="1050351"/>
+            <a:ext cx="3298553" cy="369332"/>
+          </a:xfrm>
+          <a:prstGeom prst="rect">
+            <a:avLst/>
+          </a:prstGeom>
+          <a:solidFill>
+            <a:schemeClr val="bg1"/>
+          </a:solidFill>
+          <a:ln>
+            <a:solidFill>
+              <a:schemeClr val="accent5">
+                <a:lumMod val="40000"/>
+                <a:lumOff val="60000"/>
+              </a:schemeClr>
+            </a:solidFill>
+          </a:ln>
+        </p:spPr>
+        <p:txBody>
+          <a:bodyPr wrap="square" rtlCol="0">
+            <a:spAutoFit/>
+          </a:bodyPr>
+          <a:lstStyle/>
+          <a:p>
+            <a:pPr algn="ctr"/>
+            <a:r>
               <a:rPr lang="en-US" dirty="0"/>
-              <a:t> Taxonomy</a:t>
+              <a:t>ESEF Taxonomy</a:t>
             </a:r>
           </a:p>
         </p:txBody>
@@ -6188,8 +8166,8 @@
 </p:sld>
 </file>
 
-<file path=ppt/slides/slide8.xml><?xml version="1.0" encoding="utf-8"?>
-<p:sld xmlns:a="http://schemas.openxmlformats.org/drawingml/2006/main" xmlns:r="http://schemas.openxmlformats.org/officeDocument/2006/relationships" xmlns:p="http://schemas.openxmlformats.org/presentationml/2006/main" show="0">
+<file path=ppt/slides/slide9.xml><?xml version="1.0" encoding="utf-8"?>
+<p:sld xmlns:a="http://schemas.openxmlformats.org/drawingml/2006/main" xmlns:r="http://schemas.openxmlformats.org/officeDocument/2006/relationships" xmlns:p="http://schemas.openxmlformats.org/presentationml/2006/main">
   <p:cSld>
     <p:spTree>
       <p:nvGrpSpPr>
@@ -6235,22 +8213,18 @@
           <a:p>
             <a:pPr algn="ctr"/>
             <a:r>
-              <a:rPr lang="en-US" sz="2800" b="1" dirty="0" err="1"/>
-              <a:t>ESRS</a:t>
-            </a:r>
-            <a:r>
               <a:rPr lang="en-US" sz="2800" b="1" dirty="0"/>
-              <a:t>: XBRL-Format Delivery</a:t>
+              <a:t>How to build a Knowledge Graph</a:t>
             </a:r>
           </a:p>
         </p:txBody>
       </p:sp>
       <p:pic>
         <p:nvPicPr>
-          <p:cNvPr id="2" name="Grafik 1">
-            <a:extLst>
-              <a:ext uri="{FF2B5EF4-FFF2-40B4-BE49-F238E27FC236}">
-                <a16:creationId xmlns:a16="http://schemas.microsoft.com/office/drawing/2014/main" id="{AEA1C299-7E18-EA2A-C45B-452DEDB74645}"/>
+          <p:cNvPr id="4" name="Grafik 3">
+            <a:extLst>
+              <a:ext uri="{FF2B5EF4-FFF2-40B4-BE49-F238E27FC236}">
+                <a16:creationId xmlns:a16="http://schemas.microsoft.com/office/drawing/2014/main" id="{E648CB47-B289-0291-1D22-F5541471EB5C}"/>
               </a:ext>
             </a:extLst>
           </p:cNvPr>
@@ -6259,16 +8233,15 @@
           </p:cNvPicPr>
           <p:nvPr/>
         </p:nvPicPr>
-        <p:blipFill>
+        <p:blipFill rotWithShape="1">
           <a:blip r:embed="rId2"/>
-          <a:stretch>
-            <a:fillRect/>
-          </a:stretch>
+          <a:srcRect l="11837" t="10965" r="6606" b="13529"/>
+          <a:stretch/>
         </p:blipFill>
         <p:spPr>
           <a:xfrm>
-            <a:off x="296740" y="4215249"/>
-            <a:ext cx="6930538" cy="1542191"/>
+            <a:off x="514542" y="1269403"/>
+            <a:ext cx="8876915" cy="1914861"/>
           </a:xfrm>
           <a:prstGeom prst="rect">
             <a:avLst/>
@@ -6277,10 +8250,10 @@
       </p:pic>
       <p:sp>
         <p:nvSpPr>
-          <p:cNvPr id="3" name="Textfeld 2">
-            <a:extLst>
-              <a:ext uri="{FF2B5EF4-FFF2-40B4-BE49-F238E27FC236}">
-                <a16:creationId xmlns:a16="http://schemas.microsoft.com/office/drawing/2014/main" id="{7DA38F7F-4D8A-9E1E-FDB0-479EC62B3C48}"/>
+          <p:cNvPr id="5" name="Textfeld 4">
+            <a:extLst>
+              <a:ext uri="{FF2B5EF4-FFF2-40B4-BE49-F238E27FC236}">
+                <a16:creationId xmlns:a16="http://schemas.microsoft.com/office/drawing/2014/main" id="{1C00005E-371B-5952-B558-49F82B6B4DCF}"/>
               </a:ext>
             </a:extLst>
           </p:cNvPr>
@@ -6289,8 +8262,8 @@
         </p:nvSpPr>
         <p:spPr>
           <a:xfrm>
-            <a:off x="190156" y="3899362"/>
-            <a:ext cx="1244111" cy="369332"/>
+            <a:off x="5378824" y="3284011"/>
+            <a:ext cx="4163989" cy="266988"/>
           </a:xfrm>
           <a:prstGeom prst="rect">
             <a:avLst/>
@@ -6304,18 +8277,18 @@
           <a:lstStyle/>
           <a:p>
             <a:r>
-              <a:rPr lang="en-US" dirty="0"/>
-              <a:t>Extract:</a:t>
-            </a:r>
-          </a:p>
-        </p:txBody>
-      </p:sp>
-      <p:sp>
-        <p:nvSpPr>
-          <p:cNvPr id="6" name="Textfeld 5">
-            <a:extLst>
-              <a:ext uri="{FF2B5EF4-FFF2-40B4-BE49-F238E27FC236}">
-                <a16:creationId xmlns:a16="http://schemas.microsoft.com/office/drawing/2014/main" id="{DCB9DCF1-C29C-D79D-4A80-82276BC00267}"/>
+              <a:rPr lang="de-DE" sz="1100" dirty="0"/>
+              <a:t>Source: https://factnexus.com/blog/how-to-build-a-knowledge-graph</a:t>
+            </a:r>
+          </a:p>
+        </p:txBody>
+      </p:sp>
+      <p:sp>
+        <p:nvSpPr>
+          <p:cNvPr id="19" name="Textfeld 18">
+            <a:extLst>
+              <a:ext uri="{FF2B5EF4-FFF2-40B4-BE49-F238E27FC236}">
+                <a16:creationId xmlns:a16="http://schemas.microsoft.com/office/drawing/2014/main" id="{72ED1810-6DAC-F5AF-3FB0-5571FE75DBE7}"/>
               </a:ext>
             </a:extLst>
           </p:cNvPr>
@@ -6324,184 +8297,41 @@
         </p:nvSpPr>
         <p:spPr>
           <a:xfrm>
-            <a:off x="8159994" y="4374812"/>
-            <a:ext cx="1445602" cy="369332"/>
+            <a:off x="939470" y="4354791"/>
+            <a:ext cx="5647765" cy="369332"/>
           </a:xfrm>
           <a:prstGeom prst="rect">
             <a:avLst/>
           </a:prstGeom>
-          <a:solidFill>
-            <a:schemeClr val="accent5">
-              <a:lumMod val="40000"/>
-              <a:lumOff val="60000"/>
-            </a:schemeClr>
-          </a:solidFill>
-        </p:spPr>
-        <p:txBody>
-          <a:bodyPr wrap="square" rtlCol="0">
+          <a:noFill/>
+        </p:spPr>
+        <p:txBody>
+          <a:bodyPr wrap="square">
             <a:spAutoFit/>
           </a:bodyPr>
           <a:lstStyle/>
           <a:p>
-            <a:pPr algn="ctr"/>
-            <a:r>
-              <a:rPr lang="en-US" dirty="0"/>
-              <a:t>Quantitative</a:t>
-            </a:r>
-          </a:p>
-        </p:txBody>
-      </p:sp>
-      <p:cxnSp>
-        <p:nvCxnSpPr>
-          <p:cNvPr id="9" name="Gerade Verbindung mit Pfeil 8">
-            <a:extLst>
-              <a:ext uri="{FF2B5EF4-FFF2-40B4-BE49-F238E27FC236}">
-                <a16:creationId xmlns:a16="http://schemas.microsoft.com/office/drawing/2014/main" id="{544F1DDF-CF8D-B57C-9125-CEFD6B865F9E}"/>
-              </a:ext>
-            </a:extLst>
-          </p:cNvPr>
-          <p:cNvCxnSpPr>
-            <a:cxnSpLocks/>
-            <a:endCxn id="6" idx="1"/>
-          </p:cNvCxnSpPr>
-          <p:nvPr/>
-        </p:nvCxnSpPr>
-        <p:spPr>
-          <a:xfrm>
-            <a:off x="7225630" y="4374812"/>
-            <a:ext cx="934364" cy="184666"/>
-          </a:xfrm>
-          <a:prstGeom prst="straightConnector1">
-            <a:avLst/>
-          </a:prstGeom>
-          <a:ln w="22225">
-            <a:solidFill>
-              <a:schemeClr val="accent5">
-                <a:lumMod val="40000"/>
-                <a:lumOff val="60000"/>
-              </a:schemeClr>
-            </a:solidFill>
-            <a:tailEnd type="triangle"/>
-          </a:ln>
-        </p:spPr>
-        <p:style>
-          <a:lnRef idx="1">
-            <a:schemeClr val="accent1"/>
-          </a:lnRef>
-          <a:fillRef idx="0">
-            <a:schemeClr val="accent1"/>
-          </a:fillRef>
-          <a:effectRef idx="0">
-            <a:schemeClr val="accent1"/>
-          </a:effectRef>
-          <a:fontRef idx="minor">
-            <a:schemeClr val="tx1"/>
-          </a:fontRef>
-        </p:style>
-      </p:cxnSp>
-      <p:cxnSp>
-        <p:nvCxnSpPr>
-          <p:cNvPr id="11" name="Gerade Verbindung mit Pfeil 10">
-            <a:extLst>
-              <a:ext uri="{FF2B5EF4-FFF2-40B4-BE49-F238E27FC236}">
-                <a16:creationId xmlns:a16="http://schemas.microsoft.com/office/drawing/2014/main" id="{06619D27-278D-4F87-2AC5-DA99A6AB83EC}"/>
-              </a:ext>
-            </a:extLst>
-          </p:cNvPr>
-          <p:cNvCxnSpPr>
-            <a:cxnSpLocks/>
-            <a:stCxn id="2" idx="3"/>
-            <a:endCxn id="6" idx="1"/>
-          </p:cNvCxnSpPr>
-          <p:nvPr/>
-        </p:nvCxnSpPr>
-        <p:spPr>
-          <a:xfrm flipV="1">
-            <a:off x="7227278" y="4559478"/>
-            <a:ext cx="932716" cy="426867"/>
-          </a:xfrm>
-          <a:prstGeom prst="straightConnector1">
-            <a:avLst/>
-          </a:prstGeom>
-          <a:ln w="22225">
-            <a:solidFill>
-              <a:schemeClr val="accent5">
-                <a:lumMod val="40000"/>
-                <a:lumOff val="60000"/>
-              </a:schemeClr>
-            </a:solidFill>
-            <a:tailEnd type="triangle"/>
-          </a:ln>
-        </p:spPr>
-        <p:style>
-          <a:lnRef idx="1">
-            <a:schemeClr val="accent1"/>
-          </a:lnRef>
-          <a:fillRef idx="0">
-            <a:schemeClr val="accent1"/>
-          </a:fillRef>
-          <a:effectRef idx="0">
-            <a:schemeClr val="accent1"/>
-          </a:effectRef>
-          <a:fontRef idx="minor">
-            <a:schemeClr val="tx1"/>
-          </a:fontRef>
-        </p:style>
-      </p:cxnSp>
-      <p:cxnSp>
-        <p:nvCxnSpPr>
-          <p:cNvPr id="13" name="Gerade Verbindung mit Pfeil 12">
-            <a:extLst>
-              <a:ext uri="{FF2B5EF4-FFF2-40B4-BE49-F238E27FC236}">
-                <a16:creationId xmlns:a16="http://schemas.microsoft.com/office/drawing/2014/main" id="{94FE12D5-FB37-AF35-E352-866AC3494B69}"/>
-              </a:ext>
-            </a:extLst>
-          </p:cNvPr>
-          <p:cNvCxnSpPr>
-            <a:cxnSpLocks/>
-            <a:endCxn id="6" idx="1"/>
-          </p:cNvCxnSpPr>
-          <p:nvPr/>
-        </p:nvCxnSpPr>
-        <p:spPr>
-          <a:xfrm flipV="1">
-            <a:off x="7202000" y="4559478"/>
-            <a:ext cx="957994" cy="1151901"/>
-          </a:xfrm>
-          <a:prstGeom prst="straightConnector1">
-            <a:avLst/>
-          </a:prstGeom>
-          <a:ln w="22225">
-            <a:solidFill>
-              <a:schemeClr val="accent5">
-                <a:lumMod val="40000"/>
-                <a:lumOff val="60000"/>
-              </a:schemeClr>
-            </a:solidFill>
-            <a:tailEnd type="triangle"/>
-          </a:ln>
-        </p:spPr>
-        <p:style>
-          <a:lnRef idx="1">
-            <a:schemeClr val="accent1"/>
-          </a:lnRef>
-          <a:fillRef idx="0">
-            <a:schemeClr val="accent1"/>
-          </a:fillRef>
-          <a:effectRef idx="0">
-            <a:schemeClr val="accent1"/>
-          </a:effectRef>
-          <a:fontRef idx="minor">
-            <a:schemeClr val="tx1"/>
-          </a:fontRef>
-        </p:style>
-      </p:cxnSp>
-      <p:sp>
-        <p:nvSpPr>
-          <p:cNvPr id="31" name="Textfeld 30">
-            <a:extLst>
-              <a:ext uri="{FF2B5EF4-FFF2-40B4-BE49-F238E27FC236}">
-                <a16:creationId xmlns:a16="http://schemas.microsoft.com/office/drawing/2014/main" id="{8B83690C-5E1B-C90B-C771-AF74EDA59F45}"/>
+            <a:r>
+              <a:rPr lang="de-DE" b="1" dirty="0"/>
+              <a:t>ESEF XBRL </a:t>
+            </a:r>
+            <a:r>
+              <a:rPr lang="de-DE" b="1" dirty="0" err="1"/>
+              <a:t>Taxonomy</a:t>
+            </a:r>
+            <a:r>
+              <a:rPr lang="de-DE" dirty="0"/>
+              <a:t>: Financial Reports</a:t>
+            </a:r>
+          </a:p>
+        </p:txBody>
+      </p:sp>
+      <p:sp>
+        <p:nvSpPr>
+          <p:cNvPr id="21" name="Textfeld 20">
+            <a:extLst>
+              <a:ext uri="{FF2B5EF4-FFF2-40B4-BE49-F238E27FC236}">
+                <a16:creationId xmlns:a16="http://schemas.microsoft.com/office/drawing/2014/main" id="{2749F9BD-CC97-96FA-7404-4EE48E7D1C2C}"/>
               </a:ext>
             </a:extLst>
           </p:cNvPr>
@@ -6510,36 +8340,37 @@
         </p:nvSpPr>
         <p:spPr>
           <a:xfrm>
-            <a:off x="8156698" y="4875365"/>
-            <a:ext cx="1503485" cy="369332"/>
+            <a:off x="939470" y="5390122"/>
+            <a:ext cx="4953896" cy="369332"/>
           </a:xfrm>
           <a:prstGeom prst="rect">
             <a:avLst/>
           </a:prstGeom>
-          <a:solidFill>
-            <a:srgbClr val="FFFF00"/>
-          </a:solidFill>
-        </p:spPr>
-        <p:txBody>
-          <a:bodyPr wrap="square" rtlCol="0">
+          <a:noFill/>
+        </p:spPr>
+        <p:txBody>
+          <a:bodyPr wrap="square">
             <a:spAutoFit/>
           </a:bodyPr>
           <a:lstStyle/>
           <a:p>
-            <a:pPr algn="ctr"/>
-            <a:r>
-              <a:rPr lang="en-US" dirty="0"/>
-              <a:t>Text/Number</a:t>
-            </a:r>
-          </a:p>
-        </p:txBody>
-      </p:sp>
-      <p:sp>
-        <p:nvSpPr>
-          <p:cNvPr id="32" name="Textfeld 31">
-            <a:extLst>
-              <a:ext uri="{FF2B5EF4-FFF2-40B4-BE49-F238E27FC236}">
-                <a16:creationId xmlns:a16="http://schemas.microsoft.com/office/drawing/2014/main" id="{00CA3B79-87FF-EFC9-37E0-700D99E96A06}"/>
+            <a:r>
+              <a:rPr lang="de-DE" b="1" dirty="0"/>
+              <a:t>ESRS XBRL Taxonomie</a:t>
+            </a:r>
+            <a:r>
+              <a:rPr lang="de-DE" dirty="0"/>
+              <a:t>: ESG-Reporting</a:t>
+            </a:r>
+          </a:p>
+        </p:txBody>
+      </p:sp>
+      <p:sp>
+        <p:nvSpPr>
+          <p:cNvPr id="22" name="Textfeld 21">
+            <a:extLst>
+              <a:ext uri="{FF2B5EF4-FFF2-40B4-BE49-F238E27FC236}">
+                <a16:creationId xmlns:a16="http://schemas.microsoft.com/office/drawing/2014/main" id="{F46885F7-4307-A04C-193C-458139C40CB4}"/>
               </a:ext>
             </a:extLst>
           </p:cNvPr>
@@ -6548,217 +8379,270 @@
         </p:nvSpPr>
         <p:spPr>
           <a:xfrm>
-            <a:off x="8159994" y="5415733"/>
-            <a:ext cx="1503485" cy="369332"/>
+            <a:off x="528854" y="3841479"/>
+            <a:ext cx="2006302" cy="461665"/>
           </a:xfrm>
           <a:prstGeom prst="rect">
             <a:avLst/>
           </a:prstGeom>
-          <a:solidFill>
-            <a:schemeClr val="bg1"/>
-          </a:solidFill>
+          <a:noFill/>
           <a:ln>
             <a:solidFill>
-              <a:schemeClr val="accent5">
-                <a:lumMod val="40000"/>
-                <a:lumOff val="60000"/>
+              <a:schemeClr val="accent6">
+                <a:lumMod val="50000"/>
               </a:schemeClr>
             </a:solidFill>
           </a:ln>
         </p:spPr>
         <p:txBody>
-          <a:bodyPr wrap="square" rtlCol="0">
+          <a:bodyPr wrap="square">
             <a:spAutoFit/>
           </a:bodyPr>
           <a:lstStyle/>
           <a:p>
             <a:pPr algn="ctr"/>
             <a:r>
-              <a:rPr lang="en-US" dirty="0"/>
-              <a:t>Text</a:t>
-            </a:r>
-          </a:p>
-        </p:txBody>
-      </p:sp>
-      <p:cxnSp>
-        <p:nvCxnSpPr>
-          <p:cNvPr id="33" name="Gerade Verbindung mit Pfeil 32">
-            <a:extLst>
-              <a:ext uri="{FF2B5EF4-FFF2-40B4-BE49-F238E27FC236}">
-                <a16:creationId xmlns:a16="http://schemas.microsoft.com/office/drawing/2014/main" id="{E55B0221-A1FA-DF7B-F3ED-0BA4DF965D3A}"/>
-              </a:ext>
-            </a:extLst>
-          </p:cNvPr>
-          <p:cNvCxnSpPr>
-            <a:cxnSpLocks/>
-            <a:endCxn id="31" idx="1"/>
-          </p:cNvCxnSpPr>
-          <p:nvPr/>
-        </p:nvCxnSpPr>
-        <p:spPr>
-          <a:xfrm flipV="1">
-            <a:off x="7224806" y="5060031"/>
-            <a:ext cx="931892" cy="150795"/>
-          </a:xfrm>
-          <a:prstGeom prst="straightConnector1">
-            <a:avLst/>
-          </a:prstGeom>
-          <a:ln w="22225">
+              <a:rPr lang="de-DE" sz="2400" dirty="0" err="1">
+                <a:solidFill>
+                  <a:schemeClr val="accent6">
+                    <a:lumMod val="50000"/>
+                  </a:schemeClr>
+                </a:solidFill>
+              </a:rPr>
+              <a:t>Already</a:t>
+            </a:r>
+            <a:r>
+              <a:rPr lang="de-DE" sz="2400" dirty="0">
+                <a:solidFill>
+                  <a:schemeClr val="accent6">
+                    <a:lumMod val="50000"/>
+                  </a:schemeClr>
+                </a:solidFill>
+              </a:rPr>
+              <a:t> </a:t>
+            </a:r>
+            <a:r>
+              <a:rPr lang="de-DE" sz="2400" dirty="0" err="1">
+                <a:solidFill>
+                  <a:schemeClr val="accent6">
+                    <a:lumMod val="50000"/>
+                  </a:schemeClr>
+                </a:solidFill>
+              </a:rPr>
+              <a:t>there</a:t>
+            </a:r>
+            <a:r>
+              <a:rPr lang="de-DE" sz="2400" dirty="0">
+                <a:solidFill>
+                  <a:schemeClr val="accent6">
+                    <a:lumMod val="50000"/>
+                  </a:schemeClr>
+                </a:solidFill>
+              </a:rPr>
+              <a:t>:</a:t>
+            </a:r>
+          </a:p>
+        </p:txBody>
+      </p:sp>
+      <p:sp>
+        <p:nvSpPr>
+          <p:cNvPr id="23" name="Textfeld 22">
+            <a:extLst>
+              <a:ext uri="{FF2B5EF4-FFF2-40B4-BE49-F238E27FC236}">
+                <a16:creationId xmlns:a16="http://schemas.microsoft.com/office/drawing/2014/main" id="{EA2EA6BC-BF4F-8FDE-90FA-E3900660AF2D}"/>
+              </a:ext>
+            </a:extLst>
+          </p:cNvPr>
+          <p:cNvSpPr txBox="1"/>
+          <p:nvPr/>
+        </p:nvSpPr>
+        <p:spPr>
+          <a:xfrm>
+            <a:off x="514542" y="4826290"/>
+            <a:ext cx="1274782" cy="461665"/>
+          </a:xfrm>
+          <a:prstGeom prst="rect">
+            <a:avLst/>
+          </a:prstGeom>
+          <a:noFill/>
+          <a:ln>
             <a:solidFill>
-              <a:srgbClr val="FFC000"/>
+              <a:srgbClr val="FF0000"/>
             </a:solidFill>
-            <a:tailEnd type="triangle"/>
           </a:ln>
         </p:spPr>
-        <p:style>
-          <a:lnRef idx="1">
-            <a:schemeClr val="accent1"/>
-          </a:lnRef>
-          <a:fillRef idx="0">
-            <a:schemeClr val="accent1"/>
-          </a:fillRef>
-          <a:effectRef idx="0">
-            <a:schemeClr val="accent1"/>
-          </a:effectRef>
-          <a:fontRef idx="minor">
-            <a:schemeClr val="tx1"/>
-          </a:fontRef>
-        </p:style>
-      </p:cxnSp>
-      <p:cxnSp>
-        <p:nvCxnSpPr>
-          <p:cNvPr id="36" name="Gerade Verbindung mit Pfeil 35">
-            <a:extLst>
-              <a:ext uri="{FF2B5EF4-FFF2-40B4-BE49-F238E27FC236}">
-                <a16:creationId xmlns:a16="http://schemas.microsoft.com/office/drawing/2014/main" id="{35F8307A-1A59-E540-F679-76C99C3DE4F7}"/>
-              </a:ext>
-            </a:extLst>
-          </p:cNvPr>
-          <p:cNvCxnSpPr>
-            <a:cxnSpLocks/>
-          </p:cNvCxnSpPr>
-          <p:nvPr/>
-        </p:nvCxnSpPr>
-        <p:spPr>
-          <a:xfrm flipV="1">
-            <a:off x="7202000" y="5110155"/>
-            <a:ext cx="951402" cy="342872"/>
-          </a:xfrm>
-          <a:prstGeom prst="straightConnector1">
-            <a:avLst/>
-          </a:prstGeom>
-          <a:ln w="22225">
-            <a:solidFill>
-              <a:srgbClr val="FFC000"/>
-            </a:solidFill>
-            <a:tailEnd type="triangle"/>
-          </a:ln>
-        </p:spPr>
-        <p:style>
-          <a:lnRef idx="1">
-            <a:schemeClr val="accent1"/>
-          </a:lnRef>
-          <a:fillRef idx="0">
-            <a:schemeClr val="accent1"/>
-          </a:fillRef>
-          <a:effectRef idx="0">
-            <a:schemeClr val="accent1"/>
-          </a:effectRef>
-          <a:fontRef idx="minor">
-            <a:schemeClr val="tx1"/>
-          </a:fontRef>
-        </p:style>
-      </p:cxnSp>
-      <p:cxnSp>
-        <p:nvCxnSpPr>
-          <p:cNvPr id="45" name="Gerade Verbindung mit Pfeil 44">
-            <a:extLst>
-              <a:ext uri="{FF2B5EF4-FFF2-40B4-BE49-F238E27FC236}">
-                <a16:creationId xmlns:a16="http://schemas.microsoft.com/office/drawing/2014/main" id="{E9AE31A7-3619-C3E3-65DD-29D0998570A2}"/>
-              </a:ext>
-            </a:extLst>
-          </p:cNvPr>
-          <p:cNvCxnSpPr>
-            <a:cxnSpLocks/>
-            <a:endCxn id="32" idx="1"/>
-          </p:cNvCxnSpPr>
-          <p:nvPr/>
-        </p:nvCxnSpPr>
-        <p:spPr>
-          <a:xfrm>
-            <a:off x="7195408" y="5555055"/>
-            <a:ext cx="964586" cy="45344"/>
-          </a:xfrm>
-          <a:prstGeom prst="straightConnector1">
-            <a:avLst/>
-          </a:prstGeom>
-          <a:ln w="22225">
-            <a:solidFill>
+        <p:txBody>
+          <a:bodyPr wrap="square">
+            <a:spAutoFit/>
+          </a:bodyPr>
+          <a:lstStyle/>
+          <a:p>
+            <a:r>
+              <a:rPr lang="de-DE" sz="2400" dirty="0">
+                <a:solidFill>
+                  <a:srgbClr val="FF0000"/>
+                </a:solidFill>
+              </a:rPr>
+              <a:t>Coming:</a:t>
+            </a:r>
+          </a:p>
+        </p:txBody>
+      </p:sp>
+      <p:grpSp>
+        <p:nvGrpSpPr>
+          <p:cNvPr id="34" name="Gruppieren 33">
+            <a:extLst>
+              <a:ext uri="{FF2B5EF4-FFF2-40B4-BE49-F238E27FC236}">
+                <a16:creationId xmlns:a16="http://schemas.microsoft.com/office/drawing/2014/main" id="{17609902-84C8-A8B3-0DF3-5A683F421AD3}"/>
+              </a:ext>
+            </a:extLst>
+          </p:cNvPr>
+          <p:cNvGrpSpPr/>
+          <p:nvPr/>
+        </p:nvGrpSpPr>
+        <p:grpSpPr>
+          <a:xfrm>
+            <a:off x="322729" y="2054711"/>
+            <a:ext cx="344245" cy="2022437"/>
+            <a:chOff x="322729" y="2054711"/>
+            <a:chExt cx="344245" cy="2022437"/>
+          </a:xfrm>
+        </p:grpSpPr>
+        <p:cxnSp>
+          <p:nvCxnSpPr>
+            <p:cNvPr id="17" name="Gerader Verbinder 16">
+              <a:extLst>
+                <a:ext uri="{FF2B5EF4-FFF2-40B4-BE49-F238E27FC236}">
+                  <a16:creationId xmlns:a16="http://schemas.microsoft.com/office/drawing/2014/main" id="{B1BC373F-F3E5-77CF-D146-A848041E58B7}"/>
+                </a:ext>
+              </a:extLst>
+            </p:cNvPr>
+            <p:cNvCxnSpPr/>
+            <p:nvPr/>
+          </p:nvCxnSpPr>
+          <p:spPr>
+            <a:xfrm flipH="1">
+              <a:off x="333487" y="2054711"/>
+              <a:ext cx="333487" cy="0"/>
+            </a:xfrm>
+            <a:prstGeom prst="line">
+              <a:avLst/>
+            </a:prstGeom>
+            <a:ln w="25400">
+              <a:solidFill>
+                <a:schemeClr val="accent6">
+                  <a:lumMod val="50000"/>
+                </a:schemeClr>
+              </a:solidFill>
+            </a:ln>
+          </p:spPr>
+          <p:style>
+            <a:lnRef idx="1">
+              <a:schemeClr val="accent1"/>
+            </a:lnRef>
+            <a:fillRef idx="0">
+              <a:schemeClr val="accent1"/>
+            </a:fillRef>
+            <a:effectRef idx="0">
+              <a:schemeClr val="accent1"/>
+            </a:effectRef>
+            <a:fontRef idx="minor">
               <a:schemeClr val="tx1"/>
-            </a:solidFill>
-            <a:tailEnd type="triangle"/>
-          </a:ln>
-        </p:spPr>
-        <p:style>
-          <a:lnRef idx="1">
-            <a:schemeClr val="accent1"/>
-          </a:lnRef>
-          <a:fillRef idx="0">
-            <a:schemeClr val="accent1"/>
-          </a:fillRef>
-          <a:effectRef idx="0">
-            <a:schemeClr val="accent1"/>
-          </a:effectRef>
-          <a:fontRef idx="minor">
-            <a:schemeClr val="tx1"/>
-          </a:fontRef>
-        </p:style>
-      </p:cxnSp>
-      <p:cxnSp>
-        <p:nvCxnSpPr>
-          <p:cNvPr id="48" name="Gerade Verbindung mit Pfeil 47">
-            <a:extLst>
-              <a:ext uri="{FF2B5EF4-FFF2-40B4-BE49-F238E27FC236}">
-                <a16:creationId xmlns:a16="http://schemas.microsoft.com/office/drawing/2014/main" id="{6C52F57B-B050-99F5-F5B4-BACE0E9C14C5}"/>
-              </a:ext>
-            </a:extLst>
-          </p:cNvPr>
-          <p:cNvCxnSpPr>
-            <a:cxnSpLocks/>
-            <a:endCxn id="32" idx="1"/>
-          </p:cNvCxnSpPr>
-          <p:nvPr/>
-        </p:nvCxnSpPr>
-        <p:spPr>
-          <a:xfrm>
-            <a:off x="7209695" y="5281591"/>
-            <a:ext cx="950299" cy="318808"/>
-          </a:xfrm>
-          <a:prstGeom prst="straightConnector1">
-            <a:avLst/>
-          </a:prstGeom>
-          <a:ln w="22225">
-            <a:solidFill>
+            </a:fontRef>
+          </p:style>
+        </p:cxnSp>
+        <p:cxnSp>
+          <p:nvCxnSpPr>
+            <p:cNvPr id="25" name="Gerader Verbinder 24">
+              <a:extLst>
+                <a:ext uri="{FF2B5EF4-FFF2-40B4-BE49-F238E27FC236}">
+                  <a16:creationId xmlns:a16="http://schemas.microsoft.com/office/drawing/2014/main" id="{F2A7D8DA-5623-D7DC-8DE2-BB0CEFC3830C}"/>
+                </a:ext>
+              </a:extLst>
+            </p:cNvPr>
+            <p:cNvCxnSpPr>
+              <a:cxnSpLocks/>
+            </p:cNvCxnSpPr>
+            <p:nvPr/>
+          </p:nvCxnSpPr>
+          <p:spPr>
+            <a:xfrm flipH="1">
+              <a:off x="322729" y="2054711"/>
+              <a:ext cx="10758" cy="2022437"/>
+            </a:xfrm>
+            <a:prstGeom prst="line">
+              <a:avLst/>
+            </a:prstGeom>
+            <a:ln w="25400">
+              <a:solidFill>
+                <a:schemeClr val="accent6">
+                  <a:lumMod val="50000"/>
+                </a:schemeClr>
+              </a:solidFill>
+            </a:ln>
+          </p:spPr>
+          <p:style>
+            <a:lnRef idx="1">
+              <a:schemeClr val="accent1"/>
+            </a:lnRef>
+            <a:fillRef idx="0">
+              <a:schemeClr val="accent1"/>
+            </a:fillRef>
+            <a:effectRef idx="0">
+              <a:schemeClr val="accent1"/>
+            </a:effectRef>
+            <a:fontRef idx="minor">
               <a:schemeClr val="tx1"/>
-            </a:solidFill>
-            <a:tailEnd type="triangle"/>
-          </a:ln>
-        </p:spPr>
-        <p:style>
-          <a:lnRef idx="1">
-            <a:schemeClr val="accent1"/>
-          </a:lnRef>
-          <a:fillRef idx="0">
-            <a:schemeClr val="accent1"/>
-          </a:fillRef>
-          <a:effectRef idx="0">
-            <a:schemeClr val="accent1"/>
-          </a:effectRef>
-          <a:fontRef idx="minor">
-            <a:schemeClr val="tx1"/>
-          </a:fontRef>
-        </p:style>
-      </p:cxnSp>
+            </a:fontRef>
+          </p:style>
+        </p:cxnSp>
+        <p:cxnSp>
+          <p:nvCxnSpPr>
+            <p:cNvPr id="30" name="Gerade Verbindung mit Pfeil 29">
+              <a:extLst>
+                <a:ext uri="{FF2B5EF4-FFF2-40B4-BE49-F238E27FC236}">
+                  <a16:creationId xmlns:a16="http://schemas.microsoft.com/office/drawing/2014/main" id="{09B06707-49BD-DF45-D0F9-7E48984EB1DB}"/>
+                </a:ext>
+              </a:extLst>
+            </p:cNvPr>
+            <p:cNvCxnSpPr>
+              <a:endCxn id="22" idx="1"/>
+            </p:cNvCxnSpPr>
+            <p:nvPr/>
+          </p:nvCxnSpPr>
+          <p:spPr>
+            <a:xfrm flipV="1">
+              <a:off x="322729" y="4072312"/>
+              <a:ext cx="206125" cy="4836"/>
+            </a:xfrm>
+            <a:prstGeom prst="straightConnector1">
+              <a:avLst/>
+            </a:prstGeom>
+            <a:ln w="25400">
+              <a:solidFill>
+                <a:schemeClr val="accent6">
+                  <a:lumMod val="50000"/>
+                </a:schemeClr>
+              </a:solidFill>
+              <a:tailEnd type="triangle"/>
+            </a:ln>
+          </p:spPr>
+          <p:style>
+            <a:lnRef idx="1">
+              <a:schemeClr val="accent1"/>
+            </a:lnRef>
+            <a:fillRef idx="0">
+              <a:schemeClr val="accent1"/>
+            </a:fillRef>
+            <a:effectRef idx="0">
+              <a:schemeClr val="accent1"/>
+            </a:effectRef>
+            <a:fontRef idx="minor">
+              <a:schemeClr val="tx1"/>
+            </a:fontRef>
+          </p:style>
+        </p:cxnSp>
+      </p:grpSp>
     </p:spTree>
     <p:extLst>
       <p:ext uri="{BB962C8B-B14F-4D97-AF65-F5344CB8AC3E}">

--- a/project/Project.pptx
+++ b/project/Project.pptx
@@ -15,6 +15,7 @@
     <p:sldId id="265" r:id="rId9"/>
     <p:sldId id="266" r:id="rId10"/>
     <p:sldId id="269" r:id="rId11"/>
+    <p:sldId id="270" r:id="rId12"/>
   </p:sldIdLst>
   <p:sldSz cx="9906000" cy="6858000" type="A4"/>
   <p:notesSz cx="6858000" cy="9144000"/>
@@ -3899,6 +3900,375 @@
     <p:extLst>
       <p:ext uri="{BB962C8B-B14F-4D97-AF65-F5344CB8AC3E}">
         <p14:creationId xmlns:p14="http://schemas.microsoft.com/office/powerpoint/2010/main" val="764371470"/>
+      </p:ext>
+    </p:extLst>
+  </p:cSld>
+  <p:clrMapOvr>
+    <a:masterClrMapping/>
+  </p:clrMapOvr>
+</p:sld>
+</file>
+
+<file path=ppt/slides/slide11.xml><?xml version="1.0" encoding="utf-8"?>
+<p:sld xmlns:a="http://schemas.openxmlformats.org/drawingml/2006/main" xmlns:r="http://schemas.openxmlformats.org/officeDocument/2006/relationships" xmlns:p="http://schemas.openxmlformats.org/presentationml/2006/main">
+  <p:cSld>
+    <p:spTree>
+      <p:nvGrpSpPr>
+        <p:cNvPr id="1" name=""/>
+        <p:cNvGrpSpPr/>
+        <p:nvPr/>
+      </p:nvGrpSpPr>
+      <p:grpSpPr>
+        <a:xfrm>
+          <a:off x="0" y="0"/>
+          <a:ext cx="0" cy="0"/>
+          <a:chOff x="0" y="0"/>
+          <a:chExt cx="0" cy="0"/>
+        </a:xfrm>
+      </p:grpSpPr>
+      <p:sp>
+        <p:nvSpPr>
+          <p:cNvPr id="26" name="Textfeld 25">
+            <a:extLst>
+              <a:ext uri="{FF2B5EF4-FFF2-40B4-BE49-F238E27FC236}">
+                <a16:creationId xmlns:a16="http://schemas.microsoft.com/office/drawing/2014/main" id="{E5229098-1146-2BBD-D75D-639ED2A05A0D}"/>
+              </a:ext>
+            </a:extLst>
+          </p:cNvPr>
+          <p:cNvSpPr txBox="1"/>
+          <p:nvPr/>
+        </p:nvSpPr>
+        <p:spPr>
+          <a:xfrm>
+            <a:off x="190156" y="88968"/>
+            <a:ext cx="9352657" cy="523220"/>
+          </a:xfrm>
+          <a:prstGeom prst="rect">
+            <a:avLst/>
+          </a:prstGeom>
+          <a:noFill/>
+        </p:spPr>
+        <p:txBody>
+          <a:bodyPr wrap="square" rtlCol="0">
+            <a:spAutoFit/>
+          </a:bodyPr>
+          <a:lstStyle/>
+          <a:p>
+            <a:pPr algn="ctr"/>
+            <a:r>
+              <a:rPr lang="en-US" sz="2800" b="1" dirty="0"/>
+              <a:t>Plan ahead</a:t>
+            </a:r>
+          </a:p>
+        </p:txBody>
+      </p:sp>
+      <p:sp>
+        <p:nvSpPr>
+          <p:cNvPr id="6" name="Textfeld 5">
+            <a:extLst>
+              <a:ext uri="{FF2B5EF4-FFF2-40B4-BE49-F238E27FC236}">
+                <a16:creationId xmlns:a16="http://schemas.microsoft.com/office/drawing/2014/main" id="{B2C8E73A-D5B2-7030-ED9E-A135B7A453EF}"/>
+              </a:ext>
+            </a:extLst>
+          </p:cNvPr>
+          <p:cNvSpPr txBox="1"/>
+          <p:nvPr/>
+        </p:nvSpPr>
+        <p:spPr>
+          <a:xfrm>
+            <a:off x="649455" y="840343"/>
+            <a:ext cx="7080356" cy="461665"/>
+          </a:xfrm>
+          <a:prstGeom prst="rect">
+            <a:avLst/>
+          </a:prstGeom>
+          <a:noFill/>
+          <a:ln>
+            <a:solidFill>
+              <a:srgbClr val="FF0000"/>
+            </a:solidFill>
+          </a:ln>
+        </p:spPr>
+        <p:txBody>
+          <a:bodyPr wrap="square">
+            <a:spAutoFit/>
+          </a:bodyPr>
+          <a:lstStyle/>
+          <a:p>
+            <a:r>
+              <a:rPr lang="de-DE" sz="2400" dirty="0">
+                <a:solidFill>
+                  <a:srgbClr val="FF0000"/>
+                </a:solidFill>
+              </a:rPr>
+              <a:t>Create </a:t>
+            </a:r>
+            <a:r>
+              <a:rPr lang="de-DE" sz="2400" dirty="0" err="1">
+                <a:solidFill>
+                  <a:srgbClr val="FF0000"/>
+                </a:solidFill>
+              </a:rPr>
+              <a:t>Ontology</a:t>
+            </a:r>
+            <a:r>
+              <a:rPr lang="de-DE" sz="2400" dirty="0">
+                <a:solidFill>
+                  <a:srgbClr val="FF0000"/>
+                </a:solidFill>
+              </a:rPr>
+              <a:t> </a:t>
+            </a:r>
+            <a:r>
+              <a:rPr lang="de-DE" sz="2400" dirty="0" err="1">
+                <a:solidFill>
+                  <a:srgbClr val="FF0000"/>
+                </a:solidFill>
+              </a:rPr>
+              <a:t>based</a:t>
+            </a:r>
+            <a:r>
+              <a:rPr lang="de-DE" sz="2400" dirty="0">
+                <a:solidFill>
+                  <a:srgbClr val="FF0000"/>
+                </a:solidFill>
+              </a:rPr>
+              <a:t> on </a:t>
+            </a:r>
+            <a:r>
+              <a:rPr lang="de-DE" sz="2400" dirty="0" err="1">
+                <a:solidFill>
+                  <a:srgbClr val="FF0000"/>
+                </a:solidFill>
+              </a:rPr>
+              <a:t>coming</a:t>
+            </a:r>
+            <a:r>
+              <a:rPr lang="de-DE" sz="2400" dirty="0">
+                <a:solidFill>
+                  <a:srgbClr val="FF0000"/>
+                </a:solidFill>
+              </a:rPr>
+              <a:t> </a:t>
+            </a:r>
+            <a:r>
+              <a:rPr lang="de-DE" sz="2400" dirty="0" err="1">
+                <a:solidFill>
+                  <a:srgbClr val="FF0000"/>
+                </a:solidFill>
+              </a:rPr>
+              <a:t>taxonomy</a:t>
+            </a:r>
+            <a:r>
+              <a:rPr lang="de-DE" sz="2400" dirty="0">
+                <a:solidFill>
+                  <a:srgbClr val="FF0000"/>
+                </a:solidFill>
+              </a:rPr>
+              <a:t>:</a:t>
+            </a:r>
+          </a:p>
+        </p:txBody>
+      </p:sp>
+      <p:sp>
+        <p:nvSpPr>
+          <p:cNvPr id="7" name="Ellipse 6">
+            <a:extLst>
+              <a:ext uri="{FF2B5EF4-FFF2-40B4-BE49-F238E27FC236}">
+                <a16:creationId xmlns:a16="http://schemas.microsoft.com/office/drawing/2014/main" id="{CA266943-A0F0-E046-846C-2DDE21EA3A1D}"/>
+              </a:ext>
+            </a:extLst>
+          </p:cNvPr>
+          <p:cNvSpPr/>
+          <p:nvPr/>
+        </p:nvSpPr>
+        <p:spPr>
+          <a:xfrm>
+            <a:off x="6917608" y="5369825"/>
+            <a:ext cx="1624405" cy="1065007"/>
+          </a:xfrm>
+          <a:prstGeom prst="ellipse">
+            <a:avLst/>
+          </a:prstGeom>
+          <a:solidFill>
+            <a:schemeClr val="accent5">
+              <a:lumMod val="20000"/>
+              <a:lumOff val="80000"/>
+            </a:schemeClr>
+          </a:solidFill>
+          <a:ln w="31750"/>
+        </p:spPr>
+        <p:style>
+          <a:lnRef idx="2">
+            <a:schemeClr val="accent1">
+              <a:shade val="15000"/>
+            </a:schemeClr>
+          </a:lnRef>
+          <a:fillRef idx="1">
+            <a:schemeClr val="accent1"/>
+          </a:fillRef>
+          <a:effectRef idx="0">
+            <a:schemeClr val="accent1"/>
+          </a:effectRef>
+          <a:fontRef idx="minor">
+            <a:schemeClr val="lt1"/>
+          </a:fontRef>
+        </p:style>
+        <p:txBody>
+          <a:bodyPr lIns="0" tIns="0" rIns="0" bIns="0" rtlCol="0" anchor="ctr"/>
+          <a:lstStyle/>
+          <a:p>
+            <a:pPr algn="ctr"/>
+            <a:r>
+              <a:rPr lang="de-DE" sz="1600" dirty="0">
+                <a:solidFill>
+                  <a:schemeClr val="tx1"/>
+                </a:solidFill>
+              </a:rPr>
+              <a:t>Knowledge Graph</a:t>
+            </a:r>
+          </a:p>
+        </p:txBody>
+      </p:sp>
+      <p:cxnSp>
+        <p:nvCxnSpPr>
+          <p:cNvPr id="8" name="Gerade Verbindung mit Pfeil 7">
+            <a:extLst>
+              <a:ext uri="{FF2B5EF4-FFF2-40B4-BE49-F238E27FC236}">
+                <a16:creationId xmlns:a16="http://schemas.microsoft.com/office/drawing/2014/main" id="{4E4D9E1F-B56D-89BF-68FB-82E049D0F542}"/>
+              </a:ext>
+            </a:extLst>
+          </p:cNvPr>
+          <p:cNvCxnSpPr>
+            <a:cxnSpLocks/>
+            <a:endCxn id="7" idx="2"/>
+          </p:cNvCxnSpPr>
+          <p:nvPr/>
+        </p:nvCxnSpPr>
+        <p:spPr>
+          <a:xfrm>
+            <a:off x="5525965" y="5902329"/>
+            <a:ext cx="1391643" cy="0"/>
+          </a:xfrm>
+          <a:prstGeom prst="straightConnector1">
+            <a:avLst/>
+          </a:prstGeom>
+          <a:ln w="63500">
+            <a:solidFill>
+              <a:schemeClr val="accent6">
+                <a:lumMod val="75000"/>
+              </a:schemeClr>
+            </a:solidFill>
+            <a:tailEnd type="triangle"/>
+          </a:ln>
+        </p:spPr>
+        <p:style>
+          <a:lnRef idx="1">
+            <a:schemeClr val="accent1"/>
+          </a:lnRef>
+          <a:fillRef idx="0">
+            <a:schemeClr val="accent1"/>
+          </a:fillRef>
+          <a:effectRef idx="0">
+            <a:schemeClr val="accent1"/>
+          </a:effectRef>
+          <a:fontRef idx="minor">
+            <a:schemeClr val="tx1"/>
+          </a:fontRef>
+        </p:style>
+      </p:cxnSp>
+      <p:sp>
+        <p:nvSpPr>
+          <p:cNvPr id="9" name="Textfeld 8">
+            <a:extLst>
+              <a:ext uri="{FF2B5EF4-FFF2-40B4-BE49-F238E27FC236}">
+                <a16:creationId xmlns:a16="http://schemas.microsoft.com/office/drawing/2014/main" id="{96666956-C7D2-C2EA-96E9-F7E0C7E8EF78}"/>
+              </a:ext>
+            </a:extLst>
+          </p:cNvPr>
+          <p:cNvSpPr txBox="1"/>
+          <p:nvPr/>
+        </p:nvSpPr>
+        <p:spPr>
+          <a:xfrm>
+            <a:off x="5045319" y="4721741"/>
+            <a:ext cx="1964608" cy="646331"/>
+          </a:xfrm>
+          <a:prstGeom prst="rect">
+            <a:avLst/>
+          </a:prstGeom>
+          <a:noFill/>
+        </p:spPr>
+        <p:txBody>
+          <a:bodyPr wrap="square" rtlCol="0">
+            <a:spAutoFit/>
+          </a:bodyPr>
+          <a:lstStyle/>
+          <a:p>
+            <a:r>
+              <a:rPr lang="de-DE" dirty="0" err="1">
+                <a:solidFill>
+                  <a:schemeClr val="accent6">
+                    <a:lumMod val="50000"/>
+                  </a:schemeClr>
+                </a:solidFill>
+              </a:rPr>
+              <a:t>Automaticimport</a:t>
+            </a:r>
+            <a:r>
+              <a:rPr lang="de-DE" dirty="0">
+                <a:solidFill>
+                  <a:schemeClr val="accent6">
+                    <a:lumMod val="50000"/>
+                  </a:schemeClr>
+                </a:solidFill>
+              </a:rPr>
+              <a:t> </a:t>
+            </a:r>
+            <a:r>
+              <a:rPr lang="de-DE" dirty="0" err="1">
+                <a:solidFill>
+                  <a:schemeClr val="accent6">
+                    <a:lumMod val="50000"/>
+                  </a:schemeClr>
+                </a:solidFill>
+              </a:rPr>
+              <a:t>into</a:t>
+            </a:r>
+            <a:r>
+              <a:rPr lang="de-DE" dirty="0">
+                <a:solidFill>
+                  <a:schemeClr val="accent6">
+                    <a:lumMod val="50000"/>
+                  </a:schemeClr>
+                </a:solidFill>
+              </a:rPr>
+              <a:t>  </a:t>
+            </a:r>
+            <a:r>
+              <a:rPr lang="de-DE" dirty="0" err="1">
+                <a:solidFill>
+                  <a:schemeClr val="accent6">
+                    <a:lumMod val="50000"/>
+                  </a:schemeClr>
+                </a:solidFill>
+              </a:rPr>
+              <a:t>Cypher</a:t>
+            </a:r>
+            <a:endParaRPr lang="de-DE" dirty="0">
+              <a:solidFill>
+                <a:schemeClr val="accent6">
+                  <a:lumMod val="50000"/>
+                </a:schemeClr>
+              </a:solidFill>
+            </a:endParaRPr>
+          </a:p>
+        </p:txBody>
+      </p:sp>
+    </p:spTree>
+    <p:extLst>
+      <p:ext uri="{BB962C8B-B14F-4D97-AF65-F5344CB8AC3E}">
+        <p14:creationId xmlns:p14="http://schemas.microsoft.com/office/powerpoint/2010/main" val="1742790173"/>
       </p:ext>
     </p:extLst>
   </p:cSld>
